--- a/RockHall.pptx
+++ b/RockHall.pptx
@@ -7,6 +7,8 @@
   <p:sldIdLst>
     <p:sldId id="258" r:id="rId2"/>
     <p:sldId id="256" r:id="rId3"/>
+    <p:sldId id="259" r:id="rId4"/>
+    <p:sldId id="260" r:id="rId5"/>
   </p:sldIdLst>
   <p:sldSz cx="12192000" cy="6858000"/>
   <p:notesSz cx="6858000" cy="9144000"/>
@@ -244,7 +246,7 @@
           <a:p>
             <a:fld id="{F8F16AF3-5623-4ADF-A279-DFF06AFC7B8D}" type="datetimeFigureOut">
               <a:rPr lang="en-US" smtClean="0"/>
-              <a:t>10/25/2018</a:t>
+              <a:t>10/26/2018</a:t>
             </a:fld>
             <a:endParaRPr lang="en-US"/>
           </a:p>
@@ -414,7 +416,7 @@
           <a:p>
             <a:fld id="{F8F16AF3-5623-4ADF-A279-DFF06AFC7B8D}" type="datetimeFigureOut">
               <a:rPr lang="en-US" smtClean="0"/>
-              <a:t>10/25/2018</a:t>
+              <a:t>10/26/2018</a:t>
             </a:fld>
             <a:endParaRPr lang="en-US"/>
           </a:p>
@@ -594,7 +596,7 @@
           <a:p>
             <a:fld id="{F8F16AF3-5623-4ADF-A279-DFF06AFC7B8D}" type="datetimeFigureOut">
               <a:rPr lang="en-US" smtClean="0"/>
-              <a:t>10/25/2018</a:t>
+              <a:t>10/26/2018</a:t>
             </a:fld>
             <a:endParaRPr lang="en-US"/>
           </a:p>
@@ -764,7 +766,7 @@
           <a:p>
             <a:fld id="{F8F16AF3-5623-4ADF-A279-DFF06AFC7B8D}" type="datetimeFigureOut">
               <a:rPr lang="en-US" smtClean="0"/>
-              <a:t>10/25/2018</a:t>
+              <a:t>10/26/2018</a:t>
             </a:fld>
             <a:endParaRPr lang="en-US"/>
           </a:p>
@@ -1010,7 +1012,7 @@
           <a:p>
             <a:fld id="{F8F16AF3-5623-4ADF-A279-DFF06AFC7B8D}" type="datetimeFigureOut">
               <a:rPr lang="en-US" smtClean="0"/>
-              <a:t>10/25/2018</a:t>
+              <a:t>10/26/2018</a:t>
             </a:fld>
             <a:endParaRPr lang="en-US"/>
           </a:p>
@@ -1242,7 +1244,7 @@
           <a:p>
             <a:fld id="{F8F16AF3-5623-4ADF-A279-DFF06AFC7B8D}" type="datetimeFigureOut">
               <a:rPr lang="en-US" smtClean="0"/>
-              <a:t>10/25/2018</a:t>
+              <a:t>10/26/2018</a:t>
             </a:fld>
             <a:endParaRPr lang="en-US"/>
           </a:p>
@@ -1609,7 +1611,7 @@
           <a:p>
             <a:fld id="{F8F16AF3-5623-4ADF-A279-DFF06AFC7B8D}" type="datetimeFigureOut">
               <a:rPr lang="en-US" smtClean="0"/>
-              <a:t>10/25/2018</a:t>
+              <a:t>10/26/2018</a:t>
             </a:fld>
             <a:endParaRPr lang="en-US"/>
           </a:p>
@@ -1727,7 +1729,7 @@
           <a:p>
             <a:fld id="{F8F16AF3-5623-4ADF-A279-DFF06AFC7B8D}" type="datetimeFigureOut">
               <a:rPr lang="en-US" smtClean="0"/>
-              <a:t>10/25/2018</a:t>
+              <a:t>10/26/2018</a:t>
             </a:fld>
             <a:endParaRPr lang="en-US"/>
           </a:p>
@@ -1822,7 +1824,7 @@
           <a:p>
             <a:fld id="{F8F16AF3-5623-4ADF-A279-DFF06AFC7B8D}" type="datetimeFigureOut">
               <a:rPr lang="en-US" smtClean="0"/>
-              <a:t>10/25/2018</a:t>
+              <a:t>10/26/2018</a:t>
             </a:fld>
             <a:endParaRPr lang="en-US"/>
           </a:p>
@@ -2099,7 +2101,7 @@
           <a:p>
             <a:fld id="{F8F16AF3-5623-4ADF-A279-DFF06AFC7B8D}" type="datetimeFigureOut">
               <a:rPr lang="en-US" smtClean="0"/>
-              <a:t>10/25/2018</a:t>
+              <a:t>10/26/2018</a:t>
             </a:fld>
             <a:endParaRPr lang="en-US"/>
           </a:p>
@@ -2356,7 +2358,7 @@
           <a:p>
             <a:fld id="{F8F16AF3-5623-4ADF-A279-DFF06AFC7B8D}" type="datetimeFigureOut">
               <a:rPr lang="en-US" smtClean="0"/>
-              <a:t>10/25/2018</a:t>
+              <a:t>10/26/2018</a:t>
             </a:fld>
             <a:endParaRPr lang="en-US"/>
           </a:p>
@@ -2569,7 +2571,7 @@
           <a:p>
             <a:fld id="{F8F16AF3-5623-4ADF-A279-DFF06AFC7B8D}" type="datetimeFigureOut">
               <a:rPr lang="en-US" smtClean="0"/>
-              <a:t>10/25/2018</a:t>
+              <a:t>10/26/2018</a:t>
             </a:fld>
             <a:endParaRPr lang="en-US"/>
           </a:p>
@@ -3338,13 +3340,13 @@
   <p:clrMapOvr>
     <a:masterClrMapping/>
   </p:clrMapOvr>
-  <mc:AlternateContent xmlns:mc="http://schemas.openxmlformats.org/markup-compatibility/2006">
-    <mc:Choice xmlns:p14="http://schemas.microsoft.com/office/powerpoint/2010/main" Requires="p14">
+  <mc:AlternateContent xmlns:mc="http://schemas.openxmlformats.org/markup-compatibility/2006" xmlns:p14="http://schemas.microsoft.com/office/powerpoint/2010/main">
+    <mc:Choice Requires="p14">
       <p:transition spd="slow" p14:dur="800">
         <p:circle/>
       </p:transition>
     </mc:Choice>
-    <mc:Fallback>
+    <mc:Fallback xmlns="">
       <p:transition spd="slow">
         <p:circle/>
       </p:transition>
@@ -3842,6 +3844,2490 @@
     <p:bldLst>
       <p:bldP spid="3" grpId="0" build="p"/>
     </p:bldLst>
+  </p:timing>
+</p:sld>
+</file>
+
+<file path=ppt/slides/slide3.xml><?xml version="1.0" encoding="utf-8"?>
+<p:sld xmlns:a="http://schemas.openxmlformats.org/drawingml/2006/main" xmlns:r="http://schemas.openxmlformats.org/officeDocument/2006/relationships" xmlns:p="http://schemas.openxmlformats.org/presentationml/2006/main">
+  <p:cSld>
+    <p:bg>
+      <p:bgPr>
+        <a:solidFill>
+          <a:schemeClr val="bg1"/>
+        </a:solidFill>
+        <a:effectLst/>
+      </p:bgPr>
+    </p:bg>
+    <p:spTree>
+      <p:nvGrpSpPr>
+        <p:cNvPr id="1" name=""/>
+        <p:cNvGrpSpPr/>
+        <p:nvPr/>
+      </p:nvGrpSpPr>
+      <p:grpSpPr>
+        <a:xfrm>
+          <a:off x="0" y="0"/>
+          <a:ext cx="0" cy="0"/>
+          <a:chOff x="0" y="0"/>
+          <a:chExt cx="0" cy="0"/>
+        </a:xfrm>
+      </p:grpSpPr>
+      <p:sp>
+        <p:nvSpPr>
+          <p:cNvPr id="2" name="Title 1">
+            <a:extLst>
+              <a:ext uri="{FF2B5EF4-FFF2-40B4-BE49-F238E27FC236}">
+                <a16:creationId xmlns:a16="http://schemas.microsoft.com/office/drawing/2014/main" id="{91F5C009-850A-4891-8FAD-D2F9036DE2E9}"/>
+              </a:ext>
+            </a:extLst>
+          </p:cNvPr>
+          <p:cNvSpPr>
+            <a:spLocks noGrp="1"/>
+          </p:cNvSpPr>
+          <p:nvPr>
+            <p:ph type="ctrTitle"/>
+          </p:nvPr>
+        </p:nvSpPr>
+        <p:spPr>
+          <a:xfrm>
+            <a:off x="4162425" y="400050"/>
+            <a:ext cx="7058025" cy="1655761"/>
+          </a:xfrm>
+        </p:spPr>
+        <p:txBody>
+          <a:bodyPr>
+            <a:normAutofit fontScale="90000"/>
+          </a:bodyPr>
+          <a:lstStyle/>
+          <a:p>
+            <a:r>
+              <a:rPr lang="en-US" sz="6700" dirty="0">
+                <a:latin typeface="Eurostile" panose="020B0704020202050204" pitchFamily="34" charset="0"/>
+              </a:rPr>
+              <a:t>2019 NOMINEES</a:t>
+            </a:r>
+            <a:br>
+              <a:rPr lang="en-US" dirty="0"/>
+            </a:br>
+            <a:endParaRPr lang="en-US" dirty="0"/>
+          </a:p>
+        </p:txBody>
+      </p:sp>
+      <p:sp>
+        <p:nvSpPr>
+          <p:cNvPr id="3" name="Subtitle 2">
+            <a:extLst>
+              <a:ext uri="{FF2B5EF4-FFF2-40B4-BE49-F238E27FC236}">
+                <a16:creationId xmlns:a16="http://schemas.microsoft.com/office/drawing/2014/main" id="{9828A2C6-0765-445B-8030-69399EDB59D7}"/>
+              </a:ext>
+            </a:extLst>
+          </p:cNvPr>
+          <p:cNvSpPr>
+            <a:spLocks noGrp="1"/>
+          </p:cNvSpPr>
+          <p:nvPr>
+            <p:ph type="subTitle" idx="1"/>
+          </p:nvPr>
+        </p:nvSpPr>
+        <p:spPr>
+          <a:xfrm>
+            <a:off x="905522" y="2774158"/>
+            <a:ext cx="10314928" cy="3683792"/>
+          </a:xfrm>
+        </p:spPr>
+        <p:txBody>
+          <a:bodyPr numCol="3">
+            <a:normAutofit lnSpcReduction="10000"/>
+          </a:bodyPr>
+          <a:lstStyle/>
+          <a:p>
+            <a:pPr lvl="0"/>
+            <a:endParaRPr lang="en-US" dirty="0"/>
+          </a:p>
+          <a:p>
+            <a:pPr marL="342900" lvl="0" indent="-342900">
+              <a:buFont typeface="Arial" panose="020B0604020202020204" pitchFamily="34" charset="0"/>
+              <a:buChar char="•"/>
+            </a:pPr>
+            <a:r>
+              <a:rPr lang="en-US" dirty="0"/>
+              <a:t>Def Leppard</a:t>
+            </a:r>
+          </a:p>
+          <a:p>
+            <a:pPr marL="342900" lvl="0" indent="-342900">
+              <a:buFont typeface="Arial" panose="020B0604020202020204" pitchFamily="34" charset="0"/>
+              <a:buChar char="•"/>
+            </a:pPr>
+            <a:r>
+              <a:rPr lang="en-US" dirty="0"/>
+              <a:t>Devo</a:t>
+            </a:r>
+          </a:p>
+          <a:p>
+            <a:pPr marL="342900" lvl="0" indent="-342900">
+              <a:buFont typeface="Arial" panose="020B0604020202020204" pitchFamily="34" charset="0"/>
+              <a:buChar char="•"/>
+            </a:pPr>
+            <a:r>
+              <a:rPr lang="en-US" dirty="0"/>
+              <a:t>Janet Jackson</a:t>
+            </a:r>
+          </a:p>
+          <a:p>
+            <a:pPr marL="342900" lvl="0" indent="-342900">
+              <a:buFont typeface="Arial" panose="020B0604020202020204" pitchFamily="34" charset="0"/>
+              <a:buChar char="•"/>
+            </a:pPr>
+            <a:r>
+              <a:rPr lang="en-US" dirty="0"/>
+              <a:t>John </a:t>
+            </a:r>
+            <a:r>
+              <a:rPr lang="en-US" dirty="0" err="1"/>
+              <a:t>Prine</a:t>
+            </a:r>
+            <a:endParaRPr lang="en-US" dirty="0"/>
+          </a:p>
+          <a:p>
+            <a:pPr marL="342900" lvl="0" indent="-342900">
+              <a:buFont typeface="Arial" panose="020B0604020202020204" pitchFamily="34" charset="0"/>
+              <a:buChar char="•"/>
+            </a:pPr>
+            <a:r>
+              <a:rPr lang="en-US" dirty="0"/>
+              <a:t>Kraftwerk</a:t>
+            </a:r>
+          </a:p>
+          <a:p>
+            <a:pPr marL="342900" lvl="0" indent="-342900">
+              <a:buFont typeface="Arial" panose="020B0604020202020204" pitchFamily="34" charset="0"/>
+              <a:buChar char="•"/>
+            </a:pPr>
+            <a:endParaRPr lang="en-US" dirty="0"/>
+          </a:p>
+          <a:p>
+            <a:pPr marL="342900" lvl="0" indent="-342900">
+              <a:buFont typeface="Arial" panose="020B0604020202020204" pitchFamily="34" charset="0"/>
+              <a:buChar char="•"/>
+            </a:pPr>
+            <a:endParaRPr lang="en-US" dirty="0"/>
+          </a:p>
+          <a:p>
+            <a:pPr marL="342900" lvl="0" indent="-342900">
+              <a:buFont typeface="Arial" panose="020B0604020202020204" pitchFamily="34" charset="0"/>
+              <a:buChar char="•"/>
+            </a:pPr>
+            <a:endParaRPr lang="en-US" dirty="0"/>
+          </a:p>
+          <a:p>
+            <a:pPr marL="342900" lvl="0" indent="-342900">
+              <a:buFont typeface="Arial" panose="020B0604020202020204" pitchFamily="34" charset="0"/>
+              <a:buChar char="•"/>
+            </a:pPr>
+            <a:r>
+              <a:rPr lang="en-US" dirty="0"/>
+              <a:t>LL Cool J</a:t>
+            </a:r>
+          </a:p>
+          <a:p>
+            <a:pPr marL="342900" lvl="0" indent="-342900">
+              <a:buFont typeface="Arial" panose="020B0604020202020204" pitchFamily="34" charset="0"/>
+              <a:buChar char="•"/>
+            </a:pPr>
+            <a:r>
+              <a:rPr lang="en-US" dirty="0"/>
+              <a:t>MC5</a:t>
+            </a:r>
+          </a:p>
+          <a:p>
+            <a:pPr marL="342900" lvl="0" indent="-342900">
+              <a:buFont typeface="Arial" panose="020B0604020202020204" pitchFamily="34" charset="0"/>
+              <a:buChar char="•"/>
+            </a:pPr>
+            <a:r>
+              <a:rPr lang="en-US" dirty="0"/>
+              <a:t>Radiohead</a:t>
+            </a:r>
+          </a:p>
+          <a:p>
+            <a:pPr marL="342900" lvl="0" indent="-342900">
+              <a:buFont typeface="Arial" panose="020B0604020202020204" pitchFamily="34" charset="0"/>
+              <a:buChar char="•"/>
+            </a:pPr>
+            <a:r>
+              <a:rPr lang="en-US" dirty="0"/>
+              <a:t>Rage Against the Machine</a:t>
+            </a:r>
+          </a:p>
+          <a:p>
+            <a:pPr marL="342900" lvl="0" indent="-342900">
+              <a:buFont typeface="Arial" panose="020B0604020202020204" pitchFamily="34" charset="0"/>
+              <a:buChar char="•"/>
+            </a:pPr>
+            <a:r>
+              <a:rPr lang="en-US" dirty="0"/>
+              <a:t>Roxy Music</a:t>
+            </a:r>
+          </a:p>
+          <a:p>
+            <a:pPr marL="342900" lvl="0" indent="-342900">
+              <a:buFont typeface="Arial" panose="020B0604020202020204" pitchFamily="34" charset="0"/>
+              <a:buChar char="•"/>
+            </a:pPr>
+            <a:endParaRPr lang="en-US" dirty="0"/>
+          </a:p>
+          <a:p>
+            <a:pPr marL="342900" lvl="0" indent="-342900">
+              <a:buFont typeface="Arial" panose="020B0604020202020204" pitchFamily="34" charset="0"/>
+              <a:buChar char="•"/>
+            </a:pPr>
+            <a:endParaRPr lang="en-US" dirty="0"/>
+          </a:p>
+          <a:p>
+            <a:pPr marL="342900" lvl="0" indent="-342900">
+              <a:buFont typeface="Arial" panose="020B0604020202020204" pitchFamily="34" charset="0"/>
+              <a:buChar char="•"/>
+            </a:pPr>
+            <a:endParaRPr lang="en-US" dirty="0"/>
+          </a:p>
+          <a:p>
+            <a:pPr marL="342900" lvl="0" indent="-342900">
+              <a:buFont typeface="Arial" panose="020B0604020202020204" pitchFamily="34" charset="0"/>
+              <a:buChar char="•"/>
+            </a:pPr>
+            <a:r>
+              <a:rPr lang="en-US" dirty="0"/>
+              <a:t>Rufus feat. Chaka Khan</a:t>
+            </a:r>
+          </a:p>
+          <a:p>
+            <a:pPr marL="342900" lvl="0" indent="-342900">
+              <a:buFont typeface="Arial" panose="020B0604020202020204" pitchFamily="34" charset="0"/>
+              <a:buChar char="•"/>
+            </a:pPr>
+            <a:r>
+              <a:rPr lang="en-US" dirty="0"/>
+              <a:t>Stevie Nicks</a:t>
+            </a:r>
+          </a:p>
+          <a:p>
+            <a:pPr marL="342900" lvl="0" indent="-342900">
+              <a:buFont typeface="Arial" panose="020B0604020202020204" pitchFamily="34" charset="0"/>
+              <a:buChar char="•"/>
+            </a:pPr>
+            <a:r>
+              <a:rPr lang="en-US" dirty="0"/>
+              <a:t>The Cure</a:t>
+            </a:r>
+          </a:p>
+          <a:p>
+            <a:pPr marL="342900" lvl="0" indent="-342900">
+              <a:buFont typeface="Arial" panose="020B0604020202020204" pitchFamily="34" charset="0"/>
+              <a:buChar char="•"/>
+            </a:pPr>
+            <a:r>
+              <a:rPr lang="en-US" dirty="0"/>
+              <a:t>The Zombies</a:t>
+            </a:r>
+          </a:p>
+          <a:p>
+            <a:pPr marL="342900" lvl="0" indent="-342900">
+              <a:buFont typeface="Arial" panose="020B0604020202020204" pitchFamily="34" charset="0"/>
+              <a:buChar char="•"/>
+            </a:pPr>
+            <a:r>
+              <a:rPr lang="en-US" dirty="0"/>
+              <a:t>Todd </a:t>
+            </a:r>
+            <a:r>
+              <a:rPr lang="en-US" dirty="0" err="1"/>
+              <a:t>Rundgren</a:t>
+            </a:r>
+            <a:endParaRPr lang="en-US" dirty="0"/>
+          </a:p>
+          <a:p>
+            <a:pPr algn="l"/>
+            <a:endParaRPr lang="en-US" dirty="0"/>
+          </a:p>
+          <a:p>
+            <a:pPr marL="4000500" lvl="8" indent="-342900" algn="l">
+              <a:buFont typeface="Arial" panose="020B0604020202020204" pitchFamily="34" charset="0"/>
+              <a:buChar char="•"/>
+            </a:pPr>
+            <a:endParaRPr lang="en-US" dirty="0"/>
+          </a:p>
+        </p:txBody>
+      </p:sp>
+      <p:pic>
+        <p:nvPicPr>
+          <p:cNvPr id="5" name="Picture 4">
+            <a:extLst>
+              <a:ext uri="{FF2B5EF4-FFF2-40B4-BE49-F238E27FC236}">
+                <a16:creationId xmlns:a16="http://schemas.microsoft.com/office/drawing/2014/main" id="{3AA4D6A2-7ABF-440E-9F1F-24D35E34D210}"/>
+              </a:ext>
+            </a:extLst>
+          </p:cNvPr>
+          <p:cNvPicPr>
+            <a:picLocks noChangeAspect="1"/>
+          </p:cNvPicPr>
+          <p:nvPr/>
+        </p:nvPicPr>
+        <p:blipFill>
+          <a:blip r:embed="rId2">
+            <a:extLst>
+              <a:ext uri="{28A0092B-C50C-407E-A947-70E740481C1C}">
+                <a14:useLocalDpi xmlns:a14="http://schemas.microsoft.com/office/drawing/2010/main" val="0"/>
+              </a:ext>
+            </a:extLst>
+          </a:blip>
+          <a:stretch>
+            <a:fillRect/>
+          </a:stretch>
+        </p:blipFill>
+        <p:spPr>
+          <a:xfrm>
+            <a:off x="181906" y="101037"/>
+            <a:ext cx="3517900" cy="2042651"/>
+          </a:xfrm>
+          <a:prstGeom prst="rect">
+            <a:avLst/>
+          </a:prstGeom>
+          <a:ln>
+            <a:noFill/>
+          </a:ln>
+          <a:effectLst>
+            <a:reflection blurRad="12700" stA="30000" endPos="30000" dist="5000" dir="5400000" sy="-100000" algn="bl" rotWithShape="0"/>
+          </a:effectLst>
+          <a:scene3d>
+            <a:camera prst="perspectiveContrastingLeftFacing">
+              <a:rot lat="300000" lon="19800000" rev="0"/>
+            </a:camera>
+            <a:lightRig rig="threePt" dir="t">
+              <a:rot lat="0" lon="0" rev="2700000"/>
+            </a:lightRig>
+          </a:scene3d>
+          <a:sp3d>
+            <a:bevelT w="63500" h="50800"/>
+          </a:sp3d>
+        </p:spPr>
+      </p:pic>
+    </p:spTree>
+    <p:extLst>
+      <p:ext uri="{BB962C8B-B14F-4D97-AF65-F5344CB8AC3E}">
+        <p14:creationId xmlns:p14="http://schemas.microsoft.com/office/powerpoint/2010/main" val="2744111513"/>
+      </p:ext>
+    </p:extLst>
+  </p:cSld>
+  <p:clrMapOvr>
+    <a:masterClrMapping/>
+  </p:clrMapOvr>
+  <mc:AlternateContent xmlns:mc="http://schemas.openxmlformats.org/markup-compatibility/2006" xmlns:p14="http://schemas.microsoft.com/office/powerpoint/2010/main">
+    <mc:Choice Requires="p14">
+      <p:transition spd="slow" p14:dur="800">
+        <p:circle/>
+      </p:transition>
+    </mc:Choice>
+    <mc:Fallback xmlns="">
+      <p:transition spd="slow">
+        <p:circle/>
+      </p:transition>
+    </mc:Fallback>
+  </mc:AlternateContent>
+</p:sld>
+</file>
+
+<file path=ppt/slides/slide4.xml><?xml version="1.0" encoding="utf-8"?>
+<p:sld xmlns:a="http://schemas.openxmlformats.org/drawingml/2006/main" xmlns:r="http://schemas.openxmlformats.org/officeDocument/2006/relationships" xmlns:p="http://schemas.openxmlformats.org/presentationml/2006/main">
+  <p:cSld>
+    <p:bg>
+      <p:bgPr>
+        <a:solidFill>
+          <a:schemeClr val="bg1"/>
+        </a:solidFill>
+        <a:effectLst/>
+      </p:bgPr>
+    </p:bg>
+    <p:spTree>
+      <p:nvGrpSpPr>
+        <p:cNvPr id="1" name=""/>
+        <p:cNvGrpSpPr/>
+        <p:nvPr/>
+      </p:nvGrpSpPr>
+      <p:grpSpPr>
+        <a:xfrm>
+          <a:off x="0" y="0"/>
+          <a:ext cx="0" cy="0"/>
+          <a:chOff x="0" y="0"/>
+          <a:chExt cx="0" cy="0"/>
+        </a:xfrm>
+      </p:grpSpPr>
+      <p:sp>
+        <p:nvSpPr>
+          <p:cNvPr id="2" name="Title 1">
+            <a:extLst>
+              <a:ext uri="{FF2B5EF4-FFF2-40B4-BE49-F238E27FC236}">
+                <a16:creationId xmlns:a16="http://schemas.microsoft.com/office/drawing/2014/main" id="{91F5C009-850A-4891-8FAD-D2F9036DE2E9}"/>
+              </a:ext>
+            </a:extLst>
+          </p:cNvPr>
+          <p:cNvSpPr>
+            <a:spLocks noGrp="1"/>
+          </p:cNvSpPr>
+          <p:nvPr>
+            <p:ph type="ctrTitle"/>
+          </p:nvPr>
+        </p:nvSpPr>
+        <p:spPr>
+          <a:xfrm>
+            <a:off x="4162425" y="400050"/>
+            <a:ext cx="7058025" cy="1655761"/>
+          </a:xfrm>
+        </p:spPr>
+        <p:txBody>
+          <a:bodyPr>
+            <a:normAutofit fontScale="90000"/>
+          </a:bodyPr>
+          <a:lstStyle/>
+          <a:p>
+            <a:r>
+              <a:rPr lang="en-US" sz="6700" dirty="0">
+                <a:latin typeface="Eurostile" panose="020B0704020202050204" pitchFamily="34" charset="0"/>
+              </a:rPr>
+              <a:t>2019 PREDICTIONS</a:t>
+            </a:r>
+            <a:br>
+              <a:rPr lang="en-US" dirty="0"/>
+            </a:br>
+            <a:endParaRPr lang="en-US" dirty="0"/>
+          </a:p>
+        </p:txBody>
+      </p:sp>
+      <p:sp>
+        <p:nvSpPr>
+          <p:cNvPr id="3" name="Subtitle 2">
+            <a:extLst>
+              <a:ext uri="{FF2B5EF4-FFF2-40B4-BE49-F238E27FC236}">
+                <a16:creationId xmlns:a16="http://schemas.microsoft.com/office/drawing/2014/main" id="{9828A2C6-0765-445B-8030-69399EDB59D7}"/>
+              </a:ext>
+            </a:extLst>
+          </p:cNvPr>
+          <p:cNvSpPr>
+            <a:spLocks noGrp="1"/>
+          </p:cNvSpPr>
+          <p:nvPr>
+            <p:ph type="subTitle" idx="1"/>
+          </p:nvPr>
+        </p:nvSpPr>
+        <p:spPr>
+          <a:xfrm>
+            <a:off x="181907" y="2774158"/>
+            <a:ext cx="11785192" cy="3683792"/>
+          </a:xfrm>
+        </p:spPr>
+        <p:txBody>
+          <a:bodyPr numCol="3">
+            <a:normAutofit fontScale="55000" lnSpcReduction="20000"/>
+          </a:bodyPr>
+          <a:lstStyle/>
+          <a:p>
+            <a:r>
+              <a:rPr lang="en-US" sz="5100" u="sng" dirty="0"/>
+              <a:t>Mike’s Picks</a:t>
+            </a:r>
+          </a:p>
+          <a:p>
+            <a:pPr marL="342900" indent="-342900" algn="l">
+              <a:buFont typeface="Arial" panose="020B0604020202020204" pitchFamily="34" charset="0"/>
+              <a:buChar char="•"/>
+            </a:pPr>
+            <a:r>
+              <a:rPr lang="en-US" sz="5100" dirty="0"/>
+              <a:t>Def Leppard</a:t>
+            </a:r>
+          </a:p>
+          <a:p>
+            <a:pPr marL="342900" indent="-342900" algn="l">
+              <a:buFont typeface="Arial" panose="020B0604020202020204" pitchFamily="34" charset="0"/>
+              <a:buChar char="•"/>
+            </a:pPr>
+            <a:r>
+              <a:rPr lang="en-US" sz="5100" dirty="0"/>
+              <a:t>Devo</a:t>
+            </a:r>
+          </a:p>
+          <a:p>
+            <a:pPr marL="342900" indent="-342900" algn="l">
+              <a:buFont typeface="Arial" panose="020B0604020202020204" pitchFamily="34" charset="0"/>
+              <a:buChar char="•"/>
+            </a:pPr>
+            <a:r>
+              <a:rPr lang="en-US" sz="5100" dirty="0"/>
+              <a:t>Radiohead</a:t>
+            </a:r>
+          </a:p>
+          <a:p>
+            <a:pPr marL="342900" indent="-342900" algn="l">
+              <a:buFont typeface="Arial" panose="020B0604020202020204" pitchFamily="34" charset="0"/>
+              <a:buChar char="•"/>
+            </a:pPr>
+            <a:r>
+              <a:rPr lang="en-US" sz="5100" dirty="0"/>
+              <a:t>Janet Jackson</a:t>
+            </a:r>
+          </a:p>
+          <a:p>
+            <a:pPr marL="342900" indent="-342900" algn="l">
+              <a:buFont typeface="Arial" panose="020B0604020202020204" pitchFamily="34" charset="0"/>
+              <a:buChar char="•"/>
+            </a:pPr>
+            <a:r>
+              <a:rPr lang="en-US" sz="5100" dirty="0"/>
+              <a:t>Kraftwerk</a:t>
+            </a:r>
+          </a:p>
+          <a:p>
+            <a:endParaRPr lang="en-US" sz="5100" u="sng" dirty="0"/>
+          </a:p>
+          <a:p>
+            <a:endParaRPr lang="en-US" sz="5100" u="sng" dirty="0"/>
+          </a:p>
+          <a:p>
+            <a:r>
+              <a:rPr lang="en-US" sz="5100" u="sng" dirty="0"/>
+              <a:t>Billboard Picks</a:t>
+            </a:r>
+          </a:p>
+          <a:p>
+            <a:pPr marL="342900" indent="-342900" algn="l">
+              <a:buFont typeface="Arial" panose="020B0604020202020204" pitchFamily="34" charset="0"/>
+              <a:buChar char="•"/>
+            </a:pPr>
+            <a:r>
+              <a:rPr lang="en-US" sz="5100" dirty="0"/>
+              <a:t>Radiohead (Even)</a:t>
+            </a:r>
+          </a:p>
+          <a:p>
+            <a:pPr marL="342900" indent="-342900" algn="l">
+              <a:buFont typeface="Arial" panose="020B0604020202020204" pitchFamily="34" charset="0"/>
+              <a:buChar char="•"/>
+            </a:pPr>
+            <a:r>
+              <a:rPr lang="en-US" sz="5100" dirty="0"/>
+              <a:t>Stevie Nicks (3 to 2)</a:t>
+            </a:r>
+          </a:p>
+          <a:p>
+            <a:pPr marL="342900" indent="-342900" algn="l">
+              <a:buFont typeface="Arial" panose="020B0604020202020204" pitchFamily="34" charset="0"/>
+              <a:buChar char="•"/>
+            </a:pPr>
+            <a:r>
+              <a:rPr lang="en-US" sz="5100" dirty="0"/>
+              <a:t>Janet Jackson (2 to 1)</a:t>
+            </a:r>
+          </a:p>
+          <a:p>
+            <a:pPr marL="342900" indent="-342900" algn="l">
+              <a:buFont typeface="Arial" panose="020B0604020202020204" pitchFamily="34" charset="0"/>
+              <a:buChar char="•"/>
+            </a:pPr>
+            <a:r>
+              <a:rPr lang="en-US" sz="5100" dirty="0"/>
+              <a:t>The Zombies (2 to 1)</a:t>
+            </a:r>
+          </a:p>
+          <a:p>
+            <a:pPr marL="342900" indent="-342900" algn="l">
+              <a:buFont typeface="Arial" panose="020B0604020202020204" pitchFamily="34" charset="0"/>
+              <a:buChar char="•"/>
+            </a:pPr>
+            <a:r>
+              <a:rPr lang="en-US" sz="5100" dirty="0"/>
+              <a:t>Def Leppard (5 to 2)</a:t>
+            </a:r>
+          </a:p>
+          <a:p>
+            <a:pPr algn="l"/>
+            <a:endParaRPr lang="en-US" sz="5100" dirty="0"/>
+          </a:p>
+          <a:p>
+            <a:endParaRPr lang="en-US" sz="5100" u="sng" dirty="0"/>
+          </a:p>
+          <a:p>
+            <a:r>
+              <a:rPr lang="en-US" sz="5100" u="sng" dirty="0"/>
+              <a:t>Model Picks</a:t>
+            </a:r>
+          </a:p>
+          <a:p>
+            <a:pPr marL="342900" indent="-342900">
+              <a:buFont typeface="Arial" panose="020B0604020202020204" pitchFamily="34" charset="0"/>
+              <a:buChar char="•"/>
+            </a:pPr>
+            <a:r>
+              <a:rPr lang="en-US" sz="5100" dirty="0"/>
+              <a:t>Janet Jackson (95.2%)</a:t>
+            </a:r>
+          </a:p>
+          <a:p>
+            <a:pPr marL="342900" indent="-342900">
+              <a:buFont typeface="Arial" panose="020B0604020202020204" pitchFamily="34" charset="0"/>
+              <a:buChar char="•"/>
+            </a:pPr>
+            <a:r>
+              <a:rPr lang="en-US" sz="5100" dirty="0"/>
+              <a:t>Radiohead (94.2%)</a:t>
+            </a:r>
+          </a:p>
+          <a:p>
+            <a:pPr marL="342900" indent="-342900">
+              <a:buFont typeface="Arial" panose="020B0604020202020204" pitchFamily="34" charset="0"/>
+              <a:buChar char="•"/>
+            </a:pPr>
+            <a:r>
+              <a:rPr lang="en-US" sz="5100" dirty="0"/>
+              <a:t>Todd </a:t>
+            </a:r>
+            <a:r>
+              <a:rPr lang="en-US" sz="5100" dirty="0" err="1"/>
+              <a:t>Rundgren</a:t>
+            </a:r>
+            <a:r>
+              <a:rPr lang="en-US" sz="5100" dirty="0"/>
+              <a:t> (93%)</a:t>
+            </a:r>
+          </a:p>
+          <a:p>
+            <a:pPr marL="342900" indent="-342900">
+              <a:buFont typeface="Arial" panose="020B0604020202020204" pitchFamily="34" charset="0"/>
+              <a:buChar char="•"/>
+            </a:pPr>
+            <a:r>
+              <a:rPr lang="en-US" sz="5100" dirty="0"/>
+              <a:t>Def Leppard (88.6%)</a:t>
+            </a:r>
+          </a:p>
+          <a:p>
+            <a:pPr marL="342900" indent="-342900">
+              <a:buFont typeface="Arial" panose="020B0604020202020204" pitchFamily="34" charset="0"/>
+              <a:buChar char="•"/>
+            </a:pPr>
+            <a:r>
+              <a:rPr lang="en-US" sz="5100" dirty="0"/>
+              <a:t>The Cure (88%)</a:t>
+            </a:r>
+          </a:p>
+          <a:p>
+            <a:pPr marL="342900" indent="-342900">
+              <a:buFont typeface="Arial" panose="020B0604020202020204" pitchFamily="34" charset="0"/>
+              <a:buChar char="•"/>
+            </a:pPr>
+            <a:endParaRPr lang="en-US" dirty="0"/>
+          </a:p>
+          <a:p>
+            <a:pPr marL="342900" indent="-342900" algn="l">
+              <a:buFont typeface="Arial" panose="020B0604020202020204" pitchFamily="34" charset="0"/>
+              <a:buChar char="•"/>
+            </a:pPr>
+            <a:endParaRPr lang="en-US" dirty="0"/>
+          </a:p>
+          <a:p>
+            <a:pPr marL="342900" indent="-342900" algn="l">
+              <a:buFont typeface="Arial" panose="020B0604020202020204" pitchFamily="34" charset="0"/>
+              <a:buChar char="•"/>
+            </a:pPr>
+            <a:endParaRPr lang="en-US" dirty="0"/>
+          </a:p>
+          <a:p>
+            <a:pPr marL="342900" indent="-342900" algn="l">
+              <a:buFont typeface="Arial" panose="020B0604020202020204" pitchFamily="34" charset="0"/>
+              <a:buChar char="•"/>
+            </a:pPr>
+            <a:endParaRPr lang="en-US" dirty="0"/>
+          </a:p>
+        </p:txBody>
+      </p:sp>
+      <p:pic>
+        <p:nvPicPr>
+          <p:cNvPr id="5" name="Picture 4">
+            <a:extLst>
+              <a:ext uri="{FF2B5EF4-FFF2-40B4-BE49-F238E27FC236}">
+                <a16:creationId xmlns:a16="http://schemas.microsoft.com/office/drawing/2014/main" id="{3AA4D6A2-7ABF-440E-9F1F-24D35E34D210}"/>
+              </a:ext>
+            </a:extLst>
+          </p:cNvPr>
+          <p:cNvPicPr>
+            <a:picLocks noChangeAspect="1"/>
+          </p:cNvPicPr>
+          <p:nvPr/>
+        </p:nvPicPr>
+        <p:blipFill>
+          <a:blip r:embed="rId2">
+            <a:extLst>
+              <a:ext uri="{28A0092B-C50C-407E-A947-70E740481C1C}">
+                <a14:useLocalDpi xmlns:a14="http://schemas.microsoft.com/office/drawing/2010/main" val="0"/>
+              </a:ext>
+            </a:extLst>
+          </a:blip>
+          <a:stretch>
+            <a:fillRect/>
+          </a:stretch>
+        </p:blipFill>
+        <p:spPr>
+          <a:xfrm>
+            <a:off x="181906" y="101037"/>
+            <a:ext cx="3517900" cy="2042651"/>
+          </a:xfrm>
+          <a:prstGeom prst="rect">
+            <a:avLst/>
+          </a:prstGeom>
+          <a:ln>
+            <a:noFill/>
+          </a:ln>
+          <a:effectLst>
+            <a:reflection blurRad="12700" stA="30000" endPos="30000" dist="5000" dir="5400000" sy="-100000" algn="bl" rotWithShape="0"/>
+          </a:effectLst>
+          <a:scene3d>
+            <a:camera prst="perspectiveContrastingLeftFacing">
+              <a:rot lat="300000" lon="19800000" rev="0"/>
+            </a:camera>
+            <a:lightRig rig="threePt" dir="t">
+              <a:rot lat="0" lon="0" rev="2700000"/>
+            </a:lightRig>
+          </a:scene3d>
+          <a:sp3d>
+            <a:bevelT w="63500" h="50800"/>
+          </a:sp3d>
+        </p:spPr>
+      </p:pic>
+    </p:spTree>
+    <p:extLst>
+      <p:ext uri="{BB962C8B-B14F-4D97-AF65-F5344CB8AC3E}">
+        <p14:creationId xmlns:p14="http://schemas.microsoft.com/office/powerpoint/2010/main" val="3318884355"/>
+      </p:ext>
+    </p:extLst>
+  </p:cSld>
+  <p:clrMapOvr>
+    <a:masterClrMapping/>
+  </p:clrMapOvr>
+  <mc:AlternateContent xmlns:mc="http://schemas.openxmlformats.org/markup-compatibility/2006" xmlns:p14="http://schemas.microsoft.com/office/powerpoint/2010/main">
+    <mc:Choice Requires="p14">
+      <p:transition spd="slow" p14:dur="800">
+        <p:circle/>
+      </p:transition>
+    </mc:Choice>
+    <mc:Fallback xmlns="">
+      <p:transition spd="slow">
+        <p:circle/>
+      </p:transition>
+    </mc:Fallback>
+  </mc:AlternateContent>
+  <p:timing>
+    <p:tnLst>
+      <p:par>
+        <p:cTn id="1" dur="indefinite" restart="never" nodeType="tmRoot">
+          <p:childTnLst>
+            <p:seq concurrent="1" nextAc="seek">
+              <p:cTn id="2" dur="indefinite" nodeType="mainSeq">
+                <p:childTnLst>
+                  <p:par>
+                    <p:cTn id="3" fill="hold">
+                      <p:stCondLst>
+                        <p:cond delay="indefinite"/>
+                      </p:stCondLst>
+                      <p:childTnLst>
+                        <p:par>
+                          <p:cTn id="4" fill="hold">
+                            <p:stCondLst>
+                              <p:cond delay="0"/>
+                            </p:stCondLst>
+                            <p:childTnLst>
+                              <p:par>
+                                <p:cTn id="5" presetID="2" presetClass="entr" presetSubtype="4" fill="hold" nodeType="clickEffect">
+                                  <p:stCondLst>
+                                    <p:cond delay="0"/>
+                                  </p:stCondLst>
+                                  <p:childTnLst>
+                                    <p:set>
+                                      <p:cBhvr>
+                                        <p:cTn id="6" dur="1" fill="hold">
+                                          <p:stCondLst>
+                                            <p:cond delay="0"/>
+                                          </p:stCondLst>
+                                        </p:cTn>
+                                        <p:tgtEl>
+                                          <p:spTgt spid="3">
+                                            <p:txEl>
+                                              <p:pRg st="0" end="0"/>
+                                            </p:txEl>
+                                          </p:spTgt>
+                                        </p:tgtEl>
+                                        <p:attrNameLst>
+                                          <p:attrName>style.visibility</p:attrName>
+                                        </p:attrNameLst>
+                                      </p:cBhvr>
+                                      <p:to>
+                                        <p:strVal val="visible"/>
+                                      </p:to>
+                                    </p:set>
+                                    <p:anim calcmode="lin" valueType="num">
+                                      <p:cBhvr additive="base">
+                                        <p:cTn id="7" dur="500" fill="hold"/>
+                                        <p:tgtEl>
+                                          <p:spTgt spid="3">
+                                            <p:txEl>
+                                              <p:pRg st="0" end="0"/>
+                                            </p:txEl>
+                                          </p:spTgt>
+                                        </p:tgtEl>
+                                        <p:attrNameLst>
+                                          <p:attrName>ppt_x</p:attrName>
+                                        </p:attrNameLst>
+                                      </p:cBhvr>
+                                      <p:tavLst>
+                                        <p:tav tm="0">
+                                          <p:val>
+                                            <p:strVal val="#ppt_x"/>
+                                          </p:val>
+                                        </p:tav>
+                                        <p:tav tm="100000">
+                                          <p:val>
+                                            <p:strVal val="#ppt_x"/>
+                                          </p:val>
+                                        </p:tav>
+                                      </p:tavLst>
+                                    </p:anim>
+                                    <p:anim calcmode="lin" valueType="num">
+                                      <p:cBhvr additive="base">
+                                        <p:cTn id="8" dur="500" fill="hold"/>
+                                        <p:tgtEl>
+                                          <p:spTgt spid="3">
+                                            <p:txEl>
+                                              <p:pRg st="0" end="0"/>
+                                            </p:txEl>
+                                          </p:spTgt>
+                                        </p:tgtEl>
+                                        <p:attrNameLst>
+                                          <p:attrName>ppt_y</p:attrName>
+                                        </p:attrNameLst>
+                                      </p:cBhvr>
+                                      <p:tavLst>
+                                        <p:tav tm="0">
+                                          <p:val>
+                                            <p:strVal val="1+#ppt_h/2"/>
+                                          </p:val>
+                                        </p:tav>
+                                        <p:tav tm="100000">
+                                          <p:val>
+                                            <p:strVal val="#ppt_y"/>
+                                          </p:val>
+                                        </p:tav>
+                                      </p:tavLst>
+                                    </p:anim>
+                                  </p:childTnLst>
+                                </p:cTn>
+                              </p:par>
+                              <p:par>
+                                <p:cTn id="9" presetID="2" presetClass="entr" presetSubtype="4" fill="hold" nodeType="withEffect">
+                                  <p:stCondLst>
+                                    <p:cond delay="0"/>
+                                  </p:stCondLst>
+                                  <p:childTnLst>
+                                    <p:set>
+                                      <p:cBhvr>
+                                        <p:cTn id="10" dur="1" fill="hold">
+                                          <p:stCondLst>
+                                            <p:cond delay="0"/>
+                                          </p:stCondLst>
+                                        </p:cTn>
+                                        <p:tgtEl>
+                                          <p:spTgt spid="3">
+                                            <p:txEl>
+                                              <p:pRg st="1" end="1"/>
+                                            </p:txEl>
+                                          </p:spTgt>
+                                        </p:tgtEl>
+                                        <p:attrNameLst>
+                                          <p:attrName>style.visibility</p:attrName>
+                                        </p:attrNameLst>
+                                      </p:cBhvr>
+                                      <p:to>
+                                        <p:strVal val="visible"/>
+                                      </p:to>
+                                    </p:set>
+                                    <p:anim calcmode="lin" valueType="num">
+                                      <p:cBhvr additive="base">
+                                        <p:cTn id="11" dur="500" fill="hold"/>
+                                        <p:tgtEl>
+                                          <p:spTgt spid="3">
+                                            <p:txEl>
+                                              <p:pRg st="1" end="1"/>
+                                            </p:txEl>
+                                          </p:spTgt>
+                                        </p:tgtEl>
+                                        <p:attrNameLst>
+                                          <p:attrName>ppt_x</p:attrName>
+                                        </p:attrNameLst>
+                                      </p:cBhvr>
+                                      <p:tavLst>
+                                        <p:tav tm="0">
+                                          <p:val>
+                                            <p:strVal val="#ppt_x"/>
+                                          </p:val>
+                                        </p:tav>
+                                        <p:tav tm="100000">
+                                          <p:val>
+                                            <p:strVal val="#ppt_x"/>
+                                          </p:val>
+                                        </p:tav>
+                                      </p:tavLst>
+                                    </p:anim>
+                                    <p:anim calcmode="lin" valueType="num">
+                                      <p:cBhvr additive="base">
+                                        <p:cTn id="12" dur="500" fill="hold"/>
+                                        <p:tgtEl>
+                                          <p:spTgt spid="3">
+                                            <p:txEl>
+                                              <p:pRg st="1" end="1"/>
+                                            </p:txEl>
+                                          </p:spTgt>
+                                        </p:tgtEl>
+                                        <p:attrNameLst>
+                                          <p:attrName>ppt_y</p:attrName>
+                                        </p:attrNameLst>
+                                      </p:cBhvr>
+                                      <p:tavLst>
+                                        <p:tav tm="0">
+                                          <p:val>
+                                            <p:strVal val="1+#ppt_h/2"/>
+                                          </p:val>
+                                        </p:tav>
+                                        <p:tav tm="100000">
+                                          <p:val>
+                                            <p:strVal val="#ppt_y"/>
+                                          </p:val>
+                                        </p:tav>
+                                      </p:tavLst>
+                                    </p:anim>
+                                  </p:childTnLst>
+                                </p:cTn>
+                              </p:par>
+                              <p:par>
+                                <p:cTn id="13" presetID="2" presetClass="entr" presetSubtype="4" fill="hold" nodeType="withEffect">
+                                  <p:stCondLst>
+                                    <p:cond delay="0"/>
+                                  </p:stCondLst>
+                                  <p:childTnLst>
+                                    <p:set>
+                                      <p:cBhvr>
+                                        <p:cTn id="14" dur="1" fill="hold">
+                                          <p:stCondLst>
+                                            <p:cond delay="0"/>
+                                          </p:stCondLst>
+                                        </p:cTn>
+                                        <p:tgtEl>
+                                          <p:spTgt spid="3">
+                                            <p:txEl>
+                                              <p:pRg st="2" end="2"/>
+                                            </p:txEl>
+                                          </p:spTgt>
+                                        </p:tgtEl>
+                                        <p:attrNameLst>
+                                          <p:attrName>style.visibility</p:attrName>
+                                        </p:attrNameLst>
+                                      </p:cBhvr>
+                                      <p:to>
+                                        <p:strVal val="visible"/>
+                                      </p:to>
+                                    </p:set>
+                                    <p:anim calcmode="lin" valueType="num">
+                                      <p:cBhvr additive="base">
+                                        <p:cTn id="15" dur="500" fill="hold"/>
+                                        <p:tgtEl>
+                                          <p:spTgt spid="3">
+                                            <p:txEl>
+                                              <p:pRg st="2" end="2"/>
+                                            </p:txEl>
+                                          </p:spTgt>
+                                        </p:tgtEl>
+                                        <p:attrNameLst>
+                                          <p:attrName>ppt_x</p:attrName>
+                                        </p:attrNameLst>
+                                      </p:cBhvr>
+                                      <p:tavLst>
+                                        <p:tav tm="0">
+                                          <p:val>
+                                            <p:strVal val="#ppt_x"/>
+                                          </p:val>
+                                        </p:tav>
+                                        <p:tav tm="100000">
+                                          <p:val>
+                                            <p:strVal val="#ppt_x"/>
+                                          </p:val>
+                                        </p:tav>
+                                      </p:tavLst>
+                                    </p:anim>
+                                    <p:anim calcmode="lin" valueType="num">
+                                      <p:cBhvr additive="base">
+                                        <p:cTn id="16" dur="500" fill="hold"/>
+                                        <p:tgtEl>
+                                          <p:spTgt spid="3">
+                                            <p:txEl>
+                                              <p:pRg st="2" end="2"/>
+                                            </p:txEl>
+                                          </p:spTgt>
+                                        </p:tgtEl>
+                                        <p:attrNameLst>
+                                          <p:attrName>ppt_y</p:attrName>
+                                        </p:attrNameLst>
+                                      </p:cBhvr>
+                                      <p:tavLst>
+                                        <p:tav tm="0">
+                                          <p:val>
+                                            <p:strVal val="1+#ppt_h/2"/>
+                                          </p:val>
+                                        </p:tav>
+                                        <p:tav tm="100000">
+                                          <p:val>
+                                            <p:strVal val="#ppt_y"/>
+                                          </p:val>
+                                        </p:tav>
+                                      </p:tavLst>
+                                    </p:anim>
+                                  </p:childTnLst>
+                                </p:cTn>
+                              </p:par>
+                              <p:par>
+                                <p:cTn id="17" presetID="2" presetClass="entr" presetSubtype="4" fill="hold" nodeType="withEffect">
+                                  <p:stCondLst>
+                                    <p:cond delay="0"/>
+                                  </p:stCondLst>
+                                  <p:childTnLst>
+                                    <p:set>
+                                      <p:cBhvr>
+                                        <p:cTn id="18" dur="1" fill="hold">
+                                          <p:stCondLst>
+                                            <p:cond delay="0"/>
+                                          </p:stCondLst>
+                                        </p:cTn>
+                                        <p:tgtEl>
+                                          <p:spTgt spid="3">
+                                            <p:txEl>
+                                              <p:pRg st="3" end="3"/>
+                                            </p:txEl>
+                                          </p:spTgt>
+                                        </p:tgtEl>
+                                        <p:attrNameLst>
+                                          <p:attrName>style.visibility</p:attrName>
+                                        </p:attrNameLst>
+                                      </p:cBhvr>
+                                      <p:to>
+                                        <p:strVal val="visible"/>
+                                      </p:to>
+                                    </p:set>
+                                    <p:anim calcmode="lin" valueType="num">
+                                      <p:cBhvr additive="base">
+                                        <p:cTn id="19" dur="500" fill="hold"/>
+                                        <p:tgtEl>
+                                          <p:spTgt spid="3">
+                                            <p:txEl>
+                                              <p:pRg st="3" end="3"/>
+                                            </p:txEl>
+                                          </p:spTgt>
+                                        </p:tgtEl>
+                                        <p:attrNameLst>
+                                          <p:attrName>ppt_x</p:attrName>
+                                        </p:attrNameLst>
+                                      </p:cBhvr>
+                                      <p:tavLst>
+                                        <p:tav tm="0">
+                                          <p:val>
+                                            <p:strVal val="#ppt_x"/>
+                                          </p:val>
+                                        </p:tav>
+                                        <p:tav tm="100000">
+                                          <p:val>
+                                            <p:strVal val="#ppt_x"/>
+                                          </p:val>
+                                        </p:tav>
+                                      </p:tavLst>
+                                    </p:anim>
+                                    <p:anim calcmode="lin" valueType="num">
+                                      <p:cBhvr additive="base">
+                                        <p:cTn id="20" dur="500" fill="hold"/>
+                                        <p:tgtEl>
+                                          <p:spTgt spid="3">
+                                            <p:txEl>
+                                              <p:pRg st="3" end="3"/>
+                                            </p:txEl>
+                                          </p:spTgt>
+                                        </p:tgtEl>
+                                        <p:attrNameLst>
+                                          <p:attrName>ppt_y</p:attrName>
+                                        </p:attrNameLst>
+                                      </p:cBhvr>
+                                      <p:tavLst>
+                                        <p:tav tm="0">
+                                          <p:val>
+                                            <p:strVal val="1+#ppt_h/2"/>
+                                          </p:val>
+                                        </p:tav>
+                                        <p:tav tm="100000">
+                                          <p:val>
+                                            <p:strVal val="#ppt_y"/>
+                                          </p:val>
+                                        </p:tav>
+                                      </p:tavLst>
+                                    </p:anim>
+                                  </p:childTnLst>
+                                </p:cTn>
+                              </p:par>
+                              <p:par>
+                                <p:cTn id="21" presetID="2" presetClass="entr" presetSubtype="4" fill="hold" nodeType="withEffect">
+                                  <p:stCondLst>
+                                    <p:cond delay="0"/>
+                                  </p:stCondLst>
+                                  <p:childTnLst>
+                                    <p:set>
+                                      <p:cBhvr>
+                                        <p:cTn id="22" dur="1" fill="hold">
+                                          <p:stCondLst>
+                                            <p:cond delay="0"/>
+                                          </p:stCondLst>
+                                        </p:cTn>
+                                        <p:tgtEl>
+                                          <p:spTgt spid="3">
+                                            <p:txEl>
+                                              <p:pRg st="4" end="4"/>
+                                            </p:txEl>
+                                          </p:spTgt>
+                                        </p:tgtEl>
+                                        <p:attrNameLst>
+                                          <p:attrName>style.visibility</p:attrName>
+                                        </p:attrNameLst>
+                                      </p:cBhvr>
+                                      <p:to>
+                                        <p:strVal val="visible"/>
+                                      </p:to>
+                                    </p:set>
+                                    <p:anim calcmode="lin" valueType="num">
+                                      <p:cBhvr additive="base">
+                                        <p:cTn id="23" dur="500" fill="hold"/>
+                                        <p:tgtEl>
+                                          <p:spTgt spid="3">
+                                            <p:txEl>
+                                              <p:pRg st="4" end="4"/>
+                                            </p:txEl>
+                                          </p:spTgt>
+                                        </p:tgtEl>
+                                        <p:attrNameLst>
+                                          <p:attrName>ppt_x</p:attrName>
+                                        </p:attrNameLst>
+                                      </p:cBhvr>
+                                      <p:tavLst>
+                                        <p:tav tm="0">
+                                          <p:val>
+                                            <p:strVal val="#ppt_x"/>
+                                          </p:val>
+                                        </p:tav>
+                                        <p:tav tm="100000">
+                                          <p:val>
+                                            <p:strVal val="#ppt_x"/>
+                                          </p:val>
+                                        </p:tav>
+                                      </p:tavLst>
+                                    </p:anim>
+                                    <p:anim calcmode="lin" valueType="num">
+                                      <p:cBhvr additive="base">
+                                        <p:cTn id="24" dur="500" fill="hold"/>
+                                        <p:tgtEl>
+                                          <p:spTgt spid="3">
+                                            <p:txEl>
+                                              <p:pRg st="4" end="4"/>
+                                            </p:txEl>
+                                          </p:spTgt>
+                                        </p:tgtEl>
+                                        <p:attrNameLst>
+                                          <p:attrName>ppt_y</p:attrName>
+                                        </p:attrNameLst>
+                                      </p:cBhvr>
+                                      <p:tavLst>
+                                        <p:tav tm="0">
+                                          <p:val>
+                                            <p:strVal val="1+#ppt_h/2"/>
+                                          </p:val>
+                                        </p:tav>
+                                        <p:tav tm="100000">
+                                          <p:val>
+                                            <p:strVal val="#ppt_y"/>
+                                          </p:val>
+                                        </p:tav>
+                                      </p:tavLst>
+                                    </p:anim>
+                                  </p:childTnLst>
+                                </p:cTn>
+                              </p:par>
+                              <p:par>
+                                <p:cTn id="25" presetID="2" presetClass="entr" presetSubtype="4" fill="hold" nodeType="withEffect">
+                                  <p:stCondLst>
+                                    <p:cond delay="0"/>
+                                  </p:stCondLst>
+                                  <p:childTnLst>
+                                    <p:set>
+                                      <p:cBhvr>
+                                        <p:cTn id="26" dur="1" fill="hold">
+                                          <p:stCondLst>
+                                            <p:cond delay="0"/>
+                                          </p:stCondLst>
+                                        </p:cTn>
+                                        <p:tgtEl>
+                                          <p:spTgt spid="3">
+                                            <p:txEl>
+                                              <p:pRg st="5" end="5"/>
+                                            </p:txEl>
+                                          </p:spTgt>
+                                        </p:tgtEl>
+                                        <p:attrNameLst>
+                                          <p:attrName>style.visibility</p:attrName>
+                                        </p:attrNameLst>
+                                      </p:cBhvr>
+                                      <p:to>
+                                        <p:strVal val="visible"/>
+                                      </p:to>
+                                    </p:set>
+                                    <p:anim calcmode="lin" valueType="num">
+                                      <p:cBhvr additive="base">
+                                        <p:cTn id="27" dur="500" fill="hold"/>
+                                        <p:tgtEl>
+                                          <p:spTgt spid="3">
+                                            <p:txEl>
+                                              <p:pRg st="5" end="5"/>
+                                            </p:txEl>
+                                          </p:spTgt>
+                                        </p:tgtEl>
+                                        <p:attrNameLst>
+                                          <p:attrName>ppt_x</p:attrName>
+                                        </p:attrNameLst>
+                                      </p:cBhvr>
+                                      <p:tavLst>
+                                        <p:tav tm="0">
+                                          <p:val>
+                                            <p:strVal val="#ppt_x"/>
+                                          </p:val>
+                                        </p:tav>
+                                        <p:tav tm="100000">
+                                          <p:val>
+                                            <p:strVal val="#ppt_x"/>
+                                          </p:val>
+                                        </p:tav>
+                                      </p:tavLst>
+                                    </p:anim>
+                                    <p:anim calcmode="lin" valueType="num">
+                                      <p:cBhvr additive="base">
+                                        <p:cTn id="28" dur="500" fill="hold"/>
+                                        <p:tgtEl>
+                                          <p:spTgt spid="3">
+                                            <p:txEl>
+                                              <p:pRg st="5" end="5"/>
+                                            </p:txEl>
+                                          </p:spTgt>
+                                        </p:tgtEl>
+                                        <p:attrNameLst>
+                                          <p:attrName>ppt_y</p:attrName>
+                                        </p:attrNameLst>
+                                      </p:cBhvr>
+                                      <p:tavLst>
+                                        <p:tav tm="0">
+                                          <p:val>
+                                            <p:strVal val="1+#ppt_h/2"/>
+                                          </p:val>
+                                        </p:tav>
+                                        <p:tav tm="100000">
+                                          <p:val>
+                                            <p:strVal val="#ppt_y"/>
+                                          </p:val>
+                                        </p:tav>
+                                      </p:tavLst>
+                                    </p:anim>
+                                  </p:childTnLst>
+                                </p:cTn>
+                              </p:par>
+                            </p:childTnLst>
+                          </p:cTn>
+                        </p:par>
+                      </p:childTnLst>
+                    </p:cTn>
+                  </p:par>
+                  <p:par>
+                    <p:cTn id="29" fill="hold">
+                      <p:stCondLst>
+                        <p:cond delay="indefinite"/>
+                      </p:stCondLst>
+                      <p:childTnLst>
+                        <p:par>
+                          <p:cTn id="30" fill="hold">
+                            <p:stCondLst>
+                              <p:cond delay="0"/>
+                            </p:stCondLst>
+                            <p:childTnLst>
+                              <p:par>
+                                <p:cTn id="31" presetID="2" presetClass="entr" presetSubtype="4" fill="hold" nodeType="clickEffect">
+                                  <p:stCondLst>
+                                    <p:cond delay="0"/>
+                                  </p:stCondLst>
+                                  <p:childTnLst>
+                                    <p:set>
+                                      <p:cBhvr>
+                                        <p:cTn id="32" dur="1" fill="hold">
+                                          <p:stCondLst>
+                                            <p:cond delay="0"/>
+                                          </p:stCondLst>
+                                        </p:cTn>
+                                        <p:tgtEl>
+                                          <p:spTgt spid="3">
+                                            <p:txEl>
+                                              <p:pRg st="8" end="8"/>
+                                            </p:txEl>
+                                          </p:spTgt>
+                                        </p:tgtEl>
+                                        <p:attrNameLst>
+                                          <p:attrName>style.visibility</p:attrName>
+                                        </p:attrNameLst>
+                                      </p:cBhvr>
+                                      <p:to>
+                                        <p:strVal val="visible"/>
+                                      </p:to>
+                                    </p:set>
+                                    <p:anim calcmode="lin" valueType="num">
+                                      <p:cBhvr additive="base">
+                                        <p:cTn id="33" dur="500" fill="hold"/>
+                                        <p:tgtEl>
+                                          <p:spTgt spid="3">
+                                            <p:txEl>
+                                              <p:pRg st="8" end="8"/>
+                                            </p:txEl>
+                                          </p:spTgt>
+                                        </p:tgtEl>
+                                        <p:attrNameLst>
+                                          <p:attrName>ppt_x</p:attrName>
+                                        </p:attrNameLst>
+                                      </p:cBhvr>
+                                      <p:tavLst>
+                                        <p:tav tm="0">
+                                          <p:val>
+                                            <p:strVal val="#ppt_x"/>
+                                          </p:val>
+                                        </p:tav>
+                                        <p:tav tm="100000">
+                                          <p:val>
+                                            <p:strVal val="#ppt_x"/>
+                                          </p:val>
+                                        </p:tav>
+                                      </p:tavLst>
+                                    </p:anim>
+                                    <p:anim calcmode="lin" valueType="num">
+                                      <p:cBhvr additive="base">
+                                        <p:cTn id="34" dur="500" fill="hold"/>
+                                        <p:tgtEl>
+                                          <p:spTgt spid="3">
+                                            <p:txEl>
+                                              <p:pRg st="8" end="8"/>
+                                            </p:txEl>
+                                          </p:spTgt>
+                                        </p:tgtEl>
+                                        <p:attrNameLst>
+                                          <p:attrName>ppt_y</p:attrName>
+                                        </p:attrNameLst>
+                                      </p:cBhvr>
+                                      <p:tavLst>
+                                        <p:tav tm="0">
+                                          <p:val>
+                                            <p:strVal val="1+#ppt_h/2"/>
+                                          </p:val>
+                                        </p:tav>
+                                        <p:tav tm="100000">
+                                          <p:val>
+                                            <p:strVal val="#ppt_y"/>
+                                          </p:val>
+                                        </p:tav>
+                                      </p:tavLst>
+                                    </p:anim>
+                                  </p:childTnLst>
+                                </p:cTn>
+                              </p:par>
+                              <p:par>
+                                <p:cTn id="35" presetID="2" presetClass="entr" presetSubtype="4" fill="hold" nodeType="withEffect">
+                                  <p:stCondLst>
+                                    <p:cond delay="0"/>
+                                  </p:stCondLst>
+                                  <p:childTnLst>
+                                    <p:set>
+                                      <p:cBhvr>
+                                        <p:cTn id="36" dur="1" fill="hold">
+                                          <p:stCondLst>
+                                            <p:cond delay="0"/>
+                                          </p:stCondLst>
+                                        </p:cTn>
+                                        <p:tgtEl>
+                                          <p:spTgt spid="3">
+                                            <p:txEl>
+                                              <p:pRg st="9" end="9"/>
+                                            </p:txEl>
+                                          </p:spTgt>
+                                        </p:tgtEl>
+                                        <p:attrNameLst>
+                                          <p:attrName>style.visibility</p:attrName>
+                                        </p:attrNameLst>
+                                      </p:cBhvr>
+                                      <p:to>
+                                        <p:strVal val="visible"/>
+                                      </p:to>
+                                    </p:set>
+                                    <p:anim calcmode="lin" valueType="num">
+                                      <p:cBhvr additive="base">
+                                        <p:cTn id="37" dur="500" fill="hold"/>
+                                        <p:tgtEl>
+                                          <p:spTgt spid="3">
+                                            <p:txEl>
+                                              <p:pRg st="9" end="9"/>
+                                            </p:txEl>
+                                          </p:spTgt>
+                                        </p:tgtEl>
+                                        <p:attrNameLst>
+                                          <p:attrName>ppt_x</p:attrName>
+                                        </p:attrNameLst>
+                                      </p:cBhvr>
+                                      <p:tavLst>
+                                        <p:tav tm="0">
+                                          <p:val>
+                                            <p:strVal val="#ppt_x"/>
+                                          </p:val>
+                                        </p:tav>
+                                        <p:tav tm="100000">
+                                          <p:val>
+                                            <p:strVal val="#ppt_x"/>
+                                          </p:val>
+                                        </p:tav>
+                                      </p:tavLst>
+                                    </p:anim>
+                                    <p:anim calcmode="lin" valueType="num">
+                                      <p:cBhvr additive="base">
+                                        <p:cTn id="38" dur="500" fill="hold"/>
+                                        <p:tgtEl>
+                                          <p:spTgt spid="3">
+                                            <p:txEl>
+                                              <p:pRg st="9" end="9"/>
+                                            </p:txEl>
+                                          </p:spTgt>
+                                        </p:tgtEl>
+                                        <p:attrNameLst>
+                                          <p:attrName>ppt_y</p:attrName>
+                                        </p:attrNameLst>
+                                      </p:cBhvr>
+                                      <p:tavLst>
+                                        <p:tav tm="0">
+                                          <p:val>
+                                            <p:strVal val="1+#ppt_h/2"/>
+                                          </p:val>
+                                        </p:tav>
+                                        <p:tav tm="100000">
+                                          <p:val>
+                                            <p:strVal val="#ppt_y"/>
+                                          </p:val>
+                                        </p:tav>
+                                      </p:tavLst>
+                                    </p:anim>
+                                  </p:childTnLst>
+                                </p:cTn>
+                              </p:par>
+                              <p:par>
+                                <p:cTn id="39" presetID="2" presetClass="entr" presetSubtype="4" fill="hold" nodeType="withEffect">
+                                  <p:stCondLst>
+                                    <p:cond delay="0"/>
+                                  </p:stCondLst>
+                                  <p:childTnLst>
+                                    <p:set>
+                                      <p:cBhvr>
+                                        <p:cTn id="40" dur="1" fill="hold">
+                                          <p:stCondLst>
+                                            <p:cond delay="0"/>
+                                          </p:stCondLst>
+                                        </p:cTn>
+                                        <p:tgtEl>
+                                          <p:spTgt spid="3">
+                                            <p:txEl>
+                                              <p:pRg st="10" end="10"/>
+                                            </p:txEl>
+                                          </p:spTgt>
+                                        </p:tgtEl>
+                                        <p:attrNameLst>
+                                          <p:attrName>style.visibility</p:attrName>
+                                        </p:attrNameLst>
+                                      </p:cBhvr>
+                                      <p:to>
+                                        <p:strVal val="visible"/>
+                                      </p:to>
+                                    </p:set>
+                                    <p:anim calcmode="lin" valueType="num">
+                                      <p:cBhvr additive="base">
+                                        <p:cTn id="41" dur="500" fill="hold"/>
+                                        <p:tgtEl>
+                                          <p:spTgt spid="3">
+                                            <p:txEl>
+                                              <p:pRg st="10" end="10"/>
+                                            </p:txEl>
+                                          </p:spTgt>
+                                        </p:tgtEl>
+                                        <p:attrNameLst>
+                                          <p:attrName>ppt_x</p:attrName>
+                                        </p:attrNameLst>
+                                      </p:cBhvr>
+                                      <p:tavLst>
+                                        <p:tav tm="0">
+                                          <p:val>
+                                            <p:strVal val="#ppt_x"/>
+                                          </p:val>
+                                        </p:tav>
+                                        <p:tav tm="100000">
+                                          <p:val>
+                                            <p:strVal val="#ppt_x"/>
+                                          </p:val>
+                                        </p:tav>
+                                      </p:tavLst>
+                                    </p:anim>
+                                    <p:anim calcmode="lin" valueType="num">
+                                      <p:cBhvr additive="base">
+                                        <p:cTn id="42" dur="500" fill="hold"/>
+                                        <p:tgtEl>
+                                          <p:spTgt spid="3">
+                                            <p:txEl>
+                                              <p:pRg st="10" end="10"/>
+                                            </p:txEl>
+                                          </p:spTgt>
+                                        </p:tgtEl>
+                                        <p:attrNameLst>
+                                          <p:attrName>ppt_y</p:attrName>
+                                        </p:attrNameLst>
+                                      </p:cBhvr>
+                                      <p:tavLst>
+                                        <p:tav tm="0">
+                                          <p:val>
+                                            <p:strVal val="1+#ppt_h/2"/>
+                                          </p:val>
+                                        </p:tav>
+                                        <p:tav tm="100000">
+                                          <p:val>
+                                            <p:strVal val="#ppt_y"/>
+                                          </p:val>
+                                        </p:tav>
+                                      </p:tavLst>
+                                    </p:anim>
+                                  </p:childTnLst>
+                                </p:cTn>
+                              </p:par>
+                              <p:par>
+                                <p:cTn id="43" presetID="2" presetClass="entr" presetSubtype="4" fill="hold" nodeType="withEffect">
+                                  <p:stCondLst>
+                                    <p:cond delay="0"/>
+                                  </p:stCondLst>
+                                  <p:childTnLst>
+                                    <p:set>
+                                      <p:cBhvr>
+                                        <p:cTn id="44" dur="1" fill="hold">
+                                          <p:stCondLst>
+                                            <p:cond delay="0"/>
+                                          </p:stCondLst>
+                                        </p:cTn>
+                                        <p:tgtEl>
+                                          <p:spTgt spid="3">
+                                            <p:txEl>
+                                              <p:pRg st="11" end="11"/>
+                                            </p:txEl>
+                                          </p:spTgt>
+                                        </p:tgtEl>
+                                        <p:attrNameLst>
+                                          <p:attrName>style.visibility</p:attrName>
+                                        </p:attrNameLst>
+                                      </p:cBhvr>
+                                      <p:to>
+                                        <p:strVal val="visible"/>
+                                      </p:to>
+                                    </p:set>
+                                    <p:anim calcmode="lin" valueType="num">
+                                      <p:cBhvr additive="base">
+                                        <p:cTn id="45" dur="500" fill="hold"/>
+                                        <p:tgtEl>
+                                          <p:spTgt spid="3">
+                                            <p:txEl>
+                                              <p:pRg st="11" end="11"/>
+                                            </p:txEl>
+                                          </p:spTgt>
+                                        </p:tgtEl>
+                                        <p:attrNameLst>
+                                          <p:attrName>ppt_x</p:attrName>
+                                        </p:attrNameLst>
+                                      </p:cBhvr>
+                                      <p:tavLst>
+                                        <p:tav tm="0">
+                                          <p:val>
+                                            <p:strVal val="#ppt_x"/>
+                                          </p:val>
+                                        </p:tav>
+                                        <p:tav tm="100000">
+                                          <p:val>
+                                            <p:strVal val="#ppt_x"/>
+                                          </p:val>
+                                        </p:tav>
+                                      </p:tavLst>
+                                    </p:anim>
+                                    <p:anim calcmode="lin" valueType="num">
+                                      <p:cBhvr additive="base">
+                                        <p:cTn id="46" dur="500" fill="hold"/>
+                                        <p:tgtEl>
+                                          <p:spTgt spid="3">
+                                            <p:txEl>
+                                              <p:pRg st="11" end="11"/>
+                                            </p:txEl>
+                                          </p:spTgt>
+                                        </p:tgtEl>
+                                        <p:attrNameLst>
+                                          <p:attrName>ppt_y</p:attrName>
+                                        </p:attrNameLst>
+                                      </p:cBhvr>
+                                      <p:tavLst>
+                                        <p:tav tm="0">
+                                          <p:val>
+                                            <p:strVal val="1+#ppt_h/2"/>
+                                          </p:val>
+                                        </p:tav>
+                                        <p:tav tm="100000">
+                                          <p:val>
+                                            <p:strVal val="#ppt_y"/>
+                                          </p:val>
+                                        </p:tav>
+                                      </p:tavLst>
+                                    </p:anim>
+                                  </p:childTnLst>
+                                </p:cTn>
+                              </p:par>
+                              <p:par>
+                                <p:cTn id="47" presetID="2" presetClass="entr" presetSubtype="4" fill="hold" nodeType="withEffect">
+                                  <p:stCondLst>
+                                    <p:cond delay="0"/>
+                                  </p:stCondLst>
+                                  <p:childTnLst>
+                                    <p:set>
+                                      <p:cBhvr>
+                                        <p:cTn id="48" dur="1" fill="hold">
+                                          <p:stCondLst>
+                                            <p:cond delay="0"/>
+                                          </p:stCondLst>
+                                        </p:cTn>
+                                        <p:tgtEl>
+                                          <p:spTgt spid="3">
+                                            <p:txEl>
+                                              <p:pRg st="12" end="12"/>
+                                            </p:txEl>
+                                          </p:spTgt>
+                                        </p:tgtEl>
+                                        <p:attrNameLst>
+                                          <p:attrName>style.visibility</p:attrName>
+                                        </p:attrNameLst>
+                                      </p:cBhvr>
+                                      <p:to>
+                                        <p:strVal val="visible"/>
+                                      </p:to>
+                                    </p:set>
+                                    <p:anim calcmode="lin" valueType="num">
+                                      <p:cBhvr additive="base">
+                                        <p:cTn id="49" dur="500" fill="hold"/>
+                                        <p:tgtEl>
+                                          <p:spTgt spid="3">
+                                            <p:txEl>
+                                              <p:pRg st="12" end="12"/>
+                                            </p:txEl>
+                                          </p:spTgt>
+                                        </p:tgtEl>
+                                        <p:attrNameLst>
+                                          <p:attrName>ppt_x</p:attrName>
+                                        </p:attrNameLst>
+                                      </p:cBhvr>
+                                      <p:tavLst>
+                                        <p:tav tm="0">
+                                          <p:val>
+                                            <p:strVal val="#ppt_x"/>
+                                          </p:val>
+                                        </p:tav>
+                                        <p:tav tm="100000">
+                                          <p:val>
+                                            <p:strVal val="#ppt_x"/>
+                                          </p:val>
+                                        </p:tav>
+                                      </p:tavLst>
+                                    </p:anim>
+                                    <p:anim calcmode="lin" valueType="num">
+                                      <p:cBhvr additive="base">
+                                        <p:cTn id="50" dur="500" fill="hold"/>
+                                        <p:tgtEl>
+                                          <p:spTgt spid="3">
+                                            <p:txEl>
+                                              <p:pRg st="12" end="12"/>
+                                            </p:txEl>
+                                          </p:spTgt>
+                                        </p:tgtEl>
+                                        <p:attrNameLst>
+                                          <p:attrName>ppt_y</p:attrName>
+                                        </p:attrNameLst>
+                                      </p:cBhvr>
+                                      <p:tavLst>
+                                        <p:tav tm="0">
+                                          <p:val>
+                                            <p:strVal val="1+#ppt_h/2"/>
+                                          </p:val>
+                                        </p:tav>
+                                        <p:tav tm="100000">
+                                          <p:val>
+                                            <p:strVal val="#ppt_y"/>
+                                          </p:val>
+                                        </p:tav>
+                                      </p:tavLst>
+                                    </p:anim>
+                                  </p:childTnLst>
+                                </p:cTn>
+                              </p:par>
+                              <p:par>
+                                <p:cTn id="51" presetID="2" presetClass="entr" presetSubtype="4" fill="hold" nodeType="withEffect">
+                                  <p:stCondLst>
+                                    <p:cond delay="0"/>
+                                  </p:stCondLst>
+                                  <p:childTnLst>
+                                    <p:set>
+                                      <p:cBhvr>
+                                        <p:cTn id="52" dur="1" fill="hold">
+                                          <p:stCondLst>
+                                            <p:cond delay="0"/>
+                                          </p:stCondLst>
+                                        </p:cTn>
+                                        <p:tgtEl>
+                                          <p:spTgt spid="3">
+                                            <p:txEl>
+                                              <p:pRg st="13" end="13"/>
+                                            </p:txEl>
+                                          </p:spTgt>
+                                        </p:tgtEl>
+                                        <p:attrNameLst>
+                                          <p:attrName>style.visibility</p:attrName>
+                                        </p:attrNameLst>
+                                      </p:cBhvr>
+                                      <p:to>
+                                        <p:strVal val="visible"/>
+                                      </p:to>
+                                    </p:set>
+                                    <p:anim calcmode="lin" valueType="num">
+                                      <p:cBhvr additive="base">
+                                        <p:cTn id="53" dur="500" fill="hold"/>
+                                        <p:tgtEl>
+                                          <p:spTgt spid="3">
+                                            <p:txEl>
+                                              <p:pRg st="13" end="13"/>
+                                            </p:txEl>
+                                          </p:spTgt>
+                                        </p:tgtEl>
+                                        <p:attrNameLst>
+                                          <p:attrName>ppt_x</p:attrName>
+                                        </p:attrNameLst>
+                                      </p:cBhvr>
+                                      <p:tavLst>
+                                        <p:tav tm="0">
+                                          <p:val>
+                                            <p:strVal val="#ppt_x"/>
+                                          </p:val>
+                                        </p:tav>
+                                        <p:tav tm="100000">
+                                          <p:val>
+                                            <p:strVal val="#ppt_x"/>
+                                          </p:val>
+                                        </p:tav>
+                                      </p:tavLst>
+                                    </p:anim>
+                                    <p:anim calcmode="lin" valueType="num">
+                                      <p:cBhvr additive="base">
+                                        <p:cTn id="54" dur="500" fill="hold"/>
+                                        <p:tgtEl>
+                                          <p:spTgt spid="3">
+                                            <p:txEl>
+                                              <p:pRg st="13" end="13"/>
+                                            </p:txEl>
+                                          </p:spTgt>
+                                        </p:tgtEl>
+                                        <p:attrNameLst>
+                                          <p:attrName>ppt_y</p:attrName>
+                                        </p:attrNameLst>
+                                      </p:cBhvr>
+                                      <p:tavLst>
+                                        <p:tav tm="0">
+                                          <p:val>
+                                            <p:strVal val="1+#ppt_h/2"/>
+                                          </p:val>
+                                        </p:tav>
+                                        <p:tav tm="100000">
+                                          <p:val>
+                                            <p:strVal val="#ppt_y"/>
+                                          </p:val>
+                                        </p:tav>
+                                      </p:tavLst>
+                                    </p:anim>
+                                  </p:childTnLst>
+                                </p:cTn>
+                              </p:par>
+                            </p:childTnLst>
+                          </p:cTn>
+                        </p:par>
+                      </p:childTnLst>
+                    </p:cTn>
+                  </p:par>
+                  <p:par>
+                    <p:cTn id="55" fill="hold">
+                      <p:stCondLst>
+                        <p:cond delay="indefinite"/>
+                      </p:stCondLst>
+                      <p:childTnLst>
+                        <p:par>
+                          <p:cTn id="56" fill="hold">
+                            <p:stCondLst>
+                              <p:cond delay="0"/>
+                            </p:stCondLst>
+                            <p:childTnLst>
+                              <p:par>
+                                <p:cTn id="57" presetID="2" presetClass="entr" presetSubtype="4" fill="hold" nodeType="clickEffect">
+                                  <p:stCondLst>
+                                    <p:cond delay="0"/>
+                                  </p:stCondLst>
+                                  <p:childTnLst>
+                                    <p:set>
+                                      <p:cBhvr>
+                                        <p:cTn id="58" dur="1" fill="hold">
+                                          <p:stCondLst>
+                                            <p:cond delay="0"/>
+                                          </p:stCondLst>
+                                        </p:cTn>
+                                        <p:tgtEl>
+                                          <p:spTgt spid="3">
+                                            <p:txEl>
+                                              <p:pRg st="16" end="16"/>
+                                            </p:txEl>
+                                          </p:spTgt>
+                                        </p:tgtEl>
+                                        <p:attrNameLst>
+                                          <p:attrName>style.visibility</p:attrName>
+                                        </p:attrNameLst>
+                                      </p:cBhvr>
+                                      <p:to>
+                                        <p:strVal val="visible"/>
+                                      </p:to>
+                                    </p:set>
+                                    <p:anim calcmode="lin" valueType="num">
+                                      <p:cBhvr additive="base">
+                                        <p:cTn id="59" dur="500" fill="hold"/>
+                                        <p:tgtEl>
+                                          <p:spTgt spid="3">
+                                            <p:txEl>
+                                              <p:pRg st="16" end="16"/>
+                                            </p:txEl>
+                                          </p:spTgt>
+                                        </p:tgtEl>
+                                        <p:attrNameLst>
+                                          <p:attrName>ppt_x</p:attrName>
+                                        </p:attrNameLst>
+                                      </p:cBhvr>
+                                      <p:tavLst>
+                                        <p:tav tm="0">
+                                          <p:val>
+                                            <p:strVal val="#ppt_x"/>
+                                          </p:val>
+                                        </p:tav>
+                                        <p:tav tm="100000">
+                                          <p:val>
+                                            <p:strVal val="#ppt_x"/>
+                                          </p:val>
+                                        </p:tav>
+                                      </p:tavLst>
+                                    </p:anim>
+                                    <p:anim calcmode="lin" valueType="num">
+                                      <p:cBhvr additive="base">
+                                        <p:cTn id="60" dur="500" fill="hold"/>
+                                        <p:tgtEl>
+                                          <p:spTgt spid="3">
+                                            <p:txEl>
+                                              <p:pRg st="16" end="16"/>
+                                            </p:txEl>
+                                          </p:spTgt>
+                                        </p:tgtEl>
+                                        <p:attrNameLst>
+                                          <p:attrName>ppt_y</p:attrName>
+                                        </p:attrNameLst>
+                                      </p:cBhvr>
+                                      <p:tavLst>
+                                        <p:tav tm="0">
+                                          <p:val>
+                                            <p:strVal val="1+#ppt_h/2"/>
+                                          </p:val>
+                                        </p:tav>
+                                        <p:tav tm="100000">
+                                          <p:val>
+                                            <p:strVal val="#ppt_y"/>
+                                          </p:val>
+                                        </p:tav>
+                                      </p:tavLst>
+                                    </p:anim>
+                                  </p:childTnLst>
+                                </p:cTn>
+                              </p:par>
+                            </p:childTnLst>
+                          </p:cTn>
+                        </p:par>
+                      </p:childTnLst>
+                    </p:cTn>
+                  </p:par>
+                  <p:par>
+                    <p:cTn id="61" fill="hold">
+                      <p:stCondLst>
+                        <p:cond delay="indefinite"/>
+                      </p:stCondLst>
+                      <p:childTnLst>
+                        <p:par>
+                          <p:cTn id="62" fill="hold">
+                            <p:stCondLst>
+                              <p:cond delay="0"/>
+                            </p:stCondLst>
+                            <p:childTnLst>
+                              <p:par>
+                                <p:cTn id="63" presetID="2" presetClass="entr" presetSubtype="4" fill="hold" nodeType="clickEffect">
+                                  <p:stCondLst>
+                                    <p:cond delay="0"/>
+                                  </p:stCondLst>
+                                  <p:childTnLst>
+                                    <p:set>
+                                      <p:cBhvr>
+                                        <p:cTn id="64" dur="1" fill="hold">
+                                          <p:stCondLst>
+                                            <p:cond delay="0"/>
+                                          </p:stCondLst>
+                                        </p:cTn>
+                                        <p:tgtEl>
+                                          <p:spTgt spid="3">
+                                            <p:txEl>
+                                              <p:pRg st="17" end="17"/>
+                                            </p:txEl>
+                                          </p:spTgt>
+                                        </p:tgtEl>
+                                        <p:attrNameLst>
+                                          <p:attrName>style.visibility</p:attrName>
+                                        </p:attrNameLst>
+                                      </p:cBhvr>
+                                      <p:to>
+                                        <p:strVal val="visible"/>
+                                      </p:to>
+                                    </p:set>
+                                    <p:anim calcmode="lin" valueType="num">
+                                      <p:cBhvr additive="base">
+                                        <p:cTn id="65" dur="500" fill="hold"/>
+                                        <p:tgtEl>
+                                          <p:spTgt spid="3">
+                                            <p:txEl>
+                                              <p:pRg st="17" end="17"/>
+                                            </p:txEl>
+                                          </p:spTgt>
+                                        </p:tgtEl>
+                                        <p:attrNameLst>
+                                          <p:attrName>ppt_x</p:attrName>
+                                        </p:attrNameLst>
+                                      </p:cBhvr>
+                                      <p:tavLst>
+                                        <p:tav tm="0">
+                                          <p:val>
+                                            <p:strVal val="#ppt_x"/>
+                                          </p:val>
+                                        </p:tav>
+                                        <p:tav tm="100000">
+                                          <p:val>
+                                            <p:strVal val="#ppt_x"/>
+                                          </p:val>
+                                        </p:tav>
+                                      </p:tavLst>
+                                    </p:anim>
+                                    <p:anim calcmode="lin" valueType="num">
+                                      <p:cBhvr additive="base">
+                                        <p:cTn id="66" dur="500" fill="hold"/>
+                                        <p:tgtEl>
+                                          <p:spTgt spid="3">
+                                            <p:txEl>
+                                              <p:pRg st="17" end="17"/>
+                                            </p:txEl>
+                                          </p:spTgt>
+                                        </p:tgtEl>
+                                        <p:attrNameLst>
+                                          <p:attrName>ppt_y</p:attrName>
+                                        </p:attrNameLst>
+                                      </p:cBhvr>
+                                      <p:tavLst>
+                                        <p:tav tm="0">
+                                          <p:val>
+                                            <p:strVal val="1+#ppt_h/2"/>
+                                          </p:val>
+                                        </p:tav>
+                                        <p:tav tm="100000">
+                                          <p:val>
+                                            <p:strVal val="#ppt_y"/>
+                                          </p:val>
+                                        </p:tav>
+                                      </p:tavLst>
+                                    </p:anim>
+                                  </p:childTnLst>
+                                </p:cTn>
+                              </p:par>
+                            </p:childTnLst>
+                          </p:cTn>
+                        </p:par>
+                      </p:childTnLst>
+                    </p:cTn>
+                  </p:par>
+                  <p:par>
+                    <p:cTn id="67" fill="hold">
+                      <p:stCondLst>
+                        <p:cond delay="indefinite"/>
+                      </p:stCondLst>
+                      <p:childTnLst>
+                        <p:par>
+                          <p:cTn id="68" fill="hold">
+                            <p:stCondLst>
+                              <p:cond delay="0"/>
+                            </p:stCondLst>
+                            <p:childTnLst>
+                              <p:par>
+                                <p:cTn id="69" presetID="2" presetClass="entr" presetSubtype="4" fill="hold" nodeType="clickEffect">
+                                  <p:stCondLst>
+                                    <p:cond delay="0"/>
+                                  </p:stCondLst>
+                                  <p:childTnLst>
+                                    <p:set>
+                                      <p:cBhvr>
+                                        <p:cTn id="70" dur="1" fill="hold">
+                                          <p:stCondLst>
+                                            <p:cond delay="0"/>
+                                          </p:stCondLst>
+                                        </p:cTn>
+                                        <p:tgtEl>
+                                          <p:spTgt spid="3">
+                                            <p:txEl>
+                                              <p:pRg st="18" end="18"/>
+                                            </p:txEl>
+                                          </p:spTgt>
+                                        </p:tgtEl>
+                                        <p:attrNameLst>
+                                          <p:attrName>style.visibility</p:attrName>
+                                        </p:attrNameLst>
+                                      </p:cBhvr>
+                                      <p:to>
+                                        <p:strVal val="visible"/>
+                                      </p:to>
+                                    </p:set>
+                                    <p:anim calcmode="lin" valueType="num">
+                                      <p:cBhvr additive="base">
+                                        <p:cTn id="71" dur="500" fill="hold"/>
+                                        <p:tgtEl>
+                                          <p:spTgt spid="3">
+                                            <p:txEl>
+                                              <p:pRg st="18" end="18"/>
+                                            </p:txEl>
+                                          </p:spTgt>
+                                        </p:tgtEl>
+                                        <p:attrNameLst>
+                                          <p:attrName>ppt_x</p:attrName>
+                                        </p:attrNameLst>
+                                      </p:cBhvr>
+                                      <p:tavLst>
+                                        <p:tav tm="0">
+                                          <p:val>
+                                            <p:strVal val="#ppt_x"/>
+                                          </p:val>
+                                        </p:tav>
+                                        <p:tav tm="100000">
+                                          <p:val>
+                                            <p:strVal val="#ppt_x"/>
+                                          </p:val>
+                                        </p:tav>
+                                      </p:tavLst>
+                                    </p:anim>
+                                    <p:anim calcmode="lin" valueType="num">
+                                      <p:cBhvr additive="base">
+                                        <p:cTn id="72" dur="500" fill="hold"/>
+                                        <p:tgtEl>
+                                          <p:spTgt spid="3">
+                                            <p:txEl>
+                                              <p:pRg st="18" end="18"/>
+                                            </p:txEl>
+                                          </p:spTgt>
+                                        </p:tgtEl>
+                                        <p:attrNameLst>
+                                          <p:attrName>ppt_y</p:attrName>
+                                        </p:attrNameLst>
+                                      </p:cBhvr>
+                                      <p:tavLst>
+                                        <p:tav tm="0">
+                                          <p:val>
+                                            <p:strVal val="1+#ppt_h/2"/>
+                                          </p:val>
+                                        </p:tav>
+                                        <p:tav tm="100000">
+                                          <p:val>
+                                            <p:strVal val="#ppt_y"/>
+                                          </p:val>
+                                        </p:tav>
+                                      </p:tavLst>
+                                    </p:anim>
+                                  </p:childTnLst>
+                                </p:cTn>
+                              </p:par>
+                            </p:childTnLst>
+                          </p:cTn>
+                        </p:par>
+                      </p:childTnLst>
+                    </p:cTn>
+                  </p:par>
+                  <p:par>
+                    <p:cTn id="73" fill="hold">
+                      <p:stCondLst>
+                        <p:cond delay="indefinite"/>
+                      </p:stCondLst>
+                      <p:childTnLst>
+                        <p:par>
+                          <p:cTn id="74" fill="hold">
+                            <p:stCondLst>
+                              <p:cond delay="0"/>
+                            </p:stCondLst>
+                            <p:childTnLst>
+                              <p:par>
+                                <p:cTn id="75" presetID="2" presetClass="entr" presetSubtype="4" fill="hold" nodeType="clickEffect">
+                                  <p:stCondLst>
+                                    <p:cond delay="0"/>
+                                  </p:stCondLst>
+                                  <p:childTnLst>
+                                    <p:set>
+                                      <p:cBhvr>
+                                        <p:cTn id="76" dur="1" fill="hold">
+                                          <p:stCondLst>
+                                            <p:cond delay="0"/>
+                                          </p:stCondLst>
+                                        </p:cTn>
+                                        <p:tgtEl>
+                                          <p:spTgt spid="3">
+                                            <p:txEl>
+                                              <p:pRg st="19" end="19"/>
+                                            </p:txEl>
+                                          </p:spTgt>
+                                        </p:tgtEl>
+                                        <p:attrNameLst>
+                                          <p:attrName>style.visibility</p:attrName>
+                                        </p:attrNameLst>
+                                      </p:cBhvr>
+                                      <p:to>
+                                        <p:strVal val="visible"/>
+                                      </p:to>
+                                    </p:set>
+                                    <p:anim calcmode="lin" valueType="num">
+                                      <p:cBhvr additive="base">
+                                        <p:cTn id="77" dur="500" fill="hold"/>
+                                        <p:tgtEl>
+                                          <p:spTgt spid="3">
+                                            <p:txEl>
+                                              <p:pRg st="19" end="19"/>
+                                            </p:txEl>
+                                          </p:spTgt>
+                                        </p:tgtEl>
+                                        <p:attrNameLst>
+                                          <p:attrName>ppt_x</p:attrName>
+                                        </p:attrNameLst>
+                                      </p:cBhvr>
+                                      <p:tavLst>
+                                        <p:tav tm="0">
+                                          <p:val>
+                                            <p:strVal val="#ppt_x"/>
+                                          </p:val>
+                                        </p:tav>
+                                        <p:tav tm="100000">
+                                          <p:val>
+                                            <p:strVal val="#ppt_x"/>
+                                          </p:val>
+                                        </p:tav>
+                                      </p:tavLst>
+                                    </p:anim>
+                                    <p:anim calcmode="lin" valueType="num">
+                                      <p:cBhvr additive="base">
+                                        <p:cTn id="78" dur="500" fill="hold"/>
+                                        <p:tgtEl>
+                                          <p:spTgt spid="3">
+                                            <p:txEl>
+                                              <p:pRg st="19" end="19"/>
+                                            </p:txEl>
+                                          </p:spTgt>
+                                        </p:tgtEl>
+                                        <p:attrNameLst>
+                                          <p:attrName>ppt_y</p:attrName>
+                                        </p:attrNameLst>
+                                      </p:cBhvr>
+                                      <p:tavLst>
+                                        <p:tav tm="0">
+                                          <p:val>
+                                            <p:strVal val="1+#ppt_h/2"/>
+                                          </p:val>
+                                        </p:tav>
+                                        <p:tav tm="100000">
+                                          <p:val>
+                                            <p:strVal val="#ppt_y"/>
+                                          </p:val>
+                                        </p:tav>
+                                      </p:tavLst>
+                                    </p:anim>
+                                  </p:childTnLst>
+                                </p:cTn>
+                              </p:par>
+                            </p:childTnLst>
+                          </p:cTn>
+                        </p:par>
+                      </p:childTnLst>
+                    </p:cTn>
+                  </p:par>
+                  <p:par>
+                    <p:cTn id="79" fill="hold">
+                      <p:stCondLst>
+                        <p:cond delay="indefinite"/>
+                      </p:stCondLst>
+                      <p:childTnLst>
+                        <p:par>
+                          <p:cTn id="80" fill="hold">
+                            <p:stCondLst>
+                              <p:cond delay="0"/>
+                            </p:stCondLst>
+                            <p:childTnLst>
+                              <p:par>
+                                <p:cTn id="81" presetID="2" presetClass="entr" presetSubtype="4" fill="hold" nodeType="clickEffect">
+                                  <p:stCondLst>
+                                    <p:cond delay="0"/>
+                                  </p:stCondLst>
+                                  <p:childTnLst>
+                                    <p:set>
+                                      <p:cBhvr>
+                                        <p:cTn id="82" dur="1" fill="hold">
+                                          <p:stCondLst>
+                                            <p:cond delay="0"/>
+                                          </p:stCondLst>
+                                        </p:cTn>
+                                        <p:tgtEl>
+                                          <p:spTgt spid="3">
+                                            <p:txEl>
+                                              <p:pRg st="20" end="20"/>
+                                            </p:txEl>
+                                          </p:spTgt>
+                                        </p:tgtEl>
+                                        <p:attrNameLst>
+                                          <p:attrName>style.visibility</p:attrName>
+                                        </p:attrNameLst>
+                                      </p:cBhvr>
+                                      <p:to>
+                                        <p:strVal val="visible"/>
+                                      </p:to>
+                                    </p:set>
+                                    <p:anim calcmode="lin" valueType="num">
+                                      <p:cBhvr additive="base">
+                                        <p:cTn id="83" dur="500" fill="hold"/>
+                                        <p:tgtEl>
+                                          <p:spTgt spid="3">
+                                            <p:txEl>
+                                              <p:pRg st="20" end="20"/>
+                                            </p:txEl>
+                                          </p:spTgt>
+                                        </p:tgtEl>
+                                        <p:attrNameLst>
+                                          <p:attrName>ppt_x</p:attrName>
+                                        </p:attrNameLst>
+                                      </p:cBhvr>
+                                      <p:tavLst>
+                                        <p:tav tm="0">
+                                          <p:val>
+                                            <p:strVal val="#ppt_x"/>
+                                          </p:val>
+                                        </p:tav>
+                                        <p:tav tm="100000">
+                                          <p:val>
+                                            <p:strVal val="#ppt_x"/>
+                                          </p:val>
+                                        </p:tav>
+                                      </p:tavLst>
+                                    </p:anim>
+                                    <p:anim calcmode="lin" valueType="num">
+                                      <p:cBhvr additive="base">
+                                        <p:cTn id="84" dur="500" fill="hold"/>
+                                        <p:tgtEl>
+                                          <p:spTgt spid="3">
+                                            <p:txEl>
+                                              <p:pRg st="20" end="20"/>
+                                            </p:txEl>
+                                          </p:spTgt>
+                                        </p:tgtEl>
+                                        <p:attrNameLst>
+                                          <p:attrName>ppt_y</p:attrName>
+                                        </p:attrNameLst>
+                                      </p:cBhvr>
+                                      <p:tavLst>
+                                        <p:tav tm="0">
+                                          <p:val>
+                                            <p:strVal val="1+#ppt_h/2"/>
+                                          </p:val>
+                                        </p:tav>
+                                        <p:tav tm="100000">
+                                          <p:val>
+                                            <p:strVal val="#ppt_y"/>
+                                          </p:val>
+                                        </p:tav>
+                                      </p:tavLst>
+                                    </p:anim>
+                                  </p:childTnLst>
+                                </p:cTn>
+                              </p:par>
+                            </p:childTnLst>
+                          </p:cTn>
+                        </p:par>
+                      </p:childTnLst>
+                    </p:cTn>
+                  </p:par>
+                  <p:par>
+                    <p:cTn id="85" fill="hold">
+                      <p:stCondLst>
+                        <p:cond delay="indefinite"/>
+                      </p:stCondLst>
+                      <p:childTnLst>
+                        <p:par>
+                          <p:cTn id="86" fill="hold">
+                            <p:stCondLst>
+                              <p:cond delay="0"/>
+                            </p:stCondLst>
+                            <p:childTnLst>
+                              <p:par>
+                                <p:cTn id="87" presetID="2" presetClass="entr" presetSubtype="4" fill="hold" nodeType="clickEffect">
+                                  <p:stCondLst>
+                                    <p:cond delay="0"/>
+                                  </p:stCondLst>
+                                  <p:childTnLst>
+                                    <p:set>
+                                      <p:cBhvr>
+                                        <p:cTn id="88" dur="1" fill="hold">
+                                          <p:stCondLst>
+                                            <p:cond delay="0"/>
+                                          </p:stCondLst>
+                                        </p:cTn>
+                                        <p:tgtEl>
+                                          <p:spTgt spid="3">
+                                            <p:txEl>
+                                              <p:pRg st="21" end="21"/>
+                                            </p:txEl>
+                                          </p:spTgt>
+                                        </p:tgtEl>
+                                        <p:attrNameLst>
+                                          <p:attrName>style.visibility</p:attrName>
+                                        </p:attrNameLst>
+                                      </p:cBhvr>
+                                      <p:to>
+                                        <p:strVal val="visible"/>
+                                      </p:to>
+                                    </p:set>
+                                    <p:anim calcmode="lin" valueType="num">
+                                      <p:cBhvr additive="base">
+                                        <p:cTn id="89" dur="500" fill="hold"/>
+                                        <p:tgtEl>
+                                          <p:spTgt spid="3">
+                                            <p:txEl>
+                                              <p:pRg st="21" end="21"/>
+                                            </p:txEl>
+                                          </p:spTgt>
+                                        </p:tgtEl>
+                                        <p:attrNameLst>
+                                          <p:attrName>ppt_x</p:attrName>
+                                        </p:attrNameLst>
+                                      </p:cBhvr>
+                                      <p:tavLst>
+                                        <p:tav tm="0">
+                                          <p:val>
+                                            <p:strVal val="#ppt_x"/>
+                                          </p:val>
+                                        </p:tav>
+                                        <p:tav tm="100000">
+                                          <p:val>
+                                            <p:strVal val="#ppt_x"/>
+                                          </p:val>
+                                        </p:tav>
+                                      </p:tavLst>
+                                    </p:anim>
+                                    <p:anim calcmode="lin" valueType="num">
+                                      <p:cBhvr additive="base">
+                                        <p:cTn id="90" dur="500" fill="hold"/>
+                                        <p:tgtEl>
+                                          <p:spTgt spid="3">
+                                            <p:txEl>
+                                              <p:pRg st="21" end="21"/>
+                                            </p:txEl>
+                                          </p:spTgt>
+                                        </p:tgtEl>
+                                        <p:attrNameLst>
+                                          <p:attrName>ppt_y</p:attrName>
+                                        </p:attrNameLst>
+                                      </p:cBhvr>
+                                      <p:tavLst>
+                                        <p:tav tm="0">
+                                          <p:val>
+                                            <p:strVal val="1+#ppt_h/2"/>
+                                          </p:val>
+                                        </p:tav>
+                                        <p:tav tm="100000">
+                                          <p:val>
+                                            <p:strVal val="#ppt_y"/>
+                                          </p:val>
+                                        </p:tav>
+                                      </p:tavLst>
+                                    </p:anim>
+                                  </p:childTnLst>
+                                </p:cTn>
+                              </p:par>
+                            </p:childTnLst>
+                          </p:cTn>
+                        </p:par>
+                      </p:childTnLst>
+                    </p:cTn>
+                  </p:par>
+                </p:childTnLst>
+              </p:cTn>
+              <p:prevCondLst>
+                <p:cond evt="onPrev" delay="0">
+                  <p:tgtEl>
+                    <p:sldTgt/>
+                  </p:tgtEl>
+                </p:cond>
+              </p:prevCondLst>
+              <p:nextCondLst>
+                <p:cond evt="onNext" delay="0">
+                  <p:tgtEl>
+                    <p:sldTgt/>
+                  </p:tgtEl>
+                </p:cond>
+              </p:nextCondLst>
+            </p:seq>
+          </p:childTnLst>
+        </p:cTn>
+      </p:par>
+    </p:tnLst>
   </p:timing>
 </p:sld>
 </file>

--- a/RockHall.pptx
+++ b/RockHall.pptx
@@ -6,9 +6,15 @@
   </p:sldMasterIdLst>
   <p:sldIdLst>
     <p:sldId id="258" r:id="rId2"/>
-    <p:sldId id="256" r:id="rId3"/>
-    <p:sldId id="259" r:id="rId4"/>
-    <p:sldId id="260" r:id="rId5"/>
+    <p:sldId id="263" r:id="rId3"/>
+    <p:sldId id="256" r:id="rId4"/>
+    <p:sldId id="261" r:id="rId5"/>
+    <p:sldId id="264" r:id="rId6"/>
+    <p:sldId id="259" r:id="rId7"/>
+    <p:sldId id="260" r:id="rId8"/>
+    <p:sldId id="265" r:id="rId9"/>
+    <p:sldId id="266" r:id="rId10"/>
+    <p:sldId id="268" r:id="rId11"/>
   </p:sldIdLst>
   <p:sldSz cx="12192000" cy="6858000"/>
   <p:notesSz cx="6858000" cy="9144000"/>
@@ -3101,6 +3107,135 @@
 </p:sld>
 </file>
 
+<file path=ppt/slides/slide10.xml><?xml version="1.0" encoding="utf-8"?>
+<p:sld xmlns:a="http://schemas.openxmlformats.org/drawingml/2006/main" xmlns:r="http://schemas.openxmlformats.org/officeDocument/2006/relationships" xmlns:p="http://schemas.openxmlformats.org/presentationml/2006/main">
+  <p:cSld>
+    <p:bg>
+      <p:bgPr>
+        <a:solidFill>
+          <a:schemeClr val="bg1"/>
+        </a:solidFill>
+        <a:effectLst/>
+      </p:bgPr>
+    </p:bg>
+    <p:spTree>
+      <p:nvGrpSpPr>
+        <p:cNvPr id="1" name=""/>
+        <p:cNvGrpSpPr/>
+        <p:nvPr/>
+      </p:nvGrpSpPr>
+      <p:grpSpPr>
+        <a:xfrm>
+          <a:off x="0" y="0"/>
+          <a:ext cx="0" cy="0"/>
+          <a:chOff x="0" y="0"/>
+          <a:chExt cx="0" cy="0"/>
+        </a:xfrm>
+      </p:grpSpPr>
+      <p:pic>
+        <p:nvPicPr>
+          <p:cNvPr id="6" name="Picture 5">
+            <a:extLst>
+              <a:ext uri="{FF2B5EF4-FFF2-40B4-BE49-F238E27FC236}">
+                <a16:creationId xmlns:a16="http://schemas.microsoft.com/office/drawing/2014/main" id="{BAB27835-4181-49A8-A6AB-8B260D2A501A}"/>
+              </a:ext>
+            </a:extLst>
+          </p:cNvPr>
+          <p:cNvPicPr>
+            <a:picLocks noChangeAspect="1"/>
+          </p:cNvPicPr>
+          <p:nvPr/>
+        </p:nvPicPr>
+        <p:blipFill>
+          <a:blip r:embed="rId2">
+            <a:extLst>
+              <a:ext uri="{28A0092B-C50C-407E-A947-70E740481C1C}">
+                <a14:useLocalDpi xmlns:a14="http://schemas.microsoft.com/office/drawing/2010/main" val="0"/>
+              </a:ext>
+            </a:extLst>
+          </a:blip>
+          <a:stretch>
+            <a:fillRect/>
+          </a:stretch>
+        </p:blipFill>
+        <p:spPr>
+          <a:xfrm>
+            <a:off x="0" y="0"/>
+            <a:ext cx="12398039" cy="6838950"/>
+          </a:xfrm>
+          <a:prstGeom prst="rect">
+            <a:avLst/>
+          </a:prstGeom>
+        </p:spPr>
+      </p:pic>
+      <p:sp>
+        <p:nvSpPr>
+          <p:cNvPr id="2" name="Title 1">
+            <a:extLst>
+              <a:ext uri="{FF2B5EF4-FFF2-40B4-BE49-F238E27FC236}">
+                <a16:creationId xmlns:a16="http://schemas.microsoft.com/office/drawing/2014/main" id="{91F5C009-850A-4891-8FAD-D2F9036DE2E9}"/>
+              </a:ext>
+            </a:extLst>
+          </p:cNvPr>
+          <p:cNvSpPr>
+            <a:spLocks noGrp="1"/>
+          </p:cNvSpPr>
+          <p:nvPr>
+            <p:ph type="ctrTitle"/>
+          </p:nvPr>
+        </p:nvSpPr>
+        <p:spPr>
+          <a:xfrm>
+            <a:off x="152400" y="4925219"/>
+            <a:ext cx="12039600" cy="1655761"/>
+          </a:xfrm>
+        </p:spPr>
+        <p:txBody>
+          <a:bodyPr>
+            <a:normAutofit/>
+          </a:bodyPr>
+          <a:lstStyle/>
+          <a:p>
+            <a:r>
+              <a:rPr lang="en-US" sz="3600" dirty="0">
+                <a:latin typeface="Eurostile" panose="020B0704020202050204" pitchFamily="34" charset="0"/>
+              </a:rPr>
+              <a:t>THANK YOU! GOOD NIGHT!</a:t>
+            </a:r>
+            <a:br>
+              <a:rPr lang="en-US" sz="3200" dirty="0">
+                <a:latin typeface="Eurostile" panose="020B0704020202050204" pitchFamily="34" charset="0"/>
+              </a:rPr>
+            </a:br>
+            <a:endParaRPr lang="en-US" sz="3200" dirty="0"/>
+          </a:p>
+        </p:txBody>
+      </p:sp>
+    </p:spTree>
+    <p:extLst>
+      <p:ext uri="{BB962C8B-B14F-4D97-AF65-F5344CB8AC3E}">
+        <p14:creationId xmlns:p14="http://schemas.microsoft.com/office/powerpoint/2010/main" val="2261493214"/>
+      </p:ext>
+    </p:extLst>
+  </p:cSld>
+  <p:clrMapOvr>
+    <a:masterClrMapping/>
+  </p:clrMapOvr>
+  <mc:AlternateContent xmlns:mc="http://schemas.openxmlformats.org/markup-compatibility/2006">
+    <mc:Choice xmlns:p14="http://schemas.microsoft.com/office/powerpoint/2010/main" Requires="p14">
+      <p:transition spd="slow">
+        <p14:flash/>
+      </p:transition>
+    </mc:Choice>
+    <mc:Fallback>
+      <p:transition spd="slow">
+        <p:fade/>
+      </p:transition>
+    </mc:Fallback>
+  </mc:AlternateContent>
+</p:sld>
+</file>
+
 <file path=ppt/slides/slide2.xml><?xml version="1.0" encoding="utf-8"?>
 <p:sld xmlns:a="http://schemas.openxmlformats.org/drawingml/2006/main" xmlns:r="http://schemas.openxmlformats.org/officeDocument/2006/relationships" xmlns:p="http://schemas.openxmlformats.org/presentationml/2006/main">
   <p:cSld>
@@ -3158,7 +3293,7 @@
               <a:rPr lang="en-US" sz="6700" dirty="0">
                 <a:latin typeface="Eurostile" panose="020B0704020202050204" pitchFamily="34" charset="0"/>
               </a:rPr>
-              <a:t>BACKGROUND</a:t>
+              <a:t>HALL OF FAME?</a:t>
             </a:r>
             <a:br>
               <a:rPr lang="en-US" dirty="0"/>
@@ -3191,7 +3326,620 @@
         </p:spPr>
         <p:txBody>
           <a:bodyPr>
-            <a:normAutofit fontScale="92500" lnSpcReduction="10000"/>
+            <a:normAutofit/>
+          </a:bodyPr>
+          <a:lstStyle/>
+          <a:p>
+            <a:pPr marL="342900" indent="-342900" algn="l">
+              <a:buFont typeface="Arial" panose="020B0604020202020204" pitchFamily="34" charset="0"/>
+              <a:buChar char="•"/>
+            </a:pPr>
+            <a:endParaRPr lang="en-US" dirty="0"/>
+          </a:p>
+          <a:p>
+            <a:pPr marL="342900" indent="-342900" algn="l">
+              <a:buFont typeface="Arial" panose="020B0604020202020204" pitchFamily="34" charset="0"/>
+              <a:buChar char="•"/>
+            </a:pPr>
+            <a:r>
+              <a:rPr lang="en-US" dirty="0">
+                <a:latin typeface="Eurostile" panose="020B0704020202050204" pitchFamily="34" charset="0"/>
+              </a:rPr>
+              <a:t>“Writing about music is like dancing </a:t>
+            </a:r>
+            <a:r>
+              <a:rPr lang="en-US">
+                <a:latin typeface="Eurostile" panose="020B0704020202050204" pitchFamily="34" charset="0"/>
+              </a:rPr>
+              <a:t>about architecture.” </a:t>
+            </a:r>
+            <a:endParaRPr lang="en-US" dirty="0">
+              <a:latin typeface="Eurostile" panose="020B0704020202050204" pitchFamily="34" charset="0"/>
+            </a:endParaRPr>
+          </a:p>
+          <a:p>
+            <a:pPr algn="l"/>
+            <a:r>
+              <a:rPr lang="en-US" dirty="0">
+                <a:latin typeface="Eurostile" panose="020B0704020202050204" pitchFamily="34" charset="0"/>
+              </a:rPr>
+              <a:t>           – attributed to various sources</a:t>
+            </a:r>
+          </a:p>
+          <a:p>
+            <a:pPr algn="l"/>
+            <a:endParaRPr lang="en-US" dirty="0">
+              <a:latin typeface="Eurostile" panose="020B0704020202050204" pitchFamily="34" charset="0"/>
+            </a:endParaRPr>
+          </a:p>
+          <a:p>
+            <a:pPr marL="342900" indent="-342900" algn="l">
+              <a:buFont typeface="Arial" panose="020B0604020202020204" pitchFamily="34" charset="0"/>
+              <a:buChar char="•"/>
+            </a:pPr>
+            <a:r>
+              <a:rPr lang="en-US" dirty="0">
+                <a:latin typeface="Eurostile" panose="020B0704020202050204" pitchFamily="34" charset="0"/>
+              </a:rPr>
+              <a:t>Unlike a sports hall of fame, where you can cite statistics like home runs or sacks, how do you qualify musical artists for induction?  Can statistical analysis be applied?</a:t>
+            </a:r>
+          </a:p>
+          <a:p>
+            <a:pPr marL="342900" indent="-342900" algn="l">
+              <a:buFont typeface="Arial" panose="020B0604020202020204" pitchFamily="34" charset="0"/>
+              <a:buChar char="•"/>
+            </a:pPr>
+            <a:endParaRPr lang="en-US" dirty="0"/>
+          </a:p>
+        </p:txBody>
+      </p:sp>
+      <p:pic>
+        <p:nvPicPr>
+          <p:cNvPr id="5" name="Picture 4">
+            <a:extLst>
+              <a:ext uri="{FF2B5EF4-FFF2-40B4-BE49-F238E27FC236}">
+                <a16:creationId xmlns:a16="http://schemas.microsoft.com/office/drawing/2014/main" id="{3AA4D6A2-7ABF-440E-9F1F-24D35E34D210}"/>
+              </a:ext>
+            </a:extLst>
+          </p:cNvPr>
+          <p:cNvPicPr>
+            <a:picLocks noChangeAspect="1"/>
+          </p:cNvPicPr>
+          <p:nvPr/>
+        </p:nvPicPr>
+        <p:blipFill>
+          <a:blip r:embed="rId2">
+            <a:extLst>
+              <a:ext uri="{28A0092B-C50C-407E-A947-70E740481C1C}">
+                <a14:useLocalDpi xmlns:a14="http://schemas.microsoft.com/office/drawing/2010/main" val="0"/>
+              </a:ext>
+            </a:extLst>
+          </a:blip>
+          <a:stretch>
+            <a:fillRect/>
+          </a:stretch>
+        </p:blipFill>
+        <p:spPr>
+          <a:xfrm>
+            <a:off x="181906" y="101037"/>
+            <a:ext cx="3517900" cy="2042651"/>
+          </a:xfrm>
+          <a:prstGeom prst="rect">
+            <a:avLst/>
+          </a:prstGeom>
+          <a:ln>
+            <a:noFill/>
+          </a:ln>
+          <a:effectLst>
+            <a:reflection blurRad="12700" stA="30000" endPos="30000" dist="5000" dir="5400000" sy="-100000" algn="bl" rotWithShape="0"/>
+          </a:effectLst>
+          <a:scene3d>
+            <a:camera prst="perspectiveContrastingLeftFacing">
+              <a:rot lat="300000" lon="19800000" rev="0"/>
+            </a:camera>
+            <a:lightRig rig="threePt" dir="t">
+              <a:rot lat="0" lon="0" rev="2700000"/>
+            </a:lightRig>
+          </a:scene3d>
+          <a:sp3d>
+            <a:bevelT w="63500" h="50800"/>
+          </a:sp3d>
+        </p:spPr>
+      </p:pic>
+    </p:spTree>
+    <p:extLst>
+      <p:ext uri="{BB962C8B-B14F-4D97-AF65-F5344CB8AC3E}">
+        <p14:creationId xmlns:p14="http://schemas.microsoft.com/office/powerpoint/2010/main" val="961342994"/>
+      </p:ext>
+    </p:extLst>
+  </p:cSld>
+  <p:clrMapOvr>
+    <a:masterClrMapping/>
+  </p:clrMapOvr>
+  <mc:AlternateContent xmlns:mc="http://schemas.openxmlformats.org/markup-compatibility/2006" xmlns:p14="http://schemas.microsoft.com/office/powerpoint/2010/main">
+    <mc:Choice Requires="p14">
+      <p:transition spd="slow" p14:dur="800">
+        <p:circle/>
+      </p:transition>
+    </mc:Choice>
+    <mc:Fallback xmlns="">
+      <p:transition spd="slow">
+        <p:circle/>
+      </p:transition>
+    </mc:Fallback>
+  </mc:AlternateContent>
+  <p:timing>
+    <p:tnLst>
+      <p:par>
+        <p:cTn id="1" dur="indefinite" restart="never" nodeType="tmRoot">
+          <p:childTnLst>
+            <p:seq concurrent="1" nextAc="seek">
+              <p:cTn id="2" dur="indefinite" nodeType="mainSeq">
+                <p:childTnLst>
+                  <p:par>
+                    <p:cTn id="3" fill="hold">
+                      <p:stCondLst>
+                        <p:cond delay="indefinite"/>
+                      </p:stCondLst>
+                      <p:childTnLst>
+                        <p:par>
+                          <p:cTn id="4" fill="hold">
+                            <p:stCondLst>
+                              <p:cond delay="0"/>
+                            </p:stCondLst>
+                            <p:childTnLst>
+                              <p:par>
+                                <p:cTn id="5" presetID="42" presetClass="entr" presetSubtype="0" fill="hold" grpId="0" nodeType="clickEffect">
+                                  <p:stCondLst>
+                                    <p:cond delay="0"/>
+                                  </p:stCondLst>
+                                  <p:childTnLst>
+                                    <p:set>
+                                      <p:cBhvr>
+                                        <p:cTn id="6" dur="1" fill="hold">
+                                          <p:stCondLst>
+                                            <p:cond delay="0"/>
+                                          </p:stCondLst>
+                                        </p:cTn>
+                                        <p:tgtEl>
+                                          <p:spTgt spid="3">
+                                            <p:txEl>
+                                              <p:pRg st="1" end="1"/>
+                                            </p:txEl>
+                                          </p:spTgt>
+                                        </p:tgtEl>
+                                        <p:attrNameLst>
+                                          <p:attrName>style.visibility</p:attrName>
+                                        </p:attrNameLst>
+                                      </p:cBhvr>
+                                      <p:to>
+                                        <p:strVal val="visible"/>
+                                      </p:to>
+                                    </p:set>
+                                    <p:animEffect transition="in" filter="fade">
+                                      <p:cBhvr>
+                                        <p:cTn id="7" dur="1000"/>
+                                        <p:tgtEl>
+                                          <p:spTgt spid="3">
+                                            <p:txEl>
+                                              <p:pRg st="1" end="1"/>
+                                            </p:txEl>
+                                          </p:spTgt>
+                                        </p:tgtEl>
+                                      </p:cBhvr>
+                                    </p:animEffect>
+                                    <p:anim calcmode="lin" valueType="num">
+                                      <p:cBhvr>
+                                        <p:cTn id="8" dur="1000" fill="hold"/>
+                                        <p:tgtEl>
+                                          <p:spTgt spid="3">
+                                            <p:txEl>
+                                              <p:pRg st="1" end="1"/>
+                                            </p:txEl>
+                                          </p:spTgt>
+                                        </p:tgtEl>
+                                        <p:attrNameLst>
+                                          <p:attrName>ppt_x</p:attrName>
+                                        </p:attrNameLst>
+                                      </p:cBhvr>
+                                      <p:tavLst>
+                                        <p:tav tm="0">
+                                          <p:val>
+                                            <p:strVal val="#ppt_x"/>
+                                          </p:val>
+                                        </p:tav>
+                                        <p:tav tm="100000">
+                                          <p:val>
+                                            <p:strVal val="#ppt_x"/>
+                                          </p:val>
+                                        </p:tav>
+                                      </p:tavLst>
+                                    </p:anim>
+                                    <p:anim calcmode="lin" valueType="num">
+                                      <p:cBhvr>
+                                        <p:cTn id="9" dur="1000" fill="hold"/>
+                                        <p:tgtEl>
+                                          <p:spTgt spid="3">
+                                            <p:txEl>
+                                              <p:pRg st="1" end="1"/>
+                                            </p:txEl>
+                                          </p:spTgt>
+                                        </p:tgtEl>
+                                        <p:attrNameLst>
+                                          <p:attrName>ppt_y</p:attrName>
+                                        </p:attrNameLst>
+                                      </p:cBhvr>
+                                      <p:tavLst>
+                                        <p:tav tm="0">
+                                          <p:val>
+                                            <p:strVal val="#ppt_y+.1"/>
+                                          </p:val>
+                                        </p:tav>
+                                        <p:tav tm="100000">
+                                          <p:val>
+                                            <p:strVal val="#ppt_y"/>
+                                          </p:val>
+                                        </p:tav>
+                                      </p:tavLst>
+                                    </p:anim>
+                                  </p:childTnLst>
+                                </p:cTn>
+                              </p:par>
+                            </p:childTnLst>
+                          </p:cTn>
+                        </p:par>
+                      </p:childTnLst>
+                    </p:cTn>
+                  </p:par>
+                  <p:par>
+                    <p:cTn id="10" fill="hold">
+                      <p:stCondLst>
+                        <p:cond delay="indefinite"/>
+                      </p:stCondLst>
+                      <p:childTnLst>
+                        <p:par>
+                          <p:cTn id="11" fill="hold">
+                            <p:stCondLst>
+                              <p:cond delay="0"/>
+                            </p:stCondLst>
+                            <p:childTnLst>
+                              <p:par>
+                                <p:cTn id="12" presetID="42" presetClass="entr" presetSubtype="0" fill="hold" grpId="0" nodeType="clickEffect">
+                                  <p:stCondLst>
+                                    <p:cond delay="0"/>
+                                  </p:stCondLst>
+                                  <p:childTnLst>
+                                    <p:set>
+                                      <p:cBhvr>
+                                        <p:cTn id="13" dur="1" fill="hold">
+                                          <p:stCondLst>
+                                            <p:cond delay="0"/>
+                                          </p:stCondLst>
+                                        </p:cTn>
+                                        <p:tgtEl>
+                                          <p:spTgt spid="3">
+                                            <p:txEl>
+                                              <p:pRg st="2" end="2"/>
+                                            </p:txEl>
+                                          </p:spTgt>
+                                        </p:tgtEl>
+                                        <p:attrNameLst>
+                                          <p:attrName>style.visibility</p:attrName>
+                                        </p:attrNameLst>
+                                      </p:cBhvr>
+                                      <p:to>
+                                        <p:strVal val="visible"/>
+                                      </p:to>
+                                    </p:set>
+                                    <p:animEffect transition="in" filter="fade">
+                                      <p:cBhvr>
+                                        <p:cTn id="14" dur="1000"/>
+                                        <p:tgtEl>
+                                          <p:spTgt spid="3">
+                                            <p:txEl>
+                                              <p:pRg st="2" end="2"/>
+                                            </p:txEl>
+                                          </p:spTgt>
+                                        </p:tgtEl>
+                                      </p:cBhvr>
+                                    </p:animEffect>
+                                    <p:anim calcmode="lin" valueType="num">
+                                      <p:cBhvr>
+                                        <p:cTn id="15" dur="1000" fill="hold"/>
+                                        <p:tgtEl>
+                                          <p:spTgt spid="3">
+                                            <p:txEl>
+                                              <p:pRg st="2" end="2"/>
+                                            </p:txEl>
+                                          </p:spTgt>
+                                        </p:tgtEl>
+                                        <p:attrNameLst>
+                                          <p:attrName>ppt_x</p:attrName>
+                                        </p:attrNameLst>
+                                      </p:cBhvr>
+                                      <p:tavLst>
+                                        <p:tav tm="0">
+                                          <p:val>
+                                            <p:strVal val="#ppt_x"/>
+                                          </p:val>
+                                        </p:tav>
+                                        <p:tav tm="100000">
+                                          <p:val>
+                                            <p:strVal val="#ppt_x"/>
+                                          </p:val>
+                                        </p:tav>
+                                      </p:tavLst>
+                                    </p:anim>
+                                    <p:anim calcmode="lin" valueType="num">
+                                      <p:cBhvr>
+                                        <p:cTn id="16" dur="1000" fill="hold"/>
+                                        <p:tgtEl>
+                                          <p:spTgt spid="3">
+                                            <p:txEl>
+                                              <p:pRg st="2" end="2"/>
+                                            </p:txEl>
+                                          </p:spTgt>
+                                        </p:tgtEl>
+                                        <p:attrNameLst>
+                                          <p:attrName>ppt_y</p:attrName>
+                                        </p:attrNameLst>
+                                      </p:cBhvr>
+                                      <p:tavLst>
+                                        <p:tav tm="0">
+                                          <p:val>
+                                            <p:strVal val="#ppt_y+.1"/>
+                                          </p:val>
+                                        </p:tav>
+                                        <p:tav tm="100000">
+                                          <p:val>
+                                            <p:strVal val="#ppt_y"/>
+                                          </p:val>
+                                        </p:tav>
+                                      </p:tavLst>
+                                    </p:anim>
+                                  </p:childTnLst>
+                                </p:cTn>
+                              </p:par>
+                            </p:childTnLst>
+                          </p:cTn>
+                        </p:par>
+                      </p:childTnLst>
+                    </p:cTn>
+                  </p:par>
+                  <p:par>
+                    <p:cTn id="17" fill="hold">
+                      <p:stCondLst>
+                        <p:cond delay="indefinite"/>
+                      </p:stCondLst>
+                      <p:childTnLst>
+                        <p:par>
+                          <p:cTn id="18" fill="hold">
+                            <p:stCondLst>
+                              <p:cond delay="0"/>
+                            </p:stCondLst>
+                            <p:childTnLst>
+                              <p:par>
+                                <p:cTn id="19" presetID="42" presetClass="entr" presetSubtype="0" fill="hold" grpId="0" nodeType="clickEffect">
+                                  <p:stCondLst>
+                                    <p:cond delay="0"/>
+                                  </p:stCondLst>
+                                  <p:childTnLst>
+                                    <p:set>
+                                      <p:cBhvr>
+                                        <p:cTn id="20" dur="1" fill="hold">
+                                          <p:stCondLst>
+                                            <p:cond delay="0"/>
+                                          </p:stCondLst>
+                                        </p:cTn>
+                                        <p:tgtEl>
+                                          <p:spTgt spid="3">
+                                            <p:txEl>
+                                              <p:pRg st="4" end="4"/>
+                                            </p:txEl>
+                                          </p:spTgt>
+                                        </p:tgtEl>
+                                        <p:attrNameLst>
+                                          <p:attrName>style.visibility</p:attrName>
+                                        </p:attrNameLst>
+                                      </p:cBhvr>
+                                      <p:to>
+                                        <p:strVal val="visible"/>
+                                      </p:to>
+                                    </p:set>
+                                    <p:animEffect transition="in" filter="fade">
+                                      <p:cBhvr>
+                                        <p:cTn id="21" dur="1000"/>
+                                        <p:tgtEl>
+                                          <p:spTgt spid="3">
+                                            <p:txEl>
+                                              <p:pRg st="4" end="4"/>
+                                            </p:txEl>
+                                          </p:spTgt>
+                                        </p:tgtEl>
+                                      </p:cBhvr>
+                                    </p:animEffect>
+                                    <p:anim calcmode="lin" valueType="num">
+                                      <p:cBhvr>
+                                        <p:cTn id="22" dur="1000" fill="hold"/>
+                                        <p:tgtEl>
+                                          <p:spTgt spid="3">
+                                            <p:txEl>
+                                              <p:pRg st="4" end="4"/>
+                                            </p:txEl>
+                                          </p:spTgt>
+                                        </p:tgtEl>
+                                        <p:attrNameLst>
+                                          <p:attrName>ppt_x</p:attrName>
+                                        </p:attrNameLst>
+                                      </p:cBhvr>
+                                      <p:tavLst>
+                                        <p:tav tm="0">
+                                          <p:val>
+                                            <p:strVal val="#ppt_x"/>
+                                          </p:val>
+                                        </p:tav>
+                                        <p:tav tm="100000">
+                                          <p:val>
+                                            <p:strVal val="#ppt_x"/>
+                                          </p:val>
+                                        </p:tav>
+                                      </p:tavLst>
+                                    </p:anim>
+                                    <p:anim calcmode="lin" valueType="num">
+                                      <p:cBhvr>
+                                        <p:cTn id="23" dur="1000" fill="hold"/>
+                                        <p:tgtEl>
+                                          <p:spTgt spid="3">
+                                            <p:txEl>
+                                              <p:pRg st="4" end="4"/>
+                                            </p:txEl>
+                                          </p:spTgt>
+                                        </p:tgtEl>
+                                        <p:attrNameLst>
+                                          <p:attrName>ppt_y</p:attrName>
+                                        </p:attrNameLst>
+                                      </p:cBhvr>
+                                      <p:tavLst>
+                                        <p:tav tm="0">
+                                          <p:val>
+                                            <p:strVal val="#ppt_y+.1"/>
+                                          </p:val>
+                                        </p:tav>
+                                        <p:tav tm="100000">
+                                          <p:val>
+                                            <p:strVal val="#ppt_y"/>
+                                          </p:val>
+                                        </p:tav>
+                                      </p:tavLst>
+                                    </p:anim>
+                                  </p:childTnLst>
+                                </p:cTn>
+                              </p:par>
+                            </p:childTnLst>
+                          </p:cTn>
+                        </p:par>
+                      </p:childTnLst>
+                    </p:cTn>
+                  </p:par>
+                </p:childTnLst>
+              </p:cTn>
+              <p:prevCondLst>
+                <p:cond evt="onPrev" delay="0">
+                  <p:tgtEl>
+                    <p:sldTgt/>
+                  </p:tgtEl>
+                </p:cond>
+              </p:prevCondLst>
+              <p:nextCondLst>
+                <p:cond evt="onNext" delay="0">
+                  <p:tgtEl>
+                    <p:sldTgt/>
+                  </p:tgtEl>
+                </p:cond>
+              </p:nextCondLst>
+            </p:seq>
+          </p:childTnLst>
+        </p:cTn>
+      </p:par>
+    </p:tnLst>
+    <p:bldLst>
+      <p:bldP spid="3" grpId="0" build="p"/>
+    </p:bldLst>
+  </p:timing>
+</p:sld>
+</file>
+
+<file path=ppt/slides/slide3.xml><?xml version="1.0" encoding="utf-8"?>
+<p:sld xmlns:a="http://schemas.openxmlformats.org/drawingml/2006/main" xmlns:r="http://schemas.openxmlformats.org/officeDocument/2006/relationships" xmlns:p="http://schemas.openxmlformats.org/presentationml/2006/main">
+  <p:cSld>
+    <p:bg>
+      <p:bgPr>
+        <a:solidFill>
+          <a:schemeClr val="bg1"/>
+        </a:solidFill>
+        <a:effectLst/>
+      </p:bgPr>
+    </p:bg>
+    <p:spTree>
+      <p:nvGrpSpPr>
+        <p:cNvPr id="1" name=""/>
+        <p:cNvGrpSpPr/>
+        <p:nvPr/>
+      </p:nvGrpSpPr>
+      <p:grpSpPr>
+        <a:xfrm>
+          <a:off x="0" y="0"/>
+          <a:ext cx="0" cy="0"/>
+          <a:chOff x="0" y="0"/>
+          <a:chExt cx="0" cy="0"/>
+        </a:xfrm>
+      </p:grpSpPr>
+      <p:sp>
+        <p:nvSpPr>
+          <p:cNvPr id="2" name="Title 1">
+            <a:extLst>
+              <a:ext uri="{FF2B5EF4-FFF2-40B4-BE49-F238E27FC236}">
+                <a16:creationId xmlns:a16="http://schemas.microsoft.com/office/drawing/2014/main" id="{91F5C009-850A-4891-8FAD-D2F9036DE2E9}"/>
+              </a:ext>
+            </a:extLst>
+          </p:cNvPr>
+          <p:cNvSpPr>
+            <a:spLocks noGrp="1"/>
+          </p:cNvSpPr>
+          <p:nvPr>
+            <p:ph type="ctrTitle"/>
+          </p:nvPr>
+        </p:nvSpPr>
+        <p:spPr>
+          <a:xfrm>
+            <a:off x="4162425" y="400050"/>
+            <a:ext cx="7058025" cy="1655761"/>
+          </a:xfrm>
+        </p:spPr>
+        <p:txBody>
+          <a:bodyPr>
+            <a:normAutofit fontScale="90000"/>
+          </a:bodyPr>
+          <a:lstStyle/>
+          <a:p>
+            <a:r>
+              <a:rPr lang="en-US" sz="6700" dirty="0">
+                <a:latin typeface="Eurostile" panose="020B0704020202050204" pitchFamily="34" charset="0"/>
+              </a:rPr>
+              <a:t>BACKGROUND</a:t>
+            </a:r>
+            <a:br>
+              <a:rPr lang="en-US" dirty="0"/>
+            </a:br>
+            <a:endParaRPr lang="en-US" dirty="0"/>
+          </a:p>
+        </p:txBody>
+      </p:sp>
+      <p:sp>
+        <p:nvSpPr>
+          <p:cNvPr id="3" name="Subtitle 2">
+            <a:extLst>
+              <a:ext uri="{FF2B5EF4-FFF2-40B4-BE49-F238E27FC236}">
+                <a16:creationId xmlns:a16="http://schemas.microsoft.com/office/drawing/2014/main" id="{9828A2C6-0765-445B-8030-69399EDB59D7}"/>
+              </a:ext>
+            </a:extLst>
+          </p:cNvPr>
+          <p:cNvSpPr>
+            <a:spLocks noGrp="1"/>
+          </p:cNvSpPr>
+          <p:nvPr>
+            <p:ph type="subTitle" idx="1"/>
+          </p:nvPr>
+        </p:nvSpPr>
+        <p:spPr>
+          <a:xfrm>
+            <a:off x="905522" y="2774158"/>
+            <a:ext cx="10314928" cy="3683792"/>
+          </a:xfrm>
+        </p:spPr>
+        <p:txBody>
+          <a:bodyPr>
+            <a:normAutofit fontScale="92500"/>
           </a:bodyPr>
           <a:lstStyle/>
           <a:p>
@@ -3246,7 +3994,7 @@
               <a:rPr lang="en-US" dirty="0">
                 <a:latin typeface="Eurostile" panose="020B0704020202050204" pitchFamily="34" charset="0"/>
               </a:rPr>
-              <a:t>The nominating committee, chaired by Landau, currently consists of 29 members, and nominates 15 artists each year.  The only criteria is that it has been 25 years since the artist’s first record was released.</a:t>
+              <a:t>The nominating committee, chaired by Landau, currently consists of 29 members, and nominates 15 artists each year. </a:t>
             </a:r>
           </a:p>
           <a:p>
@@ -3848,7 +4596,747 @@
 </p:sld>
 </file>
 
-<file path=ppt/slides/slide3.xml><?xml version="1.0" encoding="utf-8"?>
+<file path=ppt/slides/slide4.xml><?xml version="1.0" encoding="utf-8"?>
+<p:sld xmlns:a="http://schemas.openxmlformats.org/drawingml/2006/main" xmlns:r="http://schemas.openxmlformats.org/officeDocument/2006/relationships" xmlns:p="http://schemas.openxmlformats.org/presentationml/2006/main">
+  <p:cSld>
+    <p:bg>
+      <p:bgPr>
+        <a:solidFill>
+          <a:schemeClr val="bg1"/>
+        </a:solidFill>
+        <a:effectLst/>
+      </p:bgPr>
+    </p:bg>
+    <p:spTree>
+      <p:nvGrpSpPr>
+        <p:cNvPr id="1" name=""/>
+        <p:cNvGrpSpPr/>
+        <p:nvPr/>
+      </p:nvGrpSpPr>
+      <p:grpSpPr>
+        <a:xfrm>
+          <a:off x="0" y="0"/>
+          <a:ext cx="0" cy="0"/>
+          <a:chOff x="0" y="0"/>
+          <a:chExt cx="0" cy="0"/>
+        </a:xfrm>
+      </p:grpSpPr>
+      <p:sp>
+        <p:nvSpPr>
+          <p:cNvPr id="2" name="Title 1">
+            <a:extLst>
+              <a:ext uri="{FF2B5EF4-FFF2-40B4-BE49-F238E27FC236}">
+                <a16:creationId xmlns:a16="http://schemas.microsoft.com/office/drawing/2014/main" id="{91F5C009-850A-4891-8FAD-D2F9036DE2E9}"/>
+              </a:ext>
+            </a:extLst>
+          </p:cNvPr>
+          <p:cNvSpPr>
+            <a:spLocks noGrp="1"/>
+          </p:cNvSpPr>
+          <p:nvPr>
+            <p:ph type="ctrTitle"/>
+          </p:nvPr>
+        </p:nvSpPr>
+        <p:spPr>
+          <a:xfrm>
+            <a:off x="4162425" y="400050"/>
+            <a:ext cx="7058025" cy="1655761"/>
+          </a:xfrm>
+        </p:spPr>
+        <p:txBody>
+          <a:bodyPr>
+            <a:normAutofit fontScale="90000"/>
+          </a:bodyPr>
+          <a:lstStyle/>
+          <a:p>
+            <a:r>
+              <a:rPr lang="en-US" sz="6700" dirty="0">
+                <a:latin typeface="Eurostile" panose="020B0704020202050204" pitchFamily="34" charset="0"/>
+              </a:rPr>
+              <a:t>THE “CRITERIA”</a:t>
+            </a:r>
+            <a:br>
+              <a:rPr lang="en-US" dirty="0"/>
+            </a:br>
+            <a:endParaRPr lang="en-US" dirty="0"/>
+          </a:p>
+        </p:txBody>
+      </p:sp>
+      <p:sp>
+        <p:nvSpPr>
+          <p:cNvPr id="3" name="Subtitle 2">
+            <a:extLst>
+              <a:ext uri="{FF2B5EF4-FFF2-40B4-BE49-F238E27FC236}">
+                <a16:creationId xmlns:a16="http://schemas.microsoft.com/office/drawing/2014/main" id="{9828A2C6-0765-445B-8030-69399EDB59D7}"/>
+              </a:ext>
+            </a:extLst>
+          </p:cNvPr>
+          <p:cNvSpPr>
+            <a:spLocks noGrp="1"/>
+          </p:cNvSpPr>
+          <p:nvPr>
+            <p:ph type="subTitle" idx="1"/>
+          </p:nvPr>
+        </p:nvSpPr>
+        <p:spPr>
+          <a:xfrm>
+            <a:off x="905522" y="2774158"/>
+            <a:ext cx="10314928" cy="3683792"/>
+          </a:xfrm>
+        </p:spPr>
+        <p:txBody>
+          <a:bodyPr>
+            <a:normAutofit lnSpcReduction="10000"/>
+          </a:bodyPr>
+          <a:lstStyle/>
+          <a:p>
+            <a:pPr marL="342900" indent="-342900" algn="l">
+              <a:buFont typeface="Arial" panose="020B0604020202020204" pitchFamily="34" charset="0"/>
+              <a:buChar char="•"/>
+            </a:pPr>
+            <a:endParaRPr lang="en-US" dirty="0"/>
+          </a:p>
+          <a:p>
+            <a:pPr marL="342900" indent="-342900" algn="l">
+              <a:buFont typeface="Arial" panose="020B0604020202020204" pitchFamily="34" charset="0"/>
+              <a:buChar char="•"/>
+            </a:pPr>
+            <a:r>
+              <a:rPr lang="en-US" dirty="0">
+                <a:latin typeface="Eurostile" panose="020B0704020202050204" pitchFamily="34" charset="0"/>
+              </a:rPr>
+              <a:t>The only real qualification for nomination is that it has been 25 years since the artist’s first record was released. Criteria include “the influence and significance of the artists' contributions to the development and perpetuation of rock and roll”.</a:t>
+            </a:r>
+          </a:p>
+          <a:p>
+            <a:pPr marL="342900" indent="-342900" algn="l">
+              <a:buFont typeface="Arial" panose="020B0604020202020204" pitchFamily="34" charset="0"/>
+              <a:buChar char="•"/>
+            </a:pPr>
+            <a:r>
+              <a:rPr lang="en-US" dirty="0">
+                <a:latin typeface="Eurostile" panose="020B0704020202050204" pitchFamily="34" charset="0"/>
+              </a:rPr>
+              <a:t>Definition of rock and roll is very flexible, therefore we did not include genre as a determining factor in this exercise.  Initial nominees were early rock and roll, doo-wop, Motown stars.  Expanded to classic rock, and over the years to pop/dance music (Michael Jackson, Madonna), heavy metal (Black Sabbath, Metallica), jazz (Miles Davis), country (Johnny Cash) and even rap (Public Enemy, Run-DMC, 2Pac).</a:t>
+            </a:r>
+            <a:endParaRPr lang="en-US" dirty="0"/>
+          </a:p>
+          <a:p>
+            <a:pPr marL="342900" indent="-342900" algn="l">
+              <a:buFont typeface="Arial" panose="020B0604020202020204" pitchFamily="34" charset="0"/>
+              <a:buChar char="•"/>
+            </a:pPr>
+            <a:endParaRPr lang="en-US" dirty="0"/>
+          </a:p>
+        </p:txBody>
+      </p:sp>
+      <p:pic>
+        <p:nvPicPr>
+          <p:cNvPr id="5" name="Picture 4">
+            <a:extLst>
+              <a:ext uri="{FF2B5EF4-FFF2-40B4-BE49-F238E27FC236}">
+                <a16:creationId xmlns:a16="http://schemas.microsoft.com/office/drawing/2014/main" id="{3AA4D6A2-7ABF-440E-9F1F-24D35E34D210}"/>
+              </a:ext>
+            </a:extLst>
+          </p:cNvPr>
+          <p:cNvPicPr>
+            <a:picLocks noChangeAspect="1"/>
+          </p:cNvPicPr>
+          <p:nvPr/>
+        </p:nvPicPr>
+        <p:blipFill>
+          <a:blip r:embed="rId2">
+            <a:extLst>
+              <a:ext uri="{28A0092B-C50C-407E-A947-70E740481C1C}">
+                <a14:useLocalDpi xmlns:a14="http://schemas.microsoft.com/office/drawing/2010/main" val="0"/>
+              </a:ext>
+            </a:extLst>
+          </a:blip>
+          <a:stretch>
+            <a:fillRect/>
+          </a:stretch>
+        </p:blipFill>
+        <p:spPr>
+          <a:xfrm>
+            <a:off x="181906" y="101037"/>
+            <a:ext cx="3517900" cy="2042651"/>
+          </a:xfrm>
+          <a:prstGeom prst="rect">
+            <a:avLst/>
+          </a:prstGeom>
+          <a:ln>
+            <a:noFill/>
+          </a:ln>
+          <a:effectLst>
+            <a:reflection blurRad="12700" stA="30000" endPos="30000" dist="5000" dir="5400000" sy="-100000" algn="bl" rotWithShape="0"/>
+          </a:effectLst>
+          <a:scene3d>
+            <a:camera prst="perspectiveContrastingLeftFacing">
+              <a:rot lat="300000" lon="19800000" rev="0"/>
+            </a:camera>
+            <a:lightRig rig="threePt" dir="t">
+              <a:rot lat="0" lon="0" rev="2700000"/>
+            </a:lightRig>
+          </a:scene3d>
+          <a:sp3d>
+            <a:bevelT w="63500" h="50800"/>
+          </a:sp3d>
+        </p:spPr>
+      </p:pic>
+    </p:spTree>
+    <p:extLst>
+      <p:ext uri="{BB962C8B-B14F-4D97-AF65-F5344CB8AC3E}">
+        <p14:creationId xmlns:p14="http://schemas.microsoft.com/office/powerpoint/2010/main" val="2400040312"/>
+      </p:ext>
+    </p:extLst>
+  </p:cSld>
+  <p:clrMapOvr>
+    <a:masterClrMapping/>
+  </p:clrMapOvr>
+  <mc:AlternateContent xmlns:mc="http://schemas.openxmlformats.org/markup-compatibility/2006" xmlns:p14="http://schemas.microsoft.com/office/powerpoint/2010/main">
+    <mc:Choice Requires="p14">
+      <p:transition spd="slow" p14:dur="800">
+        <p:circle/>
+      </p:transition>
+    </mc:Choice>
+    <mc:Fallback xmlns="">
+      <p:transition spd="slow">
+        <p:circle/>
+      </p:transition>
+    </mc:Fallback>
+  </mc:AlternateContent>
+  <p:timing>
+    <p:tnLst>
+      <p:par>
+        <p:cTn id="1" dur="indefinite" restart="never" nodeType="tmRoot">
+          <p:childTnLst>
+            <p:seq concurrent="1" nextAc="seek">
+              <p:cTn id="2" dur="indefinite" nodeType="mainSeq">
+                <p:childTnLst>
+                  <p:par>
+                    <p:cTn id="3" fill="hold">
+                      <p:stCondLst>
+                        <p:cond delay="indefinite"/>
+                      </p:stCondLst>
+                      <p:childTnLst>
+                        <p:par>
+                          <p:cTn id="4" fill="hold">
+                            <p:stCondLst>
+                              <p:cond delay="0"/>
+                            </p:stCondLst>
+                            <p:childTnLst>
+                              <p:par>
+                                <p:cTn id="5" presetID="42" presetClass="entr" presetSubtype="0" fill="hold" grpId="0" nodeType="clickEffect">
+                                  <p:stCondLst>
+                                    <p:cond delay="0"/>
+                                  </p:stCondLst>
+                                  <p:childTnLst>
+                                    <p:set>
+                                      <p:cBhvr>
+                                        <p:cTn id="6" dur="1" fill="hold">
+                                          <p:stCondLst>
+                                            <p:cond delay="0"/>
+                                          </p:stCondLst>
+                                        </p:cTn>
+                                        <p:tgtEl>
+                                          <p:spTgt spid="3">
+                                            <p:txEl>
+                                              <p:pRg st="1" end="1"/>
+                                            </p:txEl>
+                                          </p:spTgt>
+                                        </p:tgtEl>
+                                        <p:attrNameLst>
+                                          <p:attrName>style.visibility</p:attrName>
+                                        </p:attrNameLst>
+                                      </p:cBhvr>
+                                      <p:to>
+                                        <p:strVal val="visible"/>
+                                      </p:to>
+                                    </p:set>
+                                    <p:animEffect transition="in" filter="fade">
+                                      <p:cBhvr>
+                                        <p:cTn id="7" dur="1000"/>
+                                        <p:tgtEl>
+                                          <p:spTgt spid="3">
+                                            <p:txEl>
+                                              <p:pRg st="1" end="1"/>
+                                            </p:txEl>
+                                          </p:spTgt>
+                                        </p:tgtEl>
+                                      </p:cBhvr>
+                                    </p:animEffect>
+                                    <p:anim calcmode="lin" valueType="num">
+                                      <p:cBhvr>
+                                        <p:cTn id="8" dur="1000" fill="hold"/>
+                                        <p:tgtEl>
+                                          <p:spTgt spid="3">
+                                            <p:txEl>
+                                              <p:pRg st="1" end="1"/>
+                                            </p:txEl>
+                                          </p:spTgt>
+                                        </p:tgtEl>
+                                        <p:attrNameLst>
+                                          <p:attrName>ppt_x</p:attrName>
+                                        </p:attrNameLst>
+                                      </p:cBhvr>
+                                      <p:tavLst>
+                                        <p:tav tm="0">
+                                          <p:val>
+                                            <p:strVal val="#ppt_x"/>
+                                          </p:val>
+                                        </p:tav>
+                                        <p:tav tm="100000">
+                                          <p:val>
+                                            <p:strVal val="#ppt_x"/>
+                                          </p:val>
+                                        </p:tav>
+                                      </p:tavLst>
+                                    </p:anim>
+                                    <p:anim calcmode="lin" valueType="num">
+                                      <p:cBhvr>
+                                        <p:cTn id="9" dur="1000" fill="hold"/>
+                                        <p:tgtEl>
+                                          <p:spTgt spid="3">
+                                            <p:txEl>
+                                              <p:pRg st="1" end="1"/>
+                                            </p:txEl>
+                                          </p:spTgt>
+                                        </p:tgtEl>
+                                        <p:attrNameLst>
+                                          <p:attrName>ppt_y</p:attrName>
+                                        </p:attrNameLst>
+                                      </p:cBhvr>
+                                      <p:tavLst>
+                                        <p:tav tm="0">
+                                          <p:val>
+                                            <p:strVal val="#ppt_y+.1"/>
+                                          </p:val>
+                                        </p:tav>
+                                        <p:tav tm="100000">
+                                          <p:val>
+                                            <p:strVal val="#ppt_y"/>
+                                          </p:val>
+                                        </p:tav>
+                                      </p:tavLst>
+                                    </p:anim>
+                                  </p:childTnLst>
+                                </p:cTn>
+                              </p:par>
+                            </p:childTnLst>
+                          </p:cTn>
+                        </p:par>
+                      </p:childTnLst>
+                    </p:cTn>
+                  </p:par>
+                  <p:par>
+                    <p:cTn id="10" fill="hold">
+                      <p:stCondLst>
+                        <p:cond delay="indefinite"/>
+                      </p:stCondLst>
+                      <p:childTnLst>
+                        <p:par>
+                          <p:cTn id="11" fill="hold">
+                            <p:stCondLst>
+                              <p:cond delay="0"/>
+                            </p:stCondLst>
+                            <p:childTnLst>
+                              <p:par>
+                                <p:cTn id="12" presetID="42" presetClass="entr" presetSubtype="0" fill="hold" grpId="0" nodeType="clickEffect">
+                                  <p:stCondLst>
+                                    <p:cond delay="0"/>
+                                  </p:stCondLst>
+                                  <p:childTnLst>
+                                    <p:set>
+                                      <p:cBhvr>
+                                        <p:cTn id="13" dur="1" fill="hold">
+                                          <p:stCondLst>
+                                            <p:cond delay="0"/>
+                                          </p:stCondLst>
+                                        </p:cTn>
+                                        <p:tgtEl>
+                                          <p:spTgt spid="3">
+                                            <p:txEl>
+                                              <p:pRg st="2" end="2"/>
+                                            </p:txEl>
+                                          </p:spTgt>
+                                        </p:tgtEl>
+                                        <p:attrNameLst>
+                                          <p:attrName>style.visibility</p:attrName>
+                                        </p:attrNameLst>
+                                      </p:cBhvr>
+                                      <p:to>
+                                        <p:strVal val="visible"/>
+                                      </p:to>
+                                    </p:set>
+                                    <p:animEffect transition="in" filter="fade">
+                                      <p:cBhvr>
+                                        <p:cTn id="14" dur="1000"/>
+                                        <p:tgtEl>
+                                          <p:spTgt spid="3">
+                                            <p:txEl>
+                                              <p:pRg st="2" end="2"/>
+                                            </p:txEl>
+                                          </p:spTgt>
+                                        </p:tgtEl>
+                                      </p:cBhvr>
+                                    </p:animEffect>
+                                    <p:anim calcmode="lin" valueType="num">
+                                      <p:cBhvr>
+                                        <p:cTn id="15" dur="1000" fill="hold"/>
+                                        <p:tgtEl>
+                                          <p:spTgt spid="3">
+                                            <p:txEl>
+                                              <p:pRg st="2" end="2"/>
+                                            </p:txEl>
+                                          </p:spTgt>
+                                        </p:tgtEl>
+                                        <p:attrNameLst>
+                                          <p:attrName>ppt_x</p:attrName>
+                                        </p:attrNameLst>
+                                      </p:cBhvr>
+                                      <p:tavLst>
+                                        <p:tav tm="0">
+                                          <p:val>
+                                            <p:strVal val="#ppt_x"/>
+                                          </p:val>
+                                        </p:tav>
+                                        <p:tav tm="100000">
+                                          <p:val>
+                                            <p:strVal val="#ppt_x"/>
+                                          </p:val>
+                                        </p:tav>
+                                      </p:tavLst>
+                                    </p:anim>
+                                    <p:anim calcmode="lin" valueType="num">
+                                      <p:cBhvr>
+                                        <p:cTn id="16" dur="1000" fill="hold"/>
+                                        <p:tgtEl>
+                                          <p:spTgt spid="3">
+                                            <p:txEl>
+                                              <p:pRg st="2" end="2"/>
+                                            </p:txEl>
+                                          </p:spTgt>
+                                        </p:tgtEl>
+                                        <p:attrNameLst>
+                                          <p:attrName>ppt_y</p:attrName>
+                                        </p:attrNameLst>
+                                      </p:cBhvr>
+                                      <p:tavLst>
+                                        <p:tav tm="0">
+                                          <p:val>
+                                            <p:strVal val="#ppt_y+.1"/>
+                                          </p:val>
+                                        </p:tav>
+                                        <p:tav tm="100000">
+                                          <p:val>
+                                            <p:strVal val="#ppt_y"/>
+                                          </p:val>
+                                        </p:tav>
+                                      </p:tavLst>
+                                    </p:anim>
+                                  </p:childTnLst>
+                                </p:cTn>
+                              </p:par>
+                            </p:childTnLst>
+                          </p:cTn>
+                        </p:par>
+                      </p:childTnLst>
+                    </p:cTn>
+                  </p:par>
+                </p:childTnLst>
+              </p:cTn>
+              <p:prevCondLst>
+                <p:cond evt="onPrev" delay="0">
+                  <p:tgtEl>
+                    <p:sldTgt/>
+                  </p:tgtEl>
+                </p:cond>
+              </p:prevCondLst>
+              <p:nextCondLst>
+                <p:cond evt="onNext" delay="0">
+                  <p:tgtEl>
+                    <p:sldTgt/>
+                  </p:tgtEl>
+                </p:cond>
+              </p:nextCondLst>
+            </p:seq>
+          </p:childTnLst>
+        </p:cTn>
+      </p:par>
+    </p:tnLst>
+    <p:bldLst>
+      <p:bldP spid="3" grpId="0" build="p"/>
+    </p:bldLst>
+  </p:timing>
+</p:sld>
+</file>
+
+<file path=ppt/slides/slide5.xml><?xml version="1.0" encoding="utf-8"?>
+<p:sld xmlns:a="http://schemas.openxmlformats.org/drawingml/2006/main" xmlns:r="http://schemas.openxmlformats.org/officeDocument/2006/relationships" xmlns:p="http://schemas.openxmlformats.org/presentationml/2006/main">
+  <p:cSld>
+    <p:bg>
+      <p:bgPr>
+        <a:solidFill>
+          <a:schemeClr val="bg1"/>
+        </a:solidFill>
+        <a:effectLst/>
+      </p:bgPr>
+    </p:bg>
+    <p:spTree>
+      <p:nvGrpSpPr>
+        <p:cNvPr id="1" name=""/>
+        <p:cNvGrpSpPr/>
+        <p:nvPr/>
+      </p:nvGrpSpPr>
+      <p:grpSpPr>
+        <a:xfrm>
+          <a:off x="0" y="0"/>
+          <a:ext cx="0" cy="0"/>
+          <a:chOff x="0" y="0"/>
+          <a:chExt cx="0" cy="0"/>
+        </a:xfrm>
+      </p:grpSpPr>
+      <p:sp>
+        <p:nvSpPr>
+          <p:cNvPr id="2" name="Title 1">
+            <a:extLst>
+              <a:ext uri="{FF2B5EF4-FFF2-40B4-BE49-F238E27FC236}">
+                <a16:creationId xmlns:a16="http://schemas.microsoft.com/office/drawing/2014/main" id="{91F5C009-850A-4891-8FAD-D2F9036DE2E9}"/>
+              </a:ext>
+            </a:extLst>
+          </p:cNvPr>
+          <p:cNvSpPr>
+            <a:spLocks noGrp="1"/>
+          </p:cNvSpPr>
+          <p:nvPr>
+            <p:ph type="ctrTitle"/>
+          </p:nvPr>
+        </p:nvSpPr>
+        <p:spPr>
+          <a:xfrm>
+            <a:off x="4162425" y="400050"/>
+            <a:ext cx="7058025" cy="1655761"/>
+          </a:xfrm>
+        </p:spPr>
+        <p:txBody>
+          <a:bodyPr>
+            <a:normAutofit fontScale="90000"/>
+          </a:bodyPr>
+          <a:lstStyle/>
+          <a:p>
+            <a:r>
+              <a:rPr lang="en-US" sz="6700" dirty="0">
+                <a:latin typeface="Eurostile" panose="020B0704020202050204" pitchFamily="34" charset="0"/>
+              </a:rPr>
+              <a:t>OUR CRITERIA</a:t>
+            </a:r>
+            <a:br>
+              <a:rPr lang="en-US" dirty="0"/>
+            </a:br>
+            <a:endParaRPr lang="en-US" dirty="0"/>
+          </a:p>
+        </p:txBody>
+      </p:sp>
+      <p:sp>
+        <p:nvSpPr>
+          <p:cNvPr id="3" name="Subtitle 2">
+            <a:extLst>
+              <a:ext uri="{FF2B5EF4-FFF2-40B4-BE49-F238E27FC236}">
+                <a16:creationId xmlns:a16="http://schemas.microsoft.com/office/drawing/2014/main" id="{9828A2C6-0765-445B-8030-69399EDB59D7}"/>
+              </a:ext>
+            </a:extLst>
+          </p:cNvPr>
+          <p:cNvSpPr>
+            <a:spLocks noGrp="1"/>
+          </p:cNvSpPr>
+          <p:nvPr>
+            <p:ph type="subTitle" idx="1"/>
+          </p:nvPr>
+        </p:nvSpPr>
+        <p:spPr>
+          <a:xfrm>
+            <a:off x="905522" y="2774158"/>
+            <a:ext cx="10314928" cy="3683792"/>
+          </a:xfrm>
+        </p:spPr>
+        <p:txBody>
+          <a:bodyPr>
+            <a:normAutofit/>
+          </a:bodyPr>
+          <a:lstStyle/>
+          <a:p>
+            <a:pPr algn="l"/>
+            <a:r>
+              <a:rPr lang="en-US" dirty="0"/>
+              <a:t>We looked at 145 passed-over artists in addition to 214 inductees (359 total):</a:t>
+            </a:r>
+          </a:p>
+          <a:p>
+            <a:pPr algn="l"/>
+            <a:endParaRPr lang="en-US" dirty="0"/>
+          </a:p>
+          <a:p>
+            <a:pPr marL="800100" lvl="1" indent="-342900" algn="l">
+              <a:buFont typeface="Arial" panose="020B0604020202020204" pitchFamily="34" charset="0"/>
+              <a:buChar char="•"/>
+            </a:pPr>
+            <a:r>
+              <a:rPr lang="en-US" dirty="0"/>
+              <a:t>Number of hit singles (Billboard Hot 100, US)</a:t>
+            </a:r>
+          </a:p>
+          <a:p>
+            <a:pPr marL="800100" lvl="1" indent="-342900" algn="l">
+              <a:buFont typeface="Arial" panose="020B0604020202020204" pitchFamily="34" charset="0"/>
+              <a:buChar char="•"/>
+            </a:pPr>
+            <a:r>
+              <a:rPr lang="en-US" dirty="0"/>
+              <a:t>Total album sales (RIAA certified, US)</a:t>
+            </a:r>
+          </a:p>
+          <a:p>
+            <a:pPr marL="800100" lvl="1" indent="-342900" algn="l">
+              <a:buFont typeface="Arial" panose="020B0604020202020204" pitchFamily="34" charset="0"/>
+              <a:buChar char="•"/>
+            </a:pPr>
+            <a:r>
+              <a:rPr lang="en-US" dirty="0"/>
+              <a:t>Average streaming listens per month (Spotify, global)</a:t>
+            </a:r>
+          </a:p>
+          <a:p>
+            <a:pPr marL="800100" lvl="1" indent="-342900" algn="l">
+              <a:buFont typeface="Arial" panose="020B0604020202020204" pitchFamily="34" charset="0"/>
+              <a:buChar char="•"/>
+            </a:pPr>
+            <a:r>
+              <a:rPr lang="en-US" dirty="0"/>
+              <a:t>Average album rating, 0-5 stars (All Music Guide/allmusic.com)</a:t>
+            </a:r>
+          </a:p>
+          <a:p>
+            <a:pPr marL="800100" lvl="1" indent="-342900" algn="l">
+              <a:buFont typeface="Arial" panose="020B0604020202020204" pitchFamily="34" charset="0"/>
+              <a:buChar char="•"/>
+            </a:pPr>
+            <a:r>
+              <a:rPr lang="en-US" dirty="0"/>
+              <a:t>Influence over other artists (All Music, number of followers listed on artist’s page)</a:t>
+            </a:r>
+          </a:p>
+          <a:p>
+            <a:pPr marL="800100" lvl="1" indent="-342900" algn="l">
+              <a:buFont typeface="Arial" panose="020B0604020202020204" pitchFamily="34" charset="0"/>
+              <a:buChar char="•"/>
+            </a:pPr>
+            <a:r>
+              <a:rPr lang="en-US" dirty="0"/>
+              <a:t>Number of albums listed in the Top 500 Albums of All-Time (Rolling Stone magazine)</a:t>
+            </a:r>
+          </a:p>
+          <a:p>
+            <a:pPr marL="800100" lvl="1" indent="-342900" algn="l">
+              <a:buFont typeface="Arial" panose="020B0604020202020204" pitchFamily="34" charset="0"/>
+              <a:buChar char="•"/>
+            </a:pPr>
+            <a:r>
+              <a:rPr lang="en-US" dirty="0"/>
+              <a:t>Appearances on the cover of Rolling Stone magazine</a:t>
+            </a:r>
+          </a:p>
+          <a:p>
+            <a:pPr lvl="1" algn="l"/>
+            <a:endParaRPr lang="en-US" dirty="0"/>
+          </a:p>
+          <a:p>
+            <a:pPr marL="800100" lvl="1" indent="-342900" algn="l">
+              <a:buFont typeface="Arial" panose="020B0604020202020204" pitchFamily="34" charset="0"/>
+              <a:buChar char="•"/>
+            </a:pPr>
+            <a:endParaRPr lang="en-US" dirty="0"/>
+          </a:p>
+        </p:txBody>
+      </p:sp>
+      <p:pic>
+        <p:nvPicPr>
+          <p:cNvPr id="5" name="Picture 4">
+            <a:extLst>
+              <a:ext uri="{FF2B5EF4-FFF2-40B4-BE49-F238E27FC236}">
+                <a16:creationId xmlns:a16="http://schemas.microsoft.com/office/drawing/2014/main" id="{3AA4D6A2-7ABF-440E-9F1F-24D35E34D210}"/>
+              </a:ext>
+            </a:extLst>
+          </p:cNvPr>
+          <p:cNvPicPr>
+            <a:picLocks noChangeAspect="1"/>
+          </p:cNvPicPr>
+          <p:nvPr/>
+        </p:nvPicPr>
+        <p:blipFill>
+          <a:blip r:embed="rId2">
+            <a:extLst>
+              <a:ext uri="{28A0092B-C50C-407E-A947-70E740481C1C}">
+                <a14:useLocalDpi xmlns:a14="http://schemas.microsoft.com/office/drawing/2010/main" val="0"/>
+              </a:ext>
+            </a:extLst>
+          </a:blip>
+          <a:stretch>
+            <a:fillRect/>
+          </a:stretch>
+        </p:blipFill>
+        <p:spPr>
+          <a:xfrm>
+            <a:off x="181906" y="101037"/>
+            <a:ext cx="3517900" cy="2042651"/>
+          </a:xfrm>
+          <a:prstGeom prst="rect">
+            <a:avLst/>
+          </a:prstGeom>
+          <a:ln>
+            <a:noFill/>
+          </a:ln>
+          <a:effectLst>
+            <a:reflection blurRad="12700" stA="30000" endPos="30000" dist="5000" dir="5400000" sy="-100000" algn="bl" rotWithShape="0"/>
+          </a:effectLst>
+          <a:scene3d>
+            <a:camera prst="perspectiveContrastingLeftFacing">
+              <a:rot lat="300000" lon="19800000" rev="0"/>
+            </a:camera>
+            <a:lightRig rig="threePt" dir="t">
+              <a:rot lat="0" lon="0" rev="2700000"/>
+            </a:lightRig>
+          </a:scene3d>
+          <a:sp3d>
+            <a:bevelT w="63500" h="50800"/>
+          </a:sp3d>
+        </p:spPr>
+      </p:pic>
+    </p:spTree>
+    <p:extLst>
+      <p:ext uri="{BB962C8B-B14F-4D97-AF65-F5344CB8AC3E}">
+        <p14:creationId xmlns:p14="http://schemas.microsoft.com/office/powerpoint/2010/main" val="4168645507"/>
+      </p:ext>
+    </p:extLst>
+  </p:cSld>
+  <p:clrMapOvr>
+    <a:masterClrMapping/>
+  </p:clrMapOvr>
+  <mc:AlternateContent xmlns:mc="http://schemas.openxmlformats.org/markup-compatibility/2006" xmlns:p14="http://schemas.microsoft.com/office/powerpoint/2010/main">
+    <mc:Choice Requires="p14">
+      <p:transition spd="slow" p14:dur="800">
+        <p:circle/>
+      </p:transition>
+    </mc:Choice>
+    <mc:Fallback xmlns="">
+      <p:transition spd="slow">
+        <p:circle/>
+      </p:transition>
+    </mc:Fallback>
+  </mc:AlternateContent>
+</p:sld>
+</file>
+
+<file path=ppt/slides/slide6.xml><?xml version="1.0" encoding="utf-8"?>
 <p:sld xmlns:a="http://schemas.openxmlformats.org/drawingml/2006/main" xmlns:r="http://schemas.openxmlformats.org/officeDocument/2006/relationships" xmlns:p="http://schemas.openxmlformats.org/presentationml/2006/main">
   <p:cSld>
     <p:bg>
@@ -4238,7 +5726,7 @@
 </p:sld>
 </file>
 
-<file path=ppt/slides/slide4.xml><?xml version="1.0" encoding="utf-8"?>
+<file path=ppt/slides/slide7.xml><?xml version="1.0" encoding="utf-8"?>
 <p:sld xmlns:a="http://schemas.openxmlformats.org/drawingml/2006/main" xmlns:r="http://schemas.openxmlformats.org/officeDocument/2006/relationships" xmlns:p="http://schemas.openxmlformats.org/presentationml/2006/main">
   <p:cSld>
     <p:bg>
@@ -6329,6 +7817,694 @@
       </p:par>
     </p:tnLst>
   </p:timing>
+</p:sld>
+</file>
+
+<file path=ppt/slides/slide8.xml><?xml version="1.0" encoding="utf-8"?>
+<p:sld xmlns:a="http://schemas.openxmlformats.org/drawingml/2006/main" xmlns:r="http://schemas.openxmlformats.org/officeDocument/2006/relationships" xmlns:p="http://schemas.openxmlformats.org/presentationml/2006/main">
+  <p:cSld>
+    <p:bg>
+      <p:bgPr>
+        <a:solidFill>
+          <a:schemeClr val="bg1"/>
+        </a:solidFill>
+        <a:effectLst/>
+      </p:bgPr>
+    </p:bg>
+    <p:spTree>
+      <p:nvGrpSpPr>
+        <p:cNvPr id="1" name=""/>
+        <p:cNvGrpSpPr/>
+        <p:nvPr/>
+      </p:nvGrpSpPr>
+      <p:grpSpPr>
+        <a:xfrm>
+          <a:off x="0" y="0"/>
+          <a:ext cx="0" cy="0"/>
+          <a:chOff x="0" y="0"/>
+          <a:chExt cx="0" cy="0"/>
+        </a:xfrm>
+      </p:grpSpPr>
+      <p:sp>
+        <p:nvSpPr>
+          <p:cNvPr id="2" name="Title 1">
+            <a:extLst>
+              <a:ext uri="{FF2B5EF4-FFF2-40B4-BE49-F238E27FC236}">
+                <a16:creationId xmlns:a16="http://schemas.microsoft.com/office/drawing/2014/main" id="{91F5C009-850A-4891-8FAD-D2F9036DE2E9}"/>
+              </a:ext>
+            </a:extLst>
+          </p:cNvPr>
+          <p:cNvSpPr>
+            <a:spLocks noGrp="1"/>
+          </p:cNvSpPr>
+          <p:nvPr>
+            <p:ph type="ctrTitle"/>
+          </p:nvPr>
+        </p:nvSpPr>
+        <p:spPr>
+          <a:xfrm>
+            <a:off x="4162425" y="400050"/>
+            <a:ext cx="7058025" cy="1655761"/>
+          </a:xfrm>
+        </p:spPr>
+        <p:txBody>
+          <a:bodyPr>
+            <a:normAutofit fontScale="90000"/>
+          </a:bodyPr>
+          <a:lstStyle/>
+          <a:p>
+            <a:r>
+              <a:rPr lang="en-US" sz="6700" dirty="0">
+                <a:latin typeface="Eurostile" panose="020B0704020202050204" pitchFamily="34" charset="0"/>
+              </a:rPr>
+              <a:t>CLASS OF 2044?</a:t>
+            </a:r>
+            <a:br>
+              <a:rPr lang="en-US" dirty="0"/>
+            </a:br>
+            <a:endParaRPr lang="en-US" dirty="0"/>
+          </a:p>
+        </p:txBody>
+      </p:sp>
+      <p:sp>
+        <p:nvSpPr>
+          <p:cNvPr id="3" name="Subtitle 2">
+            <a:extLst>
+              <a:ext uri="{FF2B5EF4-FFF2-40B4-BE49-F238E27FC236}">
+                <a16:creationId xmlns:a16="http://schemas.microsoft.com/office/drawing/2014/main" id="{9828A2C6-0765-445B-8030-69399EDB59D7}"/>
+              </a:ext>
+            </a:extLst>
+          </p:cNvPr>
+          <p:cNvSpPr>
+            <a:spLocks noGrp="1"/>
+          </p:cNvSpPr>
+          <p:nvPr>
+            <p:ph type="subTitle" idx="1"/>
+          </p:nvPr>
+        </p:nvSpPr>
+        <p:spPr>
+          <a:xfrm>
+            <a:off x="181907" y="2774158"/>
+            <a:ext cx="11785192" cy="3683792"/>
+          </a:xfrm>
+        </p:spPr>
+        <p:txBody>
+          <a:bodyPr numCol="3">
+            <a:normAutofit fontScale="92500" lnSpcReduction="10000"/>
+          </a:bodyPr>
+          <a:lstStyle/>
+          <a:p>
+            <a:pPr marL="342900" indent="-342900" algn="l">
+              <a:buFont typeface="Arial" panose="020B0604020202020204" pitchFamily="34" charset="0"/>
+              <a:buChar char="•"/>
+            </a:pPr>
+            <a:r>
+              <a:rPr lang="en-US" dirty="0"/>
+              <a:t>Adele	</a:t>
+            </a:r>
+          </a:p>
+          <a:p>
+            <a:pPr marL="342900" indent="-342900" algn="l">
+              <a:buFont typeface="Arial" panose="020B0604020202020204" pitchFamily="34" charset="0"/>
+              <a:buChar char="•"/>
+            </a:pPr>
+            <a:r>
+              <a:rPr lang="en-US" dirty="0"/>
+              <a:t>Ariana Grande	</a:t>
+            </a:r>
+          </a:p>
+          <a:p>
+            <a:pPr marL="342900" indent="-342900" algn="l">
+              <a:buFont typeface="Arial" panose="020B0604020202020204" pitchFamily="34" charset="0"/>
+              <a:buChar char="•"/>
+            </a:pPr>
+            <a:r>
+              <a:rPr lang="en-US" dirty="0" err="1"/>
+              <a:t>Beyonce</a:t>
+            </a:r>
+            <a:r>
+              <a:rPr lang="en-US" dirty="0"/>
+              <a:t>	</a:t>
+            </a:r>
+          </a:p>
+          <a:p>
+            <a:pPr marL="342900" indent="-342900" algn="l">
+              <a:buFont typeface="Arial" panose="020B0604020202020204" pitchFamily="34" charset="0"/>
+              <a:buChar char="•"/>
+            </a:pPr>
+            <a:r>
+              <a:rPr lang="en-US" dirty="0"/>
+              <a:t>Bruno Mars	</a:t>
+            </a:r>
+          </a:p>
+          <a:p>
+            <a:pPr marL="342900" indent="-342900" algn="l">
+              <a:buFont typeface="Arial" panose="020B0604020202020204" pitchFamily="34" charset="0"/>
+              <a:buChar char="•"/>
+            </a:pPr>
+            <a:r>
+              <a:rPr lang="en-US" dirty="0"/>
+              <a:t>Calvin Harris	</a:t>
+            </a:r>
+          </a:p>
+          <a:p>
+            <a:pPr marL="342900" indent="-342900" algn="l">
+              <a:buFont typeface="Arial" panose="020B0604020202020204" pitchFamily="34" charset="0"/>
+              <a:buChar char="•"/>
+            </a:pPr>
+            <a:r>
+              <a:rPr lang="en-US" dirty="0" err="1"/>
+              <a:t>Cardi</a:t>
+            </a:r>
+            <a:r>
+              <a:rPr lang="en-US" dirty="0"/>
+              <a:t> B	</a:t>
+            </a:r>
+          </a:p>
+          <a:p>
+            <a:pPr marL="342900" indent="-342900" algn="l">
+              <a:buFont typeface="Arial" panose="020B0604020202020204" pitchFamily="34" charset="0"/>
+              <a:buChar char="•"/>
+            </a:pPr>
+            <a:r>
+              <a:rPr lang="en-US" dirty="0"/>
+              <a:t>Coldplay	</a:t>
+            </a:r>
+          </a:p>
+          <a:p>
+            <a:pPr marL="342900" indent="-342900" algn="l">
+              <a:buFont typeface="Arial" panose="020B0604020202020204" pitchFamily="34" charset="0"/>
+              <a:buChar char="•"/>
+            </a:pPr>
+            <a:r>
+              <a:rPr lang="en-US" dirty="0"/>
+              <a:t>DJ Khaled	</a:t>
+            </a:r>
+          </a:p>
+          <a:p>
+            <a:pPr marL="342900" indent="-342900" algn="l">
+              <a:buFont typeface="Arial" panose="020B0604020202020204" pitchFamily="34" charset="0"/>
+              <a:buChar char="•"/>
+            </a:pPr>
+            <a:r>
+              <a:rPr lang="en-US" dirty="0"/>
+              <a:t>Drake	</a:t>
+            </a:r>
+          </a:p>
+          <a:p>
+            <a:pPr marL="342900" indent="-342900" algn="l">
+              <a:buFont typeface="Arial" panose="020B0604020202020204" pitchFamily="34" charset="0"/>
+              <a:buChar char="•"/>
+            </a:pPr>
+            <a:r>
+              <a:rPr lang="en-US" dirty="0"/>
+              <a:t>Ed Sheeran	</a:t>
+            </a:r>
+          </a:p>
+          <a:p>
+            <a:pPr marL="342900" indent="-342900" algn="l">
+              <a:buFont typeface="Arial" panose="020B0604020202020204" pitchFamily="34" charset="0"/>
+              <a:buChar char="•"/>
+            </a:pPr>
+            <a:r>
+              <a:rPr lang="en-US" dirty="0"/>
+              <a:t>Eminem	</a:t>
+            </a:r>
+          </a:p>
+          <a:p>
+            <a:pPr marL="342900" indent="-342900" algn="l">
+              <a:buFont typeface="Arial" panose="020B0604020202020204" pitchFamily="34" charset="0"/>
+              <a:buChar char="•"/>
+            </a:pPr>
+            <a:r>
+              <a:rPr lang="en-US" dirty="0"/>
+              <a:t>Imagine Dragons	</a:t>
+            </a:r>
+          </a:p>
+          <a:p>
+            <a:pPr marL="342900" indent="-342900" algn="l">
+              <a:buFont typeface="Arial" panose="020B0604020202020204" pitchFamily="34" charset="0"/>
+              <a:buChar char="•"/>
+            </a:pPr>
+            <a:r>
+              <a:rPr lang="en-US" dirty="0"/>
+              <a:t>Justin Bieber	</a:t>
+            </a:r>
+          </a:p>
+          <a:p>
+            <a:pPr marL="342900" indent="-342900" algn="l">
+              <a:buFont typeface="Arial" panose="020B0604020202020204" pitchFamily="34" charset="0"/>
+              <a:buChar char="•"/>
+            </a:pPr>
+            <a:r>
+              <a:rPr lang="en-US" dirty="0"/>
+              <a:t>Justin Timberlake	</a:t>
+            </a:r>
+          </a:p>
+          <a:p>
+            <a:pPr marL="342900" indent="-342900" algn="l">
+              <a:buFont typeface="Arial" panose="020B0604020202020204" pitchFamily="34" charset="0"/>
+              <a:buChar char="•"/>
+            </a:pPr>
+            <a:r>
+              <a:rPr lang="en-US" dirty="0"/>
+              <a:t>Kanye West	</a:t>
+            </a:r>
+          </a:p>
+          <a:p>
+            <a:pPr marL="342900" indent="-342900" algn="l">
+              <a:buFont typeface="Arial" panose="020B0604020202020204" pitchFamily="34" charset="0"/>
+              <a:buChar char="•"/>
+            </a:pPr>
+            <a:r>
+              <a:rPr lang="en-US" dirty="0"/>
+              <a:t>Kendrick Lamar	</a:t>
+            </a:r>
+          </a:p>
+          <a:p>
+            <a:pPr marL="342900" indent="-342900" algn="l">
+              <a:buFont typeface="Arial" panose="020B0604020202020204" pitchFamily="34" charset="0"/>
+              <a:buChar char="•"/>
+            </a:pPr>
+            <a:r>
+              <a:rPr lang="en-US" dirty="0"/>
+              <a:t>Lady Gaga	</a:t>
+            </a:r>
+          </a:p>
+          <a:p>
+            <a:pPr marL="342900" indent="-342900" algn="l">
+              <a:buFont typeface="Arial" panose="020B0604020202020204" pitchFamily="34" charset="0"/>
+              <a:buChar char="•"/>
+            </a:pPr>
+            <a:r>
+              <a:rPr lang="en-US" dirty="0"/>
+              <a:t>Lil Wayne	</a:t>
+            </a:r>
+          </a:p>
+          <a:p>
+            <a:pPr marL="342900" indent="-342900" algn="l">
+              <a:buFont typeface="Arial" panose="020B0604020202020204" pitchFamily="34" charset="0"/>
+              <a:buChar char="•"/>
+            </a:pPr>
+            <a:r>
+              <a:rPr lang="en-US" dirty="0"/>
+              <a:t>Maroon 5	</a:t>
+            </a:r>
+          </a:p>
+          <a:p>
+            <a:pPr marL="342900" indent="-342900" algn="l">
+              <a:buFont typeface="Arial" panose="020B0604020202020204" pitchFamily="34" charset="0"/>
+              <a:buChar char="•"/>
+            </a:pPr>
+            <a:r>
+              <a:rPr lang="en-US" dirty="0"/>
+              <a:t>Nicki Minaj	</a:t>
+            </a:r>
+          </a:p>
+          <a:p>
+            <a:pPr marL="342900" indent="-342900" algn="l">
+              <a:buFont typeface="Arial" panose="020B0604020202020204" pitchFamily="34" charset="0"/>
+              <a:buChar char="•"/>
+            </a:pPr>
+            <a:r>
+              <a:rPr lang="en-US" dirty="0"/>
+              <a:t>Rihanna	</a:t>
+            </a:r>
+          </a:p>
+          <a:p>
+            <a:pPr marL="342900" indent="-342900" algn="l">
+              <a:buFont typeface="Arial" panose="020B0604020202020204" pitchFamily="34" charset="0"/>
+              <a:buChar char="•"/>
+            </a:pPr>
+            <a:r>
+              <a:rPr lang="en-US" dirty="0"/>
+              <a:t>Taylor Swift	</a:t>
+            </a:r>
+          </a:p>
+          <a:p>
+            <a:pPr marL="342900" indent="-342900" algn="l">
+              <a:buFont typeface="Arial" panose="020B0604020202020204" pitchFamily="34" charset="0"/>
+              <a:buChar char="•"/>
+            </a:pPr>
+            <a:r>
+              <a:rPr lang="en-US" dirty="0"/>
+              <a:t>The Chainsmokers	</a:t>
+            </a:r>
+          </a:p>
+          <a:p>
+            <a:pPr marL="342900" indent="-342900" algn="l">
+              <a:buFont typeface="Arial" panose="020B0604020202020204" pitchFamily="34" charset="0"/>
+              <a:buChar char="•"/>
+            </a:pPr>
+            <a:r>
+              <a:rPr lang="en-US" dirty="0"/>
+              <a:t>The </a:t>
+            </a:r>
+            <a:r>
+              <a:rPr lang="en-US" dirty="0" err="1"/>
+              <a:t>Weeknd</a:t>
+            </a:r>
+            <a:r>
+              <a:rPr lang="en-US" dirty="0"/>
+              <a:t>	</a:t>
+            </a:r>
+          </a:p>
+          <a:p>
+            <a:pPr marL="342900" indent="-342900" algn="l">
+              <a:buFont typeface="Arial" panose="020B0604020202020204" pitchFamily="34" charset="0"/>
+              <a:buChar char="•"/>
+            </a:pPr>
+            <a:r>
+              <a:rPr lang="en-US" dirty="0"/>
+              <a:t>Twenty-One Pilots	</a:t>
+            </a:r>
+          </a:p>
+          <a:p>
+            <a:pPr algn="l"/>
+            <a:endParaRPr lang="en-US" dirty="0"/>
+          </a:p>
+          <a:p>
+            <a:pPr marL="342900" indent="-342900" algn="l">
+              <a:buFont typeface="Arial" panose="020B0604020202020204" pitchFamily="34" charset="0"/>
+              <a:buChar char="•"/>
+            </a:pPr>
+            <a:endParaRPr lang="en-US" dirty="0"/>
+          </a:p>
+        </p:txBody>
+      </p:sp>
+      <p:pic>
+        <p:nvPicPr>
+          <p:cNvPr id="5" name="Picture 4">
+            <a:extLst>
+              <a:ext uri="{FF2B5EF4-FFF2-40B4-BE49-F238E27FC236}">
+                <a16:creationId xmlns:a16="http://schemas.microsoft.com/office/drawing/2014/main" id="{3AA4D6A2-7ABF-440E-9F1F-24D35E34D210}"/>
+              </a:ext>
+            </a:extLst>
+          </p:cNvPr>
+          <p:cNvPicPr>
+            <a:picLocks noChangeAspect="1"/>
+          </p:cNvPicPr>
+          <p:nvPr/>
+        </p:nvPicPr>
+        <p:blipFill>
+          <a:blip r:embed="rId2">
+            <a:extLst>
+              <a:ext uri="{28A0092B-C50C-407E-A947-70E740481C1C}">
+                <a14:useLocalDpi xmlns:a14="http://schemas.microsoft.com/office/drawing/2010/main" val="0"/>
+              </a:ext>
+            </a:extLst>
+          </a:blip>
+          <a:stretch>
+            <a:fillRect/>
+          </a:stretch>
+        </p:blipFill>
+        <p:spPr>
+          <a:xfrm>
+            <a:off x="181906" y="101037"/>
+            <a:ext cx="3517900" cy="2042651"/>
+          </a:xfrm>
+          <a:prstGeom prst="rect">
+            <a:avLst/>
+          </a:prstGeom>
+          <a:ln>
+            <a:noFill/>
+          </a:ln>
+          <a:effectLst>
+            <a:reflection blurRad="12700" stA="30000" endPos="30000" dist="5000" dir="5400000" sy="-100000" algn="bl" rotWithShape="0"/>
+          </a:effectLst>
+          <a:scene3d>
+            <a:camera prst="perspectiveContrastingLeftFacing">
+              <a:rot lat="300000" lon="19800000" rev="0"/>
+            </a:camera>
+            <a:lightRig rig="threePt" dir="t">
+              <a:rot lat="0" lon="0" rev="2700000"/>
+            </a:lightRig>
+          </a:scene3d>
+          <a:sp3d>
+            <a:bevelT w="63500" h="50800"/>
+          </a:sp3d>
+        </p:spPr>
+      </p:pic>
+    </p:spTree>
+    <p:extLst>
+      <p:ext uri="{BB962C8B-B14F-4D97-AF65-F5344CB8AC3E}">
+        <p14:creationId xmlns:p14="http://schemas.microsoft.com/office/powerpoint/2010/main" val="3884803032"/>
+      </p:ext>
+    </p:extLst>
+  </p:cSld>
+  <p:clrMapOvr>
+    <a:masterClrMapping/>
+  </p:clrMapOvr>
+  <mc:AlternateContent xmlns:mc="http://schemas.openxmlformats.org/markup-compatibility/2006" xmlns:p14="http://schemas.microsoft.com/office/powerpoint/2010/main">
+    <mc:Choice Requires="p14">
+      <p:transition spd="slow" p14:dur="800">
+        <p:circle/>
+      </p:transition>
+    </mc:Choice>
+    <mc:Fallback xmlns="">
+      <p:transition spd="slow">
+        <p:circle/>
+      </p:transition>
+    </mc:Fallback>
+  </mc:AlternateContent>
+</p:sld>
+</file>
+
+<file path=ppt/slides/slide9.xml><?xml version="1.0" encoding="utf-8"?>
+<p:sld xmlns:a="http://schemas.openxmlformats.org/drawingml/2006/main" xmlns:r="http://schemas.openxmlformats.org/officeDocument/2006/relationships" xmlns:p="http://schemas.openxmlformats.org/presentationml/2006/main">
+  <p:cSld>
+    <p:bg>
+      <p:bgPr>
+        <a:solidFill>
+          <a:schemeClr val="bg1"/>
+        </a:solidFill>
+        <a:effectLst/>
+      </p:bgPr>
+    </p:bg>
+    <p:spTree>
+      <p:nvGrpSpPr>
+        <p:cNvPr id="1" name=""/>
+        <p:cNvGrpSpPr/>
+        <p:nvPr/>
+      </p:nvGrpSpPr>
+      <p:grpSpPr>
+        <a:xfrm>
+          <a:off x="0" y="0"/>
+          <a:ext cx="0" cy="0"/>
+          <a:chOff x="0" y="0"/>
+          <a:chExt cx="0" cy="0"/>
+        </a:xfrm>
+      </p:grpSpPr>
+      <p:sp>
+        <p:nvSpPr>
+          <p:cNvPr id="2" name="Title 1">
+            <a:extLst>
+              <a:ext uri="{FF2B5EF4-FFF2-40B4-BE49-F238E27FC236}">
+                <a16:creationId xmlns:a16="http://schemas.microsoft.com/office/drawing/2014/main" id="{91F5C009-850A-4891-8FAD-D2F9036DE2E9}"/>
+              </a:ext>
+            </a:extLst>
+          </p:cNvPr>
+          <p:cNvSpPr>
+            <a:spLocks noGrp="1"/>
+          </p:cNvSpPr>
+          <p:nvPr>
+            <p:ph type="ctrTitle"/>
+          </p:nvPr>
+        </p:nvSpPr>
+        <p:spPr>
+          <a:xfrm>
+            <a:off x="4162425" y="364539"/>
+            <a:ext cx="7058025" cy="1655761"/>
+          </a:xfrm>
+        </p:spPr>
+        <p:txBody>
+          <a:bodyPr>
+            <a:normAutofit fontScale="90000"/>
+          </a:bodyPr>
+          <a:lstStyle/>
+          <a:p>
+            <a:r>
+              <a:rPr lang="en-US" sz="6700" dirty="0">
+                <a:latin typeface="Eurostile" panose="020B0704020202050204" pitchFamily="34" charset="0"/>
+              </a:rPr>
+              <a:t>2044 PREDICTIONS</a:t>
+            </a:r>
+            <a:br>
+              <a:rPr lang="en-US" dirty="0"/>
+            </a:br>
+            <a:endParaRPr lang="en-US" dirty="0"/>
+          </a:p>
+        </p:txBody>
+      </p:sp>
+      <p:sp>
+        <p:nvSpPr>
+          <p:cNvPr id="3" name="Subtitle 2">
+            <a:extLst>
+              <a:ext uri="{FF2B5EF4-FFF2-40B4-BE49-F238E27FC236}">
+                <a16:creationId xmlns:a16="http://schemas.microsoft.com/office/drawing/2014/main" id="{9828A2C6-0765-445B-8030-69399EDB59D7}"/>
+              </a:ext>
+            </a:extLst>
+          </p:cNvPr>
+          <p:cNvSpPr>
+            <a:spLocks noGrp="1"/>
+          </p:cNvSpPr>
+          <p:nvPr>
+            <p:ph type="subTitle" idx="1"/>
+          </p:nvPr>
+        </p:nvSpPr>
+        <p:spPr>
+          <a:xfrm>
+            <a:off x="1526959" y="2774158"/>
+            <a:ext cx="9161756" cy="3683792"/>
+          </a:xfrm>
+        </p:spPr>
+        <p:txBody>
+          <a:bodyPr numCol="1">
+            <a:normAutofit/>
+          </a:bodyPr>
+          <a:lstStyle/>
+          <a:p>
+            <a:pPr marL="342900" indent="-342900" algn="l">
+              <a:buFont typeface="Arial" panose="020B0604020202020204" pitchFamily="34" charset="0"/>
+              <a:buChar char="•"/>
+            </a:pPr>
+            <a:r>
+              <a:rPr lang="en-US" sz="3600" dirty="0"/>
+              <a:t>Adele	</a:t>
+            </a:r>
+          </a:p>
+          <a:p>
+            <a:pPr marL="342900" indent="-342900" algn="l">
+              <a:buFont typeface="Arial" panose="020B0604020202020204" pitchFamily="34" charset="0"/>
+              <a:buChar char="•"/>
+            </a:pPr>
+            <a:r>
+              <a:rPr lang="en-US" sz="3600" dirty="0"/>
+              <a:t>Ariana Grande	</a:t>
+            </a:r>
+          </a:p>
+          <a:p>
+            <a:pPr marL="342900" indent="-342900" algn="l">
+              <a:buFont typeface="Arial" panose="020B0604020202020204" pitchFamily="34" charset="0"/>
+              <a:buChar char="•"/>
+            </a:pPr>
+            <a:r>
+              <a:rPr lang="en-US" sz="3600" dirty="0" err="1"/>
+              <a:t>Beyonce</a:t>
+            </a:r>
+            <a:r>
+              <a:rPr lang="en-US" sz="3600" dirty="0"/>
+              <a:t>	</a:t>
+            </a:r>
+          </a:p>
+          <a:p>
+            <a:pPr marL="342900" indent="-342900" algn="l">
+              <a:buFont typeface="Arial" panose="020B0604020202020204" pitchFamily="34" charset="0"/>
+              <a:buChar char="•"/>
+            </a:pPr>
+            <a:r>
+              <a:rPr lang="en-US" sz="3600" dirty="0"/>
+              <a:t>Bruno Mars	</a:t>
+            </a:r>
+          </a:p>
+          <a:p>
+            <a:pPr marL="342900" indent="-342900" algn="l">
+              <a:buFont typeface="Arial" panose="020B0604020202020204" pitchFamily="34" charset="0"/>
+              <a:buChar char="•"/>
+            </a:pPr>
+            <a:r>
+              <a:rPr lang="en-US" sz="3600" dirty="0"/>
+              <a:t>Calvin Harris</a:t>
+            </a:r>
+            <a:r>
+              <a:rPr lang="en-US" dirty="0"/>
+              <a:t>	</a:t>
+            </a:r>
+          </a:p>
+          <a:p>
+            <a:pPr marL="342900" indent="-342900" algn="l">
+              <a:buFont typeface="Arial" panose="020B0604020202020204" pitchFamily="34" charset="0"/>
+              <a:buChar char="•"/>
+            </a:pPr>
+            <a:endParaRPr lang="en-US" dirty="0"/>
+          </a:p>
+        </p:txBody>
+      </p:sp>
+      <p:pic>
+        <p:nvPicPr>
+          <p:cNvPr id="5" name="Picture 4">
+            <a:extLst>
+              <a:ext uri="{FF2B5EF4-FFF2-40B4-BE49-F238E27FC236}">
+                <a16:creationId xmlns:a16="http://schemas.microsoft.com/office/drawing/2014/main" id="{3AA4D6A2-7ABF-440E-9F1F-24D35E34D210}"/>
+              </a:ext>
+            </a:extLst>
+          </p:cNvPr>
+          <p:cNvPicPr>
+            <a:picLocks noChangeAspect="1"/>
+          </p:cNvPicPr>
+          <p:nvPr/>
+        </p:nvPicPr>
+        <p:blipFill>
+          <a:blip r:embed="rId2">
+            <a:extLst>
+              <a:ext uri="{28A0092B-C50C-407E-A947-70E740481C1C}">
+                <a14:useLocalDpi xmlns:a14="http://schemas.microsoft.com/office/drawing/2010/main" val="0"/>
+              </a:ext>
+            </a:extLst>
+          </a:blip>
+          <a:stretch>
+            <a:fillRect/>
+          </a:stretch>
+        </p:blipFill>
+        <p:spPr>
+          <a:xfrm>
+            <a:off x="181906" y="101037"/>
+            <a:ext cx="3517900" cy="2042651"/>
+          </a:xfrm>
+          <a:prstGeom prst="rect">
+            <a:avLst/>
+          </a:prstGeom>
+          <a:ln>
+            <a:noFill/>
+          </a:ln>
+          <a:effectLst>
+            <a:reflection blurRad="12700" stA="30000" endPos="30000" dist="5000" dir="5400000" sy="-100000" algn="bl" rotWithShape="0"/>
+          </a:effectLst>
+          <a:scene3d>
+            <a:camera prst="perspectiveContrastingLeftFacing">
+              <a:rot lat="300000" lon="19800000" rev="0"/>
+            </a:camera>
+            <a:lightRig rig="threePt" dir="t">
+              <a:rot lat="0" lon="0" rev="2700000"/>
+            </a:lightRig>
+          </a:scene3d>
+          <a:sp3d>
+            <a:bevelT w="63500" h="50800"/>
+          </a:sp3d>
+        </p:spPr>
+      </p:pic>
+    </p:spTree>
+    <p:extLst>
+      <p:ext uri="{BB962C8B-B14F-4D97-AF65-F5344CB8AC3E}">
+        <p14:creationId xmlns:p14="http://schemas.microsoft.com/office/powerpoint/2010/main" val="732401564"/>
+      </p:ext>
+    </p:extLst>
+  </p:cSld>
+  <p:clrMapOvr>
+    <a:masterClrMapping/>
+  </p:clrMapOvr>
+  <mc:AlternateContent xmlns:mc="http://schemas.openxmlformats.org/markup-compatibility/2006" xmlns:p14="http://schemas.microsoft.com/office/powerpoint/2010/main">
+    <mc:Choice Requires="p14">
+      <p:transition spd="slow" p14:dur="800">
+        <p:circle/>
+      </p:transition>
+    </mc:Choice>
+    <mc:Fallback xmlns="">
+      <p:transition spd="slow">
+        <p:circle/>
+      </p:transition>
+    </mc:Fallback>
+  </mc:AlternateContent>
 </p:sld>
 </file>
 

--- a/RockHall.pptx
+++ b/RockHall.pptx
@@ -3160,8 +3160,8 @@
         </p:blipFill>
         <p:spPr>
           <a:xfrm>
-            <a:off x="0" y="0"/>
-            <a:ext cx="12398039" cy="6838950"/>
+            <a:off x="-2924175" y="-1075531"/>
+            <a:ext cx="18214806" cy="11430000"/>
           </a:xfrm>
           <a:prstGeom prst="rect">
             <a:avLst/>
@@ -3186,8 +3186,8 @@
         </p:nvSpPr>
         <p:spPr>
           <a:xfrm>
-            <a:off x="152400" y="4925219"/>
-            <a:ext cx="12039600" cy="1655761"/>
+            <a:off x="304799" y="285750"/>
+            <a:ext cx="12030075" cy="5543550"/>
           </a:xfrm>
         </p:spPr>
         <p:txBody>
@@ -3197,10 +3197,31 @@
           <a:lstStyle/>
           <a:p>
             <a:r>
-              <a:rPr lang="en-US" sz="3600" dirty="0">
+              <a:rPr lang="en-US" sz="8800" dirty="0">
                 <a:latin typeface="Eurostile" panose="020B0704020202050204" pitchFamily="34" charset="0"/>
               </a:rPr>
-              <a:t>THANK YOU! GOOD NIGHT!</a:t>
+              <a:t>THANK YOU! </a:t>
+            </a:r>
+            <a:br>
+              <a:rPr lang="en-US" sz="8800" dirty="0">
+                <a:latin typeface="Eurostile" panose="020B0704020202050204" pitchFamily="34" charset="0"/>
+              </a:rPr>
+            </a:br>
+            <a:br>
+              <a:rPr lang="en-US" sz="8800" dirty="0">
+                <a:latin typeface="Eurostile" panose="020B0704020202050204" pitchFamily="34" charset="0"/>
+              </a:rPr>
+            </a:br>
+            <a:br>
+              <a:rPr lang="en-US" sz="8800" dirty="0">
+                <a:latin typeface="Eurostile" panose="020B0704020202050204" pitchFamily="34" charset="0"/>
+              </a:rPr>
+            </a:br>
+            <a:r>
+              <a:rPr lang="en-US" sz="8800" dirty="0">
+                <a:latin typeface="Eurostile" panose="020B0704020202050204" pitchFamily="34" charset="0"/>
+              </a:rPr>
+              <a:t>GOOD NIGHT!!!</a:t>
             </a:r>
             <a:br>
               <a:rPr lang="en-US" sz="3200" dirty="0">
@@ -3221,18 +3242,150 @@
   <p:clrMapOvr>
     <a:masterClrMapping/>
   </p:clrMapOvr>
-  <mc:AlternateContent xmlns:mc="http://schemas.openxmlformats.org/markup-compatibility/2006">
-    <mc:Choice xmlns:p14="http://schemas.microsoft.com/office/powerpoint/2010/main" Requires="p14">
+  <mc:AlternateContent xmlns:mc="http://schemas.openxmlformats.org/markup-compatibility/2006" xmlns:p14="http://schemas.microsoft.com/office/powerpoint/2010/main">
+    <mc:Choice Requires="p14">
       <p:transition spd="slow">
         <p14:flash/>
       </p:transition>
     </mc:Choice>
-    <mc:Fallback>
+    <mc:Fallback xmlns="">
       <p:transition spd="slow">
         <p:fade/>
       </p:transition>
     </mc:Fallback>
   </mc:AlternateContent>
+  <p:timing>
+    <p:tnLst>
+      <p:par>
+        <p:cTn id="1" dur="indefinite" restart="never" nodeType="tmRoot">
+          <p:childTnLst>
+            <p:seq concurrent="1" nextAc="seek">
+              <p:cTn id="2" dur="indefinite" nodeType="mainSeq">
+                <p:childTnLst>
+                  <p:par>
+                    <p:cTn id="3" fill="hold">
+                      <p:stCondLst>
+                        <p:cond delay="indefinite"/>
+                      </p:stCondLst>
+                      <p:childTnLst>
+                        <p:par>
+                          <p:cTn id="4" fill="hold">
+                            <p:stCondLst>
+                              <p:cond delay="0"/>
+                            </p:stCondLst>
+                            <p:childTnLst>
+                              <p:par>
+                                <p:cTn id="5" presetID="42" presetClass="entr" presetSubtype="0" fill="hold" grpId="0" nodeType="clickEffect">
+                                  <p:stCondLst>
+                                    <p:cond delay="0"/>
+                                  </p:stCondLst>
+                                  <p:childTnLst>
+                                    <p:set>
+                                      <p:cBhvr>
+                                        <p:cTn id="6" dur="1" fill="hold">
+                                          <p:stCondLst>
+                                            <p:cond delay="0"/>
+                                          </p:stCondLst>
+                                        </p:cTn>
+                                        <p:tgtEl>
+                                          <p:spTgt spid="2"/>
+                                        </p:tgtEl>
+                                        <p:attrNameLst>
+                                          <p:attrName>style.visibility</p:attrName>
+                                        </p:attrNameLst>
+                                      </p:cBhvr>
+                                      <p:to>
+                                        <p:strVal val="visible"/>
+                                      </p:to>
+                                    </p:set>
+                                    <p:animEffect transition="in" filter="fade">
+                                      <p:cBhvr>
+                                        <p:cTn id="7" dur="1000"/>
+                                        <p:tgtEl>
+                                          <p:spTgt spid="2"/>
+                                        </p:tgtEl>
+                                      </p:cBhvr>
+                                    </p:animEffect>
+                                    <p:anim calcmode="lin" valueType="num">
+                                      <p:cBhvr>
+                                        <p:cTn id="8" dur="1000" fill="hold"/>
+                                        <p:tgtEl>
+                                          <p:spTgt spid="2"/>
+                                        </p:tgtEl>
+                                        <p:attrNameLst>
+                                          <p:attrName>ppt_x</p:attrName>
+                                        </p:attrNameLst>
+                                      </p:cBhvr>
+                                      <p:tavLst>
+                                        <p:tav tm="0">
+                                          <p:val>
+                                            <p:strVal val="#ppt_x"/>
+                                          </p:val>
+                                        </p:tav>
+                                        <p:tav tm="100000">
+                                          <p:val>
+                                            <p:strVal val="#ppt_x"/>
+                                          </p:val>
+                                        </p:tav>
+                                      </p:tavLst>
+                                    </p:anim>
+                                    <p:anim calcmode="lin" valueType="num">
+                                      <p:cBhvr>
+                                        <p:cTn id="9" dur="1000" fill="hold"/>
+                                        <p:tgtEl>
+                                          <p:spTgt spid="2"/>
+                                        </p:tgtEl>
+                                        <p:attrNameLst>
+                                          <p:attrName>ppt_y</p:attrName>
+                                        </p:attrNameLst>
+                                      </p:cBhvr>
+                                      <p:tavLst>
+                                        <p:tav tm="0">
+                                          <p:val>
+                                            <p:strVal val="#ppt_y+.1"/>
+                                          </p:val>
+                                        </p:tav>
+                                        <p:tav tm="100000">
+                                          <p:val>
+                                            <p:strVal val="#ppt_y"/>
+                                          </p:val>
+                                        </p:tav>
+                                      </p:tavLst>
+                                    </p:anim>
+                                  </p:childTnLst>
+                                </p:cTn>
+                              </p:par>
+                            </p:childTnLst>
+                          </p:cTn>
+                        </p:par>
+                      </p:childTnLst>
+                    </p:cTn>
+                  </p:par>
+                </p:childTnLst>
+              </p:cTn>
+              <p:prevCondLst>
+                <p:cond evt="onPrev" delay="0">
+                  <p:tgtEl>
+                    <p:sldTgt/>
+                  </p:tgtEl>
+                </p:cond>
+              </p:prevCondLst>
+              <p:nextCondLst>
+                <p:cond evt="onNext" delay="0">
+                  <p:tgtEl>
+                    <p:sldTgt/>
+                  </p:tgtEl>
+                </p:cond>
+              </p:nextCondLst>
+            </p:seq>
+          </p:childTnLst>
+        </p:cTn>
+      </p:par>
+    </p:tnLst>
+    <p:bldLst>
+      <p:bldP spid="2" grpId="0"/>
+    </p:bldLst>
+  </p:timing>
 </p:sld>
 </file>
 
@@ -5816,7 +5969,7 @@
         </p:spPr>
         <p:txBody>
           <a:bodyPr numCol="3">
-            <a:normAutofit fontScale="55000" lnSpcReduction="20000"/>
+            <a:normAutofit fontScale="47500" lnSpcReduction="20000"/>
           </a:bodyPr>
           <a:lstStyle/>
           <a:p>
@@ -5876,6 +6029,13 @@
             </a:r>
           </a:p>
           <a:p>
+            <a:pPr marL="342900" indent="-342900" algn="l">
+              <a:buFont typeface="Arial" panose="020B0604020202020204" pitchFamily="34" charset="0"/>
+              <a:buChar char="•"/>
+            </a:pPr>
+            <a:endParaRPr lang="en-US" sz="5100" dirty="0"/>
+          </a:p>
+          <a:p>
             <a:endParaRPr lang="en-US" sz="5100" u="sng" dirty="0"/>
           </a:p>
           <a:p>
@@ -5940,6 +6100,9 @@
           <a:p>
             <a:pPr algn="l"/>
             <a:endParaRPr lang="en-US" sz="5100" dirty="0"/>
+          </a:p>
+          <a:p>
+            <a:endParaRPr lang="en-US" sz="5100" u="sng" dirty="0"/>
           </a:p>
           <a:p>
             <a:endParaRPr lang="en-US" sz="5100" u="sng" dirty="0"/>
@@ -6677,7 +6840,7 @@
                                         <p:tgtEl>
                                           <p:spTgt spid="3">
                                             <p:txEl>
-                                              <p:pRg st="8" end="8"/>
+                                              <p:pRg st="9" end="9"/>
                                             </p:txEl>
                                           </p:spTgt>
                                         </p:tgtEl>
@@ -6695,7 +6858,7 @@
                                         <p:tgtEl>
                                           <p:spTgt spid="3">
                                             <p:txEl>
-                                              <p:pRg st="8" end="8"/>
+                                              <p:pRg st="9" end="9"/>
                                             </p:txEl>
                                           </p:spTgt>
                                         </p:tgtEl>
@@ -6722,7 +6885,7 @@
                                         <p:tgtEl>
                                           <p:spTgt spid="3">
                                             <p:txEl>
-                                              <p:pRg st="8" end="8"/>
+                                              <p:pRg st="9" end="9"/>
                                             </p:txEl>
                                           </p:spTgt>
                                         </p:tgtEl>
@@ -6762,7 +6925,7 @@
                                         <p:tgtEl>
                                           <p:spTgt spid="3">
                                             <p:txEl>
-                                              <p:pRg st="9" end="9"/>
+                                              <p:pRg st="10" end="10"/>
                                             </p:txEl>
                                           </p:spTgt>
                                         </p:tgtEl>
@@ -6780,7 +6943,7 @@
                                         <p:tgtEl>
                                           <p:spTgt spid="3">
                                             <p:txEl>
-                                              <p:pRg st="9" end="9"/>
+                                              <p:pRg st="10" end="10"/>
                                             </p:txEl>
                                           </p:spTgt>
                                         </p:tgtEl>
@@ -6807,7 +6970,7 @@
                                         <p:tgtEl>
                                           <p:spTgt spid="3">
                                             <p:txEl>
-                                              <p:pRg st="9" end="9"/>
+                                              <p:pRg st="10" end="10"/>
                                             </p:txEl>
                                           </p:spTgt>
                                         </p:tgtEl>
@@ -6847,7 +7010,7 @@
                                         <p:tgtEl>
                                           <p:spTgt spid="3">
                                             <p:txEl>
-                                              <p:pRg st="10" end="10"/>
+                                              <p:pRg st="11" end="11"/>
                                             </p:txEl>
                                           </p:spTgt>
                                         </p:tgtEl>
@@ -6865,7 +7028,7 @@
                                         <p:tgtEl>
                                           <p:spTgt spid="3">
                                             <p:txEl>
-                                              <p:pRg st="10" end="10"/>
+                                              <p:pRg st="11" end="11"/>
                                             </p:txEl>
                                           </p:spTgt>
                                         </p:tgtEl>
@@ -6892,7 +7055,7 @@
                                         <p:tgtEl>
                                           <p:spTgt spid="3">
                                             <p:txEl>
-                                              <p:pRg st="10" end="10"/>
+                                              <p:pRg st="11" end="11"/>
                                             </p:txEl>
                                           </p:spTgt>
                                         </p:tgtEl>
@@ -6932,7 +7095,7 @@
                                         <p:tgtEl>
                                           <p:spTgt spid="3">
                                             <p:txEl>
-                                              <p:pRg st="11" end="11"/>
+                                              <p:pRg st="12" end="12"/>
                                             </p:txEl>
                                           </p:spTgt>
                                         </p:tgtEl>
@@ -6950,7 +7113,7 @@
                                         <p:tgtEl>
                                           <p:spTgt spid="3">
                                             <p:txEl>
-                                              <p:pRg st="11" end="11"/>
+                                              <p:pRg st="12" end="12"/>
                                             </p:txEl>
                                           </p:spTgt>
                                         </p:tgtEl>
@@ -6977,7 +7140,7 @@
                                         <p:tgtEl>
                                           <p:spTgt spid="3">
                                             <p:txEl>
-                                              <p:pRg st="11" end="11"/>
+                                              <p:pRg st="12" end="12"/>
                                             </p:txEl>
                                           </p:spTgt>
                                         </p:tgtEl>
@@ -7017,7 +7180,7 @@
                                         <p:tgtEl>
                                           <p:spTgt spid="3">
                                             <p:txEl>
-                                              <p:pRg st="12" end="12"/>
+                                              <p:pRg st="13" end="13"/>
                                             </p:txEl>
                                           </p:spTgt>
                                         </p:tgtEl>
@@ -7035,7 +7198,7 @@
                                         <p:tgtEl>
                                           <p:spTgt spid="3">
                                             <p:txEl>
-                                              <p:pRg st="12" end="12"/>
+                                              <p:pRg st="13" end="13"/>
                                             </p:txEl>
                                           </p:spTgt>
                                         </p:tgtEl>
@@ -7062,7 +7225,7 @@
                                         <p:tgtEl>
                                           <p:spTgt spid="3">
                                             <p:txEl>
-                                              <p:pRg st="12" end="12"/>
+                                              <p:pRg st="13" end="13"/>
                                             </p:txEl>
                                           </p:spTgt>
                                         </p:tgtEl>
@@ -7102,7 +7265,7 @@
                                         <p:tgtEl>
                                           <p:spTgt spid="3">
                                             <p:txEl>
-                                              <p:pRg st="13" end="13"/>
+                                              <p:pRg st="14" end="14"/>
                                             </p:txEl>
                                           </p:spTgt>
                                         </p:tgtEl>
@@ -7120,7 +7283,7 @@
                                         <p:tgtEl>
                                           <p:spTgt spid="3">
                                             <p:txEl>
-                                              <p:pRg st="13" end="13"/>
+                                              <p:pRg st="14" end="14"/>
                                             </p:txEl>
                                           </p:spTgt>
                                         </p:tgtEl>
@@ -7147,7 +7310,7 @@
                                         <p:tgtEl>
                                           <p:spTgt spid="3">
                                             <p:txEl>
-                                              <p:pRg st="13" end="13"/>
+                                              <p:pRg st="14" end="14"/>
                                             </p:txEl>
                                           </p:spTgt>
                                         </p:tgtEl>
@@ -7205,7 +7368,7 @@
                                         <p:tgtEl>
                                           <p:spTgt spid="3">
                                             <p:txEl>
-                                              <p:pRg st="16" end="16"/>
+                                              <p:pRg st="18" end="18"/>
                                             </p:txEl>
                                           </p:spTgt>
                                         </p:tgtEl>
@@ -7223,7 +7386,7 @@
                                         <p:tgtEl>
                                           <p:spTgt spid="3">
                                             <p:txEl>
-                                              <p:pRg st="16" end="16"/>
+                                              <p:pRg st="18" end="18"/>
                                             </p:txEl>
                                           </p:spTgt>
                                         </p:tgtEl>
@@ -7250,7 +7413,7 @@
                                         <p:tgtEl>
                                           <p:spTgt spid="3">
                                             <p:txEl>
-                                              <p:pRg st="16" end="16"/>
+                                              <p:pRg st="18" end="18"/>
                                             </p:txEl>
                                           </p:spTgt>
                                         </p:tgtEl>
@@ -7308,7 +7471,7 @@
                                         <p:tgtEl>
                                           <p:spTgt spid="3">
                                             <p:txEl>
-                                              <p:pRg st="17" end="17"/>
+                                              <p:pRg st="19" end="19"/>
                                             </p:txEl>
                                           </p:spTgt>
                                         </p:tgtEl>
@@ -7326,7 +7489,7 @@
                                         <p:tgtEl>
                                           <p:spTgt spid="3">
                                             <p:txEl>
-                                              <p:pRg st="17" end="17"/>
+                                              <p:pRg st="19" end="19"/>
                                             </p:txEl>
                                           </p:spTgt>
                                         </p:tgtEl>
@@ -7353,7 +7516,7 @@
                                         <p:tgtEl>
                                           <p:spTgt spid="3">
                                             <p:txEl>
-                                              <p:pRg st="17" end="17"/>
+                                              <p:pRg st="19" end="19"/>
                                             </p:txEl>
                                           </p:spTgt>
                                         </p:tgtEl>
@@ -7411,7 +7574,7 @@
                                         <p:tgtEl>
                                           <p:spTgt spid="3">
                                             <p:txEl>
-                                              <p:pRg st="18" end="18"/>
+                                              <p:pRg st="20" end="20"/>
                                             </p:txEl>
                                           </p:spTgt>
                                         </p:tgtEl>
@@ -7429,7 +7592,7 @@
                                         <p:tgtEl>
                                           <p:spTgt spid="3">
                                             <p:txEl>
-                                              <p:pRg st="18" end="18"/>
+                                              <p:pRg st="20" end="20"/>
                                             </p:txEl>
                                           </p:spTgt>
                                         </p:tgtEl>
@@ -7456,7 +7619,7 @@
                                         <p:tgtEl>
                                           <p:spTgt spid="3">
                                             <p:txEl>
-                                              <p:pRg st="18" end="18"/>
+                                              <p:pRg st="20" end="20"/>
                                             </p:txEl>
                                           </p:spTgt>
                                         </p:tgtEl>
@@ -7514,7 +7677,7 @@
                                         <p:tgtEl>
                                           <p:spTgt spid="3">
                                             <p:txEl>
-                                              <p:pRg st="19" end="19"/>
+                                              <p:pRg st="21" end="21"/>
                                             </p:txEl>
                                           </p:spTgt>
                                         </p:tgtEl>
@@ -7532,7 +7695,7 @@
                                         <p:tgtEl>
                                           <p:spTgt spid="3">
                                             <p:txEl>
-                                              <p:pRg st="19" end="19"/>
+                                              <p:pRg st="21" end="21"/>
                                             </p:txEl>
                                           </p:spTgt>
                                         </p:tgtEl>
@@ -7559,7 +7722,7 @@
                                         <p:tgtEl>
                                           <p:spTgt spid="3">
                                             <p:txEl>
-                                              <p:pRg st="19" end="19"/>
+                                              <p:pRg st="21" end="21"/>
                                             </p:txEl>
                                           </p:spTgt>
                                         </p:tgtEl>
@@ -7617,7 +7780,7 @@
                                         <p:tgtEl>
                                           <p:spTgt spid="3">
                                             <p:txEl>
-                                              <p:pRg st="20" end="20"/>
+                                              <p:pRg st="22" end="22"/>
                                             </p:txEl>
                                           </p:spTgt>
                                         </p:tgtEl>
@@ -7635,7 +7798,7 @@
                                         <p:tgtEl>
                                           <p:spTgt spid="3">
                                             <p:txEl>
-                                              <p:pRg st="20" end="20"/>
+                                              <p:pRg st="22" end="22"/>
                                             </p:txEl>
                                           </p:spTgt>
                                         </p:tgtEl>
@@ -7662,7 +7825,7 @@
                                         <p:tgtEl>
                                           <p:spTgt spid="3">
                                             <p:txEl>
-                                              <p:pRg st="20" end="20"/>
+                                              <p:pRg st="22" end="22"/>
                                             </p:txEl>
                                           </p:spTgt>
                                         </p:tgtEl>
@@ -7720,7 +7883,7 @@
                                         <p:tgtEl>
                                           <p:spTgt spid="3">
                                             <p:txEl>
-                                              <p:pRg st="21" end="21"/>
+                                              <p:pRg st="23" end="23"/>
                                             </p:txEl>
                                           </p:spTgt>
                                         </p:tgtEl>
@@ -7738,7 +7901,7 @@
                                         <p:tgtEl>
                                           <p:spTgt spid="3">
                                             <p:txEl>
-                                              <p:pRg st="21" end="21"/>
+                                              <p:pRg st="23" end="23"/>
                                             </p:txEl>
                                           </p:spTgt>
                                         </p:tgtEl>
@@ -7765,7 +7928,7 @@
                                         <p:tgtEl>
                                           <p:spTgt spid="3">
                                             <p:txEl>
-                                              <p:pRg st="21" end="21"/>
+                                              <p:pRg st="23" end="23"/>
                                             </p:txEl>
                                           </p:spTgt>
                                         </p:tgtEl>

--- a/RockHall.pptx
+++ b/RockHall.pptx
@@ -10,11 +10,17 @@
     <p:sldId id="256" r:id="rId4"/>
     <p:sldId id="261" r:id="rId5"/>
     <p:sldId id="264" r:id="rId6"/>
-    <p:sldId id="259" r:id="rId7"/>
-    <p:sldId id="260" r:id="rId8"/>
-    <p:sldId id="265" r:id="rId9"/>
-    <p:sldId id="266" r:id="rId10"/>
-    <p:sldId id="268" r:id="rId11"/>
+    <p:sldId id="262" r:id="rId7"/>
+    <p:sldId id="269" r:id="rId8"/>
+    <p:sldId id="270" r:id="rId9"/>
+    <p:sldId id="271" r:id="rId10"/>
+    <p:sldId id="272" r:id="rId11"/>
+    <p:sldId id="273" r:id="rId12"/>
+    <p:sldId id="259" r:id="rId13"/>
+    <p:sldId id="260" r:id="rId14"/>
+    <p:sldId id="265" r:id="rId15"/>
+    <p:sldId id="266" r:id="rId16"/>
+    <p:sldId id="268" r:id="rId17"/>
   </p:sldIdLst>
   <p:sldSz cx="12192000" cy="6858000"/>
   <p:notesSz cx="6858000" cy="9144000"/>
@@ -252,7 +258,7 @@
           <a:p>
             <a:fld id="{F8F16AF3-5623-4ADF-A279-DFF06AFC7B8D}" type="datetimeFigureOut">
               <a:rPr lang="en-US" smtClean="0"/>
-              <a:t>10/26/2018</a:t>
+              <a:t>10/27/2018</a:t>
             </a:fld>
             <a:endParaRPr lang="en-US"/>
           </a:p>
@@ -422,7 +428,7 @@
           <a:p>
             <a:fld id="{F8F16AF3-5623-4ADF-A279-DFF06AFC7B8D}" type="datetimeFigureOut">
               <a:rPr lang="en-US" smtClean="0"/>
-              <a:t>10/26/2018</a:t>
+              <a:t>10/27/2018</a:t>
             </a:fld>
             <a:endParaRPr lang="en-US"/>
           </a:p>
@@ -602,7 +608,7 @@
           <a:p>
             <a:fld id="{F8F16AF3-5623-4ADF-A279-DFF06AFC7B8D}" type="datetimeFigureOut">
               <a:rPr lang="en-US" smtClean="0"/>
-              <a:t>10/26/2018</a:t>
+              <a:t>10/27/2018</a:t>
             </a:fld>
             <a:endParaRPr lang="en-US"/>
           </a:p>
@@ -772,7 +778,7 @@
           <a:p>
             <a:fld id="{F8F16AF3-5623-4ADF-A279-DFF06AFC7B8D}" type="datetimeFigureOut">
               <a:rPr lang="en-US" smtClean="0"/>
-              <a:t>10/26/2018</a:t>
+              <a:t>10/27/2018</a:t>
             </a:fld>
             <a:endParaRPr lang="en-US"/>
           </a:p>
@@ -1018,7 +1024,7 @@
           <a:p>
             <a:fld id="{F8F16AF3-5623-4ADF-A279-DFF06AFC7B8D}" type="datetimeFigureOut">
               <a:rPr lang="en-US" smtClean="0"/>
-              <a:t>10/26/2018</a:t>
+              <a:t>10/27/2018</a:t>
             </a:fld>
             <a:endParaRPr lang="en-US"/>
           </a:p>
@@ -1250,7 +1256,7 @@
           <a:p>
             <a:fld id="{F8F16AF3-5623-4ADF-A279-DFF06AFC7B8D}" type="datetimeFigureOut">
               <a:rPr lang="en-US" smtClean="0"/>
-              <a:t>10/26/2018</a:t>
+              <a:t>10/27/2018</a:t>
             </a:fld>
             <a:endParaRPr lang="en-US"/>
           </a:p>
@@ -1617,7 +1623,7 @@
           <a:p>
             <a:fld id="{F8F16AF3-5623-4ADF-A279-DFF06AFC7B8D}" type="datetimeFigureOut">
               <a:rPr lang="en-US" smtClean="0"/>
-              <a:t>10/26/2018</a:t>
+              <a:t>10/27/2018</a:t>
             </a:fld>
             <a:endParaRPr lang="en-US"/>
           </a:p>
@@ -1735,7 +1741,7 @@
           <a:p>
             <a:fld id="{F8F16AF3-5623-4ADF-A279-DFF06AFC7B8D}" type="datetimeFigureOut">
               <a:rPr lang="en-US" smtClean="0"/>
-              <a:t>10/26/2018</a:t>
+              <a:t>10/27/2018</a:t>
             </a:fld>
             <a:endParaRPr lang="en-US"/>
           </a:p>
@@ -1830,7 +1836,7 @@
           <a:p>
             <a:fld id="{F8F16AF3-5623-4ADF-A279-DFF06AFC7B8D}" type="datetimeFigureOut">
               <a:rPr lang="en-US" smtClean="0"/>
-              <a:t>10/26/2018</a:t>
+              <a:t>10/27/2018</a:t>
             </a:fld>
             <a:endParaRPr lang="en-US"/>
           </a:p>
@@ -2107,7 +2113,7 @@
           <a:p>
             <a:fld id="{F8F16AF3-5623-4ADF-A279-DFF06AFC7B8D}" type="datetimeFigureOut">
               <a:rPr lang="en-US" smtClean="0"/>
-              <a:t>10/26/2018</a:t>
+              <a:t>10/27/2018</a:t>
             </a:fld>
             <a:endParaRPr lang="en-US"/>
           </a:p>
@@ -2364,7 +2370,7 @@
           <a:p>
             <a:fld id="{F8F16AF3-5623-4ADF-A279-DFF06AFC7B8D}" type="datetimeFigureOut">
               <a:rPr lang="en-US" smtClean="0"/>
-              <a:t>10/26/2018</a:t>
+              <a:t>10/27/2018</a:t>
             </a:fld>
             <a:endParaRPr lang="en-US"/>
           </a:p>
@@ -2577,7 +2583,7 @@
           <a:p>
             <a:fld id="{F8F16AF3-5623-4ADF-A279-DFF06AFC7B8D}" type="datetimeFigureOut">
               <a:rPr lang="en-US" smtClean="0"/>
-              <a:t>10/26/2018</a:t>
+              <a:t>10/27/2018</a:t>
             </a:fld>
             <a:endParaRPr lang="en-US"/>
           </a:p>
@@ -3132,6 +3138,3745 @@
           <a:chExt cx="0" cy="0"/>
         </a:xfrm>
       </p:grpSpPr>
+      <p:sp>
+        <p:nvSpPr>
+          <p:cNvPr id="14" name="Rectangle 13">
+            <a:extLst>
+              <a:ext uri="{FF2B5EF4-FFF2-40B4-BE49-F238E27FC236}">
+                <a16:creationId xmlns:a16="http://schemas.microsoft.com/office/drawing/2014/main" id="{867D4867-5BA7-4462-B2F6-A23F4A622AA7}"/>
+              </a:ext>
+              <a:ext uri="{C183D7F6-B498-43B3-948B-1728B52AA6E4}">
+                <adec:decorative xmlns:adec="http://schemas.microsoft.com/office/drawing/2017/decorative" val="1"/>
+              </a:ext>
+            </a:extLst>
+          </p:cNvPr>
+          <p:cNvSpPr>
+            <a:spLocks noGrp="1" noRot="1" noChangeAspect="1" noMove="1" noResize="1" noEditPoints="1" noAdjustHandles="1" noChangeArrowheads="1" noChangeShapeType="1" noTextEdit="1"/>
+          </p:cNvSpPr>
+          <p:nvPr>
+            <p:extLst>
+              <p:ext uri="{386F3935-93C4-4BCD-93E2-E3B085C9AB24}">
+                <p16:designElem xmlns:p16="http://schemas.microsoft.com/office/powerpoint/2015/main" val="1"/>
+              </p:ext>
+            </p:extLst>
+          </p:nvPr>
+        </p:nvSpPr>
+        <p:spPr>
+          <a:xfrm>
+            <a:off x="0" y="0"/>
+            <a:ext cx="4654296" cy="6858000"/>
+          </a:xfrm>
+          <a:prstGeom prst="rect">
+            <a:avLst/>
+          </a:prstGeom>
+          <a:solidFill>
+            <a:schemeClr val="tx1">
+              <a:lumMod val="75000"/>
+              <a:lumOff val="25000"/>
+            </a:schemeClr>
+          </a:solidFill>
+          <a:ln>
+            <a:noFill/>
+          </a:ln>
+        </p:spPr>
+        <p:style>
+          <a:lnRef idx="0">
+            <a:scrgbClr r="0" g="0" b="0"/>
+          </a:lnRef>
+          <a:fillRef idx="0">
+            <a:scrgbClr r="0" g="0" b="0"/>
+          </a:fillRef>
+          <a:effectRef idx="0">
+            <a:scrgbClr r="0" g="0" b="0"/>
+          </a:effectRef>
+          <a:fontRef idx="minor">
+            <a:schemeClr val="lt1"/>
+          </a:fontRef>
+        </p:style>
+        <p:txBody>
+          <a:bodyPr rtlCol="0" anchor="ctr"/>
+          <a:lstStyle/>
+          <a:p>
+            <a:pPr marL="0" marR="0" lvl="0" indent="0" algn="ctr" defTabSz="457200" rtl="0" eaLnBrk="1" fontAlgn="auto" latinLnBrk="0" hangingPunct="1">
+              <a:lnSpc>
+                <a:spcPct val="100000"/>
+              </a:lnSpc>
+              <a:spcBef>
+                <a:spcPts val="0"/>
+              </a:spcBef>
+              <a:spcAft>
+                <a:spcPts val="0"/>
+              </a:spcAft>
+              <a:buClrTx/>
+              <a:buSzTx/>
+              <a:buFontTx/>
+              <a:buNone/>
+              <a:tabLst/>
+              <a:defRPr/>
+            </a:pPr>
+            <a:endParaRPr kumimoji="0" lang="en-US" sz="1800" b="0" i="0" u="none" strike="noStrike" kern="1200" cap="none" spc="0" normalizeH="0" baseline="0" noProof="0">
+              <a:ln>
+                <a:noFill/>
+              </a:ln>
+              <a:solidFill>
+                <a:prstClr val="white"/>
+              </a:solidFill>
+              <a:effectLst/>
+              <a:uLnTx/>
+              <a:uFillTx/>
+              <a:latin typeface="Calibri" panose="020F0502020204030204"/>
+              <a:ea typeface="+mn-ea"/>
+              <a:cs typeface="+mn-cs"/>
+            </a:endParaRPr>
+          </a:p>
+        </p:txBody>
+      </p:sp>
+      <p:sp>
+        <p:nvSpPr>
+          <p:cNvPr id="2" name="Title 1">
+            <a:extLst>
+              <a:ext uri="{FF2B5EF4-FFF2-40B4-BE49-F238E27FC236}">
+                <a16:creationId xmlns:a16="http://schemas.microsoft.com/office/drawing/2014/main" id="{E6E8D887-0CAB-4979-B5B2-1ADDFD7F7098}"/>
+              </a:ext>
+            </a:extLst>
+          </p:cNvPr>
+          <p:cNvSpPr>
+            <a:spLocks noGrp="1"/>
+          </p:cNvSpPr>
+          <p:nvPr>
+            <p:ph type="title"/>
+          </p:nvPr>
+        </p:nvSpPr>
+        <p:spPr>
+          <a:xfrm>
+            <a:off x="643467" y="643467"/>
+            <a:ext cx="3363974" cy="1597315"/>
+          </a:xfrm>
+          <a:noFill/>
+          <a:ln w="19050">
+            <a:solidFill>
+              <a:schemeClr val="bg1"/>
+            </a:solidFill>
+          </a:ln>
+        </p:spPr>
+        <p:txBody>
+          <a:bodyPr wrap="square">
+            <a:normAutofit/>
+          </a:bodyPr>
+          <a:lstStyle/>
+          <a:p>
+            <a:pPr algn="ctr"/>
+            <a:r>
+              <a:rPr lang="en-US" sz="2800">
+                <a:solidFill>
+                  <a:schemeClr val="bg1"/>
+                </a:solidFill>
+              </a:rPr>
+              <a:t>Logistic Regression  			</a:t>
+            </a:r>
+            <a:endParaRPr lang="en-US" sz="2800" dirty="0">
+              <a:solidFill>
+                <a:schemeClr val="bg1"/>
+              </a:solidFill>
+            </a:endParaRPr>
+          </a:p>
+        </p:txBody>
+      </p:sp>
+      <p:sp>
+        <p:nvSpPr>
+          <p:cNvPr id="11" name="Content Placeholder 10">
+            <a:extLst>
+              <a:ext uri="{FF2B5EF4-FFF2-40B4-BE49-F238E27FC236}">
+                <a16:creationId xmlns:a16="http://schemas.microsoft.com/office/drawing/2014/main" id="{C4A03F4F-FAC6-4647-9602-2462F4627497}"/>
+              </a:ext>
+            </a:extLst>
+          </p:cNvPr>
+          <p:cNvSpPr>
+            <a:spLocks noGrp="1"/>
+          </p:cNvSpPr>
+          <p:nvPr>
+            <p:ph idx="1"/>
+          </p:nvPr>
+        </p:nvSpPr>
+        <p:spPr>
+          <a:xfrm>
+            <a:off x="643468" y="2638044"/>
+            <a:ext cx="3363974" cy="3415622"/>
+          </a:xfrm>
+        </p:spPr>
+        <p:txBody>
+          <a:bodyPr>
+            <a:normAutofit/>
+          </a:bodyPr>
+          <a:lstStyle/>
+          <a:p>
+            <a:r>
+              <a:rPr lang="en-US" sz="2000" dirty="0">
+                <a:solidFill>
+                  <a:schemeClr val="bg1"/>
+                </a:solidFill>
+              </a:rPr>
+              <a:t>68% precision</a:t>
+            </a:r>
+          </a:p>
+          <a:p>
+            <a:r>
+              <a:rPr lang="en-US" sz="2000" dirty="0">
+                <a:solidFill>
+                  <a:schemeClr val="bg1"/>
+                </a:solidFill>
+              </a:rPr>
+              <a:t>74 correct predictions </a:t>
+            </a:r>
+          </a:p>
+          <a:p>
+            <a:r>
+              <a:rPr lang="en-US" sz="2000" dirty="0">
+                <a:solidFill>
+                  <a:schemeClr val="bg1"/>
+                </a:solidFill>
+              </a:rPr>
+              <a:t>34 incorrect predictions</a:t>
+            </a:r>
+          </a:p>
+          <a:p>
+            <a:r>
+              <a:rPr lang="en-US" sz="2000" dirty="0">
+                <a:solidFill>
+                  <a:schemeClr val="bg1"/>
+                </a:solidFill>
+              </a:rPr>
+              <a:t>A decent score, but we still wanted a better performing algorithm! </a:t>
+            </a:r>
+          </a:p>
+        </p:txBody>
+      </p:sp>
+      <p:pic>
+        <p:nvPicPr>
+          <p:cNvPr id="9" name="Content Placeholder 5">
+            <a:extLst>
+              <a:ext uri="{FF2B5EF4-FFF2-40B4-BE49-F238E27FC236}">
+                <a16:creationId xmlns:a16="http://schemas.microsoft.com/office/drawing/2014/main" id="{31AAB94C-1B6F-43BF-83C5-19522F8A4441}"/>
+              </a:ext>
+            </a:extLst>
+          </p:cNvPr>
+          <p:cNvPicPr>
+            <a:picLocks noChangeAspect="1"/>
+          </p:cNvPicPr>
+          <p:nvPr/>
+        </p:nvPicPr>
+        <p:blipFill>
+          <a:blip r:embed="rId2"/>
+          <a:stretch>
+            <a:fillRect/>
+          </a:stretch>
+        </p:blipFill>
+        <p:spPr>
+          <a:xfrm>
+            <a:off x="5297763" y="1640023"/>
+            <a:ext cx="6250769" cy="3417087"/>
+          </a:xfrm>
+          <a:prstGeom prst="rect">
+            <a:avLst/>
+          </a:prstGeom>
+        </p:spPr>
+      </p:pic>
+    </p:spTree>
+    <p:extLst>
+      <p:ext uri="{BB962C8B-B14F-4D97-AF65-F5344CB8AC3E}">
+        <p14:creationId xmlns:p14="http://schemas.microsoft.com/office/powerpoint/2010/main" val="1325088856"/>
+      </p:ext>
+    </p:extLst>
+  </p:cSld>
+  <p:clrMapOvr>
+    <a:overrideClrMapping bg1="lt1" tx1="dk1" bg2="lt2" tx2="dk2" accent1="accent1" accent2="accent2" accent3="accent3" accent4="accent4" accent5="accent5" accent6="accent6" hlink="hlink" folHlink="folHlink"/>
+  </p:clrMapOvr>
+</p:sld>
+</file>
+
+<file path=ppt/slides/slide11.xml><?xml version="1.0" encoding="utf-8"?>
+<p:sld xmlns:a="http://schemas.openxmlformats.org/drawingml/2006/main" xmlns:r="http://schemas.openxmlformats.org/officeDocument/2006/relationships" xmlns:p="http://schemas.openxmlformats.org/presentationml/2006/main">
+  <p:cSld>
+    <p:bg>
+      <p:bgPr>
+        <a:solidFill>
+          <a:schemeClr val="bg1"/>
+        </a:solidFill>
+        <a:effectLst/>
+      </p:bgPr>
+    </p:bg>
+    <p:spTree>
+      <p:nvGrpSpPr>
+        <p:cNvPr id="1" name=""/>
+        <p:cNvGrpSpPr/>
+        <p:nvPr/>
+      </p:nvGrpSpPr>
+      <p:grpSpPr>
+        <a:xfrm>
+          <a:off x="0" y="0"/>
+          <a:ext cx="0" cy="0"/>
+          <a:chOff x="0" y="0"/>
+          <a:chExt cx="0" cy="0"/>
+        </a:xfrm>
+      </p:grpSpPr>
+      <p:sp>
+        <p:nvSpPr>
+          <p:cNvPr id="12" name="Rectangle 11">
+            <a:extLst>
+              <a:ext uri="{FF2B5EF4-FFF2-40B4-BE49-F238E27FC236}">
+                <a16:creationId xmlns:a16="http://schemas.microsoft.com/office/drawing/2014/main" id="{867D4867-5BA7-4462-B2F6-A23F4A622AA7}"/>
+              </a:ext>
+              <a:ext uri="{C183D7F6-B498-43B3-948B-1728B52AA6E4}">
+                <adec:decorative xmlns:adec="http://schemas.microsoft.com/office/drawing/2017/decorative" val="1"/>
+              </a:ext>
+            </a:extLst>
+          </p:cNvPr>
+          <p:cNvSpPr>
+            <a:spLocks noGrp="1" noRot="1" noChangeAspect="1" noMove="1" noResize="1" noEditPoints="1" noAdjustHandles="1" noChangeArrowheads="1" noChangeShapeType="1" noTextEdit="1"/>
+          </p:cNvSpPr>
+          <p:nvPr>
+            <p:extLst>
+              <p:ext uri="{386F3935-93C4-4BCD-93E2-E3B085C9AB24}">
+                <p16:designElem xmlns:p16="http://schemas.microsoft.com/office/powerpoint/2015/main" val="1"/>
+              </p:ext>
+            </p:extLst>
+          </p:nvPr>
+        </p:nvSpPr>
+        <p:spPr>
+          <a:xfrm>
+            <a:off x="0" y="0"/>
+            <a:ext cx="4654296" cy="6858000"/>
+          </a:xfrm>
+          <a:prstGeom prst="rect">
+            <a:avLst/>
+          </a:prstGeom>
+          <a:solidFill>
+            <a:schemeClr val="tx1">
+              <a:lumMod val="75000"/>
+              <a:lumOff val="25000"/>
+            </a:schemeClr>
+          </a:solidFill>
+          <a:ln>
+            <a:noFill/>
+          </a:ln>
+        </p:spPr>
+        <p:style>
+          <a:lnRef idx="0">
+            <a:scrgbClr r="0" g="0" b="0"/>
+          </a:lnRef>
+          <a:fillRef idx="0">
+            <a:scrgbClr r="0" g="0" b="0"/>
+          </a:fillRef>
+          <a:effectRef idx="0">
+            <a:scrgbClr r="0" g="0" b="0"/>
+          </a:effectRef>
+          <a:fontRef idx="minor">
+            <a:schemeClr val="lt1"/>
+          </a:fontRef>
+        </p:style>
+        <p:txBody>
+          <a:bodyPr rtlCol="0" anchor="ctr"/>
+          <a:lstStyle/>
+          <a:p>
+            <a:pPr marL="0" marR="0" lvl="0" indent="0" algn="ctr" defTabSz="457200" rtl="0" eaLnBrk="1" fontAlgn="auto" latinLnBrk="0" hangingPunct="1">
+              <a:lnSpc>
+                <a:spcPct val="100000"/>
+              </a:lnSpc>
+              <a:spcBef>
+                <a:spcPts val="0"/>
+              </a:spcBef>
+              <a:spcAft>
+                <a:spcPts val="0"/>
+              </a:spcAft>
+              <a:buClrTx/>
+              <a:buSzTx/>
+              <a:buFontTx/>
+              <a:buNone/>
+              <a:tabLst/>
+              <a:defRPr/>
+            </a:pPr>
+            <a:endParaRPr kumimoji="0" lang="en-US" sz="1800" b="0" i="0" u="none" strike="noStrike" kern="1200" cap="none" spc="0" normalizeH="0" baseline="0" noProof="0">
+              <a:ln>
+                <a:noFill/>
+              </a:ln>
+              <a:solidFill>
+                <a:prstClr val="white"/>
+              </a:solidFill>
+              <a:effectLst/>
+              <a:uLnTx/>
+              <a:uFillTx/>
+              <a:latin typeface="Calibri" panose="020F0502020204030204"/>
+              <a:ea typeface="+mn-ea"/>
+              <a:cs typeface="+mn-cs"/>
+            </a:endParaRPr>
+          </a:p>
+        </p:txBody>
+      </p:sp>
+      <p:sp>
+        <p:nvSpPr>
+          <p:cNvPr id="2" name="Title 1">
+            <a:extLst>
+              <a:ext uri="{FF2B5EF4-FFF2-40B4-BE49-F238E27FC236}">
+                <a16:creationId xmlns:a16="http://schemas.microsoft.com/office/drawing/2014/main" id="{DE8DAC2E-C9DC-4987-9C8F-B8DC90C6B564}"/>
+              </a:ext>
+            </a:extLst>
+          </p:cNvPr>
+          <p:cNvSpPr>
+            <a:spLocks noGrp="1"/>
+          </p:cNvSpPr>
+          <p:nvPr>
+            <p:ph type="title"/>
+          </p:nvPr>
+        </p:nvSpPr>
+        <p:spPr>
+          <a:xfrm>
+            <a:off x="643467" y="643467"/>
+            <a:ext cx="3363974" cy="1597315"/>
+          </a:xfrm>
+          <a:noFill/>
+          <a:ln w="19050">
+            <a:solidFill>
+              <a:schemeClr val="bg1"/>
+            </a:solidFill>
+          </a:ln>
+        </p:spPr>
+        <p:txBody>
+          <a:bodyPr wrap="square">
+            <a:normAutofit/>
+          </a:bodyPr>
+          <a:lstStyle/>
+          <a:p>
+            <a:pPr algn="ctr"/>
+            <a:r>
+              <a:rPr lang="en-US" sz="2800">
+                <a:solidFill>
+                  <a:schemeClr val="bg1"/>
+                </a:solidFill>
+              </a:rPr>
+              <a:t>Naive Bayes </a:t>
+            </a:r>
+          </a:p>
+        </p:txBody>
+      </p:sp>
+      <p:sp>
+        <p:nvSpPr>
+          <p:cNvPr id="9" name="Content Placeholder 8">
+            <a:extLst>
+              <a:ext uri="{FF2B5EF4-FFF2-40B4-BE49-F238E27FC236}">
+                <a16:creationId xmlns:a16="http://schemas.microsoft.com/office/drawing/2014/main" id="{D90C502B-C88C-4581-B6AE-DBA3EBEF6A8A}"/>
+              </a:ext>
+            </a:extLst>
+          </p:cNvPr>
+          <p:cNvSpPr>
+            <a:spLocks noGrp="1"/>
+          </p:cNvSpPr>
+          <p:nvPr>
+            <p:ph idx="1"/>
+          </p:nvPr>
+        </p:nvSpPr>
+        <p:spPr>
+          <a:xfrm>
+            <a:off x="643468" y="2638044"/>
+            <a:ext cx="3363974" cy="3415622"/>
+          </a:xfrm>
+        </p:spPr>
+        <p:txBody>
+          <a:bodyPr>
+            <a:normAutofit/>
+          </a:bodyPr>
+          <a:lstStyle/>
+          <a:p>
+            <a:r>
+              <a:rPr lang="en-US" sz="2000" dirty="0">
+                <a:solidFill>
+                  <a:schemeClr val="bg1"/>
+                </a:solidFill>
+              </a:rPr>
+              <a:t>Precision of 69%</a:t>
+            </a:r>
+          </a:p>
+          <a:p>
+            <a:r>
+              <a:rPr lang="en-US" sz="2000" dirty="0">
+                <a:solidFill>
+                  <a:schemeClr val="bg1"/>
+                </a:solidFill>
+              </a:rPr>
+              <a:t>68 correct predictions</a:t>
+            </a:r>
+          </a:p>
+          <a:p>
+            <a:r>
+              <a:rPr lang="en-US" sz="2000" dirty="0">
+                <a:solidFill>
+                  <a:schemeClr val="bg1"/>
+                </a:solidFill>
+              </a:rPr>
+              <a:t>40 incorrect predictions</a:t>
+            </a:r>
+          </a:p>
+          <a:p>
+            <a:r>
+              <a:rPr lang="en-US" sz="2000" dirty="0">
+                <a:solidFill>
+                  <a:schemeClr val="bg1"/>
+                </a:solidFill>
+              </a:rPr>
+              <a:t>Getting there, but we wanted our model to at least get us into the 70s. </a:t>
+            </a:r>
+          </a:p>
+        </p:txBody>
+      </p:sp>
+      <p:pic>
+        <p:nvPicPr>
+          <p:cNvPr id="7" name="Content Placeholder 3">
+            <a:extLst>
+              <a:ext uri="{FF2B5EF4-FFF2-40B4-BE49-F238E27FC236}">
+                <a16:creationId xmlns:a16="http://schemas.microsoft.com/office/drawing/2014/main" id="{38713225-7DE8-4DF3-B0BA-0E1E45232913}"/>
+              </a:ext>
+            </a:extLst>
+          </p:cNvPr>
+          <p:cNvPicPr>
+            <a:picLocks noChangeAspect="1"/>
+          </p:cNvPicPr>
+          <p:nvPr/>
+        </p:nvPicPr>
+        <p:blipFill>
+          <a:blip r:embed="rId2"/>
+          <a:stretch>
+            <a:fillRect/>
+          </a:stretch>
+        </p:blipFill>
+        <p:spPr>
+          <a:xfrm>
+            <a:off x="5297763" y="1718662"/>
+            <a:ext cx="6250769" cy="3259809"/>
+          </a:xfrm>
+          <a:prstGeom prst="rect">
+            <a:avLst/>
+          </a:prstGeom>
+        </p:spPr>
+      </p:pic>
+    </p:spTree>
+    <p:extLst>
+      <p:ext uri="{BB962C8B-B14F-4D97-AF65-F5344CB8AC3E}">
+        <p14:creationId xmlns:p14="http://schemas.microsoft.com/office/powerpoint/2010/main" val="3760208041"/>
+      </p:ext>
+    </p:extLst>
+  </p:cSld>
+  <p:clrMapOvr>
+    <a:overrideClrMapping bg1="lt1" tx1="dk1" bg2="lt2" tx2="dk2" accent1="accent1" accent2="accent2" accent3="accent3" accent4="accent4" accent5="accent5" accent6="accent6" hlink="hlink" folHlink="folHlink"/>
+  </p:clrMapOvr>
+</p:sld>
+</file>
+
+<file path=ppt/slides/slide12.xml><?xml version="1.0" encoding="utf-8"?>
+<p:sld xmlns:a="http://schemas.openxmlformats.org/drawingml/2006/main" xmlns:r="http://schemas.openxmlformats.org/officeDocument/2006/relationships" xmlns:p="http://schemas.openxmlformats.org/presentationml/2006/main">
+  <p:cSld>
+    <p:bg>
+      <p:bgPr>
+        <a:solidFill>
+          <a:schemeClr val="bg1"/>
+        </a:solidFill>
+        <a:effectLst/>
+      </p:bgPr>
+    </p:bg>
+    <p:spTree>
+      <p:nvGrpSpPr>
+        <p:cNvPr id="1" name=""/>
+        <p:cNvGrpSpPr/>
+        <p:nvPr/>
+      </p:nvGrpSpPr>
+      <p:grpSpPr>
+        <a:xfrm>
+          <a:off x="0" y="0"/>
+          <a:ext cx="0" cy="0"/>
+          <a:chOff x="0" y="0"/>
+          <a:chExt cx="0" cy="0"/>
+        </a:xfrm>
+      </p:grpSpPr>
+      <p:sp>
+        <p:nvSpPr>
+          <p:cNvPr id="2" name="Title 1">
+            <a:extLst>
+              <a:ext uri="{FF2B5EF4-FFF2-40B4-BE49-F238E27FC236}">
+                <a16:creationId xmlns:a16="http://schemas.microsoft.com/office/drawing/2014/main" id="{91F5C009-850A-4891-8FAD-D2F9036DE2E9}"/>
+              </a:ext>
+            </a:extLst>
+          </p:cNvPr>
+          <p:cNvSpPr>
+            <a:spLocks noGrp="1"/>
+          </p:cNvSpPr>
+          <p:nvPr>
+            <p:ph type="ctrTitle"/>
+          </p:nvPr>
+        </p:nvSpPr>
+        <p:spPr>
+          <a:xfrm>
+            <a:off x="4162425" y="400050"/>
+            <a:ext cx="7058025" cy="1655761"/>
+          </a:xfrm>
+        </p:spPr>
+        <p:txBody>
+          <a:bodyPr>
+            <a:normAutofit fontScale="90000"/>
+          </a:bodyPr>
+          <a:lstStyle/>
+          <a:p>
+            <a:r>
+              <a:rPr lang="en-US" sz="6700" dirty="0">
+                <a:latin typeface="Eurostile" panose="020B0704020202050204" pitchFamily="34" charset="0"/>
+              </a:rPr>
+              <a:t>2019 NOMINEES</a:t>
+            </a:r>
+            <a:br>
+              <a:rPr lang="en-US" dirty="0"/>
+            </a:br>
+            <a:endParaRPr lang="en-US" dirty="0"/>
+          </a:p>
+        </p:txBody>
+      </p:sp>
+      <p:sp>
+        <p:nvSpPr>
+          <p:cNvPr id="3" name="Subtitle 2">
+            <a:extLst>
+              <a:ext uri="{FF2B5EF4-FFF2-40B4-BE49-F238E27FC236}">
+                <a16:creationId xmlns:a16="http://schemas.microsoft.com/office/drawing/2014/main" id="{9828A2C6-0765-445B-8030-69399EDB59D7}"/>
+              </a:ext>
+            </a:extLst>
+          </p:cNvPr>
+          <p:cNvSpPr>
+            <a:spLocks noGrp="1"/>
+          </p:cNvSpPr>
+          <p:nvPr>
+            <p:ph type="subTitle" idx="1"/>
+          </p:nvPr>
+        </p:nvSpPr>
+        <p:spPr>
+          <a:xfrm>
+            <a:off x="905522" y="2774158"/>
+            <a:ext cx="10314928" cy="3683792"/>
+          </a:xfrm>
+        </p:spPr>
+        <p:txBody>
+          <a:bodyPr numCol="3">
+            <a:normAutofit lnSpcReduction="10000"/>
+          </a:bodyPr>
+          <a:lstStyle/>
+          <a:p>
+            <a:pPr lvl="0"/>
+            <a:endParaRPr lang="en-US" dirty="0"/>
+          </a:p>
+          <a:p>
+            <a:pPr marL="342900" lvl="0" indent="-342900">
+              <a:buFont typeface="Arial" panose="020B0604020202020204" pitchFamily="34" charset="0"/>
+              <a:buChar char="•"/>
+            </a:pPr>
+            <a:r>
+              <a:rPr lang="en-US" dirty="0"/>
+              <a:t>Def Leppard</a:t>
+            </a:r>
+          </a:p>
+          <a:p>
+            <a:pPr marL="342900" lvl="0" indent="-342900">
+              <a:buFont typeface="Arial" panose="020B0604020202020204" pitchFamily="34" charset="0"/>
+              <a:buChar char="•"/>
+            </a:pPr>
+            <a:r>
+              <a:rPr lang="en-US" dirty="0"/>
+              <a:t>Devo</a:t>
+            </a:r>
+          </a:p>
+          <a:p>
+            <a:pPr marL="342900" lvl="0" indent="-342900">
+              <a:buFont typeface="Arial" panose="020B0604020202020204" pitchFamily="34" charset="0"/>
+              <a:buChar char="•"/>
+            </a:pPr>
+            <a:r>
+              <a:rPr lang="en-US" dirty="0"/>
+              <a:t>Janet Jackson</a:t>
+            </a:r>
+          </a:p>
+          <a:p>
+            <a:pPr marL="342900" lvl="0" indent="-342900">
+              <a:buFont typeface="Arial" panose="020B0604020202020204" pitchFamily="34" charset="0"/>
+              <a:buChar char="•"/>
+            </a:pPr>
+            <a:r>
+              <a:rPr lang="en-US" dirty="0"/>
+              <a:t>John </a:t>
+            </a:r>
+            <a:r>
+              <a:rPr lang="en-US" dirty="0" err="1"/>
+              <a:t>Prine</a:t>
+            </a:r>
+            <a:endParaRPr lang="en-US" dirty="0"/>
+          </a:p>
+          <a:p>
+            <a:pPr marL="342900" lvl="0" indent="-342900">
+              <a:buFont typeface="Arial" panose="020B0604020202020204" pitchFamily="34" charset="0"/>
+              <a:buChar char="•"/>
+            </a:pPr>
+            <a:r>
+              <a:rPr lang="en-US" dirty="0"/>
+              <a:t>Kraftwerk</a:t>
+            </a:r>
+          </a:p>
+          <a:p>
+            <a:pPr marL="342900" lvl="0" indent="-342900">
+              <a:buFont typeface="Arial" panose="020B0604020202020204" pitchFamily="34" charset="0"/>
+              <a:buChar char="•"/>
+            </a:pPr>
+            <a:endParaRPr lang="en-US" dirty="0"/>
+          </a:p>
+          <a:p>
+            <a:pPr marL="342900" lvl="0" indent="-342900">
+              <a:buFont typeface="Arial" panose="020B0604020202020204" pitchFamily="34" charset="0"/>
+              <a:buChar char="•"/>
+            </a:pPr>
+            <a:endParaRPr lang="en-US" dirty="0"/>
+          </a:p>
+          <a:p>
+            <a:pPr marL="342900" lvl="0" indent="-342900">
+              <a:buFont typeface="Arial" panose="020B0604020202020204" pitchFamily="34" charset="0"/>
+              <a:buChar char="•"/>
+            </a:pPr>
+            <a:endParaRPr lang="en-US" dirty="0"/>
+          </a:p>
+          <a:p>
+            <a:pPr marL="342900" lvl="0" indent="-342900">
+              <a:buFont typeface="Arial" panose="020B0604020202020204" pitchFamily="34" charset="0"/>
+              <a:buChar char="•"/>
+            </a:pPr>
+            <a:r>
+              <a:rPr lang="en-US" dirty="0"/>
+              <a:t>LL Cool J</a:t>
+            </a:r>
+          </a:p>
+          <a:p>
+            <a:pPr marL="342900" lvl="0" indent="-342900">
+              <a:buFont typeface="Arial" panose="020B0604020202020204" pitchFamily="34" charset="0"/>
+              <a:buChar char="•"/>
+            </a:pPr>
+            <a:r>
+              <a:rPr lang="en-US" dirty="0"/>
+              <a:t>MC5</a:t>
+            </a:r>
+          </a:p>
+          <a:p>
+            <a:pPr marL="342900" lvl="0" indent="-342900">
+              <a:buFont typeface="Arial" panose="020B0604020202020204" pitchFamily="34" charset="0"/>
+              <a:buChar char="•"/>
+            </a:pPr>
+            <a:r>
+              <a:rPr lang="en-US" dirty="0"/>
+              <a:t>Radiohead</a:t>
+            </a:r>
+          </a:p>
+          <a:p>
+            <a:pPr marL="342900" lvl="0" indent="-342900">
+              <a:buFont typeface="Arial" panose="020B0604020202020204" pitchFamily="34" charset="0"/>
+              <a:buChar char="•"/>
+            </a:pPr>
+            <a:r>
+              <a:rPr lang="en-US" dirty="0"/>
+              <a:t>Rage Against the Machine</a:t>
+            </a:r>
+          </a:p>
+          <a:p>
+            <a:pPr marL="342900" lvl="0" indent="-342900">
+              <a:buFont typeface="Arial" panose="020B0604020202020204" pitchFamily="34" charset="0"/>
+              <a:buChar char="•"/>
+            </a:pPr>
+            <a:r>
+              <a:rPr lang="en-US" dirty="0"/>
+              <a:t>Roxy Music</a:t>
+            </a:r>
+          </a:p>
+          <a:p>
+            <a:pPr marL="342900" lvl="0" indent="-342900">
+              <a:buFont typeface="Arial" panose="020B0604020202020204" pitchFamily="34" charset="0"/>
+              <a:buChar char="•"/>
+            </a:pPr>
+            <a:endParaRPr lang="en-US" dirty="0"/>
+          </a:p>
+          <a:p>
+            <a:pPr marL="342900" lvl="0" indent="-342900">
+              <a:buFont typeface="Arial" panose="020B0604020202020204" pitchFamily="34" charset="0"/>
+              <a:buChar char="•"/>
+            </a:pPr>
+            <a:endParaRPr lang="en-US" dirty="0"/>
+          </a:p>
+          <a:p>
+            <a:pPr marL="342900" lvl="0" indent="-342900">
+              <a:buFont typeface="Arial" panose="020B0604020202020204" pitchFamily="34" charset="0"/>
+              <a:buChar char="•"/>
+            </a:pPr>
+            <a:endParaRPr lang="en-US" dirty="0"/>
+          </a:p>
+          <a:p>
+            <a:pPr marL="342900" lvl="0" indent="-342900">
+              <a:buFont typeface="Arial" panose="020B0604020202020204" pitchFamily="34" charset="0"/>
+              <a:buChar char="•"/>
+            </a:pPr>
+            <a:r>
+              <a:rPr lang="en-US" dirty="0"/>
+              <a:t>Rufus feat. Chaka Khan</a:t>
+            </a:r>
+          </a:p>
+          <a:p>
+            <a:pPr marL="342900" lvl="0" indent="-342900">
+              <a:buFont typeface="Arial" panose="020B0604020202020204" pitchFamily="34" charset="0"/>
+              <a:buChar char="•"/>
+            </a:pPr>
+            <a:r>
+              <a:rPr lang="en-US" dirty="0"/>
+              <a:t>Stevie Nicks</a:t>
+            </a:r>
+          </a:p>
+          <a:p>
+            <a:pPr marL="342900" lvl="0" indent="-342900">
+              <a:buFont typeface="Arial" panose="020B0604020202020204" pitchFamily="34" charset="0"/>
+              <a:buChar char="•"/>
+            </a:pPr>
+            <a:r>
+              <a:rPr lang="en-US" dirty="0"/>
+              <a:t>The Cure</a:t>
+            </a:r>
+          </a:p>
+          <a:p>
+            <a:pPr marL="342900" lvl="0" indent="-342900">
+              <a:buFont typeface="Arial" panose="020B0604020202020204" pitchFamily="34" charset="0"/>
+              <a:buChar char="•"/>
+            </a:pPr>
+            <a:r>
+              <a:rPr lang="en-US" dirty="0"/>
+              <a:t>The Zombies</a:t>
+            </a:r>
+          </a:p>
+          <a:p>
+            <a:pPr marL="342900" lvl="0" indent="-342900">
+              <a:buFont typeface="Arial" panose="020B0604020202020204" pitchFamily="34" charset="0"/>
+              <a:buChar char="•"/>
+            </a:pPr>
+            <a:r>
+              <a:rPr lang="en-US" dirty="0"/>
+              <a:t>Todd </a:t>
+            </a:r>
+            <a:r>
+              <a:rPr lang="en-US" dirty="0" err="1"/>
+              <a:t>Rundgren</a:t>
+            </a:r>
+            <a:endParaRPr lang="en-US" dirty="0"/>
+          </a:p>
+          <a:p>
+            <a:pPr algn="l"/>
+            <a:endParaRPr lang="en-US" dirty="0"/>
+          </a:p>
+          <a:p>
+            <a:pPr marL="4000500" lvl="8" indent="-342900" algn="l">
+              <a:buFont typeface="Arial" panose="020B0604020202020204" pitchFamily="34" charset="0"/>
+              <a:buChar char="•"/>
+            </a:pPr>
+            <a:endParaRPr lang="en-US" dirty="0"/>
+          </a:p>
+        </p:txBody>
+      </p:sp>
+      <p:pic>
+        <p:nvPicPr>
+          <p:cNvPr id="5" name="Picture 4">
+            <a:extLst>
+              <a:ext uri="{FF2B5EF4-FFF2-40B4-BE49-F238E27FC236}">
+                <a16:creationId xmlns:a16="http://schemas.microsoft.com/office/drawing/2014/main" id="{3AA4D6A2-7ABF-440E-9F1F-24D35E34D210}"/>
+              </a:ext>
+            </a:extLst>
+          </p:cNvPr>
+          <p:cNvPicPr>
+            <a:picLocks noChangeAspect="1"/>
+          </p:cNvPicPr>
+          <p:nvPr/>
+        </p:nvPicPr>
+        <p:blipFill>
+          <a:blip r:embed="rId2">
+            <a:extLst>
+              <a:ext uri="{28A0092B-C50C-407E-A947-70E740481C1C}">
+                <a14:useLocalDpi xmlns:a14="http://schemas.microsoft.com/office/drawing/2010/main" val="0"/>
+              </a:ext>
+            </a:extLst>
+          </a:blip>
+          <a:stretch>
+            <a:fillRect/>
+          </a:stretch>
+        </p:blipFill>
+        <p:spPr>
+          <a:xfrm>
+            <a:off x="181906" y="101037"/>
+            <a:ext cx="3517900" cy="2042651"/>
+          </a:xfrm>
+          <a:prstGeom prst="rect">
+            <a:avLst/>
+          </a:prstGeom>
+          <a:ln>
+            <a:noFill/>
+          </a:ln>
+          <a:effectLst>
+            <a:reflection blurRad="12700" stA="30000" endPos="30000" dist="5000" dir="5400000" sy="-100000" algn="bl" rotWithShape="0"/>
+          </a:effectLst>
+          <a:scene3d>
+            <a:camera prst="perspectiveContrastingLeftFacing">
+              <a:rot lat="300000" lon="19800000" rev="0"/>
+            </a:camera>
+            <a:lightRig rig="threePt" dir="t">
+              <a:rot lat="0" lon="0" rev="2700000"/>
+            </a:lightRig>
+          </a:scene3d>
+          <a:sp3d>
+            <a:bevelT w="63500" h="50800"/>
+          </a:sp3d>
+        </p:spPr>
+      </p:pic>
+    </p:spTree>
+    <p:extLst>
+      <p:ext uri="{BB962C8B-B14F-4D97-AF65-F5344CB8AC3E}">
+        <p14:creationId xmlns:p14="http://schemas.microsoft.com/office/powerpoint/2010/main" val="2744111513"/>
+      </p:ext>
+    </p:extLst>
+  </p:cSld>
+  <p:clrMapOvr>
+    <a:masterClrMapping/>
+  </p:clrMapOvr>
+  <mc:AlternateContent xmlns:mc="http://schemas.openxmlformats.org/markup-compatibility/2006" xmlns:p14="http://schemas.microsoft.com/office/powerpoint/2010/main">
+    <mc:Choice Requires="p14">
+      <p:transition spd="slow" p14:dur="800">
+        <p:circle/>
+      </p:transition>
+    </mc:Choice>
+    <mc:Fallback xmlns="">
+      <p:transition spd="slow">
+        <p:circle/>
+      </p:transition>
+    </mc:Fallback>
+  </mc:AlternateContent>
+</p:sld>
+</file>
+
+<file path=ppt/slides/slide13.xml><?xml version="1.0" encoding="utf-8"?>
+<p:sld xmlns:a="http://schemas.openxmlformats.org/drawingml/2006/main" xmlns:r="http://schemas.openxmlformats.org/officeDocument/2006/relationships" xmlns:p="http://schemas.openxmlformats.org/presentationml/2006/main">
+  <p:cSld>
+    <p:bg>
+      <p:bgPr>
+        <a:solidFill>
+          <a:schemeClr val="bg1"/>
+        </a:solidFill>
+        <a:effectLst/>
+      </p:bgPr>
+    </p:bg>
+    <p:spTree>
+      <p:nvGrpSpPr>
+        <p:cNvPr id="1" name=""/>
+        <p:cNvGrpSpPr/>
+        <p:nvPr/>
+      </p:nvGrpSpPr>
+      <p:grpSpPr>
+        <a:xfrm>
+          <a:off x="0" y="0"/>
+          <a:ext cx="0" cy="0"/>
+          <a:chOff x="0" y="0"/>
+          <a:chExt cx="0" cy="0"/>
+        </a:xfrm>
+      </p:grpSpPr>
+      <p:sp>
+        <p:nvSpPr>
+          <p:cNvPr id="2" name="Title 1">
+            <a:extLst>
+              <a:ext uri="{FF2B5EF4-FFF2-40B4-BE49-F238E27FC236}">
+                <a16:creationId xmlns:a16="http://schemas.microsoft.com/office/drawing/2014/main" id="{91F5C009-850A-4891-8FAD-D2F9036DE2E9}"/>
+              </a:ext>
+            </a:extLst>
+          </p:cNvPr>
+          <p:cNvSpPr>
+            <a:spLocks noGrp="1"/>
+          </p:cNvSpPr>
+          <p:nvPr>
+            <p:ph type="ctrTitle"/>
+          </p:nvPr>
+        </p:nvSpPr>
+        <p:spPr>
+          <a:xfrm>
+            <a:off x="4162425" y="400050"/>
+            <a:ext cx="7058025" cy="1655761"/>
+          </a:xfrm>
+        </p:spPr>
+        <p:txBody>
+          <a:bodyPr>
+            <a:normAutofit fontScale="90000"/>
+          </a:bodyPr>
+          <a:lstStyle/>
+          <a:p>
+            <a:r>
+              <a:rPr lang="en-US" sz="6700" dirty="0">
+                <a:latin typeface="Eurostile" panose="020B0704020202050204" pitchFamily="34" charset="0"/>
+              </a:rPr>
+              <a:t>2019 PREDICTIONS</a:t>
+            </a:r>
+            <a:br>
+              <a:rPr lang="en-US" dirty="0"/>
+            </a:br>
+            <a:endParaRPr lang="en-US" dirty="0"/>
+          </a:p>
+        </p:txBody>
+      </p:sp>
+      <p:sp>
+        <p:nvSpPr>
+          <p:cNvPr id="3" name="Subtitle 2">
+            <a:extLst>
+              <a:ext uri="{FF2B5EF4-FFF2-40B4-BE49-F238E27FC236}">
+                <a16:creationId xmlns:a16="http://schemas.microsoft.com/office/drawing/2014/main" id="{9828A2C6-0765-445B-8030-69399EDB59D7}"/>
+              </a:ext>
+            </a:extLst>
+          </p:cNvPr>
+          <p:cNvSpPr>
+            <a:spLocks noGrp="1"/>
+          </p:cNvSpPr>
+          <p:nvPr>
+            <p:ph type="subTitle" idx="1"/>
+          </p:nvPr>
+        </p:nvSpPr>
+        <p:spPr>
+          <a:xfrm>
+            <a:off x="181907" y="2774158"/>
+            <a:ext cx="11785192" cy="3683792"/>
+          </a:xfrm>
+        </p:spPr>
+        <p:txBody>
+          <a:bodyPr numCol="3">
+            <a:normAutofit fontScale="47500" lnSpcReduction="20000"/>
+          </a:bodyPr>
+          <a:lstStyle/>
+          <a:p>
+            <a:r>
+              <a:rPr lang="en-US" sz="5100" u="sng" dirty="0"/>
+              <a:t>Mike’s Picks</a:t>
+            </a:r>
+          </a:p>
+          <a:p>
+            <a:pPr marL="342900" indent="-342900" algn="l">
+              <a:buFont typeface="Arial" panose="020B0604020202020204" pitchFamily="34" charset="0"/>
+              <a:buChar char="•"/>
+            </a:pPr>
+            <a:r>
+              <a:rPr lang="en-US" sz="5100" dirty="0"/>
+              <a:t>Def Leppard</a:t>
+            </a:r>
+          </a:p>
+          <a:p>
+            <a:pPr marL="342900" indent="-342900" algn="l">
+              <a:buFont typeface="Arial" panose="020B0604020202020204" pitchFamily="34" charset="0"/>
+              <a:buChar char="•"/>
+            </a:pPr>
+            <a:r>
+              <a:rPr lang="en-US" sz="5100" dirty="0"/>
+              <a:t>Devo</a:t>
+            </a:r>
+          </a:p>
+          <a:p>
+            <a:pPr marL="342900" indent="-342900" algn="l">
+              <a:buFont typeface="Arial" panose="020B0604020202020204" pitchFamily="34" charset="0"/>
+              <a:buChar char="•"/>
+            </a:pPr>
+            <a:r>
+              <a:rPr lang="en-US" sz="5100" dirty="0"/>
+              <a:t>Radiohead</a:t>
+            </a:r>
+          </a:p>
+          <a:p>
+            <a:pPr marL="342900" indent="-342900" algn="l">
+              <a:buFont typeface="Arial" panose="020B0604020202020204" pitchFamily="34" charset="0"/>
+              <a:buChar char="•"/>
+            </a:pPr>
+            <a:r>
+              <a:rPr lang="en-US" sz="5100" dirty="0"/>
+              <a:t>Janet Jackson</a:t>
+            </a:r>
+          </a:p>
+          <a:p>
+            <a:pPr marL="342900" indent="-342900" algn="l">
+              <a:buFont typeface="Arial" panose="020B0604020202020204" pitchFamily="34" charset="0"/>
+              <a:buChar char="•"/>
+            </a:pPr>
+            <a:r>
+              <a:rPr lang="en-US" sz="5100" dirty="0"/>
+              <a:t>Kraftwerk</a:t>
+            </a:r>
+          </a:p>
+          <a:p>
+            <a:pPr marL="342900" indent="-342900" algn="l">
+              <a:buFont typeface="Arial" panose="020B0604020202020204" pitchFamily="34" charset="0"/>
+              <a:buChar char="•"/>
+            </a:pPr>
+            <a:endParaRPr lang="en-US" sz="5100" dirty="0"/>
+          </a:p>
+          <a:p>
+            <a:endParaRPr lang="en-US" sz="5100" u="sng" dirty="0"/>
+          </a:p>
+          <a:p>
+            <a:endParaRPr lang="en-US" sz="5100" u="sng" dirty="0"/>
+          </a:p>
+          <a:p>
+            <a:r>
+              <a:rPr lang="en-US" sz="5100" u="sng" dirty="0"/>
+              <a:t>Billboard Picks</a:t>
+            </a:r>
+          </a:p>
+          <a:p>
+            <a:pPr marL="342900" indent="-342900" algn="l">
+              <a:buFont typeface="Arial" panose="020B0604020202020204" pitchFamily="34" charset="0"/>
+              <a:buChar char="•"/>
+            </a:pPr>
+            <a:r>
+              <a:rPr lang="en-US" sz="5100" dirty="0"/>
+              <a:t>Radiohead (Even)</a:t>
+            </a:r>
+          </a:p>
+          <a:p>
+            <a:pPr marL="342900" indent="-342900" algn="l">
+              <a:buFont typeface="Arial" panose="020B0604020202020204" pitchFamily="34" charset="0"/>
+              <a:buChar char="•"/>
+            </a:pPr>
+            <a:r>
+              <a:rPr lang="en-US" sz="5100" dirty="0"/>
+              <a:t>Stevie Nicks (3 to 2)</a:t>
+            </a:r>
+          </a:p>
+          <a:p>
+            <a:pPr marL="342900" indent="-342900" algn="l">
+              <a:buFont typeface="Arial" panose="020B0604020202020204" pitchFamily="34" charset="0"/>
+              <a:buChar char="•"/>
+            </a:pPr>
+            <a:r>
+              <a:rPr lang="en-US" sz="5100" dirty="0"/>
+              <a:t>Janet Jackson (2 to 1)</a:t>
+            </a:r>
+          </a:p>
+          <a:p>
+            <a:pPr marL="342900" indent="-342900" algn="l">
+              <a:buFont typeface="Arial" panose="020B0604020202020204" pitchFamily="34" charset="0"/>
+              <a:buChar char="•"/>
+            </a:pPr>
+            <a:r>
+              <a:rPr lang="en-US" sz="5100" dirty="0"/>
+              <a:t>The Zombies (2 to 1)</a:t>
+            </a:r>
+          </a:p>
+          <a:p>
+            <a:pPr marL="342900" indent="-342900" algn="l">
+              <a:buFont typeface="Arial" panose="020B0604020202020204" pitchFamily="34" charset="0"/>
+              <a:buChar char="•"/>
+            </a:pPr>
+            <a:r>
+              <a:rPr lang="en-US" sz="5100" dirty="0"/>
+              <a:t>Def Leppard (5 to 2)</a:t>
+            </a:r>
+          </a:p>
+          <a:p>
+            <a:pPr algn="l"/>
+            <a:endParaRPr lang="en-US" sz="5100" dirty="0"/>
+          </a:p>
+          <a:p>
+            <a:endParaRPr lang="en-US" sz="5100" u="sng" dirty="0"/>
+          </a:p>
+          <a:p>
+            <a:endParaRPr lang="en-US" sz="5100" u="sng" dirty="0"/>
+          </a:p>
+          <a:p>
+            <a:r>
+              <a:rPr lang="en-US" sz="5100" u="sng" dirty="0"/>
+              <a:t>Model Picks</a:t>
+            </a:r>
+          </a:p>
+          <a:p>
+            <a:pPr marL="342900" indent="-342900">
+              <a:buFont typeface="Arial" panose="020B0604020202020204" pitchFamily="34" charset="0"/>
+              <a:buChar char="•"/>
+            </a:pPr>
+            <a:r>
+              <a:rPr lang="en-US" sz="5100" dirty="0"/>
+              <a:t>Janet Jackson (95.2%)</a:t>
+            </a:r>
+          </a:p>
+          <a:p>
+            <a:pPr marL="342900" indent="-342900">
+              <a:buFont typeface="Arial" panose="020B0604020202020204" pitchFamily="34" charset="0"/>
+              <a:buChar char="•"/>
+            </a:pPr>
+            <a:r>
+              <a:rPr lang="en-US" sz="5100" dirty="0"/>
+              <a:t>Radiohead (94.2%)</a:t>
+            </a:r>
+          </a:p>
+          <a:p>
+            <a:pPr marL="342900" indent="-342900">
+              <a:buFont typeface="Arial" panose="020B0604020202020204" pitchFamily="34" charset="0"/>
+              <a:buChar char="•"/>
+            </a:pPr>
+            <a:r>
+              <a:rPr lang="en-US" sz="5100" dirty="0"/>
+              <a:t>Todd </a:t>
+            </a:r>
+            <a:r>
+              <a:rPr lang="en-US" sz="5100" dirty="0" err="1"/>
+              <a:t>Rundgren</a:t>
+            </a:r>
+            <a:r>
+              <a:rPr lang="en-US" sz="5100" dirty="0"/>
+              <a:t> (93%)</a:t>
+            </a:r>
+          </a:p>
+          <a:p>
+            <a:pPr marL="342900" indent="-342900">
+              <a:buFont typeface="Arial" panose="020B0604020202020204" pitchFamily="34" charset="0"/>
+              <a:buChar char="•"/>
+            </a:pPr>
+            <a:r>
+              <a:rPr lang="en-US" sz="5100" dirty="0"/>
+              <a:t>Def Leppard (88.6%)</a:t>
+            </a:r>
+          </a:p>
+          <a:p>
+            <a:pPr marL="342900" indent="-342900">
+              <a:buFont typeface="Arial" panose="020B0604020202020204" pitchFamily="34" charset="0"/>
+              <a:buChar char="•"/>
+            </a:pPr>
+            <a:r>
+              <a:rPr lang="en-US" sz="5100" dirty="0"/>
+              <a:t>The Cure (88%)</a:t>
+            </a:r>
+          </a:p>
+          <a:p>
+            <a:pPr marL="342900" indent="-342900">
+              <a:buFont typeface="Arial" panose="020B0604020202020204" pitchFamily="34" charset="0"/>
+              <a:buChar char="•"/>
+            </a:pPr>
+            <a:endParaRPr lang="en-US" dirty="0"/>
+          </a:p>
+          <a:p>
+            <a:pPr marL="342900" indent="-342900" algn="l">
+              <a:buFont typeface="Arial" panose="020B0604020202020204" pitchFamily="34" charset="0"/>
+              <a:buChar char="•"/>
+            </a:pPr>
+            <a:endParaRPr lang="en-US" dirty="0"/>
+          </a:p>
+          <a:p>
+            <a:pPr marL="342900" indent="-342900" algn="l">
+              <a:buFont typeface="Arial" panose="020B0604020202020204" pitchFamily="34" charset="0"/>
+              <a:buChar char="•"/>
+            </a:pPr>
+            <a:endParaRPr lang="en-US" dirty="0"/>
+          </a:p>
+          <a:p>
+            <a:pPr marL="342900" indent="-342900" algn="l">
+              <a:buFont typeface="Arial" panose="020B0604020202020204" pitchFamily="34" charset="0"/>
+              <a:buChar char="•"/>
+            </a:pPr>
+            <a:endParaRPr lang="en-US" dirty="0"/>
+          </a:p>
+        </p:txBody>
+      </p:sp>
+      <p:pic>
+        <p:nvPicPr>
+          <p:cNvPr id="5" name="Picture 4">
+            <a:extLst>
+              <a:ext uri="{FF2B5EF4-FFF2-40B4-BE49-F238E27FC236}">
+                <a16:creationId xmlns:a16="http://schemas.microsoft.com/office/drawing/2014/main" id="{3AA4D6A2-7ABF-440E-9F1F-24D35E34D210}"/>
+              </a:ext>
+            </a:extLst>
+          </p:cNvPr>
+          <p:cNvPicPr>
+            <a:picLocks noChangeAspect="1"/>
+          </p:cNvPicPr>
+          <p:nvPr/>
+        </p:nvPicPr>
+        <p:blipFill>
+          <a:blip r:embed="rId2">
+            <a:extLst>
+              <a:ext uri="{28A0092B-C50C-407E-A947-70E740481C1C}">
+                <a14:useLocalDpi xmlns:a14="http://schemas.microsoft.com/office/drawing/2010/main" val="0"/>
+              </a:ext>
+            </a:extLst>
+          </a:blip>
+          <a:stretch>
+            <a:fillRect/>
+          </a:stretch>
+        </p:blipFill>
+        <p:spPr>
+          <a:xfrm>
+            <a:off x="181906" y="101037"/>
+            <a:ext cx="3517900" cy="2042651"/>
+          </a:xfrm>
+          <a:prstGeom prst="rect">
+            <a:avLst/>
+          </a:prstGeom>
+          <a:ln>
+            <a:noFill/>
+          </a:ln>
+          <a:effectLst>
+            <a:reflection blurRad="12700" stA="30000" endPos="30000" dist="5000" dir="5400000" sy="-100000" algn="bl" rotWithShape="0"/>
+          </a:effectLst>
+          <a:scene3d>
+            <a:camera prst="perspectiveContrastingLeftFacing">
+              <a:rot lat="300000" lon="19800000" rev="0"/>
+            </a:camera>
+            <a:lightRig rig="threePt" dir="t">
+              <a:rot lat="0" lon="0" rev="2700000"/>
+            </a:lightRig>
+          </a:scene3d>
+          <a:sp3d>
+            <a:bevelT w="63500" h="50800"/>
+          </a:sp3d>
+        </p:spPr>
+      </p:pic>
+    </p:spTree>
+    <p:extLst>
+      <p:ext uri="{BB962C8B-B14F-4D97-AF65-F5344CB8AC3E}">
+        <p14:creationId xmlns:p14="http://schemas.microsoft.com/office/powerpoint/2010/main" val="3318884355"/>
+      </p:ext>
+    </p:extLst>
+  </p:cSld>
+  <p:clrMapOvr>
+    <a:masterClrMapping/>
+  </p:clrMapOvr>
+  <mc:AlternateContent xmlns:mc="http://schemas.openxmlformats.org/markup-compatibility/2006" xmlns:p14="http://schemas.microsoft.com/office/powerpoint/2010/main">
+    <mc:Choice Requires="p14">
+      <p:transition spd="slow" p14:dur="800">
+        <p:circle/>
+      </p:transition>
+    </mc:Choice>
+    <mc:Fallback xmlns="">
+      <p:transition spd="slow">
+        <p:circle/>
+      </p:transition>
+    </mc:Fallback>
+  </mc:AlternateContent>
+  <p:timing>
+    <p:tnLst>
+      <p:par>
+        <p:cTn id="1" dur="indefinite" restart="never" nodeType="tmRoot">
+          <p:childTnLst>
+            <p:seq concurrent="1" nextAc="seek">
+              <p:cTn id="2" dur="indefinite" nodeType="mainSeq">
+                <p:childTnLst>
+                  <p:par>
+                    <p:cTn id="3" fill="hold">
+                      <p:stCondLst>
+                        <p:cond delay="indefinite"/>
+                      </p:stCondLst>
+                      <p:childTnLst>
+                        <p:par>
+                          <p:cTn id="4" fill="hold">
+                            <p:stCondLst>
+                              <p:cond delay="0"/>
+                            </p:stCondLst>
+                            <p:childTnLst>
+                              <p:par>
+                                <p:cTn id="5" presetID="2" presetClass="entr" presetSubtype="4" fill="hold" nodeType="clickEffect">
+                                  <p:stCondLst>
+                                    <p:cond delay="0"/>
+                                  </p:stCondLst>
+                                  <p:childTnLst>
+                                    <p:set>
+                                      <p:cBhvr>
+                                        <p:cTn id="6" dur="1" fill="hold">
+                                          <p:stCondLst>
+                                            <p:cond delay="0"/>
+                                          </p:stCondLst>
+                                        </p:cTn>
+                                        <p:tgtEl>
+                                          <p:spTgt spid="3">
+                                            <p:txEl>
+                                              <p:pRg st="0" end="0"/>
+                                            </p:txEl>
+                                          </p:spTgt>
+                                        </p:tgtEl>
+                                        <p:attrNameLst>
+                                          <p:attrName>style.visibility</p:attrName>
+                                        </p:attrNameLst>
+                                      </p:cBhvr>
+                                      <p:to>
+                                        <p:strVal val="visible"/>
+                                      </p:to>
+                                    </p:set>
+                                    <p:anim calcmode="lin" valueType="num">
+                                      <p:cBhvr additive="base">
+                                        <p:cTn id="7" dur="500" fill="hold"/>
+                                        <p:tgtEl>
+                                          <p:spTgt spid="3">
+                                            <p:txEl>
+                                              <p:pRg st="0" end="0"/>
+                                            </p:txEl>
+                                          </p:spTgt>
+                                        </p:tgtEl>
+                                        <p:attrNameLst>
+                                          <p:attrName>ppt_x</p:attrName>
+                                        </p:attrNameLst>
+                                      </p:cBhvr>
+                                      <p:tavLst>
+                                        <p:tav tm="0">
+                                          <p:val>
+                                            <p:strVal val="#ppt_x"/>
+                                          </p:val>
+                                        </p:tav>
+                                        <p:tav tm="100000">
+                                          <p:val>
+                                            <p:strVal val="#ppt_x"/>
+                                          </p:val>
+                                        </p:tav>
+                                      </p:tavLst>
+                                    </p:anim>
+                                    <p:anim calcmode="lin" valueType="num">
+                                      <p:cBhvr additive="base">
+                                        <p:cTn id="8" dur="500" fill="hold"/>
+                                        <p:tgtEl>
+                                          <p:spTgt spid="3">
+                                            <p:txEl>
+                                              <p:pRg st="0" end="0"/>
+                                            </p:txEl>
+                                          </p:spTgt>
+                                        </p:tgtEl>
+                                        <p:attrNameLst>
+                                          <p:attrName>ppt_y</p:attrName>
+                                        </p:attrNameLst>
+                                      </p:cBhvr>
+                                      <p:tavLst>
+                                        <p:tav tm="0">
+                                          <p:val>
+                                            <p:strVal val="1+#ppt_h/2"/>
+                                          </p:val>
+                                        </p:tav>
+                                        <p:tav tm="100000">
+                                          <p:val>
+                                            <p:strVal val="#ppt_y"/>
+                                          </p:val>
+                                        </p:tav>
+                                      </p:tavLst>
+                                    </p:anim>
+                                  </p:childTnLst>
+                                </p:cTn>
+                              </p:par>
+                              <p:par>
+                                <p:cTn id="9" presetID="2" presetClass="entr" presetSubtype="4" fill="hold" nodeType="withEffect">
+                                  <p:stCondLst>
+                                    <p:cond delay="0"/>
+                                  </p:stCondLst>
+                                  <p:childTnLst>
+                                    <p:set>
+                                      <p:cBhvr>
+                                        <p:cTn id="10" dur="1" fill="hold">
+                                          <p:stCondLst>
+                                            <p:cond delay="0"/>
+                                          </p:stCondLst>
+                                        </p:cTn>
+                                        <p:tgtEl>
+                                          <p:spTgt spid="3">
+                                            <p:txEl>
+                                              <p:pRg st="1" end="1"/>
+                                            </p:txEl>
+                                          </p:spTgt>
+                                        </p:tgtEl>
+                                        <p:attrNameLst>
+                                          <p:attrName>style.visibility</p:attrName>
+                                        </p:attrNameLst>
+                                      </p:cBhvr>
+                                      <p:to>
+                                        <p:strVal val="visible"/>
+                                      </p:to>
+                                    </p:set>
+                                    <p:anim calcmode="lin" valueType="num">
+                                      <p:cBhvr additive="base">
+                                        <p:cTn id="11" dur="500" fill="hold"/>
+                                        <p:tgtEl>
+                                          <p:spTgt spid="3">
+                                            <p:txEl>
+                                              <p:pRg st="1" end="1"/>
+                                            </p:txEl>
+                                          </p:spTgt>
+                                        </p:tgtEl>
+                                        <p:attrNameLst>
+                                          <p:attrName>ppt_x</p:attrName>
+                                        </p:attrNameLst>
+                                      </p:cBhvr>
+                                      <p:tavLst>
+                                        <p:tav tm="0">
+                                          <p:val>
+                                            <p:strVal val="#ppt_x"/>
+                                          </p:val>
+                                        </p:tav>
+                                        <p:tav tm="100000">
+                                          <p:val>
+                                            <p:strVal val="#ppt_x"/>
+                                          </p:val>
+                                        </p:tav>
+                                      </p:tavLst>
+                                    </p:anim>
+                                    <p:anim calcmode="lin" valueType="num">
+                                      <p:cBhvr additive="base">
+                                        <p:cTn id="12" dur="500" fill="hold"/>
+                                        <p:tgtEl>
+                                          <p:spTgt spid="3">
+                                            <p:txEl>
+                                              <p:pRg st="1" end="1"/>
+                                            </p:txEl>
+                                          </p:spTgt>
+                                        </p:tgtEl>
+                                        <p:attrNameLst>
+                                          <p:attrName>ppt_y</p:attrName>
+                                        </p:attrNameLst>
+                                      </p:cBhvr>
+                                      <p:tavLst>
+                                        <p:tav tm="0">
+                                          <p:val>
+                                            <p:strVal val="1+#ppt_h/2"/>
+                                          </p:val>
+                                        </p:tav>
+                                        <p:tav tm="100000">
+                                          <p:val>
+                                            <p:strVal val="#ppt_y"/>
+                                          </p:val>
+                                        </p:tav>
+                                      </p:tavLst>
+                                    </p:anim>
+                                  </p:childTnLst>
+                                </p:cTn>
+                              </p:par>
+                              <p:par>
+                                <p:cTn id="13" presetID="2" presetClass="entr" presetSubtype="4" fill="hold" nodeType="withEffect">
+                                  <p:stCondLst>
+                                    <p:cond delay="0"/>
+                                  </p:stCondLst>
+                                  <p:childTnLst>
+                                    <p:set>
+                                      <p:cBhvr>
+                                        <p:cTn id="14" dur="1" fill="hold">
+                                          <p:stCondLst>
+                                            <p:cond delay="0"/>
+                                          </p:stCondLst>
+                                        </p:cTn>
+                                        <p:tgtEl>
+                                          <p:spTgt spid="3">
+                                            <p:txEl>
+                                              <p:pRg st="2" end="2"/>
+                                            </p:txEl>
+                                          </p:spTgt>
+                                        </p:tgtEl>
+                                        <p:attrNameLst>
+                                          <p:attrName>style.visibility</p:attrName>
+                                        </p:attrNameLst>
+                                      </p:cBhvr>
+                                      <p:to>
+                                        <p:strVal val="visible"/>
+                                      </p:to>
+                                    </p:set>
+                                    <p:anim calcmode="lin" valueType="num">
+                                      <p:cBhvr additive="base">
+                                        <p:cTn id="15" dur="500" fill="hold"/>
+                                        <p:tgtEl>
+                                          <p:spTgt spid="3">
+                                            <p:txEl>
+                                              <p:pRg st="2" end="2"/>
+                                            </p:txEl>
+                                          </p:spTgt>
+                                        </p:tgtEl>
+                                        <p:attrNameLst>
+                                          <p:attrName>ppt_x</p:attrName>
+                                        </p:attrNameLst>
+                                      </p:cBhvr>
+                                      <p:tavLst>
+                                        <p:tav tm="0">
+                                          <p:val>
+                                            <p:strVal val="#ppt_x"/>
+                                          </p:val>
+                                        </p:tav>
+                                        <p:tav tm="100000">
+                                          <p:val>
+                                            <p:strVal val="#ppt_x"/>
+                                          </p:val>
+                                        </p:tav>
+                                      </p:tavLst>
+                                    </p:anim>
+                                    <p:anim calcmode="lin" valueType="num">
+                                      <p:cBhvr additive="base">
+                                        <p:cTn id="16" dur="500" fill="hold"/>
+                                        <p:tgtEl>
+                                          <p:spTgt spid="3">
+                                            <p:txEl>
+                                              <p:pRg st="2" end="2"/>
+                                            </p:txEl>
+                                          </p:spTgt>
+                                        </p:tgtEl>
+                                        <p:attrNameLst>
+                                          <p:attrName>ppt_y</p:attrName>
+                                        </p:attrNameLst>
+                                      </p:cBhvr>
+                                      <p:tavLst>
+                                        <p:tav tm="0">
+                                          <p:val>
+                                            <p:strVal val="1+#ppt_h/2"/>
+                                          </p:val>
+                                        </p:tav>
+                                        <p:tav tm="100000">
+                                          <p:val>
+                                            <p:strVal val="#ppt_y"/>
+                                          </p:val>
+                                        </p:tav>
+                                      </p:tavLst>
+                                    </p:anim>
+                                  </p:childTnLst>
+                                </p:cTn>
+                              </p:par>
+                              <p:par>
+                                <p:cTn id="17" presetID="2" presetClass="entr" presetSubtype="4" fill="hold" nodeType="withEffect">
+                                  <p:stCondLst>
+                                    <p:cond delay="0"/>
+                                  </p:stCondLst>
+                                  <p:childTnLst>
+                                    <p:set>
+                                      <p:cBhvr>
+                                        <p:cTn id="18" dur="1" fill="hold">
+                                          <p:stCondLst>
+                                            <p:cond delay="0"/>
+                                          </p:stCondLst>
+                                        </p:cTn>
+                                        <p:tgtEl>
+                                          <p:spTgt spid="3">
+                                            <p:txEl>
+                                              <p:pRg st="3" end="3"/>
+                                            </p:txEl>
+                                          </p:spTgt>
+                                        </p:tgtEl>
+                                        <p:attrNameLst>
+                                          <p:attrName>style.visibility</p:attrName>
+                                        </p:attrNameLst>
+                                      </p:cBhvr>
+                                      <p:to>
+                                        <p:strVal val="visible"/>
+                                      </p:to>
+                                    </p:set>
+                                    <p:anim calcmode="lin" valueType="num">
+                                      <p:cBhvr additive="base">
+                                        <p:cTn id="19" dur="500" fill="hold"/>
+                                        <p:tgtEl>
+                                          <p:spTgt spid="3">
+                                            <p:txEl>
+                                              <p:pRg st="3" end="3"/>
+                                            </p:txEl>
+                                          </p:spTgt>
+                                        </p:tgtEl>
+                                        <p:attrNameLst>
+                                          <p:attrName>ppt_x</p:attrName>
+                                        </p:attrNameLst>
+                                      </p:cBhvr>
+                                      <p:tavLst>
+                                        <p:tav tm="0">
+                                          <p:val>
+                                            <p:strVal val="#ppt_x"/>
+                                          </p:val>
+                                        </p:tav>
+                                        <p:tav tm="100000">
+                                          <p:val>
+                                            <p:strVal val="#ppt_x"/>
+                                          </p:val>
+                                        </p:tav>
+                                      </p:tavLst>
+                                    </p:anim>
+                                    <p:anim calcmode="lin" valueType="num">
+                                      <p:cBhvr additive="base">
+                                        <p:cTn id="20" dur="500" fill="hold"/>
+                                        <p:tgtEl>
+                                          <p:spTgt spid="3">
+                                            <p:txEl>
+                                              <p:pRg st="3" end="3"/>
+                                            </p:txEl>
+                                          </p:spTgt>
+                                        </p:tgtEl>
+                                        <p:attrNameLst>
+                                          <p:attrName>ppt_y</p:attrName>
+                                        </p:attrNameLst>
+                                      </p:cBhvr>
+                                      <p:tavLst>
+                                        <p:tav tm="0">
+                                          <p:val>
+                                            <p:strVal val="1+#ppt_h/2"/>
+                                          </p:val>
+                                        </p:tav>
+                                        <p:tav tm="100000">
+                                          <p:val>
+                                            <p:strVal val="#ppt_y"/>
+                                          </p:val>
+                                        </p:tav>
+                                      </p:tavLst>
+                                    </p:anim>
+                                  </p:childTnLst>
+                                </p:cTn>
+                              </p:par>
+                              <p:par>
+                                <p:cTn id="21" presetID="2" presetClass="entr" presetSubtype="4" fill="hold" nodeType="withEffect">
+                                  <p:stCondLst>
+                                    <p:cond delay="0"/>
+                                  </p:stCondLst>
+                                  <p:childTnLst>
+                                    <p:set>
+                                      <p:cBhvr>
+                                        <p:cTn id="22" dur="1" fill="hold">
+                                          <p:stCondLst>
+                                            <p:cond delay="0"/>
+                                          </p:stCondLst>
+                                        </p:cTn>
+                                        <p:tgtEl>
+                                          <p:spTgt spid="3">
+                                            <p:txEl>
+                                              <p:pRg st="4" end="4"/>
+                                            </p:txEl>
+                                          </p:spTgt>
+                                        </p:tgtEl>
+                                        <p:attrNameLst>
+                                          <p:attrName>style.visibility</p:attrName>
+                                        </p:attrNameLst>
+                                      </p:cBhvr>
+                                      <p:to>
+                                        <p:strVal val="visible"/>
+                                      </p:to>
+                                    </p:set>
+                                    <p:anim calcmode="lin" valueType="num">
+                                      <p:cBhvr additive="base">
+                                        <p:cTn id="23" dur="500" fill="hold"/>
+                                        <p:tgtEl>
+                                          <p:spTgt spid="3">
+                                            <p:txEl>
+                                              <p:pRg st="4" end="4"/>
+                                            </p:txEl>
+                                          </p:spTgt>
+                                        </p:tgtEl>
+                                        <p:attrNameLst>
+                                          <p:attrName>ppt_x</p:attrName>
+                                        </p:attrNameLst>
+                                      </p:cBhvr>
+                                      <p:tavLst>
+                                        <p:tav tm="0">
+                                          <p:val>
+                                            <p:strVal val="#ppt_x"/>
+                                          </p:val>
+                                        </p:tav>
+                                        <p:tav tm="100000">
+                                          <p:val>
+                                            <p:strVal val="#ppt_x"/>
+                                          </p:val>
+                                        </p:tav>
+                                      </p:tavLst>
+                                    </p:anim>
+                                    <p:anim calcmode="lin" valueType="num">
+                                      <p:cBhvr additive="base">
+                                        <p:cTn id="24" dur="500" fill="hold"/>
+                                        <p:tgtEl>
+                                          <p:spTgt spid="3">
+                                            <p:txEl>
+                                              <p:pRg st="4" end="4"/>
+                                            </p:txEl>
+                                          </p:spTgt>
+                                        </p:tgtEl>
+                                        <p:attrNameLst>
+                                          <p:attrName>ppt_y</p:attrName>
+                                        </p:attrNameLst>
+                                      </p:cBhvr>
+                                      <p:tavLst>
+                                        <p:tav tm="0">
+                                          <p:val>
+                                            <p:strVal val="1+#ppt_h/2"/>
+                                          </p:val>
+                                        </p:tav>
+                                        <p:tav tm="100000">
+                                          <p:val>
+                                            <p:strVal val="#ppt_y"/>
+                                          </p:val>
+                                        </p:tav>
+                                      </p:tavLst>
+                                    </p:anim>
+                                  </p:childTnLst>
+                                </p:cTn>
+                              </p:par>
+                              <p:par>
+                                <p:cTn id="25" presetID="2" presetClass="entr" presetSubtype="4" fill="hold" nodeType="withEffect">
+                                  <p:stCondLst>
+                                    <p:cond delay="0"/>
+                                  </p:stCondLst>
+                                  <p:childTnLst>
+                                    <p:set>
+                                      <p:cBhvr>
+                                        <p:cTn id="26" dur="1" fill="hold">
+                                          <p:stCondLst>
+                                            <p:cond delay="0"/>
+                                          </p:stCondLst>
+                                        </p:cTn>
+                                        <p:tgtEl>
+                                          <p:spTgt spid="3">
+                                            <p:txEl>
+                                              <p:pRg st="5" end="5"/>
+                                            </p:txEl>
+                                          </p:spTgt>
+                                        </p:tgtEl>
+                                        <p:attrNameLst>
+                                          <p:attrName>style.visibility</p:attrName>
+                                        </p:attrNameLst>
+                                      </p:cBhvr>
+                                      <p:to>
+                                        <p:strVal val="visible"/>
+                                      </p:to>
+                                    </p:set>
+                                    <p:anim calcmode="lin" valueType="num">
+                                      <p:cBhvr additive="base">
+                                        <p:cTn id="27" dur="500" fill="hold"/>
+                                        <p:tgtEl>
+                                          <p:spTgt spid="3">
+                                            <p:txEl>
+                                              <p:pRg st="5" end="5"/>
+                                            </p:txEl>
+                                          </p:spTgt>
+                                        </p:tgtEl>
+                                        <p:attrNameLst>
+                                          <p:attrName>ppt_x</p:attrName>
+                                        </p:attrNameLst>
+                                      </p:cBhvr>
+                                      <p:tavLst>
+                                        <p:tav tm="0">
+                                          <p:val>
+                                            <p:strVal val="#ppt_x"/>
+                                          </p:val>
+                                        </p:tav>
+                                        <p:tav tm="100000">
+                                          <p:val>
+                                            <p:strVal val="#ppt_x"/>
+                                          </p:val>
+                                        </p:tav>
+                                      </p:tavLst>
+                                    </p:anim>
+                                    <p:anim calcmode="lin" valueType="num">
+                                      <p:cBhvr additive="base">
+                                        <p:cTn id="28" dur="500" fill="hold"/>
+                                        <p:tgtEl>
+                                          <p:spTgt spid="3">
+                                            <p:txEl>
+                                              <p:pRg st="5" end="5"/>
+                                            </p:txEl>
+                                          </p:spTgt>
+                                        </p:tgtEl>
+                                        <p:attrNameLst>
+                                          <p:attrName>ppt_y</p:attrName>
+                                        </p:attrNameLst>
+                                      </p:cBhvr>
+                                      <p:tavLst>
+                                        <p:tav tm="0">
+                                          <p:val>
+                                            <p:strVal val="1+#ppt_h/2"/>
+                                          </p:val>
+                                        </p:tav>
+                                        <p:tav tm="100000">
+                                          <p:val>
+                                            <p:strVal val="#ppt_y"/>
+                                          </p:val>
+                                        </p:tav>
+                                      </p:tavLst>
+                                    </p:anim>
+                                  </p:childTnLst>
+                                </p:cTn>
+                              </p:par>
+                            </p:childTnLst>
+                          </p:cTn>
+                        </p:par>
+                      </p:childTnLst>
+                    </p:cTn>
+                  </p:par>
+                  <p:par>
+                    <p:cTn id="29" fill="hold">
+                      <p:stCondLst>
+                        <p:cond delay="indefinite"/>
+                      </p:stCondLst>
+                      <p:childTnLst>
+                        <p:par>
+                          <p:cTn id="30" fill="hold">
+                            <p:stCondLst>
+                              <p:cond delay="0"/>
+                            </p:stCondLst>
+                            <p:childTnLst>
+                              <p:par>
+                                <p:cTn id="31" presetID="2" presetClass="entr" presetSubtype="4" fill="hold" nodeType="clickEffect">
+                                  <p:stCondLst>
+                                    <p:cond delay="0"/>
+                                  </p:stCondLst>
+                                  <p:childTnLst>
+                                    <p:set>
+                                      <p:cBhvr>
+                                        <p:cTn id="32" dur="1" fill="hold">
+                                          <p:stCondLst>
+                                            <p:cond delay="0"/>
+                                          </p:stCondLst>
+                                        </p:cTn>
+                                        <p:tgtEl>
+                                          <p:spTgt spid="3">
+                                            <p:txEl>
+                                              <p:pRg st="9" end="9"/>
+                                            </p:txEl>
+                                          </p:spTgt>
+                                        </p:tgtEl>
+                                        <p:attrNameLst>
+                                          <p:attrName>style.visibility</p:attrName>
+                                        </p:attrNameLst>
+                                      </p:cBhvr>
+                                      <p:to>
+                                        <p:strVal val="visible"/>
+                                      </p:to>
+                                    </p:set>
+                                    <p:anim calcmode="lin" valueType="num">
+                                      <p:cBhvr additive="base">
+                                        <p:cTn id="33" dur="500" fill="hold"/>
+                                        <p:tgtEl>
+                                          <p:spTgt spid="3">
+                                            <p:txEl>
+                                              <p:pRg st="9" end="9"/>
+                                            </p:txEl>
+                                          </p:spTgt>
+                                        </p:tgtEl>
+                                        <p:attrNameLst>
+                                          <p:attrName>ppt_x</p:attrName>
+                                        </p:attrNameLst>
+                                      </p:cBhvr>
+                                      <p:tavLst>
+                                        <p:tav tm="0">
+                                          <p:val>
+                                            <p:strVal val="#ppt_x"/>
+                                          </p:val>
+                                        </p:tav>
+                                        <p:tav tm="100000">
+                                          <p:val>
+                                            <p:strVal val="#ppt_x"/>
+                                          </p:val>
+                                        </p:tav>
+                                      </p:tavLst>
+                                    </p:anim>
+                                    <p:anim calcmode="lin" valueType="num">
+                                      <p:cBhvr additive="base">
+                                        <p:cTn id="34" dur="500" fill="hold"/>
+                                        <p:tgtEl>
+                                          <p:spTgt spid="3">
+                                            <p:txEl>
+                                              <p:pRg st="9" end="9"/>
+                                            </p:txEl>
+                                          </p:spTgt>
+                                        </p:tgtEl>
+                                        <p:attrNameLst>
+                                          <p:attrName>ppt_y</p:attrName>
+                                        </p:attrNameLst>
+                                      </p:cBhvr>
+                                      <p:tavLst>
+                                        <p:tav tm="0">
+                                          <p:val>
+                                            <p:strVal val="1+#ppt_h/2"/>
+                                          </p:val>
+                                        </p:tav>
+                                        <p:tav tm="100000">
+                                          <p:val>
+                                            <p:strVal val="#ppt_y"/>
+                                          </p:val>
+                                        </p:tav>
+                                      </p:tavLst>
+                                    </p:anim>
+                                  </p:childTnLst>
+                                </p:cTn>
+                              </p:par>
+                              <p:par>
+                                <p:cTn id="35" presetID="2" presetClass="entr" presetSubtype="4" fill="hold" nodeType="withEffect">
+                                  <p:stCondLst>
+                                    <p:cond delay="0"/>
+                                  </p:stCondLst>
+                                  <p:childTnLst>
+                                    <p:set>
+                                      <p:cBhvr>
+                                        <p:cTn id="36" dur="1" fill="hold">
+                                          <p:stCondLst>
+                                            <p:cond delay="0"/>
+                                          </p:stCondLst>
+                                        </p:cTn>
+                                        <p:tgtEl>
+                                          <p:spTgt spid="3">
+                                            <p:txEl>
+                                              <p:pRg st="10" end="10"/>
+                                            </p:txEl>
+                                          </p:spTgt>
+                                        </p:tgtEl>
+                                        <p:attrNameLst>
+                                          <p:attrName>style.visibility</p:attrName>
+                                        </p:attrNameLst>
+                                      </p:cBhvr>
+                                      <p:to>
+                                        <p:strVal val="visible"/>
+                                      </p:to>
+                                    </p:set>
+                                    <p:anim calcmode="lin" valueType="num">
+                                      <p:cBhvr additive="base">
+                                        <p:cTn id="37" dur="500" fill="hold"/>
+                                        <p:tgtEl>
+                                          <p:spTgt spid="3">
+                                            <p:txEl>
+                                              <p:pRg st="10" end="10"/>
+                                            </p:txEl>
+                                          </p:spTgt>
+                                        </p:tgtEl>
+                                        <p:attrNameLst>
+                                          <p:attrName>ppt_x</p:attrName>
+                                        </p:attrNameLst>
+                                      </p:cBhvr>
+                                      <p:tavLst>
+                                        <p:tav tm="0">
+                                          <p:val>
+                                            <p:strVal val="#ppt_x"/>
+                                          </p:val>
+                                        </p:tav>
+                                        <p:tav tm="100000">
+                                          <p:val>
+                                            <p:strVal val="#ppt_x"/>
+                                          </p:val>
+                                        </p:tav>
+                                      </p:tavLst>
+                                    </p:anim>
+                                    <p:anim calcmode="lin" valueType="num">
+                                      <p:cBhvr additive="base">
+                                        <p:cTn id="38" dur="500" fill="hold"/>
+                                        <p:tgtEl>
+                                          <p:spTgt spid="3">
+                                            <p:txEl>
+                                              <p:pRg st="10" end="10"/>
+                                            </p:txEl>
+                                          </p:spTgt>
+                                        </p:tgtEl>
+                                        <p:attrNameLst>
+                                          <p:attrName>ppt_y</p:attrName>
+                                        </p:attrNameLst>
+                                      </p:cBhvr>
+                                      <p:tavLst>
+                                        <p:tav tm="0">
+                                          <p:val>
+                                            <p:strVal val="1+#ppt_h/2"/>
+                                          </p:val>
+                                        </p:tav>
+                                        <p:tav tm="100000">
+                                          <p:val>
+                                            <p:strVal val="#ppt_y"/>
+                                          </p:val>
+                                        </p:tav>
+                                      </p:tavLst>
+                                    </p:anim>
+                                  </p:childTnLst>
+                                </p:cTn>
+                              </p:par>
+                              <p:par>
+                                <p:cTn id="39" presetID="2" presetClass="entr" presetSubtype="4" fill="hold" nodeType="withEffect">
+                                  <p:stCondLst>
+                                    <p:cond delay="0"/>
+                                  </p:stCondLst>
+                                  <p:childTnLst>
+                                    <p:set>
+                                      <p:cBhvr>
+                                        <p:cTn id="40" dur="1" fill="hold">
+                                          <p:stCondLst>
+                                            <p:cond delay="0"/>
+                                          </p:stCondLst>
+                                        </p:cTn>
+                                        <p:tgtEl>
+                                          <p:spTgt spid="3">
+                                            <p:txEl>
+                                              <p:pRg st="11" end="11"/>
+                                            </p:txEl>
+                                          </p:spTgt>
+                                        </p:tgtEl>
+                                        <p:attrNameLst>
+                                          <p:attrName>style.visibility</p:attrName>
+                                        </p:attrNameLst>
+                                      </p:cBhvr>
+                                      <p:to>
+                                        <p:strVal val="visible"/>
+                                      </p:to>
+                                    </p:set>
+                                    <p:anim calcmode="lin" valueType="num">
+                                      <p:cBhvr additive="base">
+                                        <p:cTn id="41" dur="500" fill="hold"/>
+                                        <p:tgtEl>
+                                          <p:spTgt spid="3">
+                                            <p:txEl>
+                                              <p:pRg st="11" end="11"/>
+                                            </p:txEl>
+                                          </p:spTgt>
+                                        </p:tgtEl>
+                                        <p:attrNameLst>
+                                          <p:attrName>ppt_x</p:attrName>
+                                        </p:attrNameLst>
+                                      </p:cBhvr>
+                                      <p:tavLst>
+                                        <p:tav tm="0">
+                                          <p:val>
+                                            <p:strVal val="#ppt_x"/>
+                                          </p:val>
+                                        </p:tav>
+                                        <p:tav tm="100000">
+                                          <p:val>
+                                            <p:strVal val="#ppt_x"/>
+                                          </p:val>
+                                        </p:tav>
+                                      </p:tavLst>
+                                    </p:anim>
+                                    <p:anim calcmode="lin" valueType="num">
+                                      <p:cBhvr additive="base">
+                                        <p:cTn id="42" dur="500" fill="hold"/>
+                                        <p:tgtEl>
+                                          <p:spTgt spid="3">
+                                            <p:txEl>
+                                              <p:pRg st="11" end="11"/>
+                                            </p:txEl>
+                                          </p:spTgt>
+                                        </p:tgtEl>
+                                        <p:attrNameLst>
+                                          <p:attrName>ppt_y</p:attrName>
+                                        </p:attrNameLst>
+                                      </p:cBhvr>
+                                      <p:tavLst>
+                                        <p:tav tm="0">
+                                          <p:val>
+                                            <p:strVal val="1+#ppt_h/2"/>
+                                          </p:val>
+                                        </p:tav>
+                                        <p:tav tm="100000">
+                                          <p:val>
+                                            <p:strVal val="#ppt_y"/>
+                                          </p:val>
+                                        </p:tav>
+                                      </p:tavLst>
+                                    </p:anim>
+                                  </p:childTnLst>
+                                </p:cTn>
+                              </p:par>
+                              <p:par>
+                                <p:cTn id="43" presetID="2" presetClass="entr" presetSubtype="4" fill="hold" nodeType="withEffect">
+                                  <p:stCondLst>
+                                    <p:cond delay="0"/>
+                                  </p:stCondLst>
+                                  <p:childTnLst>
+                                    <p:set>
+                                      <p:cBhvr>
+                                        <p:cTn id="44" dur="1" fill="hold">
+                                          <p:stCondLst>
+                                            <p:cond delay="0"/>
+                                          </p:stCondLst>
+                                        </p:cTn>
+                                        <p:tgtEl>
+                                          <p:spTgt spid="3">
+                                            <p:txEl>
+                                              <p:pRg st="12" end="12"/>
+                                            </p:txEl>
+                                          </p:spTgt>
+                                        </p:tgtEl>
+                                        <p:attrNameLst>
+                                          <p:attrName>style.visibility</p:attrName>
+                                        </p:attrNameLst>
+                                      </p:cBhvr>
+                                      <p:to>
+                                        <p:strVal val="visible"/>
+                                      </p:to>
+                                    </p:set>
+                                    <p:anim calcmode="lin" valueType="num">
+                                      <p:cBhvr additive="base">
+                                        <p:cTn id="45" dur="500" fill="hold"/>
+                                        <p:tgtEl>
+                                          <p:spTgt spid="3">
+                                            <p:txEl>
+                                              <p:pRg st="12" end="12"/>
+                                            </p:txEl>
+                                          </p:spTgt>
+                                        </p:tgtEl>
+                                        <p:attrNameLst>
+                                          <p:attrName>ppt_x</p:attrName>
+                                        </p:attrNameLst>
+                                      </p:cBhvr>
+                                      <p:tavLst>
+                                        <p:tav tm="0">
+                                          <p:val>
+                                            <p:strVal val="#ppt_x"/>
+                                          </p:val>
+                                        </p:tav>
+                                        <p:tav tm="100000">
+                                          <p:val>
+                                            <p:strVal val="#ppt_x"/>
+                                          </p:val>
+                                        </p:tav>
+                                      </p:tavLst>
+                                    </p:anim>
+                                    <p:anim calcmode="lin" valueType="num">
+                                      <p:cBhvr additive="base">
+                                        <p:cTn id="46" dur="500" fill="hold"/>
+                                        <p:tgtEl>
+                                          <p:spTgt spid="3">
+                                            <p:txEl>
+                                              <p:pRg st="12" end="12"/>
+                                            </p:txEl>
+                                          </p:spTgt>
+                                        </p:tgtEl>
+                                        <p:attrNameLst>
+                                          <p:attrName>ppt_y</p:attrName>
+                                        </p:attrNameLst>
+                                      </p:cBhvr>
+                                      <p:tavLst>
+                                        <p:tav tm="0">
+                                          <p:val>
+                                            <p:strVal val="1+#ppt_h/2"/>
+                                          </p:val>
+                                        </p:tav>
+                                        <p:tav tm="100000">
+                                          <p:val>
+                                            <p:strVal val="#ppt_y"/>
+                                          </p:val>
+                                        </p:tav>
+                                      </p:tavLst>
+                                    </p:anim>
+                                  </p:childTnLst>
+                                </p:cTn>
+                              </p:par>
+                              <p:par>
+                                <p:cTn id="47" presetID="2" presetClass="entr" presetSubtype="4" fill="hold" nodeType="withEffect">
+                                  <p:stCondLst>
+                                    <p:cond delay="0"/>
+                                  </p:stCondLst>
+                                  <p:childTnLst>
+                                    <p:set>
+                                      <p:cBhvr>
+                                        <p:cTn id="48" dur="1" fill="hold">
+                                          <p:stCondLst>
+                                            <p:cond delay="0"/>
+                                          </p:stCondLst>
+                                        </p:cTn>
+                                        <p:tgtEl>
+                                          <p:spTgt spid="3">
+                                            <p:txEl>
+                                              <p:pRg st="13" end="13"/>
+                                            </p:txEl>
+                                          </p:spTgt>
+                                        </p:tgtEl>
+                                        <p:attrNameLst>
+                                          <p:attrName>style.visibility</p:attrName>
+                                        </p:attrNameLst>
+                                      </p:cBhvr>
+                                      <p:to>
+                                        <p:strVal val="visible"/>
+                                      </p:to>
+                                    </p:set>
+                                    <p:anim calcmode="lin" valueType="num">
+                                      <p:cBhvr additive="base">
+                                        <p:cTn id="49" dur="500" fill="hold"/>
+                                        <p:tgtEl>
+                                          <p:spTgt spid="3">
+                                            <p:txEl>
+                                              <p:pRg st="13" end="13"/>
+                                            </p:txEl>
+                                          </p:spTgt>
+                                        </p:tgtEl>
+                                        <p:attrNameLst>
+                                          <p:attrName>ppt_x</p:attrName>
+                                        </p:attrNameLst>
+                                      </p:cBhvr>
+                                      <p:tavLst>
+                                        <p:tav tm="0">
+                                          <p:val>
+                                            <p:strVal val="#ppt_x"/>
+                                          </p:val>
+                                        </p:tav>
+                                        <p:tav tm="100000">
+                                          <p:val>
+                                            <p:strVal val="#ppt_x"/>
+                                          </p:val>
+                                        </p:tav>
+                                      </p:tavLst>
+                                    </p:anim>
+                                    <p:anim calcmode="lin" valueType="num">
+                                      <p:cBhvr additive="base">
+                                        <p:cTn id="50" dur="500" fill="hold"/>
+                                        <p:tgtEl>
+                                          <p:spTgt spid="3">
+                                            <p:txEl>
+                                              <p:pRg st="13" end="13"/>
+                                            </p:txEl>
+                                          </p:spTgt>
+                                        </p:tgtEl>
+                                        <p:attrNameLst>
+                                          <p:attrName>ppt_y</p:attrName>
+                                        </p:attrNameLst>
+                                      </p:cBhvr>
+                                      <p:tavLst>
+                                        <p:tav tm="0">
+                                          <p:val>
+                                            <p:strVal val="1+#ppt_h/2"/>
+                                          </p:val>
+                                        </p:tav>
+                                        <p:tav tm="100000">
+                                          <p:val>
+                                            <p:strVal val="#ppt_y"/>
+                                          </p:val>
+                                        </p:tav>
+                                      </p:tavLst>
+                                    </p:anim>
+                                  </p:childTnLst>
+                                </p:cTn>
+                              </p:par>
+                              <p:par>
+                                <p:cTn id="51" presetID="2" presetClass="entr" presetSubtype="4" fill="hold" nodeType="withEffect">
+                                  <p:stCondLst>
+                                    <p:cond delay="0"/>
+                                  </p:stCondLst>
+                                  <p:childTnLst>
+                                    <p:set>
+                                      <p:cBhvr>
+                                        <p:cTn id="52" dur="1" fill="hold">
+                                          <p:stCondLst>
+                                            <p:cond delay="0"/>
+                                          </p:stCondLst>
+                                        </p:cTn>
+                                        <p:tgtEl>
+                                          <p:spTgt spid="3">
+                                            <p:txEl>
+                                              <p:pRg st="14" end="14"/>
+                                            </p:txEl>
+                                          </p:spTgt>
+                                        </p:tgtEl>
+                                        <p:attrNameLst>
+                                          <p:attrName>style.visibility</p:attrName>
+                                        </p:attrNameLst>
+                                      </p:cBhvr>
+                                      <p:to>
+                                        <p:strVal val="visible"/>
+                                      </p:to>
+                                    </p:set>
+                                    <p:anim calcmode="lin" valueType="num">
+                                      <p:cBhvr additive="base">
+                                        <p:cTn id="53" dur="500" fill="hold"/>
+                                        <p:tgtEl>
+                                          <p:spTgt spid="3">
+                                            <p:txEl>
+                                              <p:pRg st="14" end="14"/>
+                                            </p:txEl>
+                                          </p:spTgt>
+                                        </p:tgtEl>
+                                        <p:attrNameLst>
+                                          <p:attrName>ppt_x</p:attrName>
+                                        </p:attrNameLst>
+                                      </p:cBhvr>
+                                      <p:tavLst>
+                                        <p:tav tm="0">
+                                          <p:val>
+                                            <p:strVal val="#ppt_x"/>
+                                          </p:val>
+                                        </p:tav>
+                                        <p:tav tm="100000">
+                                          <p:val>
+                                            <p:strVal val="#ppt_x"/>
+                                          </p:val>
+                                        </p:tav>
+                                      </p:tavLst>
+                                    </p:anim>
+                                    <p:anim calcmode="lin" valueType="num">
+                                      <p:cBhvr additive="base">
+                                        <p:cTn id="54" dur="500" fill="hold"/>
+                                        <p:tgtEl>
+                                          <p:spTgt spid="3">
+                                            <p:txEl>
+                                              <p:pRg st="14" end="14"/>
+                                            </p:txEl>
+                                          </p:spTgt>
+                                        </p:tgtEl>
+                                        <p:attrNameLst>
+                                          <p:attrName>ppt_y</p:attrName>
+                                        </p:attrNameLst>
+                                      </p:cBhvr>
+                                      <p:tavLst>
+                                        <p:tav tm="0">
+                                          <p:val>
+                                            <p:strVal val="1+#ppt_h/2"/>
+                                          </p:val>
+                                        </p:tav>
+                                        <p:tav tm="100000">
+                                          <p:val>
+                                            <p:strVal val="#ppt_y"/>
+                                          </p:val>
+                                        </p:tav>
+                                      </p:tavLst>
+                                    </p:anim>
+                                  </p:childTnLst>
+                                </p:cTn>
+                              </p:par>
+                            </p:childTnLst>
+                          </p:cTn>
+                        </p:par>
+                      </p:childTnLst>
+                    </p:cTn>
+                  </p:par>
+                  <p:par>
+                    <p:cTn id="55" fill="hold">
+                      <p:stCondLst>
+                        <p:cond delay="indefinite"/>
+                      </p:stCondLst>
+                      <p:childTnLst>
+                        <p:par>
+                          <p:cTn id="56" fill="hold">
+                            <p:stCondLst>
+                              <p:cond delay="0"/>
+                            </p:stCondLst>
+                            <p:childTnLst>
+                              <p:par>
+                                <p:cTn id="57" presetID="2" presetClass="entr" presetSubtype="4" fill="hold" nodeType="clickEffect">
+                                  <p:stCondLst>
+                                    <p:cond delay="0"/>
+                                  </p:stCondLst>
+                                  <p:childTnLst>
+                                    <p:set>
+                                      <p:cBhvr>
+                                        <p:cTn id="58" dur="1" fill="hold">
+                                          <p:stCondLst>
+                                            <p:cond delay="0"/>
+                                          </p:stCondLst>
+                                        </p:cTn>
+                                        <p:tgtEl>
+                                          <p:spTgt spid="3">
+                                            <p:txEl>
+                                              <p:pRg st="18" end="18"/>
+                                            </p:txEl>
+                                          </p:spTgt>
+                                        </p:tgtEl>
+                                        <p:attrNameLst>
+                                          <p:attrName>style.visibility</p:attrName>
+                                        </p:attrNameLst>
+                                      </p:cBhvr>
+                                      <p:to>
+                                        <p:strVal val="visible"/>
+                                      </p:to>
+                                    </p:set>
+                                    <p:anim calcmode="lin" valueType="num">
+                                      <p:cBhvr additive="base">
+                                        <p:cTn id="59" dur="500" fill="hold"/>
+                                        <p:tgtEl>
+                                          <p:spTgt spid="3">
+                                            <p:txEl>
+                                              <p:pRg st="18" end="18"/>
+                                            </p:txEl>
+                                          </p:spTgt>
+                                        </p:tgtEl>
+                                        <p:attrNameLst>
+                                          <p:attrName>ppt_x</p:attrName>
+                                        </p:attrNameLst>
+                                      </p:cBhvr>
+                                      <p:tavLst>
+                                        <p:tav tm="0">
+                                          <p:val>
+                                            <p:strVal val="#ppt_x"/>
+                                          </p:val>
+                                        </p:tav>
+                                        <p:tav tm="100000">
+                                          <p:val>
+                                            <p:strVal val="#ppt_x"/>
+                                          </p:val>
+                                        </p:tav>
+                                      </p:tavLst>
+                                    </p:anim>
+                                    <p:anim calcmode="lin" valueType="num">
+                                      <p:cBhvr additive="base">
+                                        <p:cTn id="60" dur="500" fill="hold"/>
+                                        <p:tgtEl>
+                                          <p:spTgt spid="3">
+                                            <p:txEl>
+                                              <p:pRg st="18" end="18"/>
+                                            </p:txEl>
+                                          </p:spTgt>
+                                        </p:tgtEl>
+                                        <p:attrNameLst>
+                                          <p:attrName>ppt_y</p:attrName>
+                                        </p:attrNameLst>
+                                      </p:cBhvr>
+                                      <p:tavLst>
+                                        <p:tav tm="0">
+                                          <p:val>
+                                            <p:strVal val="1+#ppt_h/2"/>
+                                          </p:val>
+                                        </p:tav>
+                                        <p:tav tm="100000">
+                                          <p:val>
+                                            <p:strVal val="#ppt_y"/>
+                                          </p:val>
+                                        </p:tav>
+                                      </p:tavLst>
+                                    </p:anim>
+                                  </p:childTnLst>
+                                </p:cTn>
+                              </p:par>
+                            </p:childTnLst>
+                          </p:cTn>
+                        </p:par>
+                      </p:childTnLst>
+                    </p:cTn>
+                  </p:par>
+                  <p:par>
+                    <p:cTn id="61" fill="hold">
+                      <p:stCondLst>
+                        <p:cond delay="indefinite"/>
+                      </p:stCondLst>
+                      <p:childTnLst>
+                        <p:par>
+                          <p:cTn id="62" fill="hold">
+                            <p:stCondLst>
+                              <p:cond delay="0"/>
+                            </p:stCondLst>
+                            <p:childTnLst>
+                              <p:par>
+                                <p:cTn id="63" presetID="2" presetClass="entr" presetSubtype="4" fill="hold" nodeType="clickEffect">
+                                  <p:stCondLst>
+                                    <p:cond delay="0"/>
+                                  </p:stCondLst>
+                                  <p:childTnLst>
+                                    <p:set>
+                                      <p:cBhvr>
+                                        <p:cTn id="64" dur="1" fill="hold">
+                                          <p:stCondLst>
+                                            <p:cond delay="0"/>
+                                          </p:stCondLst>
+                                        </p:cTn>
+                                        <p:tgtEl>
+                                          <p:spTgt spid="3">
+                                            <p:txEl>
+                                              <p:pRg st="19" end="19"/>
+                                            </p:txEl>
+                                          </p:spTgt>
+                                        </p:tgtEl>
+                                        <p:attrNameLst>
+                                          <p:attrName>style.visibility</p:attrName>
+                                        </p:attrNameLst>
+                                      </p:cBhvr>
+                                      <p:to>
+                                        <p:strVal val="visible"/>
+                                      </p:to>
+                                    </p:set>
+                                    <p:anim calcmode="lin" valueType="num">
+                                      <p:cBhvr additive="base">
+                                        <p:cTn id="65" dur="500" fill="hold"/>
+                                        <p:tgtEl>
+                                          <p:spTgt spid="3">
+                                            <p:txEl>
+                                              <p:pRg st="19" end="19"/>
+                                            </p:txEl>
+                                          </p:spTgt>
+                                        </p:tgtEl>
+                                        <p:attrNameLst>
+                                          <p:attrName>ppt_x</p:attrName>
+                                        </p:attrNameLst>
+                                      </p:cBhvr>
+                                      <p:tavLst>
+                                        <p:tav tm="0">
+                                          <p:val>
+                                            <p:strVal val="#ppt_x"/>
+                                          </p:val>
+                                        </p:tav>
+                                        <p:tav tm="100000">
+                                          <p:val>
+                                            <p:strVal val="#ppt_x"/>
+                                          </p:val>
+                                        </p:tav>
+                                      </p:tavLst>
+                                    </p:anim>
+                                    <p:anim calcmode="lin" valueType="num">
+                                      <p:cBhvr additive="base">
+                                        <p:cTn id="66" dur="500" fill="hold"/>
+                                        <p:tgtEl>
+                                          <p:spTgt spid="3">
+                                            <p:txEl>
+                                              <p:pRg st="19" end="19"/>
+                                            </p:txEl>
+                                          </p:spTgt>
+                                        </p:tgtEl>
+                                        <p:attrNameLst>
+                                          <p:attrName>ppt_y</p:attrName>
+                                        </p:attrNameLst>
+                                      </p:cBhvr>
+                                      <p:tavLst>
+                                        <p:tav tm="0">
+                                          <p:val>
+                                            <p:strVal val="1+#ppt_h/2"/>
+                                          </p:val>
+                                        </p:tav>
+                                        <p:tav tm="100000">
+                                          <p:val>
+                                            <p:strVal val="#ppt_y"/>
+                                          </p:val>
+                                        </p:tav>
+                                      </p:tavLst>
+                                    </p:anim>
+                                  </p:childTnLst>
+                                </p:cTn>
+                              </p:par>
+                            </p:childTnLst>
+                          </p:cTn>
+                        </p:par>
+                      </p:childTnLst>
+                    </p:cTn>
+                  </p:par>
+                  <p:par>
+                    <p:cTn id="67" fill="hold">
+                      <p:stCondLst>
+                        <p:cond delay="indefinite"/>
+                      </p:stCondLst>
+                      <p:childTnLst>
+                        <p:par>
+                          <p:cTn id="68" fill="hold">
+                            <p:stCondLst>
+                              <p:cond delay="0"/>
+                            </p:stCondLst>
+                            <p:childTnLst>
+                              <p:par>
+                                <p:cTn id="69" presetID="2" presetClass="entr" presetSubtype="4" fill="hold" nodeType="clickEffect">
+                                  <p:stCondLst>
+                                    <p:cond delay="0"/>
+                                  </p:stCondLst>
+                                  <p:childTnLst>
+                                    <p:set>
+                                      <p:cBhvr>
+                                        <p:cTn id="70" dur="1" fill="hold">
+                                          <p:stCondLst>
+                                            <p:cond delay="0"/>
+                                          </p:stCondLst>
+                                        </p:cTn>
+                                        <p:tgtEl>
+                                          <p:spTgt spid="3">
+                                            <p:txEl>
+                                              <p:pRg st="20" end="20"/>
+                                            </p:txEl>
+                                          </p:spTgt>
+                                        </p:tgtEl>
+                                        <p:attrNameLst>
+                                          <p:attrName>style.visibility</p:attrName>
+                                        </p:attrNameLst>
+                                      </p:cBhvr>
+                                      <p:to>
+                                        <p:strVal val="visible"/>
+                                      </p:to>
+                                    </p:set>
+                                    <p:anim calcmode="lin" valueType="num">
+                                      <p:cBhvr additive="base">
+                                        <p:cTn id="71" dur="500" fill="hold"/>
+                                        <p:tgtEl>
+                                          <p:spTgt spid="3">
+                                            <p:txEl>
+                                              <p:pRg st="20" end="20"/>
+                                            </p:txEl>
+                                          </p:spTgt>
+                                        </p:tgtEl>
+                                        <p:attrNameLst>
+                                          <p:attrName>ppt_x</p:attrName>
+                                        </p:attrNameLst>
+                                      </p:cBhvr>
+                                      <p:tavLst>
+                                        <p:tav tm="0">
+                                          <p:val>
+                                            <p:strVal val="#ppt_x"/>
+                                          </p:val>
+                                        </p:tav>
+                                        <p:tav tm="100000">
+                                          <p:val>
+                                            <p:strVal val="#ppt_x"/>
+                                          </p:val>
+                                        </p:tav>
+                                      </p:tavLst>
+                                    </p:anim>
+                                    <p:anim calcmode="lin" valueType="num">
+                                      <p:cBhvr additive="base">
+                                        <p:cTn id="72" dur="500" fill="hold"/>
+                                        <p:tgtEl>
+                                          <p:spTgt spid="3">
+                                            <p:txEl>
+                                              <p:pRg st="20" end="20"/>
+                                            </p:txEl>
+                                          </p:spTgt>
+                                        </p:tgtEl>
+                                        <p:attrNameLst>
+                                          <p:attrName>ppt_y</p:attrName>
+                                        </p:attrNameLst>
+                                      </p:cBhvr>
+                                      <p:tavLst>
+                                        <p:tav tm="0">
+                                          <p:val>
+                                            <p:strVal val="1+#ppt_h/2"/>
+                                          </p:val>
+                                        </p:tav>
+                                        <p:tav tm="100000">
+                                          <p:val>
+                                            <p:strVal val="#ppt_y"/>
+                                          </p:val>
+                                        </p:tav>
+                                      </p:tavLst>
+                                    </p:anim>
+                                  </p:childTnLst>
+                                </p:cTn>
+                              </p:par>
+                            </p:childTnLst>
+                          </p:cTn>
+                        </p:par>
+                      </p:childTnLst>
+                    </p:cTn>
+                  </p:par>
+                  <p:par>
+                    <p:cTn id="73" fill="hold">
+                      <p:stCondLst>
+                        <p:cond delay="indefinite"/>
+                      </p:stCondLst>
+                      <p:childTnLst>
+                        <p:par>
+                          <p:cTn id="74" fill="hold">
+                            <p:stCondLst>
+                              <p:cond delay="0"/>
+                            </p:stCondLst>
+                            <p:childTnLst>
+                              <p:par>
+                                <p:cTn id="75" presetID="2" presetClass="entr" presetSubtype="4" fill="hold" nodeType="clickEffect">
+                                  <p:stCondLst>
+                                    <p:cond delay="0"/>
+                                  </p:stCondLst>
+                                  <p:childTnLst>
+                                    <p:set>
+                                      <p:cBhvr>
+                                        <p:cTn id="76" dur="1" fill="hold">
+                                          <p:stCondLst>
+                                            <p:cond delay="0"/>
+                                          </p:stCondLst>
+                                        </p:cTn>
+                                        <p:tgtEl>
+                                          <p:spTgt spid="3">
+                                            <p:txEl>
+                                              <p:pRg st="21" end="21"/>
+                                            </p:txEl>
+                                          </p:spTgt>
+                                        </p:tgtEl>
+                                        <p:attrNameLst>
+                                          <p:attrName>style.visibility</p:attrName>
+                                        </p:attrNameLst>
+                                      </p:cBhvr>
+                                      <p:to>
+                                        <p:strVal val="visible"/>
+                                      </p:to>
+                                    </p:set>
+                                    <p:anim calcmode="lin" valueType="num">
+                                      <p:cBhvr additive="base">
+                                        <p:cTn id="77" dur="500" fill="hold"/>
+                                        <p:tgtEl>
+                                          <p:spTgt spid="3">
+                                            <p:txEl>
+                                              <p:pRg st="21" end="21"/>
+                                            </p:txEl>
+                                          </p:spTgt>
+                                        </p:tgtEl>
+                                        <p:attrNameLst>
+                                          <p:attrName>ppt_x</p:attrName>
+                                        </p:attrNameLst>
+                                      </p:cBhvr>
+                                      <p:tavLst>
+                                        <p:tav tm="0">
+                                          <p:val>
+                                            <p:strVal val="#ppt_x"/>
+                                          </p:val>
+                                        </p:tav>
+                                        <p:tav tm="100000">
+                                          <p:val>
+                                            <p:strVal val="#ppt_x"/>
+                                          </p:val>
+                                        </p:tav>
+                                      </p:tavLst>
+                                    </p:anim>
+                                    <p:anim calcmode="lin" valueType="num">
+                                      <p:cBhvr additive="base">
+                                        <p:cTn id="78" dur="500" fill="hold"/>
+                                        <p:tgtEl>
+                                          <p:spTgt spid="3">
+                                            <p:txEl>
+                                              <p:pRg st="21" end="21"/>
+                                            </p:txEl>
+                                          </p:spTgt>
+                                        </p:tgtEl>
+                                        <p:attrNameLst>
+                                          <p:attrName>ppt_y</p:attrName>
+                                        </p:attrNameLst>
+                                      </p:cBhvr>
+                                      <p:tavLst>
+                                        <p:tav tm="0">
+                                          <p:val>
+                                            <p:strVal val="1+#ppt_h/2"/>
+                                          </p:val>
+                                        </p:tav>
+                                        <p:tav tm="100000">
+                                          <p:val>
+                                            <p:strVal val="#ppt_y"/>
+                                          </p:val>
+                                        </p:tav>
+                                      </p:tavLst>
+                                    </p:anim>
+                                  </p:childTnLst>
+                                </p:cTn>
+                              </p:par>
+                            </p:childTnLst>
+                          </p:cTn>
+                        </p:par>
+                      </p:childTnLst>
+                    </p:cTn>
+                  </p:par>
+                  <p:par>
+                    <p:cTn id="79" fill="hold">
+                      <p:stCondLst>
+                        <p:cond delay="indefinite"/>
+                      </p:stCondLst>
+                      <p:childTnLst>
+                        <p:par>
+                          <p:cTn id="80" fill="hold">
+                            <p:stCondLst>
+                              <p:cond delay="0"/>
+                            </p:stCondLst>
+                            <p:childTnLst>
+                              <p:par>
+                                <p:cTn id="81" presetID="2" presetClass="entr" presetSubtype="4" fill="hold" nodeType="clickEffect">
+                                  <p:stCondLst>
+                                    <p:cond delay="0"/>
+                                  </p:stCondLst>
+                                  <p:childTnLst>
+                                    <p:set>
+                                      <p:cBhvr>
+                                        <p:cTn id="82" dur="1" fill="hold">
+                                          <p:stCondLst>
+                                            <p:cond delay="0"/>
+                                          </p:stCondLst>
+                                        </p:cTn>
+                                        <p:tgtEl>
+                                          <p:spTgt spid="3">
+                                            <p:txEl>
+                                              <p:pRg st="22" end="22"/>
+                                            </p:txEl>
+                                          </p:spTgt>
+                                        </p:tgtEl>
+                                        <p:attrNameLst>
+                                          <p:attrName>style.visibility</p:attrName>
+                                        </p:attrNameLst>
+                                      </p:cBhvr>
+                                      <p:to>
+                                        <p:strVal val="visible"/>
+                                      </p:to>
+                                    </p:set>
+                                    <p:anim calcmode="lin" valueType="num">
+                                      <p:cBhvr additive="base">
+                                        <p:cTn id="83" dur="500" fill="hold"/>
+                                        <p:tgtEl>
+                                          <p:spTgt spid="3">
+                                            <p:txEl>
+                                              <p:pRg st="22" end="22"/>
+                                            </p:txEl>
+                                          </p:spTgt>
+                                        </p:tgtEl>
+                                        <p:attrNameLst>
+                                          <p:attrName>ppt_x</p:attrName>
+                                        </p:attrNameLst>
+                                      </p:cBhvr>
+                                      <p:tavLst>
+                                        <p:tav tm="0">
+                                          <p:val>
+                                            <p:strVal val="#ppt_x"/>
+                                          </p:val>
+                                        </p:tav>
+                                        <p:tav tm="100000">
+                                          <p:val>
+                                            <p:strVal val="#ppt_x"/>
+                                          </p:val>
+                                        </p:tav>
+                                      </p:tavLst>
+                                    </p:anim>
+                                    <p:anim calcmode="lin" valueType="num">
+                                      <p:cBhvr additive="base">
+                                        <p:cTn id="84" dur="500" fill="hold"/>
+                                        <p:tgtEl>
+                                          <p:spTgt spid="3">
+                                            <p:txEl>
+                                              <p:pRg st="22" end="22"/>
+                                            </p:txEl>
+                                          </p:spTgt>
+                                        </p:tgtEl>
+                                        <p:attrNameLst>
+                                          <p:attrName>ppt_y</p:attrName>
+                                        </p:attrNameLst>
+                                      </p:cBhvr>
+                                      <p:tavLst>
+                                        <p:tav tm="0">
+                                          <p:val>
+                                            <p:strVal val="1+#ppt_h/2"/>
+                                          </p:val>
+                                        </p:tav>
+                                        <p:tav tm="100000">
+                                          <p:val>
+                                            <p:strVal val="#ppt_y"/>
+                                          </p:val>
+                                        </p:tav>
+                                      </p:tavLst>
+                                    </p:anim>
+                                  </p:childTnLst>
+                                </p:cTn>
+                              </p:par>
+                            </p:childTnLst>
+                          </p:cTn>
+                        </p:par>
+                      </p:childTnLst>
+                    </p:cTn>
+                  </p:par>
+                  <p:par>
+                    <p:cTn id="85" fill="hold">
+                      <p:stCondLst>
+                        <p:cond delay="indefinite"/>
+                      </p:stCondLst>
+                      <p:childTnLst>
+                        <p:par>
+                          <p:cTn id="86" fill="hold">
+                            <p:stCondLst>
+                              <p:cond delay="0"/>
+                            </p:stCondLst>
+                            <p:childTnLst>
+                              <p:par>
+                                <p:cTn id="87" presetID="2" presetClass="entr" presetSubtype="4" fill="hold" nodeType="clickEffect">
+                                  <p:stCondLst>
+                                    <p:cond delay="0"/>
+                                  </p:stCondLst>
+                                  <p:childTnLst>
+                                    <p:set>
+                                      <p:cBhvr>
+                                        <p:cTn id="88" dur="1" fill="hold">
+                                          <p:stCondLst>
+                                            <p:cond delay="0"/>
+                                          </p:stCondLst>
+                                        </p:cTn>
+                                        <p:tgtEl>
+                                          <p:spTgt spid="3">
+                                            <p:txEl>
+                                              <p:pRg st="23" end="23"/>
+                                            </p:txEl>
+                                          </p:spTgt>
+                                        </p:tgtEl>
+                                        <p:attrNameLst>
+                                          <p:attrName>style.visibility</p:attrName>
+                                        </p:attrNameLst>
+                                      </p:cBhvr>
+                                      <p:to>
+                                        <p:strVal val="visible"/>
+                                      </p:to>
+                                    </p:set>
+                                    <p:anim calcmode="lin" valueType="num">
+                                      <p:cBhvr additive="base">
+                                        <p:cTn id="89" dur="500" fill="hold"/>
+                                        <p:tgtEl>
+                                          <p:spTgt spid="3">
+                                            <p:txEl>
+                                              <p:pRg st="23" end="23"/>
+                                            </p:txEl>
+                                          </p:spTgt>
+                                        </p:tgtEl>
+                                        <p:attrNameLst>
+                                          <p:attrName>ppt_x</p:attrName>
+                                        </p:attrNameLst>
+                                      </p:cBhvr>
+                                      <p:tavLst>
+                                        <p:tav tm="0">
+                                          <p:val>
+                                            <p:strVal val="#ppt_x"/>
+                                          </p:val>
+                                        </p:tav>
+                                        <p:tav tm="100000">
+                                          <p:val>
+                                            <p:strVal val="#ppt_x"/>
+                                          </p:val>
+                                        </p:tav>
+                                      </p:tavLst>
+                                    </p:anim>
+                                    <p:anim calcmode="lin" valueType="num">
+                                      <p:cBhvr additive="base">
+                                        <p:cTn id="90" dur="500" fill="hold"/>
+                                        <p:tgtEl>
+                                          <p:spTgt spid="3">
+                                            <p:txEl>
+                                              <p:pRg st="23" end="23"/>
+                                            </p:txEl>
+                                          </p:spTgt>
+                                        </p:tgtEl>
+                                        <p:attrNameLst>
+                                          <p:attrName>ppt_y</p:attrName>
+                                        </p:attrNameLst>
+                                      </p:cBhvr>
+                                      <p:tavLst>
+                                        <p:tav tm="0">
+                                          <p:val>
+                                            <p:strVal val="1+#ppt_h/2"/>
+                                          </p:val>
+                                        </p:tav>
+                                        <p:tav tm="100000">
+                                          <p:val>
+                                            <p:strVal val="#ppt_y"/>
+                                          </p:val>
+                                        </p:tav>
+                                      </p:tavLst>
+                                    </p:anim>
+                                  </p:childTnLst>
+                                </p:cTn>
+                              </p:par>
+                            </p:childTnLst>
+                          </p:cTn>
+                        </p:par>
+                      </p:childTnLst>
+                    </p:cTn>
+                  </p:par>
+                </p:childTnLst>
+              </p:cTn>
+              <p:prevCondLst>
+                <p:cond evt="onPrev" delay="0">
+                  <p:tgtEl>
+                    <p:sldTgt/>
+                  </p:tgtEl>
+                </p:cond>
+              </p:prevCondLst>
+              <p:nextCondLst>
+                <p:cond evt="onNext" delay="0">
+                  <p:tgtEl>
+                    <p:sldTgt/>
+                  </p:tgtEl>
+                </p:cond>
+              </p:nextCondLst>
+            </p:seq>
+          </p:childTnLst>
+        </p:cTn>
+      </p:par>
+    </p:tnLst>
+  </p:timing>
+</p:sld>
+</file>
+
+<file path=ppt/slides/slide14.xml><?xml version="1.0" encoding="utf-8"?>
+<p:sld xmlns:a="http://schemas.openxmlformats.org/drawingml/2006/main" xmlns:r="http://schemas.openxmlformats.org/officeDocument/2006/relationships" xmlns:p="http://schemas.openxmlformats.org/presentationml/2006/main">
+  <p:cSld>
+    <p:bg>
+      <p:bgPr>
+        <a:solidFill>
+          <a:schemeClr val="bg1"/>
+        </a:solidFill>
+        <a:effectLst/>
+      </p:bgPr>
+    </p:bg>
+    <p:spTree>
+      <p:nvGrpSpPr>
+        <p:cNvPr id="1" name=""/>
+        <p:cNvGrpSpPr/>
+        <p:nvPr/>
+      </p:nvGrpSpPr>
+      <p:grpSpPr>
+        <a:xfrm>
+          <a:off x="0" y="0"/>
+          <a:ext cx="0" cy="0"/>
+          <a:chOff x="0" y="0"/>
+          <a:chExt cx="0" cy="0"/>
+        </a:xfrm>
+      </p:grpSpPr>
+      <p:sp>
+        <p:nvSpPr>
+          <p:cNvPr id="2" name="Title 1">
+            <a:extLst>
+              <a:ext uri="{FF2B5EF4-FFF2-40B4-BE49-F238E27FC236}">
+                <a16:creationId xmlns:a16="http://schemas.microsoft.com/office/drawing/2014/main" id="{91F5C009-850A-4891-8FAD-D2F9036DE2E9}"/>
+              </a:ext>
+            </a:extLst>
+          </p:cNvPr>
+          <p:cNvSpPr>
+            <a:spLocks noGrp="1"/>
+          </p:cNvSpPr>
+          <p:nvPr>
+            <p:ph type="ctrTitle"/>
+          </p:nvPr>
+        </p:nvSpPr>
+        <p:spPr>
+          <a:xfrm>
+            <a:off x="4162425" y="400050"/>
+            <a:ext cx="7058025" cy="1655761"/>
+          </a:xfrm>
+        </p:spPr>
+        <p:txBody>
+          <a:bodyPr>
+            <a:normAutofit fontScale="90000"/>
+          </a:bodyPr>
+          <a:lstStyle/>
+          <a:p>
+            <a:r>
+              <a:rPr lang="en-US" sz="6700" dirty="0">
+                <a:latin typeface="Eurostile" panose="020B0704020202050204" pitchFamily="34" charset="0"/>
+              </a:rPr>
+              <a:t>CLASS OF 2044?</a:t>
+            </a:r>
+            <a:br>
+              <a:rPr lang="en-US" dirty="0"/>
+            </a:br>
+            <a:endParaRPr lang="en-US" dirty="0"/>
+          </a:p>
+        </p:txBody>
+      </p:sp>
+      <p:sp>
+        <p:nvSpPr>
+          <p:cNvPr id="3" name="Subtitle 2">
+            <a:extLst>
+              <a:ext uri="{FF2B5EF4-FFF2-40B4-BE49-F238E27FC236}">
+                <a16:creationId xmlns:a16="http://schemas.microsoft.com/office/drawing/2014/main" id="{9828A2C6-0765-445B-8030-69399EDB59D7}"/>
+              </a:ext>
+            </a:extLst>
+          </p:cNvPr>
+          <p:cNvSpPr>
+            <a:spLocks noGrp="1"/>
+          </p:cNvSpPr>
+          <p:nvPr>
+            <p:ph type="subTitle" idx="1"/>
+          </p:nvPr>
+        </p:nvSpPr>
+        <p:spPr>
+          <a:xfrm>
+            <a:off x="181907" y="2774158"/>
+            <a:ext cx="11785192" cy="3683792"/>
+          </a:xfrm>
+        </p:spPr>
+        <p:txBody>
+          <a:bodyPr numCol="3">
+            <a:normAutofit fontScale="92500" lnSpcReduction="10000"/>
+          </a:bodyPr>
+          <a:lstStyle/>
+          <a:p>
+            <a:pPr marL="342900" indent="-342900" algn="l">
+              <a:buFont typeface="Arial" panose="020B0604020202020204" pitchFamily="34" charset="0"/>
+              <a:buChar char="•"/>
+            </a:pPr>
+            <a:r>
+              <a:rPr lang="en-US" dirty="0"/>
+              <a:t>Adele	</a:t>
+            </a:r>
+          </a:p>
+          <a:p>
+            <a:pPr marL="342900" indent="-342900" algn="l">
+              <a:buFont typeface="Arial" panose="020B0604020202020204" pitchFamily="34" charset="0"/>
+              <a:buChar char="•"/>
+            </a:pPr>
+            <a:r>
+              <a:rPr lang="en-US" dirty="0"/>
+              <a:t>Ariana Grande	</a:t>
+            </a:r>
+          </a:p>
+          <a:p>
+            <a:pPr marL="342900" indent="-342900" algn="l">
+              <a:buFont typeface="Arial" panose="020B0604020202020204" pitchFamily="34" charset="0"/>
+              <a:buChar char="•"/>
+            </a:pPr>
+            <a:r>
+              <a:rPr lang="en-US" dirty="0" err="1"/>
+              <a:t>Beyonce</a:t>
+            </a:r>
+            <a:r>
+              <a:rPr lang="en-US" dirty="0"/>
+              <a:t>	</a:t>
+            </a:r>
+          </a:p>
+          <a:p>
+            <a:pPr marL="342900" indent="-342900" algn="l">
+              <a:buFont typeface="Arial" panose="020B0604020202020204" pitchFamily="34" charset="0"/>
+              <a:buChar char="•"/>
+            </a:pPr>
+            <a:r>
+              <a:rPr lang="en-US" dirty="0"/>
+              <a:t>Bruno Mars	</a:t>
+            </a:r>
+          </a:p>
+          <a:p>
+            <a:pPr marL="342900" indent="-342900" algn="l">
+              <a:buFont typeface="Arial" panose="020B0604020202020204" pitchFamily="34" charset="0"/>
+              <a:buChar char="•"/>
+            </a:pPr>
+            <a:r>
+              <a:rPr lang="en-US" dirty="0"/>
+              <a:t>Calvin Harris	</a:t>
+            </a:r>
+          </a:p>
+          <a:p>
+            <a:pPr marL="342900" indent="-342900" algn="l">
+              <a:buFont typeface="Arial" panose="020B0604020202020204" pitchFamily="34" charset="0"/>
+              <a:buChar char="•"/>
+            </a:pPr>
+            <a:r>
+              <a:rPr lang="en-US" dirty="0" err="1"/>
+              <a:t>Cardi</a:t>
+            </a:r>
+            <a:r>
+              <a:rPr lang="en-US" dirty="0"/>
+              <a:t> B	</a:t>
+            </a:r>
+          </a:p>
+          <a:p>
+            <a:pPr marL="342900" indent="-342900" algn="l">
+              <a:buFont typeface="Arial" panose="020B0604020202020204" pitchFamily="34" charset="0"/>
+              <a:buChar char="•"/>
+            </a:pPr>
+            <a:r>
+              <a:rPr lang="en-US" dirty="0"/>
+              <a:t>Coldplay	</a:t>
+            </a:r>
+          </a:p>
+          <a:p>
+            <a:pPr marL="342900" indent="-342900" algn="l">
+              <a:buFont typeface="Arial" panose="020B0604020202020204" pitchFamily="34" charset="0"/>
+              <a:buChar char="•"/>
+            </a:pPr>
+            <a:r>
+              <a:rPr lang="en-US" dirty="0"/>
+              <a:t>DJ Khaled	</a:t>
+            </a:r>
+          </a:p>
+          <a:p>
+            <a:pPr marL="342900" indent="-342900" algn="l">
+              <a:buFont typeface="Arial" panose="020B0604020202020204" pitchFamily="34" charset="0"/>
+              <a:buChar char="•"/>
+            </a:pPr>
+            <a:r>
+              <a:rPr lang="en-US" dirty="0"/>
+              <a:t>Drake	</a:t>
+            </a:r>
+          </a:p>
+          <a:p>
+            <a:pPr marL="342900" indent="-342900" algn="l">
+              <a:buFont typeface="Arial" panose="020B0604020202020204" pitchFamily="34" charset="0"/>
+              <a:buChar char="•"/>
+            </a:pPr>
+            <a:r>
+              <a:rPr lang="en-US" dirty="0"/>
+              <a:t>Ed Sheeran	</a:t>
+            </a:r>
+          </a:p>
+          <a:p>
+            <a:pPr marL="342900" indent="-342900" algn="l">
+              <a:buFont typeface="Arial" panose="020B0604020202020204" pitchFamily="34" charset="0"/>
+              <a:buChar char="•"/>
+            </a:pPr>
+            <a:r>
+              <a:rPr lang="en-US" dirty="0"/>
+              <a:t>Eminem	</a:t>
+            </a:r>
+          </a:p>
+          <a:p>
+            <a:pPr marL="342900" indent="-342900" algn="l">
+              <a:buFont typeface="Arial" panose="020B0604020202020204" pitchFamily="34" charset="0"/>
+              <a:buChar char="•"/>
+            </a:pPr>
+            <a:r>
+              <a:rPr lang="en-US" dirty="0"/>
+              <a:t>Imagine Dragons	</a:t>
+            </a:r>
+          </a:p>
+          <a:p>
+            <a:pPr marL="342900" indent="-342900" algn="l">
+              <a:buFont typeface="Arial" panose="020B0604020202020204" pitchFamily="34" charset="0"/>
+              <a:buChar char="•"/>
+            </a:pPr>
+            <a:r>
+              <a:rPr lang="en-US" dirty="0"/>
+              <a:t>Justin Bieber	</a:t>
+            </a:r>
+          </a:p>
+          <a:p>
+            <a:pPr marL="342900" indent="-342900" algn="l">
+              <a:buFont typeface="Arial" panose="020B0604020202020204" pitchFamily="34" charset="0"/>
+              <a:buChar char="•"/>
+            </a:pPr>
+            <a:r>
+              <a:rPr lang="en-US" dirty="0"/>
+              <a:t>Justin Timberlake	</a:t>
+            </a:r>
+          </a:p>
+          <a:p>
+            <a:pPr marL="342900" indent="-342900" algn="l">
+              <a:buFont typeface="Arial" panose="020B0604020202020204" pitchFamily="34" charset="0"/>
+              <a:buChar char="•"/>
+            </a:pPr>
+            <a:r>
+              <a:rPr lang="en-US" dirty="0"/>
+              <a:t>Kanye West	</a:t>
+            </a:r>
+          </a:p>
+          <a:p>
+            <a:pPr marL="342900" indent="-342900" algn="l">
+              <a:buFont typeface="Arial" panose="020B0604020202020204" pitchFamily="34" charset="0"/>
+              <a:buChar char="•"/>
+            </a:pPr>
+            <a:r>
+              <a:rPr lang="en-US" dirty="0"/>
+              <a:t>Kendrick Lamar	</a:t>
+            </a:r>
+          </a:p>
+          <a:p>
+            <a:pPr marL="342900" indent="-342900" algn="l">
+              <a:buFont typeface="Arial" panose="020B0604020202020204" pitchFamily="34" charset="0"/>
+              <a:buChar char="•"/>
+            </a:pPr>
+            <a:r>
+              <a:rPr lang="en-US" dirty="0"/>
+              <a:t>Lady Gaga	</a:t>
+            </a:r>
+          </a:p>
+          <a:p>
+            <a:pPr marL="342900" indent="-342900" algn="l">
+              <a:buFont typeface="Arial" panose="020B0604020202020204" pitchFamily="34" charset="0"/>
+              <a:buChar char="•"/>
+            </a:pPr>
+            <a:r>
+              <a:rPr lang="en-US" dirty="0"/>
+              <a:t>Lil Wayne	</a:t>
+            </a:r>
+          </a:p>
+          <a:p>
+            <a:pPr marL="342900" indent="-342900" algn="l">
+              <a:buFont typeface="Arial" panose="020B0604020202020204" pitchFamily="34" charset="0"/>
+              <a:buChar char="•"/>
+            </a:pPr>
+            <a:r>
+              <a:rPr lang="en-US" dirty="0"/>
+              <a:t>Maroon 5	</a:t>
+            </a:r>
+          </a:p>
+          <a:p>
+            <a:pPr marL="342900" indent="-342900" algn="l">
+              <a:buFont typeface="Arial" panose="020B0604020202020204" pitchFamily="34" charset="0"/>
+              <a:buChar char="•"/>
+            </a:pPr>
+            <a:r>
+              <a:rPr lang="en-US" dirty="0"/>
+              <a:t>Nicki Minaj	</a:t>
+            </a:r>
+          </a:p>
+          <a:p>
+            <a:pPr marL="342900" indent="-342900" algn="l">
+              <a:buFont typeface="Arial" panose="020B0604020202020204" pitchFamily="34" charset="0"/>
+              <a:buChar char="•"/>
+            </a:pPr>
+            <a:r>
+              <a:rPr lang="en-US" dirty="0"/>
+              <a:t>Rihanna	</a:t>
+            </a:r>
+          </a:p>
+          <a:p>
+            <a:pPr marL="342900" indent="-342900" algn="l">
+              <a:buFont typeface="Arial" panose="020B0604020202020204" pitchFamily="34" charset="0"/>
+              <a:buChar char="•"/>
+            </a:pPr>
+            <a:r>
+              <a:rPr lang="en-US" dirty="0"/>
+              <a:t>Taylor Swift	</a:t>
+            </a:r>
+          </a:p>
+          <a:p>
+            <a:pPr marL="342900" indent="-342900" algn="l">
+              <a:buFont typeface="Arial" panose="020B0604020202020204" pitchFamily="34" charset="0"/>
+              <a:buChar char="•"/>
+            </a:pPr>
+            <a:r>
+              <a:rPr lang="en-US" dirty="0"/>
+              <a:t>The Chainsmokers	</a:t>
+            </a:r>
+          </a:p>
+          <a:p>
+            <a:pPr marL="342900" indent="-342900" algn="l">
+              <a:buFont typeface="Arial" panose="020B0604020202020204" pitchFamily="34" charset="0"/>
+              <a:buChar char="•"/>
+            </a:pPr>
+            <a:r>
+              <a:rPr lang="en-US" dirty="0"/>
+              <a:t>The </a:t>
+            </a:r>
+            <a:r>
+              <a:rPr lang="en-US" dirty="0" err="1"/>
+              <a:t>Weeknd</a:t>
+            </a:r>
+            <a:r>
+              <a:rPr lang="en-US" dirty="0"/>
+              <a:t>	</a:t>
+            </a:r>
+          </a:p>
+          <a:p>
+            <a:pPr marL="342900" indent="-342900" algn="l">
+              <a:buFont typeface="Arial" panose="020B0604020202020204" pitchFamily="34" charset="0"/>
+              <a:buChar char="•"/>
+            </a:pPr>
+            <a:r>
+              <a:rPr lang="en-US" dirty="0"/>
+              <a:t>Twenty-One Pilots	</a:t>
+            </a:r>
+          </a:p>
+          <a:p>
+            <a:pPr algn="l"/>
+            <a:endParaRPr lang="en-US" dirty="0"/>
+          </a:p>
+          <a:p>
+            <a:pPr marL="342900" indent="-342900" algn="l">
+              <a:buFont typeface="Arial" panose="020B0604020202020204" pitchFamily="34" charset="0"/>
+              <a:buChar char="•"/>
+            </a:pPr>
+            <a:endParaRPr lang="en-US" dirty="0"/>
+          </a:p>
+        </p:txBody>
+      </p:sp>
+      <p:pic>
+        <p:nvPicPr>
+          <p:cNvPr id="5" name="Picture 4">
+            <a:extLst>
+              <a:ext uri="{FF2B5EF4-FFF2-40B4-BE49-F238E27FC236}">
+                <a16:creationId xmlns:a16="http://schemas.microsoft.com/office/drawing/2014/main" id="{3AA4D6A2-7ABF-440E-9F1F-24D35E34D210}"/>
+              </a:ext>
+            </a:extLst>
+          </p:cNvPr>
+          <p:cNvPicPr>
+            <a:picLocks noChangeAspect="1"/>
+          </p:cNvPicPr>
+          <p:nvPr/>
+        </p:nvPicPr>
+        <p:blipFill>
+          <a:blip r:embed="rId2">
+            <a:extLst>
+              <a:ext uri="{28A0092B-C50C-407E-A947-70E740481C1C}">
+                <a14:useLocalDpi xmlns:a14="http://schemas.microsoft.com/office/drawing/2010/main" val="0"/>
+              </a:ext>
+            </a:extLst>
+          </a:blip>
+          <a:stretch>
+            <a:fillRect/>
+          </a:stretch>
+        </p:blipFill>
+        <p:spPr>
+          <a:xfrm>
+            <a:off x="181906" y="101037"/>
+            <a:ext cx="3517900" cy="2042651"/>
+          </a:xfrm>
+          <a:prstGeom prst="rect">
+            <a:avLst/>
+          </a:prstGeom>
+          <a:ln>
+            <a:noFill/>
+          </a:ln>
+          <a:effectLst>
+            <a:reflection blurRad="12700" stA="30000" endPos="30000" dist="5000" dir="5400000" sy="-100000" algn="bl" rotWithShape="0"/>
+          </a:effectLst>
+          <a:scene3d>
+            <a:camera prst="perspectiveContrastingLeftFacing">
+              <a:rot lat="300000" lon="19800000" rev="0"/>
+            </a:camera>
+            <a:lightRig rig="threePt" dir="t">
+              <a:rot lat="0" lon="0" rev="2700000"/>
+            </a:lightRig>
+          </a:scene3d>
+          <a:sp3d>
+            <a:bevelT w="63500" h="50800"/>
+          </a:sp3d>
+        </p:spPr>
+      </p:pic>
+    </p:spTree>
+    <p:extLst>
+      <p:ext uri="{BB962C8B-B14F-4D97-AF65-F5344CB8AC3E}">
+        <p14:creationId xmlns:p14="http://schemas.microsoft.com/office/powerpoint/2010/main" val="3884803032"/>
+      </p:ext>
+    </p:extLst>
+  </p:cSld>
+  <p:clrMapOvr>
+    <a:masterClrMapping/>
+  </p:clrMapOvr>
+  <mc:AlternateContent xmlns:mc="http://schemas.openxmlformats.org/markup-compatibility/2006" xmlns:p14="http://schemas.microsoft.com/office/powerpoint/2010/main">
+    <mc:Choice Requires="p14">
+      <p:transition spd="slow" p14:dur="800">
+        <p:circle/>
+      </p:transition>
+    </mc:Choice>
+    <mc:Fallback xmlns="">
+      <p:transition spd="slow">
+        <p:circle/>
+      </p:transition>
+    </mc:Fallback>
+  </mc:AlternateContent>
+</p:sld>
+</file>
+
+<file path=ppt/slides/slide15.xml><?xml version="1.0" encoding="utf-8"?>
+<p:sld xmlns:a="http://schemas.openxmlformats.org/drawingml/2006/main" xmlns:r="http://schemas.openxmlformats.org/officeDocument/2006/relationships" xmlns:p="http://schemas.openxmlformats.org/presentationml/2006/main">
+  <p:cSld>
+    <p:bg>
+      <p:bgPr>
+        <a:solidFill>
+          <a:schemeClr val="bg1"/>
+        </a:solidFill>
+        <a:effectLst/>
+      </p:bgPr>
+    </p:bg>
+    <p:spTree>
+      <p:nvGrpSpPr>
+        <p:cNvPr id="1" name=""/>
+        <p:cNvGrpSpPr/>
+        <p:nvPr/>
+      </p:nvGrpSpPr>
+      <p:grpSpPr>
+        <a:xfrm>
+          <a:off x="0" y="0"/>
+          <a:ext cx="0" cy="0"/>
+          <a:chOff x="0" y="0"/>
+          <a:chExt cx="0" cy="0"/>
+        </a:xfrm>
+      </p:grpSpPr>
+      <p:sp>
+        <p:nvSpPr>
+          <p:cNvPr id="2" name="Title 1">
+            <a:extLst>
+              <a:ext uri="{FF2B5EF4-FFF2-40B4-BE49-F238E27FC236}">
+                <a16:creationId xmlns:a16="http://schemas.microsoft.com/office/drawing/2014/main" id="{91F5C009-850A-4891-8FAD-D2F9036DE2E9}"/>
+              </a:ext>
+            </a:extLst>
+          </p:cNvPr>
+          <p:cNvSpPr>
+            <a:spLocks noGrp="1"/>
+          </p:cNvSpPr>
+          <p:nvPr>
+            <p:ph type="ctrTitle"/>
+          </p:nvPr>
+        </p:nvSpPr>
+        <p:spPr>
+          <a:xfrm>
+            <a:off x="4162425" y="364539"/>
+            <a:ext cx="7058025" cy="1655761"/>
+          </a:xfrm>
+        </p:spPr>
+        <p:txBody>
+          <a:bodyPr>
+            <a:normAutofit fontScale="90000"/>
+          </a:bodyPr>
+          <a:lstStyle/>
+          <a:p>
+            <a:r>
+              <a:rPr lang="en-US" sz="6700" dirty="0">
+                <a:latin typeface="Eurostile" panose="020B0704020202050204" pitchFamily="34" charset="0"/>
+              </a:rPr>
+              <a:t>2044 PREDICTIONS</a:t>
+            </a:r>
+            <a:br>
+              <a:rPr lang="en-US" dirty="0"/>
+            </a:br>
+            <a:endParaRPr lang="en-US" dirty="0"/>
+          </a:p>
+        </p:txBody>
+      </p:sp>
+      <p:sp>
+        <p:nvSpPr>
+          <p:cNvPr id="3" name="Subtitle 2">
+            <a:extLst>
+              <a:ext uri="{FF2B5EF4-FFF2-40B4-BE49-F238E27FC236}">
+                <a16:creationId xmlns:a16="http://schemas.microsoft.com/office/drawing/2014/main" id="{9828A2C6-0765-445B-8030-69399EDB59D7}"/>
+              </a:ext>
+            </a:extLst>
+          </p:cNvPr>
+          <p:cNvSpPr>
+            <a:spLocks noGrp="1"/>
+          </p:cNvSpPr>
+          <p:nvPr>
+            <p:ph type="subTitle" idx="1"/>
+          </p:nvPr>
+        </p:nvSpPr>
+        <p:spPr>
+          <a:xfrm>
+            <a:off x="1526959" y="2774158"/>
+            <a:ext cx="9161756" cy="3683792"/>
+          </a:xfrm>
+        </p:spPr>
+        <p:txBody>
+          <a:bodyPr numCol="1">
+            <a:normAutofit/>
+          </a:bodyPr>
+          <a:lstStyle/>
+          <a:p>
+            <a:pPr marL="342900" indent="-342900" algn="l">
+              <a:buFont typeface="Arial" panose="020B0604020202020204" pitchFamily="34" charset="0"/>
+              <a:buChar char="•"/>
+            </a:pPr>
+            <a:r>
+              <a:rPr lang="en-US" sz="3600" dirty="0"/>
+              <a:t>Adele	</a:t>
+            </a:r>
+          </a:p>
+          <a:p>
+            <a:pPr marL="342900" indent="-342900" algn="l">
+              <a:buFont typeface="Arial" panose="020B0604020202020204" pitchFamily="34" charset="0"/>
+              <a:buChar char="•"/>
+            </a:pPr>
+            <a:r>
+              <a:rPr lang="en-US" sz="3600" dirty="0"/>
+              <a:t>Ariana Grande	</a:t>
+            </a:r>
+          </a:p>
+          <a:p>
+            <a:pPr marL="342900" indent="-342900" algn="l">
+              <a:buFont typeface="Arial" panose="020B0604020202020204" pitchFamily="34" charset="0"/>
+              <a:buChar char="•"/>
+            </a:pPr>
+            <a:r>
+              <a:rPr lang="en-US" sz="3600" dirty="0" err="1"/>
+              <a:t>Beyonce</a:t>
+            </a:r>
+            <a:r>
+              <a:rPr lang="en-US" sz="3600" dirty="0"/>
+              <a:t>	</a:t>
+            </a:r>
+          </a:p>
+          <a:p>
+            <a:pPr marL="342900" indent="-342900" algn="l">
+              <a:buFont typeface="Arial" panose="020B0604020202020204" pitchFamily="34" charset="0"/>
+              <a:buChar char="•"/>
+            </a:pPr>
+            <a:r>
+              <a:rPr lang="en-US" sz="3600" dirty="0"/>
+              <a:t>Bruno Mars	</a:t>
+            </a:r>
+          </a:p>
+          <a:p>
+            <a:pPr marL="342900" indent="-342900" algn="l">
+              <a:buFont typeface="Arial" panose="020B0604020202020204" pitchFamily="34" charset="0"/>
+              <a:buChar char="•"/>
+            </a:pPr>
+            <a:r>
+              <a:rPr lang="en-US" sz="3600" dirty="0"/>
+              <a:t>Calvin Harris</a:t>
+            </a:r>
+            <a:r>
+              <a:rPr lang="en-US" dirty="0"/>
+              <a:t>	</a:t>
+            </a:r>
+          </a:p>
+          <a:p>
+            <a:pPr marL="342900" indent="-342900" algn="l">
+              <a:buFont typeface="Arial" panose="020B0604020202020204" pitchFamily="34" charset="0"/>
+              <a:buChar char="•"/>
+            </a:pPr>
+            <a:endParaRPr lang="en-US" dirty="0"/>
+          </a:p>
+        </p:txBody>
+      </p:sp>
+      <p:pic>
+        <p:nvPicPr>
+          <p:cNvPr id="5" name="Picture 4">
+            <a:extLst>
+              <a:ext uri="{FF2B5EF4-FFF2-40B4-BE49-F238E27FC236}">
+                <a16:creationId xmlns:a16="http://schemas.microsoft.com/office/drawing/2014/main" id="{3AA4D6A2-7ABF-440E-9F1F-24D35E34D210}"/>
+              </a:ext>
+            </a:extLst>
+          </p:cNvPr>
+          <p:cNvPicPr>
+            <a:picLocks noChangeAspect="1"/>
+          </p:cNvPicPr>
+          <p:nvPr/>
+        </p:nvPicPr>
+        <p:blipFill>
+          <a:blip r:embed="rId2">
+            <a:extLst>
+              <a:ext uri="{28A0092B-C50C-407E-A947-70E740481C1C}">
+                <a14:useLocalDpi xmlns:a14="http://schemas.microsoft.com/office/drawing/2010/main" val="0"/>
+              </a:ext>
+            </a:extLst>
+          </a:blip>
+          <a:stretch>
+            <a:fillRect/>
+          </a:stretch>
+        </p:blipFill>
+        <p:spPr>
+          <a:xfrm>
+            <a:off x="181906" y="101037"/>
+            <a:ext cx="3517900" cy="2042651"/>
+          </a:xfrm>
+          <a:prstGeom prst="rect">
+            <a:avLst/>
+          </a:prstGeom>
+          <a:ln>
+            <a:noFill/>
+          </a:ln>
+          <a:effectLst>
+            <a:reflection blurRad="12700" stA="30000" endPos="30000" dist="5000" dir="5400000" sy="-100000" algn="bl" rotWithShape="0"/>
+          </a:effectLst>
+          <a:scene3d>
+            <a:camera prst="perspectiveContrastingLeftFacing">
+              <a:rot lat="300000" lon="19800000" rev="0"/>
+            </a:camera>
+            <a:lightRig rig="threePt" dir="t">
+              <a:rot lat="0" lon="0" rev="2700000"/>
+            </a:lightRig>
+          </a:scene3d>
+          <a:sp3d>
+            <a:bevelT w="63500" h="50800"/>
+          </a:sp3d>
+        </p:spPr>
+      </p:pic>
+    </p:spTree>
+    <p:extLst>
+      <p:ext uri="{BB962C8B-B14F-4D97-AF65-F5344CB8AC3E}">
+        <p14:creationId xmlns:p14="http://schemas.microsoft.com/office/powerpoint/2010/main" val="732401564"/>
+      </p:ext>
+    </p:extLst>
+  </p:cSld>
+  <p:clrMapOvr>
+    <a:masterClrMapping/>
+  </p:clrMapOvr>
+  <mc:AlternateContent xmlns:mc="http://schemas.openxmlformats.org/markup-compatibility/2006" xmlns:p14="http://schemas.microsoft.com/office/powerpoint/2010/main">
+    <mc:Choice Requires="p14">
+      <p:transition spd="slow" p14:dur="800">
+        <p:circle/>
+      </p:transition>
+    </mc:Choice>
+    <mc:Fallback xmlns="">
+      <p:transition spd="slow">
+        <p:circle/>
+      </p:transition>
+    </mc:Fallback>
+  </mc:AlternateContent>
+</p:sld>
+</file>
+
+<file path=ppt/slides/slide16.xml><?xml version="1.0" encoding="utf-8"?>
+<p:sld xmlns:a="http://schemas.openxmlformats.org/drawingml/2006/main" xmlns:r="http://schemas.openxmlformats.org/officeDocument/2006/relationships" xmlns:p="http://schemas.openxmlformats.org/presentationml/2006/main">
+  <p:cSld>
+    <p:bg>
+      <p:bgPr>
+        <a:solidFill>
+          <a:schemeClr val="bg1"/>
+        </a:solidFill>
+        <a:effectLst/>
+      </p:bgPr>
+    </p:bg>
+    <p:spTree>
+      <p:nvGrpSpPr>
+        <p:cNvPr id="1" name=""/>
+        <p:cNvGrpSpPr/>
+        <p:nvPr/>
+      </p:nvGrpSpPr>
+      <p:grpSpPr>
+        <a:xfrm>
+          <a:off x="0" y="0"/>
+          <a:ext cx="0" cy="0"/>
+          <a:chOff x="0" y="0"/>
+          <a:chExt cx="0" cy="0"/>
+        </a:xfrm>
+      </p:grpSpPr>
       <p:pic>
         <p:nvPicPr>
           <p:cNvPr id="6" name="Picture 5">
@@ -5516,366 +9261,230 @@
       </p:grpSpPr>
       <p:sp>
         <p:nvSpPr>
-          <p:cNvPr id="2" name="Title 1">
+          <p:cNvPr id="9" name="Rectangle 8">
             <a:extLst>
               <a:ext uri="{FF2B5EF4-FFF2-40B4-BE49-F238E27FC236}">
-                <a16:creationId xmlns:a16="http://schemas.microsoft.com/office/drawing/2014/main" id="{91F5C009-850A-4891-8FAD-D2F9036DE2E9}"/>
+                <a16:creationId xmlns:a16="http://schemas.microsoft.com/office/drawing/2014/main" id="{32BC26D8-82FB-445E-AA49-62A77D7C1EE0}"/>
+              </a:ext>
+              <a:ext uri="{C183D7F6-B498-43B3-948B-1728B52AA6E4}">
+                <adec:decorative xmlns:adec="http://schemas.microsoft.com/office/drawing/2017/decorative" val="1"/>
               </a:ext>
             </a:extLst>
           </p:cNvPr>
           <p:cNvSpPr>
-            <a:spLocks noGrp="1"/>
+            <a:spLocks noGrp="1" noRot="1" noChangeAspect="1" noMove="1" noResize="1" noEditPoints="1" noAdjustHandles="1" noChangeArrowheads="1" noChangeShapeType="1" noTextEdit="1"/>
           </p:cNvSpPr>
           <p:nvPr>
-            <p:ph type="ctrTitle"/>
+            <p:extLst>
+              <p:ext uri="{386F3935-93C4-4BCD-93E2-E3B085C9AB24}">
+                <p16:designElem xmlns:p16="http://schemas.microsoft.com/office/powerpoint/2015/main" val="1"/>
+              </p:ext>
+            </p:extLst>
           </p:nvPr>
         </p:nvSpPr>
         <p:spPr>
           <a:xfrm>
-            <a:off x="4162425" y="400050"/>
-            <a:ext cx="7058025" cy="1655761"/>
+            <a:off x="0" y="0"/>
+            <a:ext cx="12192000" cy="6858000"/>
           </a:xfrm>
+          <a:prstGeom prst="rect">
+            <a:avLst/>
+          </a:prstGeom>
+          <a:solidFill>
+            <a:srgbClr val="44395B"/>
+          </a:solidFill>
+          <a:ln>
+            <a:noFill/>
+          </a:ln>
         </p:spPr>
+        <p:style>
+          <a:lnRef idx="2">
+            <a:schemeClr val="accent1">
+              <a:shade val="50000"/>
+            </a:schemeClr>
+          </a:lnRef>
+          <a:fillRef idx="1">
+            <a:schemeClr val="accent1"/>
+          </a:fillRef>
+          <a:effectRef idx="0">
+            <a:schemeClr val="accent1"/>
+          </a:effectRef>
+          <a:fontRef idx="minor">
+            <a:schemeClr val="lt1"/>
+          </a:fontRef>
+        </p:style>
         <p:txBody>
-          <a:bodyPr>
-            <a:normAutofit fontScale="90000"/>
-          </a:bodyPr>
+          <a:bodyPr rtlCol="0" anchor="ctr"/>
           <a:lstStyle/>
           <a:p>
-            <a:r>
-              <a:rPr lang="en-US" sz="6700" dirty="0">
-                <a:latin typeface="Eurostile" panose="020B0704020202050204" pitchFamily="34" charset="0"/>
-              </a:rPr>
-              <a:t>2019 NOMINEES</a:t>
-            </a:r>
-            <a:br>
-              <a:rPr lang="en-US" dirty="0"/>
-            </a:br>
-            <a:endParaRPr lang="en-US" dirty="0"/>
+            <a:pPr marL="0" marR="0" lvl="0" indent="0" algn="ctr" defTabSz="457200" rtl="0" eaLnBrk="1" fontAlgn="auto" latinLnBrk="0" hangingPunct="1">
+              <a:lnSpc>
+                <a:spcPct val="100000"/>
+              </a:lnSpc>
+              <a:spcBef>
+                <a:spcPts val="0"/>
+              </a:spcBef>
+              <a:spcAft>
+                <a:spcPts val="0"/>
+              </a:spcAft>
+              <a:buClrTx/>
+              <a:buSzTx/>
+              <a:buFontTx/>
+              <a:buNone/>
+              <a:tabLst/>
+              <a:defRPr/>
+            </a:pPr>
+            <a:endParaRPr kumimoji="0" lang="en-US" sz="1800" b="0" i="0" u="none" strike="noStrike" kern="1200" cap="none" spc="0" normalizeH="0" baseline="0" noProof="0">
+              <a:ln>
+                <a:noFill/>
+              </a:ln>
+              <a:solidFill>
+                <a:prstClr val="white"/>
+              </a:solidFill>
+              <a:effectLst/>
+              <a:uLnTx/>
+              <a:uFillTx/>
+              <a:latin typeface="Calibri" panose="020F0502020204030204"/>
+              <a:ea typeface="+mn-ea"/>
+              <a:cs typeface="+mn-cs"/>
+            </a:endParaRPr>
           </a:p>
         </p:txBody>
       </p:sp>
       <p:sp>
         <p:nvSpPr>
-          <p:cNvPr id="3" name="Subtitle 2">
+          <p:cNvPr id="11" name="Rectangle 10">
             <a:extLst>
               <a:ext uri="{FF2B5EF4-FFF2-40B4-BE49-F238E27FC236}">
-                <a16:creationId xmlns:a16="http://schemas.microsoft.com/office/drawing/2014/main" id="{9828A2C6-0765-445B-8030-69399EDB59D7}"/>
+                <a16:creationId xmlns:a16="http://schemas.microsoft.com/office/drawing/2014/main" id="{CB44330D-EA18-4254-AA95-EB49948539B8}"/>
+              </a:ext>
+              <a:ext uri="{C183D7F6-B498-43B3-948B-1728B52AA6E4}">
+                <adec:decorative xmlns:adec="http://schemas.microsoft.com/office/drawing/2017/decorative" val="1"/>
               </a:ext>
             </a:extLst>
           </p:cNvPr>
           <p:cNvSpPr>
-            <a:spLocks noGrp="1"/>
+            <a:spLocks noGrp="1" noRot="1" noChangeAspect="1" noMove="1" noResize="1" noEditPoints="1" noAdjustHandles="1" noChangeArrowheads="1" noChangeShapeType="1" noTextEdit="1"/>
           </p:cNvSpPr>
           <p:nvPr>
-            <p:ph type="subTitle" idx="1"/>
+            <p:extLst>
+              <p:ext uri="{386F3935-93C4-4BCD-93E2-E3B085C9AB24}">
+                <p16:designElem xmlns:p16="http://schemas.microsoft.com/office/powerpoint/2015/main" val="1"/>
+              </p:ext>
+            </p:extLst>
           </p:nvPr>
         </p:nvSpPr>
         <p:spPr>
           <a:xfrm>
-            <a:off x="905522" y="2774158"/>
-            <a:ext cx="10314928" cy="3683792"/>
+            <a:off x="477012" y="480060"/>
+            <a:ext cx="11237976" cy="5897880"/>
           </a:xfrm>
+          <a:prstGeom prst="rect">
+            <a:avLst/>
+          </a:prstGeom>
+          <a:solidFill>
+            <a:srgbClr val="FFFFFF"/>
+          </a:solidFill>
+          <a:ln>
+            <a:noFill/>
+          </a:ln>
         </p:spPr>
+        <p:style>
+          <a:lnRef idx="2">
+            <a:schemeClr val="accent1">
+              <a:shade val="50000"/>
+            </a:schemeClr>
+          </a:lnRef>
+          <a:fillRef idx="1">
+            <a:schemeClr val="accent1"/>
+          </a:fillRef>
+          <a:effectRef idx="0">
+            <a:schemeClr val="accent1"/>
+          </a:effectRef>
+          <a:fontRef idx="minor">
+            <a:schemeClr val="lt1"/>
+          </a:fontRef>
+        </p:style>
         <p:txBody>
-          <a:bodyPr numCol="3">
-            <a:normAutofit lnSpcReduction="10000"/>
-          </a:bodyPr>
+          <a:bodyPr rtlCol="0" anchor="ctr"/>
           <a:lstStyle/>
           <a:p>
-            <a:pPr lvl="0"/>
-            <a:endParaRPr lang="en-US" dirty="0"/>
-          </a:p>
-          <a:p>
-            <a:pPr marL="342900" lvl="0" indent="-342900">
-              <a:buFont typeface="Arial" panose="020B0604020202020204" pitchFamily="34" charset="0"/>
-              <a:buChar char="•"/>
-            </a:pPr>
-            <a:r>
-              <a:rPr lang="en-US" dirty="0"/>
-              <a:t>Def Leppard</a:t>
-            </a:r>
-          </a:p>
-          <a:p>
-            <a:pPr marL="342900" lvl="0" indent="-342900">
-              <a:buFont typeface="Arial" panose="020B0604020202020204" pitchFamily="34" charset="0"/>
-              <a:buChar char="•"/>
-            </a:pPr>
-            <a:r>
-              <a:rPr lang="en-US" dirty="0"/>
-              <a:t>Devo</a:t>
-            </a:r>
-          </a:p>
-          <a:p>
-            <a:pPr marL="342900" lvl="0" indent="-342900">
-              <a:buFont typeface="Arial" panose="020B0604020202020204" pitchFamily="34" charset="0"/>
-              <a:buChar char="•"/>
-            </a:pPr>
-            <a:r>
-              <a:rPr lang="en-US" dirty="0"/>
-              <a:t>Janet Jackson</a:t>
-            </a:r>
-          </a:p>
-          <a:p>
-            <a:pPr marL="342900" lvl="0" indent="-342900">
-              <a:buFont typeface="Arial" panose="020B0604020202020204" pitchFamily="34" charset="0"/>
-              <a:buChar char="•"/>
-            </a:pPr>
-            <a:r>
-              <a:rPr lang="en-US" dirty="0"/>
-              <a:t>John </a:t>
-            </a:r>
-            <a:r>
-              <a:rPr lang="en-US" dirty="0" err="1"/>
-              <a:t>Prine</a:t>
-            </a:r>
-            <a:endParaRPr lang="en-US" dirty="0"/>
-          </a:p>
-          <a:p>
-            <a:pPr marL="342900" lvl="0" indent="-342900">
-              <a:buFont typeface="Arial" panose="020B0604020202020204" pitchFamily="34" charset="0"/>
-              <a:buChar char="•"/>
-            </a:pPr>
-            <a:r>
-              <a:rPr lang="en-US" dirty="0"/>
-              <a:t>Kraftwerk</a:t>
-            </a:r>
-          </a:p>
-          <a:p>
-            <a:pPr marL="342900" lvl="0" indent="-342900">
-              <a:buFont typeface="Arial" panose="020B0604020202020204" pitchFamily="34" charset="0"/>
-              <a:buChar char="•"/>
-            </a:pPr>
-            <a:endParaRPr lang="en-US" dirty="0"/>
-          </a:p>
-          <a:p>
-            <a:pPr marL="342900" lvl="0" indent="-342900">
-              <a:buFont typeface="Arial" panose="020B0604020202020204" pitchFamily="34" charset="0"/>
-              <a:buChar char="•"/>
-            </a:pPr>
-            <a:endParaRPr lang="en-US" dirty="0"/>
-          </a:p>
-          <a:p>
-            <a:pPr marL="342900" lvl="0" indent="-342900">
-              <a:buFont typeface="Arial" panose="020B0604020202020204" pitchFamily="34" charset="0"/>
-              <a:buChar char="•"/>
-            </a:pPr>
-            <a:endParaRPr lang="en-US" dirty="0"/>
-          </a:p>
-          <a:p>
-            <a:pPr marL="342900" lvl="0" indent="-342900">
-              <a:buFont typeface="Arial" panose="020B0604020202020204" pitchFamily="34" charset="0"/>
-              <a:buChar char="•"/>
-            </a:pPr>
-            <a:r>
-              <a:rPr lang="en-US" dirty="0"/>
-              <a:t>LL Cool J</a:t>
-            </a:r>
-          </a:p>
-          <a:p>
-            <a:pPr marL="342900" lvl="0" indent="-342900">
-              <a:buFont typeface="Arial" panose="020B0604020202020204" pitchFamily="34" charset="0"/>
-              <a:buChar char="•"/>
-            </a:pPr>
-            <a:r>
-              <a:rPr lang="en-US" dirty="0"/>
-              <a:t>MC5</a:t>
-            </a:r>
-          </a:p>
-          <a:p>
-            <a:pPr marL="342900" lvl="0" indent="-342900">
-              <a:buFont typeface="Arial" panose="020B0604020202020204" pitchFamily="34" charset="0"/>
-              <a:buChar char="•"/>
-            </a:pPr>
-            <a:r>
-              <a:rPr lang="en-US" dirty="0"/>
-              <a:t>Radiohead</a:t>
-            </a:r>
-          </a:p>
-          <a:p>
-            <a:pPr marL="342900" lvl="0" indent="-342900">
-              <a:buFont typeface="Arial" panose="020B0604020202020204" pitchFamily="34" charset="0"/>
-              <a:buChar char="•"/>
-            </a:pPr>
-            <a:r>
-              <a:rPr lang="en-US" dirty="0"/>
-              <a:t>Rage Against the Machine</a:t>
-            </a:r>
-          </a:p>
-          <a:p>
-            <a:pPr marL="342900" lvl="0" indent="-342900">
-              <a:buFont typeface="Arial" panose="020B0604020202020204" pitchFamily="34" charset="0"/>
-              <a:buChar char="•"/>
-            </a:pPr>
-            <a:r>
-              <a:rPr lang="en-US" dirty="0"/>
-              <a:t>Roxy Music</a:t>
-            </a:r>
-          </a:p>
-          <a:p>
-            <a:pPr marL="342900" lvl="0" indent="-342900">
-              <a:buFont typeface="Arial" panose="020B0604020202020204" pitchFamily="34" charset="0"/>
-              <a:buChar char="•"/>
-            </a:pPr>
-            <a:endParaRPr lang="en-US" dirty="0"/>
-          </a:p>
-          <a:p>
-            <a:pPr marL="342900" lvl="0" indent="-342900">
-              <a:buFont typeface="Arial" panose="020B0604020202020204" pitchFamily="34" charset="0"/>
-              <a:buChar char="•"/>
-            </a:pPr>
-            <a:endParaRPr lang="en-US" dirty="0"/>
-          </a:p>
-          <a:p>
-            <a:pPr marL="342900" lvl="0" indent="-342900">
-              <a:buFont typeface="Arial" panose="020B0604020202020204" pitchFamily="34" charset="0"/>
-              <a:buChar char="•"/>
-            </a:pPr>
-            <a:endParaRPr lang="en-US" dirty="0"/>
-          </a:p>
-          <a:p>
-            <a:pPr marL="342900" lvl="0" indent="-342900">
-              <a:buFont typeface="Arial" panose="020B0604020202020204" pitchFamily="34" charset="0"/>
-              <a:buChar char="•"/>
-            </a:pPr>
-            <a:r>
-              <a:rPr lang="en-US" dirty="0"/>
-              <a:t>Rufus feat. Chaka Khan</a:t>
-            </a:r>
-          </a:p>
-          <a:p>
-            <a:pPr marL="342900" lvl="0" indent="-342900">
-              <a:buFont typeface="Arial" panose="020B0604020202020204" pitchFamily="34" charset="0"/>
-              <a:buChar char="•"/>
-            </a:pPr>
-            <a:r>
-              <a:rPr lang="en-US" dirty="0"/>
-              <a:t>Stevie Nicks</a:t>
-            </a:r>
-          </a:p>
-          <a:p>
-            <a:pPr marL="342900" lvl="0" indent="-342900">
-              <a:buFont typeface="Arial" panose="020B0604020202020204" pitchFamily="34" charset="0"/>
-              <a:buChar char="•"/>
-            </a:pPr>
-            <a:r>
-              <a:rPr lang="en-US" dirty="0"/>
-              <a:t>The Cure</a:t>
-            </a:r>
-          </a:p>
-          <a:p>
-            <a:pPr marL="342900" lvl="0" indent="-342900">
-              <a:buFont typeface="Arial" panose="020B0604020202020204" pitchFamily="34" charset="0"/>
-              <a:buChar char="•"/>
-            </a:pPr>
-            <a:r>
-              <a:rPr lang="en-US" dirty="0"/>
-              <a:t>The Zombies</a:t>
-            </a:r>
-          </a:p>
-          <a:p>
-            <a:pPr marL="342900" lvl="0" indent="-342900">
-              <a:buFont typeface="Arial" panose="020B0604020202020204" pitchFamily="34" charset="0"/>
-              <a:buChar char="•"/>
-            </a:pPr>
-            <a:r>
-              <a:rPr lang="en-US" dirty="0"/>
-              <a:t>Todd </a:t>
-            </a:r>
-            <a:r>
-              <a:rPr lang="en-US" dirty="0" err="1"/>
-              <a:t>Rundgren</a:t>
-            </a:r>
-            <a:endParaRPr lang="en-US" dirty="0"/>
-          </a:p>
-          <a:p>
-            <a:pPr algn="l"/>
-            <a:endParaRPr lang="en-US" dirty="0"/>
-          </a:p>
-          <a:p>
-            <a:pPr marL="4000500" lvl="8" indent="-342900" algn="l">
-              <a:buFont typeface="Arial" panose="020B0604020202020204" pitchFamily="34" charset="0"/>
-              <a:buChar char="•"/>
-            </a:pPr>
-            <a:endParaRPr lang="en-US" dirty="0"/>
+            <a:pPr marL="0" marR="0" lvl="0" indent="0" algn="ctr" defTabSz="457200" rtl="0" eaLnBrk="1" fontAlgn="auto" latinLnBrk="0" hangingPunct="1">
+              <a:lnSpc>
+                <a:spcPct val="100000"/>
+              </a:lnSpc>
+              <a:spcBef>
+                <a:spcPts val="0"/>
+              </a:spcBef>
+              <a:spcAft>
+                <a:spcPts val="0"/>
+              </a:spcAft>
+              <a:buClrTx/>
+              <a:buSzTx/>
+              <a:buFontTx/>
+              <a:buNone/>
+              <a:tabLst/>
+              <a:defRPr/>
+            </a:pPr>
+            <a:endParaRPr kumimoji="0" lang="en-US" sz="1800" b="0" i="0" u="none" strike="noStrike" kern="1200" cap="none" spc="0" normalizeH="0" baseline="0" noProof="0">
+              <a:ln>
+                <a:noFill/>
+              </a:ln>
+              <a:solidFill>
+                <a:prstClr val="white"/>
+              </a:solidFill>
+              <a:effectLst/>
+              <a:uLnTx/>
+              <a:uFillTx/>
+              <a:latin typeface="Calibri" panose="020F0502020204030204"/>
+              <a:ea typeface="+mn-ea"/>
+              <a:cs typeface="+mn-cs"/>
+            </a:endParaRPr>
           </a:p>
         </p:txBody>
       </p:sp>
       <p:pic>
         <p:nvPicPr>
-          <p:cNvPr id="5" name="Picture 4">
+          <p:cNvPr id="4" name="Content Placeholder 3">
             <a:extLst>
               <a:ext uri="{FF2B5EF4-FFF2-40B4-BE49-F238E27FC236}">
-                <a16:creationId xmlns:a16="http://schemas.microsoft.com/office/drawing/2014/main" id="{3AA4D6A2-7ABF-440E-9F1F-24D35E34D210}"/>
+                <a16:creationId xmlns:a16="http://schemas.microsoft.com/office/drawing/2014/main" id="{17E99718-2246-4422-A684-584DBC22FC03}"/>
               </a:ext>
             </a:extLst>
           </p:cNvPr>
           <p:cNvPicPr>
-            <a:picLocks noChangeAspect="1"/>
+            <a:picLocks noGrp="1" noChangeAspect="1"/>
           </p:cNvPicPr>
-          <p:nvPr/>
+          <p:nvPr>
+            <p:ph idx="1"/>
+          </p:nvPr>
         </p:nvPicPr>
         <p:blipFill>
-          <a:blip r:embed="rId2">
-            <a:extLst>
-              <a:ext uri="{28A0092B-C50C-407E-A947-70E740481C1C}">
-                <a14:useLocalDpi xmlns:a14="http://schemas.microsoft.com/office/drawing/2010/main" val="0"/>
-              </a:ext>
-            </a:extLst>
-          </a:blip>
+          <a:blip r:embed="rId2"/>
           <a:stretch>
             <a:fillRect/>
           </a:stretch>
         </p:blipFill>
         <p:spPr>
           <a:xfrm>
-            <a:off x="181906" y="101037"/>
-            <a:ext cx="3517900" cy="2042651"/>
+            <a:off x="643467" y="1656927"/>
+            <a:ext cx="10905066" cy="3544146"/>
           </a:xfrm>
           <a:prstGeom prst="rect">
             <a:avLst/>
           </a:prstGeom>
-          <a:ln>
-            <a:noFill/>
-          </a:ln>
-          <a:effectLst>
-            <a:reflection blurRad="12700" stA="30000" endPos="30000" dist="5000" dir="5400000" sy="-100000" algn="bl" rotWithShape="0"/>
-          </a:effectLst>
-          <a:scene3d>
-            <a:camera prst="perspectiveContrastingLeftFacing">
-              <a:rot lat="300000" lon="19800000" rev="0"/>
-            </a:camera>
-            <a:lightRig rig="threePt" dir="t">
-              <a:rot lat="0" lon="0" rev="2700000"/>
-            </a:lightRig>
-          </a:scene3d>
-          <a:sp3d>
-            <a:bevelT w="63500" h="50800"/>
-          </a:sp3d>
         </p:spPr>
       </p:pic>
     </p:spTree>
     <p:extLst>
       <p:ext uri="{BB962C8B-B14F-4D97-AF65-F5344CB8AC3E}">
-        <p14:creationId xmlns:p14="http://schemas.microsoft.com/office/powerpoint/2010/main" val="2744111513"/>
+        <p14:creationId xmlns:p14="http://schemas.microsoft.com/office/powerpoint/2010/main" val="2476013141"/>
       </p:ext>
     </p:extLst>
   </p:cSld>
   <p:clrMapOvr>
     <a:masterClrMapping/>
   </p:clrMapOvr>
-  <mc:AlternateContent xmlns:mc="http://schemas.openxmlformats.org/markup-compatibility/2006" xmlns:p14="http://schemas.microsoft.com/office/powerpoint/2010/main">
-    <mc:Choice Requires="p14">
-      <p:transition spd="slow" p14:dur="800">
-        <p:circle/>
-      </p:transition>
-    </mc:Choice>
-    <mc:Fallback xmlns="">
-      <p:transition spd="slow">
-        <p:circle/>
-      </p:transition>
-    </mc:Fallback>
-  </mc:AlternateContent>
 </p:sld>
 </file>
 
@@ -5906,2094 +9515,236 @@
       </p:grpSpPr>
       <p:sp>
         <p:nvSpPr>
-          <p:cNvPr id="2" name="Title 1">
+          <p:cNvPr id="26" name="Rectangle 15">
             <a:extLst>
               <a:ext uri="{FF2B5EF4-FFF2-40B4-BE49-F238E27FC236}">
-                <a16:creationId xmlns:a16="http://schemas.microsoft.com/office/drawing/2014/main" id="{91F5C009-850A-4891-8FAD-D2F9036DE2E9}"/>
+                <a16:creationId xmlns:a16="http://schemas.microsoft.com/office/drawing/2014/main" id="{32BC26D8-82FB-445E-AA49-62A77D7C1EE0}"/>
+              </a:ext>
+              <a:ext uri="{C183D7F6-B498-43B3-948B-1728B52AA6E4}">
+                <adec:decorative xmlns:adec="http://schemas.microsoft.com/office/drawing/2017/decorative" val="1"/>
               </a:ext>
             </a:extLst>
           </p:cNvPr>
           <p:cNvSpPr>
-            <a:spLocks noGrp="1"/>
+            <a:spLocks noGrp="1" noRot="1" noChangeAspect="1" noMove="1" noResize="1" noEditPoints="1" noAdjustHandles="1" noChangeArrowheads="1" noChangeShapeType="1" noTextEdit="1"/>
           </p:cNvSpPr>
           <p:nvPr>
-            <p:ph type="ctrTitle"/>
+            <p:extLst>
+              <p:ext uri="{386F3935-93C4-4BCD-93E2-E3B085C9AB24}">
+                <p16:designElem xmlns:p16="http://schemas.microsoft.com/office/powerpoint/2015/main" val="1"/>
+              </p:ext>
+            </p:extLst>
           </p:nvPr>
         </p:nvSpPr>
         <p:spPr>
           <a:xfrm>
-            <a:off x="4162425" y="400050"/>
-            <a:ext cx="7058025" cy="1655761"/>
+            <a:off x="0" y="0"/>
+            <a:ext cx="12192000" cy="6858000"/>
           </a:xfrm>
+          <a:prstGeom prst="rect">
+            <a:avLst/>
+          </a:prstGeom>
+          <a:solidFill>
+            <a:srgbClr val="49354E"/>
+          </a:solidFill>
+          <a:ln>
+            <a:noFill/>
+          </a:ln>
         </p:spPr>
+        <p:style>
+          <a:lnRef idx="2">
+            <a:schemeClr val="accent1">
+              <a:shade val="50000"/>
+            </a:schemeClr>
+          </a:lnRef>
+          <a:fillRef idx="1">
+            <a:schemeClr val="accent1"/>
+          </a:fillRef>
+          <a:effectRef idx="0">
+            <a:schemeClr val="accent1"/>
+          </a:effectRef>
+          <a:fontRef idx="minor">
+            <a:schemeClr val="lt1"/>
+          </a:fontRef>
+        </p:style>
         <p:txBody>
-          <a:bodyPr>
-            <a:normAutofit fontScale="90000"/>
-          </a:bodyPr>
+          <a:bodyPr rtlCol="0" anchor="ctr"/>
           <a:lstStyle/>
           <a:p>
-            <a:r>
-              <a:rPr lang="en-US" sz="6700" dirty="0">
-                <a:latin typeface="Eurostile" panose="020B0704020202050204" pitchFamily="34" charset="0"/>
-              </a:rPr>
-              <a:t>2019 PREDICTIONS</a:t>
-            </a:r>
-            <a:br>
-              <a:rPr lang="en-US" dirty="0"/>
-            </a:br>
-            <a:endParaRPr lang="en-US" dirty="0"/>
+            <a:pPr marL="0" marR="0" lvl="0" indent="0" algn="ctr" defTabSz="457200" rtl="0" eaLnBrk="1" fontAlgn="auto" latinLnBrk="0" hangingPunct="1">
+              <a:lnSpc>
+                <a:spcPct val="100000"/>
+              </a:lnSpc>
+              <a:spcBef>
+                <a:spcPts val="0"/>
+              </a:spcBef>
+              <a:spcAft>
+                <a:spcPts val="0"/>
+              </a:spcAft>
+              <a:buClrTx/>
+              <a:buSzTx/>
+              <a:buFontTx/>
+              <a:buNone/>
+              <a:tabLst/>
+              <a:defRPr/>
+            </a:pPr>
+            <a:endParaRPr kumimoji="0" lang="en-US" sz="1800" b="0" i="0" u="none" strike="noStrike" kern="1200" cap="none" spc="0" normalizeH="0" baseline="0" noProof="0">
+              <a:ln>
+                <a:noFill/>
+              </a:ln>
+              <a:solidFill>
+                <a:prstClr val="white"/>
+              </a:solidFill>
+              <a:effectLst/>
+              <a:uLnTx/>
+              <a:uFillTx/>
+              <a:latin typeface="Calibri" panose="020F0502020204030204"/>
+              <a:ea typeface="+mn-ea"/>
+              <a:cs typeface="+mn-cs"/>
+            </a:endParaRPr>
           </a:p>
         </p:txBody>
       </p:sp>
       <p:sp>
         <p:nvSpPr>
-          <p:cNvPr id="3" name="Subtitle 2">
+          <p:cNvPr id="18" name="Rectangle 17">
             <a:extLst>
               <a:ext uri="{FF2B5EF4-FFF2-40B4-BE49-F238E27FC236}">
-                <a16:creationId xmlns:a16="http://schemas.microsoft.com/office/drawing/2014/main" id="{9828A2C6-0765-445B-8030-69399EDB59D7}"/>
+                <a16:creationId xmlns:a16="http://schemas.microsoft.com/office/drawing/2014/main" id="{CB44330D-EA18-4254-AA95-EB49948539B8}"/>
+              </a:ext>
+              <a:ext uri="{C183D7F6-B498-43B3-948B-1728B52AA6E4}">
+                <adec:decorative xmlns:adec="http://schemas.microsoft.com/office/drawing/2017/decorative" val="1"/>
               </a:ext>
             </a:extLst>
           </p:cNvPr>
           <p:cNvSpPr>
-            <a:spLocks noGrp="1"/>
+            <a:spLocks noGrp="1" noRot="1" noChangeAspect="1" noMove="1" noResize="1" noEditPoints="1" noAdjustHandles="1" noChangeArrowheads="1" noChangeShapeType="1" noTextEdit="1"/>
           </p:cNvSpPr>
           <p:nvPr>
-            <p:ph type="subTitle" idx="1"/>
+            <p:extLst>
+              <p:ext uri="{386F3935-93C4-4BCD-93E2-E3B085C9AB24}">
+                <p16:designElem xmlns:p16="http://schemas.microsoft.com/office/powerpoint/2015/main" val="1"/>
+              </p:ext>
+            </p:extLst>
           </p:nvPr>
         </p:nvSpPr>
         <p:spPr>
           <a:xfrm>
-            <a:off x="181907" y="2774158"/>
-            <a:ext cx="11785192" cy="3683792"/>
+            <a:off x="477012" y="480060"/>
+            <a:ext cx="11237976" cy="5897880"/>
           </a:xfrm>
+          <a:prstGeom prst="rect">
+            <a:avLst/>
+          </a:prstGeom>
+          <a:solidFill>
+            <a:srgbClr val="FFFFFF"/>
+          </a:solidFill>
+          <a:ln>
+            <a:noFill/>
+          </a:ln>
         </p:spPr>
+        <p:style>
+          <a:lnRef idx="2">
+            <a:schemeClr val="accent1">
+              <a:shade val="50000"/>
+            </a:schemeClr>
+          </a:lnRef>
+          <a:fillRef idx="1">
+            <a:schemeClr val="accent1"/>
+          </a:fillRef>
+          <a:effectRef idx="0">
+            <a:schemeClr val="accent1"/>
+          </a:effectRef>
+          <a:fontRef idx="minor">
+            <a:schemeClr val="lt1"/>
+          </a:fontRef>
+        </p:style>
         <p:txBody>
-          <a:bodyPr numCol="3">
-            <a:normAutofit fontScale="47500" lnSpcReduction="20000"/>
-          </a:bodyPr>
+          <a:bodyPr rtlCol="0" anchor="ctr"/>
           <a:lstStyle/>
           <a:p>
-            <a:r>
-              <a:rPr lang="en-US" sz="5100" u="sng" dirty="0"/>
-              <a:t>Mike’s Picks</a:t>
-            </a:r>
-          </a:p>
-          <a:p>
-            <a:pPr marL="342900" indent="-342900" algn="l">
-              <a:buFont typeface="Arial" panose="020B0604020202020204" pitchFamily="34" charset="0"/>
-              <a:buChar char="•"/>
-            </a:pPr>
-            <a:r>
-              <a:rPr lang="en-US" sz="5100" dirty="0"/>
-              <a:t>Def Leppard</a:t>
-            </a:r>
-          </a:p>
-          <a:p>
-            <a:pPr marL="342900" indent="-342900" algn="l">
-              <a:buFont typeface="Arial" panose="020B0604020202020204" pitchFamily="34" charset="0"/>
-              <a:buChar char="•"/>
-            </a:pPr>
-            <a:r>
-              <a:rPr lang="en-US" sz="5100" dirty="0"/>
-              <a:t>Devo</a:t>
-            </a:r>
-          </a:p>
-          <a:p>
-            <a:pPr marL="342900" indent="-342900" algn="l">
-              <a:buFont typeface="Arial" panose="020B0604020202020204" pitchFamily="34" charset="0"/>
-              <a:buChar char="•"/>
-            </a:pPr>
-            <a:r>
-              <a:rPr lang="en-US" sz="5100" dirty="0"/>
-              <a:t>Radiohead</a:t>
-            </a:r>
-          </a:p>
-          <a:p>
-            <a:pPr marL="342900" indent="-342900" algn="l">
-              <a:buFont typeface="Arial" panose="020B0604020202020204" pitchFamily="34" charset="0"/>
-              <a:buChar char="•"/>
-            </a:pPr>
-            <a:r>
-              <a:rPr lang="en-US" sz="5100" dirty="0"/>
-              <a:t>Janet Jackson</a:t>
-            </a:r>
-          </a:p>
-          <a:p>
-            <a:pPr marL="342900" indent="-342900" algn="l">
-              <a:buFont typeface="Arial" panose="020B0604020202020204" pitchFamily="34" charset="0"/>
-              <a:buChar char="•"/>
-            </a:pPr>
-            <a:r>
-              <a:rPr lang="en-US" sz="5100" dirty="0"/>
-              <a:t>Kraftwerk</a:t>
-            </a:r>
-          </a:p>
-          <a:p>
-            <a:pPr marL="342900" indent="-342900" algn="l">
-              <a:buFont typeface="Arial" panose="020B0604020202020204" pitchFamily="34" charset="0"/>
-              <a:buChar char="•"/>
-            </a:pPr>
-            <a:endParaRPr lang="en-US" sz="5100" dirty="0"/>
-          </a:p>
-          <a:p>
-            <a:endParaRPr lang="en-US" sz="5100" u="sng" dirty="0"/>
-          </a:p>
-          <a:p>
-            <a:endParaRPr lang="en-US" sz="5100" u="sng" dirty="0"/>
-          </a:p>
-          <a:p>
-            <a:r>
-              <a:rPr lang="en-US" sz="5100" u="sng" dirty="0"/>
-              <a:t>Billboard Picks</a:t>
-            </a:r>
-          </a:p>
-          <a:p>
-            <a:pPr marL="342900" indent="-342900" algn="l">
-              <a:buFont typeface="Arial" panose="020B0604020202020204" pitchFamily="34" charset="0"/>
-              <a:buChar char="•"/>
-            </a:pPr>
-            <a:r>
-              <a:rPr lang="en-US" sz="5100" dirty="0"/>
-              <a:t>Radiohead (Even)</a:t>
-            </a:r>
-          </a:p>
-          <a:p>
-            <a:pPr marL="342900" indent="-342900" algn="l">
-              <a:buFont typeface="Arial" panose="020B0604020202020204" pitchFamily="34" charset="0"/>
-              <a:buChar char="•"/>
-            </a:pPr>
-            <a:r>
-              <a:rPr lang="en-US" sz="5100" dirty="0"/>
-              <a:t>Stevie Nicks (3 to 2)</a:t>
-            </a:r>
-          </a:p>
-          <a:p>
-            <a:pPr marL="342900" indent="-342900" algn="l">
-              <a:buFont typeface="Arial" panose="020B0604020202020204" pitchFamily="34" charset="0"/>
-              <a:buChar char="•"/>
-            </a:pPr>
-            <a:r>
-              <a:rPr lang="en-US" sz="5100" dirty="0"/>
-              <a:t>Janet Jackson (2 to 1)</a:t>
-            </a:r>
-          </a:p>
-          <a:p>
-            <a:pPr marL="342900" indent="-342900" algn="l">
-              <a:buFont typeface="Arial" panose="020B0604020202020204" pitchFamily="34" charset="0"/>
-              <a:buChar char="•"/>
-            </a:pPr>
-            <a:r>
-              <a:rPr lang="en-US" sz="5100" dirty="0"/>
-              <a:t>The Zombies (2 to 1)</a:t>
-            </a:r>
-          </a:p>
-          <a:p>
-            <a:pPr marL="342900" indent="-342900" algn="l">
-              <a:buFont typeface="Arial" panose="020B0604020202020204" pitchFamily="34" charset="0"/>
-              <a:buChar char="•"/>
-            </a:pPr>
-            <a:r>
-              <a:rPr lang="en-US" sz="5100" dirty="0"/>
-              <a:t>Def Leppard (5 to 2)</a:t>
-            </a:r>
-          </a:p>
-          <a:p>
-            <a:pPr algn="l"/>
-            <a:endParaRPr lang="en-US" sz="5100" dirty="0"/>
-          </a:p>
-          <a:p>
-            <a:endParaRPr lang="en-US" sz="5100" u="sng" dirty="0"/>
-          </a:p>
-          <a:p>
-            <a:endParaRPr lang="en-US" sz="5100" u="sng" dirty="0"/>
-          </a:p>
-          <a:p>
-            <a:r>
-              <a:rPr lang="en-US" sz="5100" u="sng" dirty="0"/>
-              <a:t>Model Picks</a:t>
-            </a:r>
-          </a:p>
-          <a:p>
-            <a:pPr marL="342900" indent="-342900">
-              <a:buFont typeface="Arial" panose="020B0604020202020204" pitchFamily="34" charset="0"/>
-              <a:buChar char="•"/>
-            </a:pPr>
-            <a:r>
-              <a:rPr lang="en-US" sz="5100" dirty="0"/>
-              <a:t>Janet Jackson (95.2%)</a:t>
-            </a:r>
-          </a:p>
-          <a:p>
-            <a:pPr marL="342900" indent="-342900">
-              <a:buFont typeface="Arial" panose="020B0604020202020204" pitchFamily="34" charset="0"/>
-              <a:buChar char="•"/>
-            </a:pPr>
-            <a:r>
-              <a:rPr lang="en-US" sz="5100" dirty="0"/>
-              <a:t>Radiohead (94.2%)</a:t>
-            </a:r>
-          </a:p>
-          <a:p>
-            <a:pPr marL="342900" indent="-342900">
-              <a:buFont typeface="Arial" panose="020B0604020202020204" pitchFamily="34" charset="0"/>
-              <a:buChar char="•"/>
-            </a:pPr>
-            <a:r>
-              <a:rPr lang="en-US" sz="5100" dirty="0"/>
-              <a:t>Todd </a:t>
-            </a:r>
-            <a:r>
-              <a:rPr lang="en-US" sz="5100" dirty="0" err="1"/>
-              <a:t>Rundgren</a:t>
-            </a:r>
-            <a:r>
-              <a:rPr lang="en-US" sz="5100" dirty="0"/>
-              <a:t> (93%)</a:t>
-            </a:r>
-          </a:p>
-          <a:p>
-            <a:pPr marL="342900" indent="-342900">
-              <a:buFont typeface="Arial" panose="020B0604020202020204" pitchFamily="34" charset="0"/>
-              <a:buChar char="•"/>
-            </a:pPr>
-            <a:r>
-              <a:rPr lang="en-US" sz="5100" dirty="0"/>
-              <a:t>Def Leppard (88.6%)</a:t>
-            </a:r>
-          </a:p>
-          <a:p>
-            <a:pPr marL="342900" indent="-342900">
-              <a:buFont typeface="Arial" panose="020B0604020202020204" pitchFamily="34" charset="0"/>
-              <a:buChar char="•"/>
-            </a:pPr>
-            <a:r>
-              <a:rPr lang="en-US" sz="5100" dirty="0"/>
-              <a:t>The Cure (88%)</a:t>
-            </a:r>
-          </a:p>
-          <a:p>
-            <a:pPr marL="342900" indent="-342900">
-              <a:buFont typeface="Arial" panose="020B0604020202020204" pitchFamily="34" charset="0"/>
-              <a:buChar char="•"/>
-            </a:pPr>
-            <a:endParaRPr lang="en-US" dirty="0"/>
-          </a:p>
-          <a:p>
-            <a:pPr marL="342900" indent="-342900" algn="l">
-              <a:buFont typeface="Arial" panose="020B0604020202020204" pitchFamily="34" charset="0"/>
-              <a:buChar char="•"/>
-            </a:pPr>
-            <a:endParaRPr lang="en-US" dirty="0"/>
-          </a:p>
-          <a:p>
-            <a:pPr marL="342900" indent="-342900" algn="l">
-              <a:buFont typeface="Arial" panose="020B0604020202020204" pitchFamily="34" charset="0"/>
-              <a:buChar char="•"/>
-            </a:pPr>
-            <a:endParaRPr lang="en-US" dirty="0"/>
-          </a:p>
-          <a:p>
-            <a:pPr marL="342900" indent="-342900" algn="l">
-              <a:buFont typeface="Arial" panose="020B0604020202020204" pitchFamily="34" charset="0"/>
-              <a:buChar char="•"/>
-            </a:pPr>
-            <a:endParaRPr lang="en-US" dirty="0"/>
+            <a:pPr marL="0" marR="0" lvl="0" indent="0" algn="ctr" defTabSz="457200" rtl="0" eaLnBrk="1" fontAlgn="auto" latinLnBrk="0" hangingPunct="1">
+              <a:lnSpc>
+                <a:spcPct val="100000"/>
+              </a:lnSpc>
+              <a:spcBef>
+                <a:spcPts val="0"/>
+              </a:spcBef>
+              <a:spcAft>
+                <a:spcPts val="0"/>
+              </a:spcAft>
+              <a:buClrTx/>
+              <a:buSzTx/>
+              <a:buFontTx/>
+              <a:buNone/>
+              <a:tabLst/>
+              <a:defRPr/>
+            </a:pPr>
+            <a:endParaRPr kumimoji="0" lang="en-US" sz="1800" b="0" i="0" u="none" strike="noStrike" kern="1200" cap="none" spc="0" normalizeH="0" baseline="0" noProof="0">
+              <a:ln>
+                <a:noFill/>
+              </a:ln>
+              <a:solidFill>
+                <a:prstClr val="white"/>
+              </a:solidFill>
+              <a:effectLst/>
+              <a:uLnTx/>
+              <a:uFillTx/>
+              <a:latin typeface="Calibri" panose="020F0502020204030204"/>
+              <a:ea typeface="+mn-ea"/>
+              <a:cs typeface="+mn-cs"/>
+            </a:endParaRPr>
           </a:p>
         </p:txBody>
       </p:sp>
       <p:pic>
         <p:nvPicPr>
-          <p:cNvPr id="5" name="Picture 4">
+          <p:cNvPr id="27" name="Content Placeholder 3">
             <a:extLst>
               <a:ext uri="{FF2B5EF4-FFF2-40B4-BE49-F238E27FC236}">
-                <a16:creationId xmlns:a16="http://schemas.microsoft.com/office/drawing/2014/main" id="{3AA4D6A2-7ABF-440E-9F1F-24D35E34D210}"/>
+                <a16:creationId xmlns:a16="http://schemas.microsoft.com/office/drawing/2014/main" id="{5C1943A7-02CD-4AD4-84CE-7C21C244DE95}"/>
               </a:ext>
             </a:extLst>
           </p:cNvPr>
           <p:cNvPicPr>
-            <a:picLocks noChangeAspect="1"/>
+            <a:picLocks noGrp="1" noChangeAspect="1"/>
           </p:cNvPicPr>
-          <p:nvPr/>
+          <p:nvPr>
+            <p:ph idx="1"/>
+          </p:nvPr>
         </p:nvPicPr>
         <p:blipFill>
-          <a:blip r:embed="rId2">
-            <a:extLst>
-              <a:ext uri="{28A0092B-C50C-407E-A947-70E740481C1C}">
-                <a14:useLocalDpi xmlns:a14="http://schemas.microsoft.com/office/drawing/2010/main" val="0"/>
-              </a:ext>
-            </a:extLst>
-          </a:blip>
+          <a:blip r:embed="rId2"/>
           <a:stretch>
             <a:fillRect/>
           </a:stretch>
         </p:blipFill>
         <p:spPr>
           <a:xfrm>
-            <a:off x="181906" y="101037"/>
-            <a:ext cx="3517900" cy="2042651"/>
+            <a:off x="643467" y="1970448"/>
+            <a:ext cx="10905066" cy="2917104"/>
           </a:xfrm>
           <a:prstGeom prst="rect">
             <a:avLst/>
           </a:prstGeom>
-          <a:ln>
-            <a:noFill/>
-          </a:ln>
-          <a:effectLst>
-            <a:reflection blurRad="12700" stA="30000" endPos="30000" dist="5000" dir="5400000" sy="-100000" algn="bl" rotWithShape="0"/>
-          </a:effectLst>
-          <a:scene3d>
-            <a:camera prst="perspectiveContrastingLeftFacing">
-              <a:rot lat="300000" lon="19800000" rev="0"/>
-            </a:camera>
-            <a:lightRig rig="threePt" dir="t">
-              <a:rot lat="0" lon="0" rev="2700000"/>
-            </a:lightRig>
-          </a:scene3d>
-          <a:sp3d>
-            <a:bevelT w="63500" h="50800"/>
-          </a:sp3d>
         </p:spPr>
       </p:pic>
     </p:spTree>
     <p:extLst>
       <p:ext uri="{BB962C8B-B14F-4D97-AF65-F5344CB8AC3E}">
-        <p14:creationId xmlns:p14="http://schemas.microsoft.com/office/powerpoint/2010/main" val="3318884355"/>
+        <p14:creationId xmlns:p14="http://schemas.microsoft.com/office/powerpoint/2010/main" val="50383690"/>
       </p:ext>
     </p:extLst>
   </p:cSld>
   <p:clrMapOvr>
     <a:masterClrMapping/>
   </p:clrMapOvr>
-  <mc:AlternateContent xmlns:mc="http://schemas.openxmlformats.org/markup-compatibility/2006" xmlns:p14="http://schemas.microsoft.com/office/powerpoint/2010/main">
-    <mc:Choice Requires="p14">
-      <p:transition spd="slow" p14:dur="800">
-        <p:circle/>
-      </p:transition>
-    </mc:Choice>
-    <mc:Fallback xmlns="">
-      <p:transition spd="slow">
-        <p:circle/>
-      </p:transition>
-    </mc:Fallback>
-  </mc:AlternateContent>
-  <p:timing>
-    <p:tnLst>
-      <p:par>
-        <p:cTn id="1" dur="indefinite" restart="never" nodeType="tmRoot">
-          <p:childTnLst>
-            <p:seq concurrent="1" nextAc="seek">
-              <p:cTn id="2" dur="indefinite" nodeType="mainSeq">
-                <p:childTnLst>
-                  <p:par>
-                    <p:cTn id="3" fill="hold">
-                      <p:stCondLst>
-                        <p:cond delay="indefinite"/>
-                      </p:stCondLst>
-                      <p:childTnLst>
-                        <p:par>
-                          <p:cTn id="4" fill="hold">
-                            <p:stCondLst>
-                              <p:cond delay="0"/>
-                            </p:stCondLst>
-                            <p:childTnLst>
-                              <p:par>
-                                <p:cTn id="5" presetID="2" presetClass="entr" presetSubtype="4" fill="hold" nodeType="clickEffect">
-                                  <p:stCondLst>
-                                    <p:cond delay="0"/>
-                                  </p:stCondLst>
-                                  <p:childTnLst>
-                                    <p:set>
-                                      <p:cBhvr>
-                                        <p:cTn id="6" dur="1" fill="hold">
-                                          <p:stCondLst>
-                                            <p:cond delay="0"/>
-                                          </p:stCondLst>
-                                        </p:cTn>
-                                        <p:tgtEl>
-                                          <p:spTgt spid="3">
-                                            <p:txEl>
-                                              <p:pRg st="0" end="0"/>
-                                            </p:txEl>
-                                          </p:spTgt>
-                                        </p:tgtEl>
-                                        <p:attrNameLst>
-                                          <p:attrName>style.visibility</p:attrName>
-                                        </p:attrNameLst>
-                                      </p:cBhvr>
-                                      <p:to>
-                                        <p:strVal val="visible"/>
-                                      </p:to>
-                                    </p:set>
-                                    <p:anim calcmode="lin" valueType="num">
-                                      <p:cBhvr additive="base">
-                                        <p:cTn id="7" dur="500" fill="hold"/>
-                                        <p:tgtEl>
-                                          <p:spTgt spid="3">
-                                            <p:txEl>
-                                              <p:pRg st="0" end="0"/>
-                                            </p:txEl>
-                                          </p:spTgt>
-                                        </p:tgtEl>
-                                        <p:attrNameLst>
-                                          <p:attrName>ppt_x</p:attrName>
-                                        </p:attrNameLst>
-                                      </p:cBhvr>
-                                      <p:tavLst>
-                                        <p:tav tm="0">
-                                          <p:val>
-                                            <p:strVal val="#ppt_x"/>
-                                          </p:val>
-                                        </p:tav>
-                                        <p:tav tm="100000">
-                                          <p:val>
-                                            <p:strVal val="#ppt_x"/>
-                                          </p:val>
-                                        </p:tav>
-                                      </p:tavLst>
-                                    </p:anim>
-                                    <p:anim calcmode="lin" valueType="num">
-                                      <p:cBhvr additive="base">
-                                        <p:cTn id="8" dur="500" fill="hold"/>
-                                        <p:tgtEl>
-                                          <p:spTgt spid="3">
-                                            <p:txEl>
-                                              <p:pRg st="0" end="0"/>
-                                            </p:txEl>
-                                          </p:spTgt>
-                                        </p:tgtEl>
-                                        <p:attrNameLst>
-                                          <p:attrName>ppt_y</p:attrName>
-                                        </p:attrNameLst>
-                                      </p:cBhvr>
-                                      <p:tavLst>
-                                        <p:tav tm="0">
-                                          <p:val>
-                                            <p:strVal val="1+#ppt_h/2"/>
-                                          </p:val>
-                                        </p:tav>
-                                        <p:tav tm="100000">
-                                          <p:val>
-                                            <p:strVal val="#ppt_y"/>
-                                          </p:val>
-                                        </p:tav>
-                                      </p:tavLst>
-                                    </p:anim>
-                                  </p:childTnLst>
-                                </p:cTn>
-                              </p:par>
-                              <p:par>
-                                <p:cTn id="9" presetID="2" presetClass="entr" presetSubtype="4" fill="hold" nodeType="withEffect">
-                                  <p:stCondLst>
-                                    <p:cond delay="0"/>
-                                  </p:stCondLst>
-                                  <p:childTnLst>
-                                    <p:set>
-                                      <p:cBhvr>
-                                        <p:cTn id="10" dur="1" fill="hold">
-                                          <p:stCondLst>
-                                            <p:cond delay="0"/>
-                                          </p:stCondLst>
-                                        </p:cTn>
-                                        <p:tgtEl>
-                                          <p:spTgt spid="3">
-                                            <p:txEl>
-                                              <p:pRg st="1" end="1"/>
-                                            </p:txEl>
-                                          </p:spTgt>
-                                        </p:tgtEl>
-                                        <p:attrNameLst>
-                                          <p:attrName>style.visibility</p:attrName>
-                                        </p:attrNameLst>
-                                      </p:cBhvr>
-                                      <p:to>
-                                        <p:strVal val="visible"/>
-                                      </p:to>
-                                    </p:set>
-                                    <p:anim calcmode="lin" valueType="num">
-                                      <p:cBhvr additive="base">
-                                        <p:cTn id="11" dur="500" fill="hold"/>
-                                        <p:tgtEl>
-                                          <p:spTgt spid="3">
-                                            <p:txEl>
-                                              <p:pRg st="1" end="1"/>
-                                            </p:txEl>
-                                          </p:spTgt>
-                                        </p:tgtEl>
-                                        <p:attrNameLst>
-                                          <p:attrName>ppt_x</p:attrName>
-                                        </p:attrNameLst>
-                                      </p:cBhvr>
-                                      <p:tavLst>
-                                        <p:tav tm="0">
-                                          <p:val>
-                                            <p:strVal val="#ppt_x"/>
-                                          </p:val>
-                                        </p:tav>
-                                        <p:tav tm="100000">
-                                          <p:val>
-                                            <p:strVal val="#ppt_x"/>
-                                          </p:val>
-                                        </p:tav>
-                                      </p:tavLst>
-                                    </p:anim>
-                                    <p:anim calcmode="lin" valueType="num">
-                                      <p:cBhvr additive="base">
-                                        <p:cTn id="12" dur="500" fill="hold"/>
-                                        <p:tgtEl>
-                                          <p:spTgt spid="3">
-                                            <p:txEl>
-                                              <p:pRg st="1" end="1"/>
-                                            </p:txEl>
-                                          </p:spTgt>
-                                        </p:tgtEl>
-                                        <p:attrNameLst>
-                                          <p:attrName>ppt_y</p:attrName>
-                                        </p:attrNameLst>
-                                      </p:cBhvr>
-                                      <p:tavLst>
-                                        <p:tav tm="0">
-                                          <p:val>
-                                            <p:strVal val="1+#ppt_h/2"/>
-                                          </p:val>
-                                        </p:tav>
-                                        <p:tav tm="100000">
-                                          <p:val>
-                                            <p:strVal val="#ppt_y"/>
-                                          </p:val>
-                                        </p:tav>
-                                      </p:tavLst>
-                                    </p:anim>
-                                  </p:childTnLst>
-                                </p:cTn>
-                              </p:par>
-                              <p:par>
-                                <p:cTn id="13" presetID="2" presetClass="entr" presetSubtype="4" fill="hold" nodeType="withEffect">
-                                  <p:stCondLst>
-                                    <p:cond delay="0"/>
-                                  </p:stCondLst>
-                                  <p:childTnLst>
-                                    <p:set>
-                                      <p:cBhvr>
-                                        <p:cTn id="14" dur="1" fill="hold">
-                                          <p:stCondLst>
-                                            <p:cond delay="0"/>
-                                          </p:stCondLst>
-                                        </p:cTn>
-                                        <p:tgtEl>
-                                          <p:spTgt spid="3">
-                                            <p:txEl>
-                                              <p:pRg st="2" end="2"/>
-                                            </p:txEl>
-                                          </p:spTgt>
-                                        </p:tgtEl>
-                                        <p:attrNameLst>
-                                          <p:attrName>style.visibility</p:attrName>
-                                        </p:attrNameLst>
-                                      </p:cBhvr>
-                                      <p:to>
-                                        <p:strVal val="visible"/>
-                                      </p:to>
-                                    </p:set>
-                                    <p:anim calcmode="lin" valueType="num">
-                                      <p:cBhvr additive="base">
-                                        <p:cTn id="15" dur="500" fill="hold"/>
-                                        <p:tgtEl>
-                                          <p:spTgt spid="3">
-                                            <p:txEl>
-                                              <p:pRg st="2" end="2"/>
-                                            </p:txEl>
-                                          </p:spTgt>
-                                        </p:tgtEl>
-                                        <p:attrNameLst>
-                                          <p:attrName>ppt_x</p:attrName>
-                                        </p:attrNameLst>
-                                      </p:cBhvr>
-                                      <p:tavLst>
-                                        <p:tav tm="0">
-                                          <p:val>
-                                            <p:strVal val="#ppt_x"/>
-                                          </p:val>
-                                        </p:tav>
-                                        <p:tav tm="100000">
-                                          <p:val>
-                                            <p:strVal val="#ppt_x"/>
-                                          </p:val>
-                                        </p:tav>
-                                      </p:tavLst>
-                                    </p:anim>
-                                    <p:anim calcmode="lin" valueType="num">
-                                      <p:cBhvr additive="base">
-                                        <p:cTn id="16" dur="500" fill="hold"/>
-                                        <p:tgtEl>
-                                          <p:spTgt spid="3">
-                                            <p:txEl>
-                                              <p:pRg st="2" end="2"/>
-                                            </p:txEl>
-                                          </p:spTgt>
-                                        </p:tgtEl>
-                                        <p:attrNameLst>
-                                          <p:attrName>ppt_y</p:attrName>
-                                        </p:attrNameLst>
-                                      </p:cBhvr>
-                                      <p:tavLst>
-                                        <p:tav tm="0">
-                                          <p:val>
-                                            <p:strVal val="1+#ppt_h/2"/>
-                                          </p:val>
-                                        </p:tav>
-                                        <p:tav tm="100000">
-                                          <p:val>
-                                            <p:strVal val="#ppt_y"/>
-                                          </p:val>
-                                        </p:tav>
-                                      </p:tavLst>
-                                    </p:anim>
-                                  </p:childTnLst>
-                                </p:cTn>
-                              </p:par>
-                              <p:par>
-                                <p:cTn id="17" presetID="2" presetClass="entr" presetSubtype="4" fill="hold" nodeType="withEffect">
-                                  <p:stCondLst>
-                                    <p:cond delay="0"/>
-                                  </p:stCondLst>
-                                  <p:childTnLst>
-                                    <p:set>
-                                      <p:cBhvr>
-                                        <p:cTn id="18" dur="1" fill="hold">
-                                          <p:stCondLst>
-                                            <p:cond delay="0"/>
-                                          </p:stCondLst>
-                                        </p:cTn>
-                                        <p:tgtEl>
-                                          <p:spTgt spid="3">
-                                            <p:txEl>
-                                              <p:pRg st="3" end="3"/>
-                                            </p:txEl>
-                                          </p:spTgt>
-                                        </p:tgtEl>
-                                        <p:attrNameLst>
-                                          <p:attrName>style.visibility</p:attrName>
-                                        </p:attrNameLst>
-                                      </p:cBhvr>
-                                      <p:to>
-                                        <p:strVal val="visible"/>
-                                      </p:to>
-                                    </p:set>
-                                    <p:anim calcmode="lin" valueType="num">
-                                      <p:cBhvr additive="base">
-                                        <p:cTn id="19" dur="500" fill="hold"/>
-                                        <p:tgtEl>
-                                          <p:spTgt spid="3">
-                                            <p:txEl>
-                                              <p:pRg st="3" end="3"/>
-                                            </p:txEl>
-                                          </p:spTgt>
-                                        </p:tgtEl>
-                                        <p:attrNameLst>
-                                          <p:attrName>ppt_x</p:attrName>
-                                        </p:attrNameLst>
-                                      </p:cBhvr>
-                                      <p:tavLst>
-                                        <p:tav tm="0">
-                                          <p:val>
-                                            <p:strVal val="#ppt_x"/>
-                                          </p:val>
-                                        </p:tav>
-                                        <p:tav tm="100000">
-                                          <p:val>
-                                            <p:strVal val="#ppt_x"/>
-                                          </p:val>
-                                        </p:tav>
-                                      </p:tavLst>
-                                    </p:anim>
-                                    <p:anim calcmode="lin" valueType="num">
-                                      <p:cBhvr additive="base">
-                                        <p:cTn id="20" dur="500" fill="hold"/>
-                                        <p:tgtEl>
-                                          <p:spTgt spid="3">
-                                            <p:txEl>
-                                              <p:pRg st="3" end="3"/>
-                                            </p:txEl>
-                                          </p:spTgt>
-                                        </p:tgtEl>
-                                        <p:attrNameLst>
-                                          <p:attrName>ppt_y</p:attrName>
-                                        </p:attrNameLst>
-                                      </p:cBhvr>
-                                      <p:tavLst>
-                                        <p:tav tm="0">
-                                          <p:val>
-                                            <p:strVal val="1+#ppt_h/2"/>
-                                          </p:val>
-                                        </p:tav>
-                                        <p:tav tm="100000">
-                                          <p:val>
-                                            <p:strVal val="#ppt_y"/>
-                                          </p:val>
-                                        </p:tav>
-                                      </p:tavLst>
-                                    </p:anim>
-                                  </p:childTnLst>
-                                </p:cTn>
-                              </p:par>
-                              <p:par>
-                                <p:cTn id="21" presetID="2" presetClass="entr" presetSubtype="4" fill="hold" nodeType="withEffect">
-                                  <p:stCondLst>
-                                    <p:cond delay="0"/>
-                                  </p:stCondLst>
-                                  <p:childTnLst>
-                                    <p:set>
-                                      <p:cBhvr>
-                                        <p:cTn id="22" dur="1" fill="hold">
-                                          <p:stCondLst>
-                                            <p:cond delay="0"/>
-                                          </p:stCondLst>
-                                        </p:cTn>
-                                        <p:tgtEl>
-                                          <p:spTgt spid="3">
-                                            <p:txEl>
-                                              <p:pRg st="4" end="4"/>
-                                            </p:txEl>
-                                          </p:spTgt>
-                                        </p:tgtEl>
-                                        <p:attrNameLst>
-                                          <p:attrName>style.visibility</p:attrName>
-                                        </p:attrNameLst>
-                                      </p:cBhvr>
-                                      <p:to>
-                                        <p:strVal val="visible"/>
-                                      </p:to>
-                                    </p:set>
-                                    <p:anim calcmode="lin" valueType="num">
-                                      <p:cBhvr additive="base">
-                                        <p:cTn id="23" dur="500" fill="hold"/>
-                                        <p:tgtEl>
-                                          <p:spTgt spid="3">
-                                            <p:txEl>
-                                              <p:pRg st="4" end="4"/>
-                                            </p:txEl>
-                                          </p:spTgt>
-                                        </p:tgtEl>
-                                        <p:attrNameLst>
-                                          <p:attrName>ppt_x</p:attrName>
-                                        </p:attrNameLst>
-                                      </p:cBhvr>
-                                      <p:tavLst>
-                                        <p:tav tm="0">
-                                          <p:val>
-                                            <p:strVal val="#ppt_x"/>
-                                          </p:val>
-                                        </p:tav>
-                                        <p:tav tm="100000">
-                                          <p:val>
-                                            <p:strVal val="#ppt_x"/>
-                                          </p:val>
-                                        </p:tav>
-                                      </p:tavLst>
-                                    </p:anim>
-                                    <p:anim calcmode="lin" valueType="num">
-                                      <p:cBhvr additive="base">
-                                        <p:cTn id="24" dur="500" fill="hold"/>
-                                        <p:tgtEl>
-                                          <p:spTgt spid="3">
-                                            <p:txEl>
-                                              <p:pRg st="4" end="4"/>
-                                            </p:txEl>
-                                          </p:spTgt>
-                                        </p:tgtEl>
-                                        <p:attrNameLst>
-                                          <p:attrName>ppt_y</p:attrName>
-                                        </p:attrNameLst>
-                                      </p:cBhvr>
-                                      <p:tavLst>
-                                        <p:tav tm="0">
-                                          <p:val>
-                                            <p:strVal val="1+#ppt_h/2"/>
-                                          </p:val>
-                                        </p:tav>
-                                        <p:tav tm="100000">
-                                          <p:val>
-                                            <p:strVal val="#ppt_y"/>
-                                          </p:val>
-                                        </p:tav>
-                                      </p:tavLst>
-                                    </p:anim>
-                                  </p:childTnLst>
-                                </p:cTn>
-                              </p:par>
-                              <p:par>
-                                <p:cTn id="25" presetID="2" presetClass="entr" presetSubtype="4" fill="hold" nodeType="withEffect">
-                                  <p:stCondLst>
-                                    <p:cond delay="0"/>
-                                  </p:stCondLst>
-                                  <p:childTnLst>
-                                    <p:set>
-                                      <p:cBhvr>
-                                        <p:cTn id="26" dur="1" fill="hold">
-                                          <p:stCondLst>
-                                            <p:cond delay="0"/>
-                                          </p:stCondLst>
-                                        </p:cTn>
-                                        <p:tgtEl>
-                                          <p:spTgt spid="3">
-                                            <p:txEl>
-                                              <p:pRg st="5" end="5"/>
-                                            </p:txEl>
-                                          </p:spTgt>
-                                        </p:tgtEl>
-                                        <p:attrNameLst>
-                                          <p:attrName>style.visibility</p:attrName>
-                                        </p:attrNameLst>
-                                      </p:cBhvr>
-                                      <p:to>
-                                        <p:strVal val="visible"/>
-                                      </p:to>
-                                    </p:set>
-                                    <p:anim calcmode="lin" valueType="num">
-                                      <p:cBhvr additive="base">
-                                        <p:cTn id="27" dur="500" fill="hold"/>
-                                        <p:tgtEl>
-                                          <p:spTgt spid="3">
-                                            <p:txEl>
-                                              <p:pRg st="5" end="5"/>
-                                            </p:txEl>
-                                          </p:spTgt>
-                                        </p:tgtEl>
-                                        <p:attrNameLst>
-                                          <p:attrName>ppt_x</p:attrName>
-                                        </p:attrNameLst>
-                                      </p:cBhvr>
-                                      <p:tavLst>
-                                        <p:tav tm="0">
-                                          <p:val>
-                                            <p:strVal val="#ppt_x"/>
-                                          </p:val>
-                                        </p:tav>
-                                        <p:tav tm="100000">
-                                          <p:val>
-                                            <p:strVal val="#ppt_x"/>
-                                          </p:val>
-                                        </p:tav>
-                                      </p:tavLst>
-                                    </p:anim>
-                                    <p:anim calcmode="lin" valueType="num">
-                                      <p:cBhvr additive="base">
-                                        <p:cTn id="28" dur="500" fill="hold"/>
-                                        <p:tgtEl>
-                                          <p:spTgt spid="3">
-                                            <p:txEl>
-                                              <p:pRg st="5" end="5"/>
-                                            </p:txEl>
-                                          </p:spTgt>
-                                        </p:tgtEl>
-                                        <p:attrNameLst>
-                                          <p:attrName>ppt_y</p:attrName>
-                                        </p:attrNameLst>
-                                      </p:cBhvr>
-                                      <p:tavLst>
-                                        <p:tav tm="0">
-                                          <p:val>
-                                            <p:strVal val="1+#ppt_h/2"/>
-                                          </p:val>
-                                        </p:tav>
-                                        <p:tav tm="100000">
-                                          <p:val>
-                                            <p:strVal val="#ppt_y"/>
-                                          </p:val>
-                                        </p:tav>
-                                      </p:tavLst>
-                                    </p:anim>
-                                  </p:childTnLst>
-                                </p:cTn>
-                              </p:par>
-                            </p:childTnLst>
-                          </p:cTn>
-                        </p:par>
-                      </p:childTnLst>
-                    </p:cTn>
-                  </p:par>
-                  <p:par>
-                    <p:cTn id="29" fill="hold">
-                      <p:stCondLst>
-                        <p:cond delay="indefinite"/>
-                      </p:stCondLst>
-                      <p:childTnLst>
-                        <p:par>
-                          <p:cTn id="30" fill="hold">
-                            <p:stCondLst>
-                              <p:cond delay="0"/>
-                            </p:stCondLst>
-                            <p:childTnLst>
-                              <p:par>
-                                <p:cTn id="31" presetID="2" presetClass="entr" presetSubtype="4" fill="hold" nodeType="clickEffect">
-                                  <p:stCondLst>
-                                    <p:cond delay="0"/>
-                                  </p:stCondLst>
-                                  <p:childTnLst>
-                                    <p:set>
-                                      <p:cBhvr>
-                                        <p:cTn id="32" dur="1" fill="hold">
-                                          <p:stCondLst>
-                                            <p:cond delay="0"/>
-                                          </p:stCondLst>
-                                        </p:cTn>
-                                        <p:tgtEl>
-                                          <p:spTgt spid="3">
-                                            <p:txEl>
-                                              <p:pRg st="9" end="9"/>
-                                            </p:txEl>
-                                          </p:spTgt>
-                                        </p:tgtEl>
-                                        <p:attrNameLst>
-                                          <p:attrName>style.visibility</p:attrName>
-                                        </p:attrNameLst>
-                                      </p:cBhvr>
-                                      <p:to>
-                                        <p:strVal val="visible"/>
-                                      </p:to>
-                                    </p:set>
-                                    <p:anim calcmode="lin" valueType="num">
-                                      <p:cBhvr additive="base">
-                                        <p:cTn id="33" dur="500" fill="hold"/>
-                                        <p:tgtEl>
-                                          <p:spTgt spid="3">
-                                            <p:txEl>
-                                              <p:pRg st="9" end="9"/>
-                                            </p:txEl>
-                                          </p:spTgt>
-                                        </p:tgtEl>
-                                        <p:attrNameLst>
-                                          <p:attrName>ppt_x</p:attrName>
-                                        </p:attrNameLst>
-                                      </p:cBhvr>
-                                      <p:tavLst>
-                                        <p:tav tm="0">
-                                          <p:val>
-                                            <p:strVal val="#ppt_x"/>
-                                          </p:val>
-                                        </p:tav>
-                                        <p:tav tm="100000">
-                                          <p:val>
-                                            <p:strVal val="#ppt_x"/>
-                                          </p:val>
-                                        </p:tav>
-                                      </p:tavLst>
-                                    </p:anim>
-                                    <p:anim calcmode="lin" valueType="num">
-                                      <p:cBhvr additive="base">
-                                        <p:cTn id="34" dur="500" fill="hold"/>
-                                        <p:tgtEl>
-                                          <p:spTgt spid="3">
-                                            <p:txEl>
-                                              <p:pRg st="9" end="9"/>
-                                            </p:txEl>
-                                          </p:spTgt>
-                                        </p:tgtEl>
-                                        <p:attrNameLst>
-                                          <p:attrName>ppt_y</p:attrName>
-                                        </p:attrNameLst>
-                                      </p:cBhvr>
-                                      <p:tavLst>
-                                        <p:tav tm="0">
-                                          <p:val>
-                                            <p:strVal val="1+#ppt_h/2"/>
-                                          </p:val>
-                                        </p:tav>
-                                        <p:tav tm="100000">
-                                          <p:val>
-                                            <p:strVal val="#ppt_y"/>
-                                          </p:val>
-                                        </p:tav>
-                                      </p:tavLst>
-                                    </p:anim>
-                                  </p:childTnLst>
-                                </p:cTn>
-                              </p:par>
-                              <p:par>
-                                <p:cTn id="35" presetID="2" presetClass="entr" presetSubtype="4" fill="hold" nodeType="withEffect">
-                                  <p:stCondLst>
-                                    <p:cond delay="0"/>
-                                  </p:stCondLst>
-                                  <p:childTnLst>
-                                    <p:set>
-                                      <p:cBhvr>
-                                        <p:cTn id="36" dur="1" fill="hold">
-                                          <p:stCondLst>
-                                            <p:cond delay="0"/>
-                                          </p:stCondLst>
-                                        </p:cTn>
-                                        <p:tgtEl>
-                                          <p:spTgt spid="3">
-                                            <p:txEl>
-                                              <p:pRg st="10" end="10"/>
-                                            </p:txEl>
-                                          </p:spTgt>
-                                        </p:tgtEl>
-                                        <p:attrNameLst>
-                                          <p:attrName>style.visibility</p:attrName>
-                                        </p:attrNameLst>
-                                      </p:cBhvr>
-                                      <p:to>
-                                        <p:strVal val="visible"/>
-                                      </p:to>
-                                    </p:set>
-                                    <p:anim calcmode="lin" valueType="num">
-                                      <p:cBhvr additive="base">
-                                        <p:cTn id="37" dur="500" fill="hold"/>
-                                        <p:tgtEl>
-                                          <p:spTgt spid="3">
-                                            <p:txEl>
-                                              <p:pRg st="10" end="10"/>
-                                            </p:txEl>
-                                          </p:spTgt>
-                                        </p:tgtEl>
-                                        <p:attrNameLst>
-                                          <p:attrName>ppt_x</p:attrName>
-                                        </p:attrNameLst>
-                                      </p:cBhvr>
-                                      <p:tavLst>
-                                        <p:tav tm="0">
-                                          <p:val>
-                                            <p:strVal val="#ppt_x"/>
-                                          </p:val>
-                                        </p:tav>
-                                        <p:tav tm="100000">
-                                          <p:val>
-                                            <p:strVal val="#ppt_x"/>
-                                          </p:val>
-                                        </p:tav>
-                                      </p:tavLst>
-                                    </p:anim>
-                                    <p:anim calcmode="lin" valueType="num">
-                                      <p:cBhvr additive="base">
-                                        <p:cTn id="38" dur="500" fill="hold"/>
-                                        <p:tgtEl>
-                                          <p:spTgt spid="3">
-                                            <p:txEl>
-                                              <p:pRg st="10" end="10"/>
-                                            </p:txEl>
-                                          </p:spTgt>
-                                        </p:tgtEl>
-                                        <p:attrNameLst>
-                                          <p:attrName>ppt_y</p:attrName>
-                                        </p:attrNameLst>
-                                      </p:cBhvr>
-                                      <p:tavLst>
-                                        <p:tav tm="0">
-                                          <p:val>
-                                            <p:strVal val="1+#ppt_h/2"/>
-                                          </p:val>
-                                        </p:tav>
-                                        <p:tav tm="100000">
-                                          <p:val>
-                                            <p:strVal val="#ppt_y"/>
-                                          </p:val>
-                                        </p:tav>
-                                      </p:tavLst>
-                                    </p:anim>
-                                  </p:childTnLst>
-                                </p:cTn>
-                              </p:par>
-                              <p:par>
-                                <p:cTn id="39" presetID="2" presetClass="entr" presetSubtype="4" fill="hold" nodeType="withEffect">
-                                  <p:stCondLst>
-                                    <p:cond delay="0"/>
-                                  </p:stCondLst>
-                                  <p:childTnLst>
-                                    <p:set>
-                                      <p:cBhvr>
-                                        <p:cTn id="40" dur="1" fill="hold">
-                                          <p:stCondLst>
-                                            <p:cond delay="0"/>
-                                          </p:stCondLst>
-                                        </p:cTn>
-                                        <p:tgtEl>
-                                          <p:spTgt spid="3">
-                                            <p:txEl>
-                                              <p:pRg st="11" end="11"/>
-                                            </p:txEl>
-                                          </p:spTgt>
-                                        </p:tgtEl>
-                                        <p:attrNameLst>
-                                          <p:attrName>style.visibility</p:attrName>
-                                        </p:attrNameLst>
-                                      </p:cBhvr>
-                                      <p:to>
-                                        <p:strVal val="visible"/>
-                                      </p:to>
-                                    </p:set>
-                                    <p:anim calcmode="lin" valueType="num">
-                                      <p:cBhvr additive="base">
-                                        <p:cTn id="41" dur="500" fill="hold"/>
-                                        <p:tgtEl>
-                                          <p:spTgt spid="3">
-                                            <p:txEl>
-                                              <p:pRg st="11" end="11"/>
-                                            </p:txEl>
-                                          </p:spTgt>
-                                        </p:tgtEl>
-                                        <p:attrNameLst>
-                                          <p:attrName>ppt_x</p:attrName>
-                                        </p:attrNameLst>
-                                      </p:cBhvr>
-                                      <p:tavLst>
-                                        <p:tav tm="0">
-                                          <p:val>
-                                            <p:strVal val="#ppt_x"/>
-                                          </p:val>
-                                        </p:tav>
-                                        <p:tav tm="100000">
-                                          <p:val>
-                                            <p:strVal val="#ppt_x"/>
-                                          </p:val>
-                                        </p:tav>
-                                      </p:tavLst>
-                                    </p:anim>
-                                    <p:anim calcmode="lin" valueType="num">
-                                      <p:cBhvr additive="base">
-                                        <p:cTn id="42" dur="500" fill="hold"/>
-                                        <p:tgtEl>
-                                          <p:spTgt spid="3">
-                                            <p:txEl>
-                                              <p:pRg st="11" end="11"/>
-                                            </p:txEl>
-                                          </p:spTgt>
-                                        </p:tgtEl>
-                                        <p:attrNameLst>
-                                          <p:attrName>ppt_y</p:attrName>
-                                        </p:attrNameLst>
-                                      </p:cBhvr>
-                                      <p:tavLst>
-                                        <p:tav tm="0">
-                                          <p:val>
-                                            <p:strVal val="1+#ppt_h/2"/>
-                                          </p:val>
-                                        </p:tav>
-                                        <p:tav tm="100000">
-                                          <p:val>
-                                            <p:strVal val="#ppt_y"/>
-                                          </p:val>
-                                        </p:tav>
-                                      </p:tavLst>
-                                    </p:anim>
-                                  </p:childTnLst>
-                                </p:cTn>
-                              </p:par>
-                              <p:par>
-                                <p:cTn id="43" presetID="2" presetClass="entr" presetSubtype="4" fill="hold" nodeType="withEffect">
-                                  <p:stCondLst>
-                                    <p:cond delay="0"/>
-                                  </p:stCondLst>
-                                  <p:childTnLst>
-                                    <p:set>
-                                      <p:cBhvr>
-                                        <p:cTn id="44" dur="1" fill="hold">
-                                          <p:stCondLst>
-                                            <p:cond delay="0"/>
-                                          </p:stCondLst>
-                                        </p:cTn>
-                                        <p:tgtEl>
-                                          <p:spTgt spid="3">
-                                            <p:txEl>
-                                              <p:pRg st="12" end="12"/>
-                                            </p:txEl>
-                                          </p:spTgt>
-                                        </p:tgtEl>
-                                        <p:attrNameLst>
-                                          <p:attrName>style.visibility</p:attrName>
-                                        </p:attrNameLst>
-                                      </p:cBhvr>
-                                      <p:to>
-                                        <p:strVal val="visible"/>
-                                      </p:to>
-                                    </p:set>
-                                    <p:anim calcmode="lin" valueType="num">
-                                      <p:cBhvr additive="base">
-                                        <p:cTn id="45" dur="500" fill="hold"/>
-                                        <p:tgtEl>
-                                          <p:spTgt spid="3">
-                                            <p:txEl>
-                                              <p:pRg st="12" end="12"/>
-                                            </p:txEl>
-                                          </p:spTgt>
-                                        </p:tgtEl>
-                                        <p:attrNameLst>
-                                          <p:attrName>ppt_x</p:attrName>
-                                        </p:attrNameLst>
-                                      </p:cBhvr>
-                                      <p:tavLst>
-                                        <p:tav tm="0">
-                                          <p:val>
-                                            <p:strVal val="#ppt_x"/>
-                                          </p:val>
-                                        </p:tav>
-                                        <p:tav tm="100000">
-                                          <p:val>
-                                            <p:strVal val="#ppt_x"/>
-                                          </p:val>
-                                        </p:tav>
-                                      </p:tavLst>
-                                    </p:anim>
-                                    <p:anim calcmode="lin" valueType="num">
-                                      <p:cBhvr additive="base">
-                                        <p:cTn id="46" dur="500" fill="hold"/>
-                                        <p:tgtEl>
-                                          <p:spTgt spid="3">
-                                            <p:txEl>
-                                              <p:pRg st="12" end="12"/>
-                                            </p:txEl>
-                                          </p:spTgt>
-                                        </p:tgtEl>
-                                        <p:attrNameLst>
-                                          <p:attrName>ppt_y</p:attrName>
-                                        </p:attrNameLst>
-                                      </p:cBhvr>
-                                      <p:tavLst>
-                                        <p:tav tm="0">
-                                          <p:val>
-                                            <p:strVal val="1+#ppt_h/2"/>
-                                          </p:val>
-                                        </p:tav>
-                                        <p:tav tm="100000">
-                                          <p:val>
-                                            <p:strVal val="#ppt_y"/>
-                                          </p:val>
-                                        </p:tav>
-                                      </p:tavLst>
-                                    </p:anim>
-                                  </p:childTnLst>
-                                </p:cTn>
-                              </p:par>
-                              <p:par>
-                                <p:cTn id="47" presetID="2" presetClass="entr" presetSubtype="4" fill="hold" nodeType="withEffect">
-                                  <p:stCondLst>
-                                    <p:cond delay="0"/>
-                                  </p:stCondLst>
-                                  <p:childTnLst>
-                                    <p:set>
-                                      <p:cBhvr>
-                                        <p:cTn id="48" dur="1" fill="hold">
-                                          <p:stCondLst>
-                                            <p:cond delay="0"/>
-                                          </p:stCondLst>
-                                        </p:cTn>
-                                        <p:tgtEl>
-                                          <p:spTgt spid="3">
-                                            <p:txEl>
-                                              <p:pRg st="13" end="13"/>
-                                            </p:txEl>
-                                          </p:spTgt>
-                                        </p:tgtEl>
-                                        <p:attrNameLst>
-                                          <p:attrName>style.visibility</p:attrName>
-                                        </p:attrNameLst>
-                                      </p:cBhvr>
-                                      <p:to>
-                                        <p:strVal val="visible"/>
-                                      </p:to>
-                                    </p:set>
-                                    <p:anim calcmode="lin" valueType="num">
-                                      <p:cBhvr additive="base">
-                                        <p:cTn id="49" dur="500" fill="hold"/>
-                                        <p:tgtEl>
-                                          <p:spTgt spid="3">
-                                            <p:txEl>
-                                              <p:pRg st="13" end="13"/>
-                                            </p:txEl>
-                                          </p:spTgt>
-                                        </p:tgtEl>
-                                        <p:attrNameLst>
-                                          <p:attrName>ppt_x</p:attrName>
-                                        </p:attrNameLst>
-                                      </p:cBhvr>
-                                      <p:tavLst>
-                                        <p:tav tm="0">
-                                          <p:val>
-                                            <p:strVal val="#ppt_x"/>
-                                          </p:val>
-                                        </p:tav>
-                                        <p:tav tm="100000">
-                                          <p:val>
-                                            <p:strVal val="#ppt_x"/>
-                                          </p:val>
-                                        </p:tav>
-                                      </p:tavLst>
-                                    </p:anim>
-                                    <p:anim calcmode="lin" valueType="num">
-                                      <p:cBhvr additive="base">
-                                        <p:cTn id="50" dur="500" fill="hold"/>
-                                        <p:tgtEl>
-                                          <p:spTgt spid="3">
-                                            <p:txEl>
-                                              <p:pRg st="13" end="13"/>
-                                            </p:txEl>
-                                          </p:spTgt>
-                                        </p:tgtEl>
-                                        <p:attrNameLst>
-                                          <p:attrName>ppt_y</p:attrName>
-                                        </p:attrNameLst>
-                                      </p:cBhvr>
-                                      <p:tavLst>
-                                        <p:tav tm="0">
-                                          <p:val>
-                                            <p:strVal val="1+#ppt_h/2"/>
-                                          </p:val>
-                                        </p:tav>
-                                        <p:tav tm="100000">
-                                          <p:val>
-                                            <p:strVal val="#ppt_y"/>
-                                          </p:val>
-                                        </p:tav>
-                                      </p:tavLst>
-                                    </p:anim>
-                                  </p:childTnLst>
-                                </p:cTn>
-                              </p:par>
-                              <p:par>
-                                <p:cTn id="51" presetID="2" presetClass="entr" presetSubtype="4" fill="hold" nodeType="withEffect">
-                                  <p:stCondLst>
-                                    <p:cond delay="0"/>
-                                  </p:stCondLst>
-                                  <p:childTnLst>
-                                    <p:set>
-                                      <p:cBhvr>
-                                        <p:cTn id="52" dur="1" fill="hold">
-                                          <p:stCondLst>
-                                            <p:cond delay="0"/>
-                                          </p:stCondLst>
-                                        </p:cTn>
-                                        <p:tgtEl>
-                                          <p:spTgt spid="3">
-                                            <p:txEl>
-                                              <p:pRg st="14" end="14"/>
-                                            </p:txEl>
-                                          </p:spTgt>
-                                        </p:tgtEl>
-                                        <p:attrNameLst>
-                                          <p:attrName>style.visibility</p:attrName>
-                                        </p:attrNameLst>
-                                      </p:cBhvr>
-                                      <p:to>
-                                        <p:strVal val="visible"/>
-                                      </p:to>
-                                    </p:set>
-                                    <p:anim calcmode="lin" valueType="num">
-                                      <p:cBhvr additive="base">
-                                        <p:cTn id="53" dur="500" fill="hold"/>
-                                        <p:tgtEl>
-                                          <p:spTgt spid="3">
-                                            <p:txEl>
-                                              <p:pRg st="14" end="14"/>
-                                            </p:txEl>
-                                          </p:spTgt>
-                                        </p:tgtEl>
-                                        <p:attrNameLst>
-                                          <p:attrName>ppt_x</p:attrName>
-                                        </p:attrNameLst>
-                                      </p:cBhvr>
-                                      <p:tavLst>
-                                        <p:tav tm="0">
-                                          <p:val>
-                                            <p:strVal val="#ppt_x"/>
-                                          </p:val>
-                                        </p:tav>
-                                        <p:tav tm="100000">
-                                          <p:val>
-                                            <p:strVal val="#ppt_x"/>
-                                          </p:val>
-                                        </p:tav>
-                                      </p:tavLst>
-                                    </p:anim>
-                                    <p:anim calcmode="lin" valueType="num">
-                                      <p:cBhvr additive="base">
-                                        <p:cTn id="54" dur="500" fill="hold"/>
-                                        <p:tgtEl>
-                                          <p:spTgt spid="3">
-                                            <p:txEl>
-                                              <p:pRg st="14" end="14"/>
-                                            </p:txEl>
-                                          </p:spTgt>
-                                        </p:tgtEl>
-                                        <p:attrNameLst>
-                                          <p:attrName>ppt_y</p:attrName>
-                                        </p:attrNameLst>
-                                      </p:cBhvr>
-                                      <p:tavLst>
-                                        <p:tav tm="0">
-                                          <p:val>
-                                            <p:strVal val="1+#ppt_h/2"/>
-                                          </p:val>
-                                        </p:tav>
-                                        <p:tav tm="100000">
-                                          <p:val>
-                                            <p:strVal val="#ppt_y"/>
-                                          </p:val>
-                                        </p:tav>
-                                      </p:tavLst>
-                                    </p:anim>
-                                  </p:childTnLst>
-                                </p:cTn>
-                              </p:par>
-                            </p:childTnLst>
-                          </p:cTn>
-                        </p:par>
-                      </p:childTnLst>
-                    </p:cTn>
-                  </p:par>
-                  <p:par>
-                    <p:cTn id="55" fill="hold">
-                      <p:stCondLst>
-                        <p:cond delay="indefinite"/>
-                      </p:stCondLst>
-                      <p:childTnLst>
-                        <p:par>
-                          <p:cTn id="56" fill="hold">
-                            <p:stCondLst>
-                              <p:cond delay="0"/>
-                            </p:stCondLst>
-                            <p:childTnLst>
-                              <p:par>
-                                <p:cTn id="57" presetID="2" presetClass="entr" presetSubtype="4" fill="hold" nodeType="clickEffect">
-                                  <p:stCondLst>
-                                    <p:cond delay="0"/>
-                                  </p:stCondLst>
-                                  <p:childTnLst>
-                                    <p:set>
-                                      <p:cBhvr>
-                                        <p:cTn id="58" dur="1" fill="hold">
-                                          <p:stCondLst>
-                                            <p:cond delay="0"/>
-                                          </p:stCondLst>
-                                        </p:cTn>
-                                        <p:tgtEl>
-                                          <p:spTgt spid="3">
-                                            <p:txEl>
-                                              <p:pRg st="18" end="18"/>
-                                            </p:txEl>
-                                          </p:spTgt>
-                                        </p:tgtEl>
-                                        <p:attrNameLst>
-                                          <p:attrName>style.visibility</p:attrName>
-                                        </p:attrNameLst>
-                                      </p:cBhvr>
-                                      <p:to>
-                                        <p:strVal val="visible"/>
-                                      </p:to>
-                                    </p:set>
-                                    <p:anim calcmode="lin" valueType="num">
-                                      <p:cBhvr additive="base">
-                                        <p:cTn id="59" dur="500" fill="hold"/>
-                                        <p:tgtEl>
-                                          <p:spTgt spid="3">
-                                            <p:txEl>
-                                              <p:pRg st="18" end="18"/>
-                                            </p:txEl>
-                                          </p:spTgt>
-                                        </p:tgtEl>
-                                        <p:attrNameLst>
-                                          <p:attrName>ppt_x</p:attrName>
-                                        </p:attrNameLst>
-                                      </p:cBhvr>
-                                      <p:tavLst>
-                                        <p:tav tm="0">
-                                          <p:val>
-                                            <p:strVal val="#ppt_x"/>
-                                          </p:val>
-                                        </p:tav>
-                                        <p:tav tm="100000">
-                                          <p:val>
-                                            <p:strVal val="#ppt_x"/>
-                                          </p:val>
-                                        </p:tav>
-                                      </p:tavLst>
-                                    </p:anim>
-                                    <p:anim calcmode="lin" valueType="num">
-                                      <p:cBhvr additive="base">
-                                        <p:cTn id="60" dur="500" fill="hold"/>
-                                        <p:tgtEl>
-                                          <p:spTgt spid="3">
-                                            <p:txEl>
-                                              <p:pRg st="18" end="18"/>
-                                            </p:txEl>
-                                          </p:spTgt>
-                                        </p:tgtEl>
-                                        <p:attrNameLst>
-                                          <p:attrName>ppt_y</p:attrName>
-                                        </p:attrNameLst>
-                                      </p:cBhvr>
-                                      <p:tavLst>
-                                        <p:tav tm="0">
-                                          <p:val>
-                                            <p:strVal val="1+#ppt_h/2"/>
-                                          </p:val>
-                                        </p:tav>
-                                        <p:tav tm="100000">
-                                          <p:val>
-                                            <p:strVal val="#ppt_y"/>
-                                          </p:val>
-                                        </p:tav>
-                                      </p:tavLst>
-                                    </p:anim>
-                                  </p:childTnLst>
-                                </p:cTn>
-                              </p:par>
-                            </p:childTnLst>
-                          </p:cTn>
-                        </p:par>
-                      </p:childTnLst>
-                    </p:cTn>
-                  </p:par>
-                  <p:par>
-                    <p:cTn id="61" fill="hold">
-                      <p:stCondLst>
-                        <p:cond delay="indefinite"/>
-                      </p:stCondLst>
-                      <p:childTnLst>
-                        <p:par>
-                          <p:cTn id="62" fill="hold">
-                            <p:stCondLst>
-                              <p:cond delay="0"/>
-                            </p:stCondLst>
-                            <p:childTnLst>
-                              <p:par>
-                                <p:cTn id="63" presetID="2" presetClass="entr" presetSubtype="4" fill="hold" nodeType="clickEffect">
-                                  <p:stCondLst>
-                                    <p:cond delay="0"/>
-                                  </p:stCondLst>
-                                  <p:childTnLst>
-                                    <p:set>
-                                      <p:cBhvr>
-                                        <p:cTn id="64" dur="1" fill="hold">
-                                          <p:stCondLst>
-                                            <p:cond delay="0"/>
-                                          </p:stCondLst>
-                                        </p:cTn>
-                                        <p:tgtEl>
-                                          <p:spTgt spid="3">
-                                            <p:txEl>
-                                              <p:pRg st="19" end="19"/>
-                                            </p:txEl>
-                                          </p:spTgt>
-                                        </p:tgtEl>
-                                        <p:attrNameLst>
-                                          <p:attrName>style.visibility</p:attrName>
-                                        </p:attrNameLst>
-                                      </p:cBhvr>
-                                      <p:to>
-                                        <p:strVal val="visible"/>
-                                      </p:to>
-                                    </p:set>
-                                    <p:anim calcmode="lin" valueType="num">
-                                      <p:cBhvr additive="base">
-                                        <p:cTn id="65" dur="500" fill="hold"/>
-                                        <p:tgtEl>
-                                          <p:spTgt spid="3">
-                                            <p:txEl>
-                                              <p:pRg st="19" end="19"/>
-                                            </p:txEl>
-                                          </p:spTgt>
-                                        </p:tgtEl>
-                                        <p:attrNameLst>
-                                          <p:attrName>ppt_x</p:attrName>
-                                        </p:attrNameLst>
-                                      </p:cBhvr>
-                                      <p:tavLst>
-                                        <p:tav tm="0">
-                                          <p:val>
-                                            <p:strVal val="#ppt_x"/>
-                                          </p:val>
-                                        </p:tav>
-                                        <p:tav tm="100000">
-                                          <p:val>
-                                            <p:strVal val="#ppt_x"/>
-                                          </p:val>
-                                        </p:tav>
-                                      </p:tavLst>
-                                    </p:anim>
-                                    <p:anim calcmode="lin" valueType="num">
-                                      <p:cBhvr additive="base">
-                                        <p:cTn id="66" dur="500" fill="hold"/>
-                                        <p:tgtEl>
-                                          <p:spTgt spid="3">
-                                            <p:txEl>
-                                              <p:pRg st="19" end="19"/>
-                                            </p:txEl>
-                                          </p:spTgt>
-                                        </p:tgtEl>
-                                        <p:attrNameLst>
-                                          <p:attrName>ppt_y</p:attrName>
-                                        </p:attrNameLst>
-                                      </p:cBhvr>
-                                      <p:tavLst>
-                                        <p:tav tm="0">
-                                          <p:val>
-                                            <p:strVal val="1+#ppt_h/2"/>
-                                          </p:val>
-                                        </p:tav>
-                                        <p:tav tm="100000">
-                                          <p:val>
-                                            <p:strVal val="#ppt_y"/>
-                                          </p:val>
-                                        </p:tav>
-                                      </p:tavLst>
-                                    </p:anim>
-                                  </p:childTnLst>
-                                </p:cTn>
-                              </p:par>
-                            </p:childTnLst>
-                          </p:cTn>
-                        </p:par>
-                      </p:childTnLst>
-                    </p:cTn>
-                  </p:par>
-                  <p:par>
-                    <p:cTn id="67" fill="hold">
-                      <p:stCondLst>
-                        <p:cond delay="indefinite"/>
-                      </p:stCondLst>
-                      <p:childTnLst>
-                        <p:par>
-                          <p:cTn id="68" fill="hold">
-                            <p:stCondLst>
-                              <p:cond delay="0"/>
-                            </p:stCondLst>
-                            <p:childTnLst>
-                              <p:par>
-                                <p:cTn id="69" presetID="2" presetClass="entr" presetSubtype="4" fill="hold" nodeType="clickEffect">
-                                  <p:stCondLst>
-                                    <p:cond delay="0"/>
-                                  </p:stCondLst>
-                                  <p:childTnLst>
-                                    <p:set>
-                                      <p:cBhvr>
-                                        <p:cTn id="70" dur="1" fill="hold">
-                                          <p:stCondLst>
-                                            <p:cond delay="0"/>
-                                          </p:stCondLst>
-                                        </p:cTn>
-                                        <p:tgtEl>
-                                          <p:spTgt spid="3">
-                                            <p:txEl>
-                                              <p:pRg st="20" end="20"/>
-                                            </p:txEl>
-                                          </p:spTgt>
-                                        </p:tgtEl>
-                                        <p:attrNameLst>
-                                          <p:attrName>style.visibility</p:attrName>
-                                        </p:attrNameLst>
-                                      </p:cBhvr>
-                                      <p:to>
-                                        <p:strVal val="visible"/>
-                                      </p:to>
-                                    </p:set>
-                                    <p:anim calcmode="lin" valueType="num">
-                                      <p:cBhvr additive="base">
-                                        <p:cTn id="71" dur="500" fill="hold"/>
-                                        <p:tgtEl>
-                                          <p:spTgt spid="3">
-                                            <p:txEl>
-                                              <p:pRg st="20" end="20"/>
-                                            </p:txEl>
-                                          </p:spTgt>
-                                        </p:tgtEl>
-                                        <p:attrNameLst>
-                                          <p:attrName>ppt_x</p:attrName>
-                                        </p:attrNameLst>
-                                      </p:cBhvr>
-                                      <p:tavLst>
-                                        <p:tav tm="0">
-                                          <p:val>
-                                            <p:strVal val="#ppt_x"/>
-                                          </p:val>
-                                        </p:tav>
-                                        <p:tav tm="100000">
-                                          <p:val>
-                                            <p:strVal val="#ppt_x"/>
-                                          </p:val>
-                                        </p:tav>
-                                      </p:tavLst>
-                                    </p:anim>
-                                    <p:anim calcmode="lin" valueType="num">
-                                      <p:cBhvr additive="base">
-                                        <p:cTn id="72" dur="500" fill="hold"/>
-                                        <p:tgtEl>
-                                          <p:spTgt spid="3">
-                                            <p:txEl>
-                                              <p:pRg st="20" end="20"/>
-                                            </p:txEl>
-                                          </p:spTgt>
-                                        </p:tgtEl>
-                                        <p:attrNameLst>
-                                          <p:attrName>ppt_y</p:attrName>
-                                        </p:attrNameLst>
-                                      </p:cBhvr>
-                                      <p:tavLst>
-                                        <p:tav tm="0">
-                                          <p:val>
-                                            <p:strVal val="1+#ppt_h/2"/>
-                                          </p:val>
-                                        </p:tav>
-                                        <p:tav tm="100000">
-                                          <p:val>
-                                            <p:strVal val="#ppt_y"/>
-                                          </p:val>
-                                        </p:tav>
-                                      </p:tavLst>
-                                    </p:anim>
-                                  </p:childTnLst>
-                                </p:cTn>
-                              </p:par>
-                            </p:childTnLst>
-                          </p:cTn>
-                        </p:par>
-                      </p:childTnLst>
-                    </p:cTn>
-                  </p:par>
-                  <p:par>
-                    <p:cTn id="73" fill="hold">
-                      <p:stCondLst>
-                        <p:cond delay="indefinite"/>
-                      </p:stCondLst>
-                      <p:childTnLst>
-                        <p:par>
-                          <p:cTn id="74" fill="hold">
-                            <p:stCondLst>
-                              <p:cond delay="0"/>
-                            </p:stCondLst>
-                            <p:childTnLst>
-                              <p:par>
-                                <p:cTn id="75" presetID="2" presetClass="entr" presetSubtype="4" fill="hold" nodeType="clickEffect">
-                                  <p:stCondLst>
-                                    <p:cond delay="0"/>
-                                  </p:stCondLst>
-                                  <p:childTnLst>
-                                    <p:set>
-                                      <p:cBhvr>
-                                        <p:cTn id="76" dur="1" fill="hold">
-                                          <p:stCondLst>
-                                            <p:cond delay="0"/>
-                                          </p:stCondLst>
-                                        </p:cTn>
-                                        <p:tgtEl>
-                                          <p:spTgt spid="3">
-                                            <p:txEl>
-                                              <p:pRg st="21" end="21"/>
-                                            </p:txEl>
-                                          </p:spTgt>
-                                        </p:tgtEl>
-                                        <p:attrNameLst>
-                                          <p:attrName>style.visibility</p:attrName>
-                                        </p:attrNameLst>
-                                      </p:cBhvr>
-                                      <p:to>
-                                        <p:strVal val="visible"/>
-                                      </p:to>
-                                    </p:set>
-                                    <p:anim calcmode="lin" valueType="num">
-                                      <p:cBhvr additive="base">
-                                        <p:cTn id="77" dur="500" fill="hold"/>
-                                        <p:tgtEl>
-                                          <p:spTgt spid="3">
-                                            <p:txEl>
-                                              <p:pRg st="21" end="21"/>
-                                            </p:txEl>
-                                          </p:spTgt>
-                                        </p:tgtEl>
-                                        <p:attrNameLst>
-                                          <p:attrName>ppt_x</p:attrName>
-                                        </p:attrNameLst>
-                                      </p:cBhvr>
-                                      <p:tavLst>
-                                        <p:tav tm="0">
-                                          <p:val>
-                                            <p:strVal val="#ppt_x"/>
-                                          </p:val>
-                                        </p:tav>
-                                        <p:tav tm="100000">
-                                          <p:val>
-                                            <p:strVal val="#ppt_x"/>
-                                          </p:val>
-                                        </p:tav>
-                                      </p:tavLst>
-                                    </p:anim>
-                                    <p:anim calcmode="lin" valueType="num">
-                                      <p:cBhvr additive="base">
-                                        <p:cTn id="78" dur="500" fill="hold"/>
-                                        <p:tgtEl>
-                                          <p:spTgt spid="3">
-                                            <p:txEl>
-                                              <p:pRg st="21" end="21"/>
-                                            </p:txEl>
-                                          </p:spTgt>
-                                        </p:tgtEl>
-                                        <p:attrNameLst>
-                                          <p:attrName>ppt_y</p:attrName>
-                                        </p:attrNameLst>
-                                      </p:cBhvr>
-                                      <p:tavLst>
-                                        <p:tav tm="0">
-                                          <p:val>
-                                            <p:strVal val="1+#ppt_h/2"/>
-                                          </p:val>
-                                        </p:tav>
-                                        <p:tav tm="100000">
-                                          <p:val>
-                                            <p:strVal val="#ppt_y"/>
-                                          </p:val>
-                                        </p:tav>
-                                      </p:tavLst>
-                                    </p:anim>
-                                  </p:childTnLst>
-                                </p:cTn>
-                              </p:par>
-                            </p:childTnLst>
-                          </p:cTn>
-                        </p:par>
-                      </p:childTnLst>
-                    </p:cTn>
-                  </p:par>
-                  <p:par>
-                    <p:cTn id="79" fill="hold">
-                      <p:stCondLst>
-                        <p:cond delay="indefinite"/>
-                      </p:stCondLst>
-                      <p:childTnLst>
-                        <p:par>
-                          <p:cTn id="80" fill="hold">
-                            <p:stCondLst>
-                              <p:cond delay="0"/>
-                            </p:stCondLst>
-                            <p:childTnLst>
-                              <p:par>
-                                <p:cTn id="81" presetID="2" presetClass="entr" presetSubtype="4" fill="hold" nodeType="clickEffect">
-                                  <p:stCondLst>
-                                    <p:cond delay="0"/>
-                                  </p:stCondLst>
-                                  <p:childTnLst>
-                                    <p:set>
-                                      <p:cBhvr>
-                                        <p:cTn id="82" dur="1" fill="hold">
-                                          <p:stCondLst>
-                                            <p:cond delay="0"/>
-                                          </p:stCondLst>
-                                        </p:cTn>
-                                        <p:tgtEl>
-                                          <p:spTgt spid="3">
-                                            <p:txEl>
-                                              <p:pRg st="22" end="22"/>
-                                            </p:txEl>
-                                          </p:spTgt>
-                                        </p:tgtEl>
-                                        <p:attrNameLst>
-                                          <p:attrName>style.visibility</p:attrName>
-                                        </p:attrNameLst>
-                                      </p:cBhvr>
-                                      <p:to>
-                                        <p:strVal val="visible"/>
-                                      </p:to>
-                                    </p:set>
-                                    <p:anim calcmode="lin" valueType="num">
-                                      <p:cBhvr additive="base">
-                                        <p:cTn id="83" dur="500" fill="hold"/>
-                                        <p:tgtEl>
-                                          <p:spTgt spid="3">
-                                            <p:txEl>
-                                              <p:pRg st="22" end="22"/>
-                                            </p:txEl>
-                                          </p:spTgt>
-                                        </p:tgtEl>
-                                        <p:attrNameLst>
-                                          <p:attrName>ppt_x</p:attrName>
-                                        </p:attrNameLst>
-                                      </p:cBhvr>
-                                      <p:tavLst>
-                                        <p:tav tm="0">
-                                          <p:val>
-                                            <p:strVal val="#ppt_x"/>
-                                          </p:val>
-                                        </p:tav>
-                                        <p:tav tm="100000">
-                                          <p:val>
-                                            <p:strVal val="#ppt_x"/>
-                                          </p:val>
-                                        </p:tav>
-                                      </p:tavLst>
-                                    </p:anim>
-                                    <p:anim calcmode="lin" valueType="num">
-                                      <p:cBhvr additive="base">
-                                        <p:cTn id="84" dur="500" fill="hold"/>
-                                        <p:tgtEl>
-                                          <p:spTgt spid="3">
-                                            <p:txEl>
-                                              <p:pRg st="22" end="22"/>
-                                            </p:txEl>
-                                          </p:spTgt>
-                                        </p:tgtEl>
-                                        <p:attrNameLst>
-                                          <p:attrName>ppt_y</p:attrName>
-                                        </p:attrNameLst>
-                                      </p:cBhvr>
-                                      <p:tavLst>
-                                        <p:tav tm="0">
-                                          <p:val>
-                                            <p:strVal val="1+#ppt_h/2"/>
-                                          </p:val>
-                                        </p:tav>
-                                        <p:tav tm="100000">
-                                          <p:val>
-                                            <p:strVal val="#ppt_y"/>
-                                          </p:val>
-                                        </p:tav>
-                                      </p:tavLst>
-                                    </p:anim>
-                                  </p:childTnLst>
-                                </p:cTn>
-                              </p:par>
-                            </p:childTnLst>
-                          </p:cTn>
-                        </p:par>
-                      </p:childTnLst>
-                    </p:cTn>
-                  </p:par>
-                  <p:par>
-                    <p:cTn id="85" fill="hold">
-                      <p:stCondLst>
-                        <p:cond delay="indefinite"/>
-                      </p:stCondLst>
-                      <p:childTnLst>
-                        <p:par>
-                          <p:cTn id="86" fill="hold">
-                            <p:stCondLst>
-                              <p:cond delay="0"/>
-                            </p:stCondLst>
-                            <p:childTnLst>
-                              <p:par>
-                                <p:cTn id="87" presetID="2" presetClass="entr" presetSubtype="4" fill="hold" nodeType="clickEffect">
-                                  <p:stCondLst>
-                                    <p:cond delay="0"/>
-                                  </p:stCondLst>
-                                  <p:childTnLst>
-                                    <p:set>
-                                      <p:cBhvr>
-                                        <p:cTn id="88" dur="1" fill="hold">
-                                          <p:stCondLst>
-                                            <p:cond delay="0"/>
-                                          </p:stCondLst>
-                                        </p:cTn>
-                                        <p:tgtEl>
-                                          <p:spTgt spid="3">
-                                            <p:txEl>
-                                              <p:pRg st="23" end="23"/>
-                                            </p:txEl>
-                                          </p:spTgt>
-                                        </p:tgtEl>
-                                        <p:attrNameLst>
-                                          <p:attrName>style.visibility</p:attrName>
-                                        </p:attrNameLst>
-                                      </p:cBhvr>
-                                      <p:to>
-                                        <p:strVal val="visible"/>
-                                      </p:to>
-                                    </p:set>
-                                    <p:anim calcmode="lin" valueType="num">
-                                      <p:cBhvr additive="base">
-                                        <p:cTn id="89" dur="500" fill="hold"/>
-                                        <p:tgtEl>
-                                          <p:spTgt spid="3">
-                                            <p:txEl>
-                                              <p:pRg st="23" end="23"/>
-                                            </p:txEl>
-                                          </p:spTgt>
-                                        </p:tgtEl>
-                                        <p:attrNameLst>
-                                          <p:attrName>ppt_x</p:attrName>
-                                        </p:attrNameLst>
-                                      </p:cBhvr>
-                                      <p:tavLst>
-                                        <p:tav tm="0">
-                                          <p:val>
-                                            <p:strVal val="#ppt_x"/>
-                                          </p:val>
-                                        </p:tav>
-                                        <p:tav tm="100000">
-                                          <p:val>
-                                            <p:strVal val="#ppt_x"/>
-                                          </p:val>
-                                        </p:tav>
-                                      </p:tavLst>
-                                    </p:anim>
-                                    <p:anim calcmode="lin" valueType="num">
-                                      <p:cBhvr additive="base">
-                                        <p:cTn id="90" dur="500" fill="hold"/>
-                                        <p:tgtEl>
-                                          <p:spTgt spid="3">
-                                            <p:txEl>
-                                              <p:pRg st="23" end="23"/>
-                                            </p:txEl>
-                                          </p:spTgt>
-                                        </p:tgtEl>
-                                        <p:attrNameLst>
-                                          <p:attrName>ppt_y</p:attrName>
-                                        </p:attrNameLst>
-                                      </p:cBhvr>
-                                      <p:tavLst>
-                                        <p:tav tm="0">
-                                          <p:val>
-                                            <p:strVal val="1+#ppt_h/2"/>
-                                          </p:val>
-                                        </p:tav>
-                                        <p:tav tm="100000">
-                                          <p:val>
-                                            <p:strVal val="#ppt_y"/>
-                                          </p:val>
-                                        </p:tav>
-                                      </p:tavLst>
-                                    </p:anim>
-                                  </p:childTnLst>
-                                </p:cTn>
-                              </p:par>
-                            </p:childTnLst>
-                          </p:cTn>
-                        </p:par>
-                      </p:childTnLst>
-                    </p:cTn>
-                  </p:par>
-                </p:childTnLst>
-              </p:cTn>
-              <p:prevCondLst>
-                <p:cond evt="onPrev" delay="0">
-                  <p:tgtEl>
-                    <p:sldTgt/>
-                  </p:tgtEl>
-                </p:cond>
-              </p:prevCondLst>
-              <p:nextCondLst>
-                <p:cond evt="onNext" delay="0">
-                  <p:tgtEl>
-                    <p:sldTgt/>
-                  </p:tgtEl>
-                </p:cond>
-              </p:nextCondLst>
-            </p:seq>
-          </p:childTnLst>
-        </p:cTn>
-      </p:par>
-    </p:tnLst>
-  </p:timing>
 </p:sld>
 </file>
 
 <file path=ppt/slides/slide8.xml><?xml version="1.0" encoding="utf-8"?>
 <p:sld xmlns:a="http://schemas.openxmlformats.org/drawingml/2006/main" xmlns:r="http://schemas.openxmlformats.org/officeDocument/2006/relationships" xmlns:p="http://schemas.openxmlformats.org/presentationml/2006/main">
   <p:cSld>
-    <p:bg>
-      <p:bgPr>
-        <a:solidFill>
-          <a:schemeClr val="bg1"/>
-        </a:solidFill>
-        <a:effectLst/>
-      </p:bgPr>
-    </p:bg>
     <p:spTree>
       <p:nvGrpSpPr>
         <p:cNvPr id="1" name=""/>
@@ -8010,426 +9761,782 @@
       </p:grpSpPr>
       <p:sp>
         <p:nvSpPr>
-          <p:cNvPr id="2" name="Title 1">
+          <p:cNvPr id="2" name="Rectangle 1">
             <a:extLst>
               <a:ext uri="{FF2B5EF4-FFF2-40B4-BE49-F238E27FC236}">
-                <a16:creationId xmlns:a16="http://schemas.microsoft.com/office/drawing/2014/main" id="{91F5C009-850A-4891-8FAD-D2F9036DE2E9}"/>
+                <a16:creationId xmlns:a16="http://schemas.microsoft.com/office/drawing/2014/main" id="{5F38DCD5-13FF-4FA6-9394-89823F82C021}"/>
               </a:ext>
             </a:extLst>
           </p:cNvPr>
-          <p:cNvSpPr>
-            <a:spLocks noGrp="1"/>
-          </p:cNvSpPr>
-          <p:nvPr>
-            <p:ph type="ctrTitle"/>
-          </p:nvPr>
+          <p:cNvSpPr/>
+          <p:nvPr/>
         </p:nvSpPr>
         <p:spPr>
           <a:xfrm>
-            <a:off x="4162425" y="400050"/>
-            <a:ext cx="7058025" cy="1655761"/>
+            <a:off x="323557" y="844062"/>
+            <a:ext cx="8820443" cy="5632311"/>
           </a:xfrm>
+          <a:prstGeom prst="rect">
+            <a:avLst/>
+          </a:prstGeom>
         </p:spPr>
         <p:txBody>
-          <a:bodyPr>
-            <a:normAutofit fontScale="90000"/>
+          <a:bodyPr wrap="square">
+            <a:spAutoFit/>
           </a:bodyPr>
           <a:lstStyle/>
           <a:p>
-            <a:r>
-              <a:rPr lang="en-US" sz="6700" dirty="0">
+            <a:pPr marL="0" marR="0" lvl="0" indent="0" algn="l" defTabSz="457200" rtl="0" eaLnBrk="1" fontAlgn="auto" latinLnBrk="0" hangingPunct="1">
+              <a:lnSpc>
+                <a:spcPct val="100000"/>
+              </a:lnSpc>
+              <a:spcBef>
+                <a:spcPts val="0"/>
+              </a:spcBef>
+              <a:spcAft>
+                <a:spcPts val="0"/>
+              </a:spcAft>
+              <a:buClrTx/>
+              <a:buSzTx/>
+              <a:buFontTx/>
+              <a:buNone/>
+              <a:tabLst/>
+              <a:defRPr/>
+            </a:pPr>
+            <a:r>
+              <a:rPr kumimoji="0" lang="en-US" sz="1800" b="0" i="0" u="none" strike="noStrike" kern="1200" cap="none" spc="0" normalizeH="0" baseline="0" noProof="0" dirty="0">
+                <a:ln>
+                  <a:noFill/>
+                </a:ln>
+                <a:solidFill>
+                  <a:prstClr val="white"/>
+                </a:solidFill>
+                <a:effectLst/>
+                <a:uLnTx/>
+                <a:uFillTx/>
                 <a:latin typeface="Eurostile" panose="020B0704020202050204" pitchFamily="34" charset="0"/>
+                <a:ea typeface="+mn-ea"/>
+                <a:cs typeface="+mn-cs"/>
               </a:rPr>
-              <a:t>CLASS OF 2044?</a:t>
-            </a:r>
-            <a:br>
-              <a:rPr lang="en-US" dirty="0"/>
-            </a:br>
-            <a:endParaRPr lang="en-US" dirty="0"/>
+              <a:t># Importing the libraries</a:t>
+            </a:r>
+          </a:p>
+          <a:p>
+            <a:pPr marL="0" marR="0" lvl="0" indent="0" algn="l" defTabSz="457200" rtl="0" eaLnBrk="1" fontAlgn="auto" latinLnBrk="0" hangingPunct="1">
+              <a:lnSpc>
+                <a:spcPct val="100000"/>
+              </a:lnSpc>
+              <a:spcBef>
+                <a:spcPts val="0"/>
+              </a:spcBef>
+              <a:spcAft>
+                <a:spcPts val="0"/>
+              </a:spcAft>
+              <a:buClrTx/>
+              <a:buSzTx/>
+              <a:buFontTx/>
+              <a:buNone/>
+              <a:tabLst/>
+              <a:defRPr/>
+            </a:pPr>
+            <a:r>
+              <a:rPr kumimoji="0" lang="en-US" sz="1800" b="0" i="0" u="none" strike="noStrike" kern="1200" cap="none" spc="0" normalizeH="0" baseline="0" noProof="0" dirty="0">
+                <a:ln>
+                  <a:noFill/>
+                </a:ln>
+                <a:solidFill>
+                  <a:prstClr val="white"/>
+                </a:solidFill>
+                <a:effectLst/>
+                <a:uLnTx/>
+                <a:uFillTx/>
+                <a:latin typeface="Eurostile" panose="020B0704020202050204" pitchFamily="34" charset="0"/>
+                <a:ea typeface="+mn-ea"/>
+                <a:cs typeface="+mn-cs"/>
+              </a:rPr>
+              <a:t>import numpy as np</a:t>
+            </a:r>
+          </a:p>
+          <a:p>
+            <a:pPr marL="0" marR="0" lvl="0" indent="0" algn="l" defTabSz="457200" rtl="0" eaLnBrk="1" fontAlgn="auto" latinLnBrk="0" hangingPunct="1">
+              <a:lnSpc>
+                <a:spcPct val="100000"/>
+              </a:lnSpc>
+              <a:spcBef>
+                <a:spcPts val="0"/>
+              </a:spcBef>
+              <a:spcAft>
+                <a:spcPts val="0"/>
+              </a:spcAft>
+              <a:buClrTx/>
+              <a:buSzTx/>
+              <a:buFontTx/>
+              <a:buNone/>
+              <a:tabLst/>
+              <a:defRPr/>
+            </a:pPr>
+            <a:r>
+              <a:rPr kumimoji="0" lang="en-US" sz="1800" b="0" i="0" u="none" strike="noStrike" kern="1200" cap="none" spc="0" normalizeH="0" baseline="0" noProof="0" dirty="0">
+                <a:ln>
+                  <a:noFill/>
+                </a:ln>
+                <a:solidFill>
+                  <a:prstClr val="white"/>
+                </a:solidFill>
+                <a:effectLst/>
+                <a:uLnTx/>
+                <a:uFillTx/>
+                <a:latin typeface="Eurostile" panose="020B0704020202050204" pitchFamily="34" charset="0"/>
+                <a:ea typeface="+mn-ea"/>
+                <a:cs typeface="+mn-cs"/>
+              </a:rPr>
+              <a:t>import matplotlib.pyplot as plt</a:t>
+            </a:r>
+          </a:p>
+          <a:p>
+            <a:pPr marL="0" marR="0" lvl="0" indent="0" algn="l" defTabSz="457200" rtl="0" eaLnBrk="1" fontAlgn="auto" latinLnBrk="0" hangingPunct="1">
+              <a:lnSpc>
+                <a:spcPct val="100000"/>
+              </a:lnSpc>
+              <a:spcBef>
+                <a:spcPts val="0"/>
+              </a:spcBef>
+              <a:spcAft>
+                <a:spcPts val="0"/>
+              </a:spcAft>
+              <a:buClrTx/>
+              <a:buSzTx/>
+              <a:buFontTx/>
+              <a:buNone/>
+              <a:tabLst/>
+              <a:defRPr/>
+            </a:pPr>
+            <a:r>
+              <a:rPr kumimoji="0" lang="en-US" sz="1800" b="0" i="0" u="none" strike="noStrike" kern="1200" cap="none" spc="0" normalizeH="0" baseline="0" noProof="0" dirty="0">
+                <a:ln>
+                  <a:noFill/>
+                </a:ln>
+                <a:solidFill>
+                  <a:prstClr val="white"/>
+                </a:solidFill>
+                <a:effectLst/>
+                <a:uLnTx/>
+                <a:uFillTx/>
+                <a:latin typeface="Eurostile" panose="020B0704020202050204" pitchFamily="34" charset="0"/>
+                <a:ea typeface="+mn-ea"/>
+                <a:cs typeface="+mn-cs"/>
+              </a:rPr>
+              <a:t>import pandas as pd</a:t>
+            </a:r>
+          </a:p>
+          <a:p>
+            <a:pPr marL="0" marR="0" lvl="0" indent="0" algn="l" defTabSz="457200" rtl="0" eaLnBrk="1" fontAlgn="auto" latinLnBrk="0" hangingPunct="1">
+              <a:lnSpc>
+                <a:spcPct val="100000"/>
+              </a:lnSpc>
+              <a:spcBef>
+                <a:spcPts val="0"/>
+              </a:spcBef>
+              <a:spcAft>
+                <a:spcPts val="0"/>
+              </a:spcAft>
+              <a:buClrTx/>
+              <a:buSzTx/>
+              <a:buFontTx/>
+              <a:buNone/>
+              <a:tabLst/>
+              <a:defRPr/>
+            </a:pPr>
+            <a:endParaRPr kumimoji="0" lang="en-US" sz="1800" b="0" i="0" u="none" strike="noStrike" kern="1200" cap="none" spc="0" normalizeH="0" baseline="0" noProof="0" dirty="0">
+              <a:ln>
+                <a:noFill/>
+              </a:ln>
+              <a:solidFill>
+                <a:prstClr val="white"/>
+              </a:solidFill>
+              <a:effectLst/>
+              <a:uLnTx/>
+              <a:uFillTx/>
+              <a:latin typeface="Eurostile" panose="020B0704020202050204" pitchFamily="34" charset="0"/>
+              <a:ea typeface="+mn-ea"/>
+              <a:cs typeface="+mn-cs"/>
+            </a:endParaRPr>
+          </a:p>
+          <a:p>
+            <a:pPr marL="0" marR="0" lvl="0" indent="0" algn="l" defTabSz="457200" rtl="0" eaLnBrk="1" fontAlgn="auto" latinLnBrk="0" hangingPunct="1">
+              <a:lnSpc>
+                <a:spcPct val="100000"/>
+              </a:lnSpc>
+              <a:spcBef>
+                <a:spcPts val="0"/>
+              </a:spcBef>
+              <a:spcAft>
+                <a:spcPts val="0"/>
+              </a:spcAft>
+              <a:buClrTx/>
+              <a:buSzTx/>
+              <a:buFontTx/>
+              <a:buNone/>
+              <a:tabLst/>
+              <a:defRPr/>
+            </a:pPr>
+            <a:r>
+              <a:rPr kumimoji="0" lang="en-US" sz="1800" b="0" i="0" u="none" strike="noStrike" kern="1200" cap="none" spc="0" normalizeH="0" baseline="0" noProof="0" dirty="0">
+                <a:ln>
+                  <a:noFill/>
+                </a:ln>
+                <a:solidFill>
+                  <a:prstClr val="white"/>
+                </a:solidFill>
+                <a:effectLst/>
+                <a:uLnTx/>
+                <a:uFillTx/>
+                <a:latin typeface="Eurostile" panose="020B0704020202050204" pitchFamily="34" charset="0"/>
+                <a:ea typeface="+mn-ea"/>
+                <a:cs typeface="+mn-cs"/>
+              </a:rPr>
+              <a:t># Importing the dataset</a:t>
+            </a:r>
+          </a:p>
+          <a:p>
+            <a:pPr marL="0" marR="0" lvl="0" indent="0" algn="l" defTabSz="457200" rtl="0" eaLnBrk="1" fontAlgn="auto" latinLnBrk="0" hangingPunct="1">
+              <a:lnSpc>
+                <a:spcPct val="100000"/>
+              </a:lnSpc>
+              <a:spcBef>
+                <a:spcPts val="0"/>
+              </a:spcBef>
+              <a:spcAft>
+                <a:spcPts val="0"/>
+              </a:spcAft>
+              <a:buClrTx/>
+              <a:buSzTx/>
+              <a:buFontTx/>
+              <a:buNone/>
+              <a:tabLst/>
+              <a:defRPr/>
+            </a:pPr>
+            <a:r>
+              <a:rPr kumimoji="0" lang="en-US" sz="1800" b="0" i="0" u="none" strike="noStrike" kern="1200" cap="none" spc="0" normalizeH="0" baseline="0" noProof="0" dirty="0">
+                <a:ln>
+                  <a:noFill/>
+                </a:ln>
+                <a:solidFill>
+                  <a:prstClr val="white"/>
+                </a:solidFill>
+                <a:effectLst/>
+                <a:uLnTx/>
+                <a:uFillTx/>
+                <a:latin typeface="Eurostile" panose="020B0704020202050204" pitchFamily="34" charset="0"/>
+                <a:ea typeface="+mn-ea"/>
+                <a:cs typeface="+mn-cs"/>
+              </a:rPr>
+              <a:t>dataset = pd.read_csv(‘Example.csv')</a:t>
+            </a:r>
+          </a:p>
+          <a:p>
+            <a:pPr marL="0" marR="0" lvl="0" indent="0" algn="l" defTabSz="457200" rtl="0" eaLnBrk="1" fontAlgn="auto" latinLnBrk="0" hangingPunct="1">
+              <a:lnSpc>
+                <a:spcPct val="100000"/>
+              </a:lnSpc>
+              <a:spcBef>
+                <a:spcPts val="0"/>
+              </a:spcBef>
+              <a:spcAft>
+                <a:spcPts val="0"/>
+              </a:spcAft>
+              <a:buClrTx/>
+              <a:buSzTx/>
+              <a:buFontTx/>
+              <a:buNone/>
+              <a:tabLst/>
+              <a:defRPr/>
+            </a:pPr>
+            <a:r>
+              <a:rPr kumimoji="0" lang="en-US" sz="1800" b="0" i="0" u="none" strike="noStrike" kern="1200" cap="none" spc="0" normalizeH="0" baseline="0" noProof="0" dirty="0">
+                <a:ln>
+                  <a:noFill/>
+                </a:ln>
+                <a:solidFill>
+                  <a:prstClr val="white"/>
+                </a:solidFill>
+                <a:effectLst/>
+                <a:uLnTx/>
+                <a:uFillTx/>
+                <a:latin typeface="Eurostile" panose="020B0704020202050204" pitchFamily="34" charset="0"/>
+                <a:ea typeface="+mn-ea"/>
+                <a:cs typeface="+mn-cs"/>
+              </a:rPr>
+              <a:t>X = dataset.iloc[:, [specific column indexes here]].values</a:t>
+            </a:r>
+          </a:p>
+          <a:p>
+            <a:pPr marL="0" marR="0" lvl="0" indent="0" algn="l" defTabSz="457200" rtl="0" eaLnBrk="1" fontAlgn="auto" latinLnBrk="0" hangingPunct="1">
+              <a:lnSpc>
+                <a:spcPct val="100000"/>
+              </a:lnSpc>
+              <a:spcBef>
+                <a:spcPts val="0"/>
+              </a:spcBef>
+              <a:spcAft>
+                <a:spcPts val="0"/>
+              </a:spcAft>
+              <a:buClrTx/>
+              <a:buSzTx/>
+              <a:buFontTx/>
+              <a:buNone/>
+              <a:tabLst/>
+              <a:defRPr/>
+            </a:pPr>
+            <a:r>
+              <a:rPr kumimoji="0" lang="en-US" sz="1800" b="0" i="0" u="none" strike="noStrike" kern="1200" cap="none" spc="0" normalizeH="0" baseline="0" noProof="0" dirty="0">
+                <a:ln>
+                  <a:noFill/>
+                </a:ln>
+                <a:solidFill>
+                  <a:prstClr val="white"/>
+                </a:solidFill>
+                <a:effectLst/>
+                <a:uLnTx/>
+                <a:uFillTx/>
+                <a:latin typeface="Eurostile" panose="020B0704020202050204" pitchFamily="34" charset="0"/>
+                <a:ea typeface="+mn-ea"/>
+                <a:cs typeface="+mn-cs"/>
+              </a:rPr>
+              <a:t>y = dataset.iloc[:, specific column index here].values</a:t>
+            </a:r>
+          </a:p>
+          <a:p>
+            <a:pPr marL="0" marR="0" lvl="0" indent="0" algn="l" defTabSz="457200" rtl="0" eaLnBrk="1" fontAlgn="auto" latinLnBrk="0" hangingPunct="1">
+              <a:lnSpc>
+                <a:spcPct val="100000"/>
+              </a:lnSpc>
+              <a:spcBef>
+                <a:spcPts val="0"/>
+              </a:spcBef>
+              <a:spcAft>
+                <a:spcPts val="0"/>
+              </a:spcAft>
+              <a:buClrTx/>
+              <a:buSzTx/>
+              <a:buFontTx/>
+              <a:buNone/>
+              <a:tabLst/>
+              <a:defRPr/>
+            </a:pPr>
+            <a:endParaRPr kumimoji="0" lang="en-US" sz="1800" b="0" i="0" u="none" strike="noStrike" kern="1200" cap="none" spc="0" normalizeH="0" baseline="0" noProof="0" dirty="0">
+              <a:ln>
+                <a:noFill/>
+              </a:ln>
+              <a:solidFill>
+                <a:prstClr val="white"/>
+              </a:solidFill>
+              <a:effectLst/>
+              <a:uLnTx/>
+              <a:uFillTx/>
+              <a:latin typeface="Eurostile" panose="020B0704020202050204" pitchFamily="34" charset="0"/>
+              <a:ea typeface="+mn-ea"/>
+              <a:cs typeface="+mn-cs"/>
+            </a:endParaRPr>
+          </a:p>
+          <a:p>
+            <a:pPr marL="0" marR="0" lvl="0" indent="0" algn="l" defTabSz="457200" rtl="0" eaLnBrk="1" fontAlgn="auto" latinLnBrk="0" hangingPunct="1">
+              <a:lnSpc>
+                <a:spcPct val="100000"/>
+              </a:lnSpc>
+              <a:spcBef>
+                <a:spcPts val="0"/>
+              </a:spcBef>
+              <a:spcAft>
+                <a:spcPts val="0"/>
+              </a:spcAft>
+              <a:buClrTx/>
+              <a:buSzTx/>
+              <a:buFontTx/>
+              <a:buNone/>
+              <a:tabLst/>
+              <a:defRPr/>
+            </a:pPr>
+            <a:r>
+              <a:rPr kumimoji="0" lang="en-US" sz="1800" b="0" i="0" u="none" strike="noStrike" kern="1200" cap="none" spc="0" normalizeH="0" baseline="0" noProof="0" dirty="0">
+                <a:ln>
+                  <a:noFill/>
+                </a:ln>
+                <a:solidFill>
+                  <a:prstClr val="white"/>
+                </a:solidFill>
+                <a:effectLst/>
+                <a:uLnTx/>
+                <a:uFillTx/>
+                <a:latin typeface="Eurostile" panose="020B0704020202050204" pitchFamily="34" charset="0"/>
+                <a:ea typeface="+mn-ea"/>
+                <a:cs typeface="+mn-cs"/>
+              </a:rPr>
+              <a:t># Splitting the dataset into the Training set and Test set</a:t>
+            </a:r>
+          </a:p>
+          <a:p>
+            <a:pPr marL="0" marR="0" lvl="0" indent="0" algn="l" defTabSz="457200" rtl="0" eaLnBrk="1" fontAlgn="auto" latinLnBrk="0" hangingPunct="1">
+              <a:lnSpc>
+                <a:spcPct val="100000"/>
+              </a:lnSpc>
+              <a:spcBef>
+                <a:spcPts val="0"/>
+              </a:spcBef>
+              <a:spcAft>
+                <a:spcPts val="0"/>
+              </a:spcAft>
+              <a:buClrTx/>
+              <a:buSzTx/>
+              <a:buFontTx/>
+              <a:buNone/>
+              <a:tabLst/>
+              <a:defRPr/>
+            </a:pPr>
+            <a:r>
+              <a:rPr kumimoji="0" lang="en-US" sz="1800" b="0" i="0" u="none" strike="noStrike" kern="1200" cap="none" spc="0" normalizeH="0" baseline="0" noProof="0" dirty="0">
+                <a:ln>
+                  <a:noFill/>
+                </a:ln>
+                <a:solidFill>
+                  <a:prstClr val="white"/>
+                </a:solidFill>
+                <a:effectLst/>
+                <a:uLnTx/>
+                <a:uFillTx/>
+                <a:latin typeface="Eurostile" panose="020B0704020202050204" pitchFamily="34" charset="0"/>
+                <a:ea typeface="+mn-ea"/>
+                <a:cs typeface="+mn-cs"/>
+              </a:rPr>
+              <a:t>from sklearn.cross_validation import train_test_split</a:t>
+            </a:r>
+          </a:p>
+          <a:p>
+            <a:pPr marL="0" marR="0" lvl="0" indent="0" algn="l" defTabSz="457200" rtl="0" eaLnBrk="1" fontAlgn="auto" latinLnBrk="0" hangingPunct="1">
+              <a:lnSpc>
+                <a:spcPct val="100000"/>
+              </a:lnSpc>
+              <a:spcBef>
+                <a:spcPts val="0"/>
+              </a:spcBef>
+              <a:spcAft>
+                <a:spcPts val="0"/>
+              </a:spcAft>
+              <a:buClrTx/>
+              <a:buSzTx/>
+              <a:buFontTx/>
+              <a:buNone/>
+              <a:tabLst/>
+              <a:defRPr/>
+            </a:pPr>
+            <a:r>
+              <a:rPr kumimoji="0" lang="en-US" sz="1800" b="0" i="0" u="none" strike="noStrike" kern="1200" cap="none" spc="0" normalizeH="0" baseline="0" noProof="0" dirty="0">
+                <a:ln>
+                  <a:noFill/>
+                </a:ln>
+                <a:solidFill>
+                  <a:prstClr val="white"/>
+                </a:solidFill>
+                <a:effectLst/>
+                <a:uLnTx/>
+                <a:uFillTx/>
+                <a:latin typeface="Eurostile" panose="020B0704020202050204" pitchFamily="34" charset="0"/>
+                <a:ea typeface="+mn-ea"/>
+                <a:cs typeface="+mn-cs"/>
+              </a:rPr>
+              <a:t>X_train, X_test, y_train, y_test = train_test_split(X, y, test_size = 0.30, random_state = 0)</a:t>
+            </a:r>
+          </a:p>
+          <a:p>
+            <a:pPr marL="0" marR="0" lvl="0" indent="0" algn="l" defTabSz="457200" rtl="0" eaLnBrk="1" fontAlgn="auto" latinLnBrk="0" hangingPunct="1">
+              <a:lnSpc>
+                <a:spcPct val="100000"/>
+              </a:lnSpc>
+              <a:spcBef>
+                <a:spcPts val="0"/>
+              </a:spcBef>
+              <a:spcAft>
+                <a:spcPts val="0"/>
+              </a:spcAft>
+              <a:buClrTx/>
+              <a:buSzTx/>
+              <a:buFontTx/>
+              <a:buNone/>
+              <a:tabLst/>
+              <a:defRPr/>
+            </a:pPr>
+            <a:endParaRPr kumimoji="0" lang="en-US" sz="1800" b="0" i="0" u="none" strike="noStrike" kern="1200" cap="none" spc="0" normalizeH="0" baseline="0" noProof="0" dirty="0">
+              <a:ln>
+                <a:noFill/>
+              </a:ln>
+              <a:solidFill>
+                <a:prstClr val="white"/>
+              </a:solidFill>
+              <a:effectLst/>
+              <a:uLnTx/>
+              <a:uFillTx/>
+              <a:latin typeface="Eurostile" panose="020B0704020202050204" pitchFamily="34" charset="0"/>
+              <a:ea typeface="+mn-ea"/>
+              <a:cs typeface="+mn-cs"/>
+            </a:endParaRPr>
+          </a:p>
+          <a:p>
+            <a:pPr marL="0" marR="0" lvl="0" indent="0" algn="l" defTabSz="457200" rtl="0" eaLnBrk="1" fontAlgn="auto" latinLnBrk="0" hangingPunct="1">
+              <a:lnSpc>
+                <a:spcPct val="100000"/>
+              </a:lnSpc>
+              <a:spcBef>
+                <a:spcPts val="0"/>
+              </a:spcBef>
+              <a:spcAft>
+                <a:spcPts val="0"/>
+              </a:spcAft>
+              <a:buClrTx/>
+              <a:buSzTx/>
+              <a:buFontTx/>
+              <a:buNone/>
+              <a:tabLst/>
+              <a:defRPr/>
+            </a:pPr>
+            <a:r>
+              <a:rPr kumimoji="0" lang="en-US" sz="1800" b="0" i="0" u="none" strike="noStrike" kern="1200" cap="none" spc="0" normalizeH="0" baseline="0" noProof="0" dirty="0">
+                <a:ln>
+                  <a:noFill/>
+                </a:ln>
+                <a:solidFill>
+                  <a:prstClr val="white"/>
+                </a:solidFill>
+                <a:effectLst/>
+                <a:uLnTx/>
+                <a:uFillTx/>
+                <a:latin typeface="Eurostile" panose="020B0704020202050204" pitchFamily="34" charset="0"/>
+                <a:ea typeface="+mn-ea"/>
+                <a:cs typeface="+mn-cs"/>
+              </a:rPr>
+              <a:t># Feature Scaling</a:t>
+            </a:r>
+          </a:p>
+          <a:p>
+            <a:pPr marL="0" marR="0" lvl="0" indent="0" algn="l" defTabSz="457200" rtl="0" eaLnBrk="1" fontAlgn="auto" latinLnBrk="0" hangingPunct="1">
+              <a:lnSpc>
+                <a:spcPct val="100000"/>
+              </a:lnSpc>
+              <a:spcBef>
+                <a:spcPts val="0"/>
+              </a:spcBef>
+              <a:spcAft>
+                <a:spcPts val="0"/>
+              </a:spcAft>
+              <a:buClrTx/>
+              <a:buSzTx/>
+              <a:buFontTx/>
+              <a:buNone/>
+              <a:tabLst/>
+              <a:defRPr/>
+            </a:pPr>
+            <a:r>
+              <a:rPr kumimoji="0" lang="en-US" sz="1800" b="0" i="0" u="none" strike="noStrike" kern="1200" cap="none" spc="0" normalizeH="0" baseline="0" noProof="0" dirty="0">
+                <a:ln>
+                  <a:noFill/>
+                </a:ln>
+                <a:solidFill>
+                  <a:prstClr val="white"/>
+                </a:solidFill>
+                <a:effectLst/>
+                <a:uLnTx/>
+                <a:uFillTx/>
+                <a:latin typeface="Eurostile" panose="020B0704020202050204" pitchFamily="34" charset="0"/>
+                <a:ea typeface="+mn-ea"/>
+                <a:cs typeface="+mn-cs"/>
+              </a:rPr>
+              <a:t>from sklearn.preprocessing import StandardScaler</a:t>
+            </a:r>
+          </a:p>
+          <a:p>
+            <a:pPr marL="0" marR="0" lvl="0" indent="0" algn="l" defTabSz="457200" rtl="0" eaLnBrk="1" fontAlgn="auto" latinLnBrk="0" hangingPunct="1">
+              <a:lnSpc>
+                <a:spcPct val="100000"/>
+              </a:lnSpc>
+              <a:spcBef>
+                <a:spcPts val="0"/>
+              </a:spcBef>
+              <a:spcAft>
+                <a:spcPts val="0"/>
+              </a:spcAft>
+              <a:buClrTx/>
+              <a:buSzTx/>
+              <a:buFontTx/>
+              <a:buNone/>
+              <a:tabLst/>
+              <a:defRPr/>
+            </a:pPr>
+            <a:r>
+              <a:rPr kumimoji="0" lang="en-US" sz="1800" b="0" i="0" u="none" strike="noStrike" kern="1200" cap="none" spc="0" normalizeH="0" baseline="0" noProof="0" dirty="0">
+                <a:ln>
+                  <a:noFill/>
+                </a:ln>
+                <a:solidFill>
+                  <a:prstClr val="white"/>
+                </a:solidFill>
+                <a:effectLst/>
+                <a:uLnTx/>
+                <a:uFillTx/>
+                <a:latin typeface="Eurostile" panose="020B0704020202050204" pitchFamily="34" charset="0"/>
+                <a:ea typeface="+mn-ea"/>
+                <a:cs typeface="+mn-cs"/>
+              </a:rPr>
+              <a:t>sc = StandardScaler()</a:t>
+            </a:r>
+          </a:p>
+          <a:p>
+            <a:pPr marL="0" marR="0" lvl="0" indent="0" algn="l" defTabSz="457200" rtl="0" eaLnBrk="1" fontAlgn="auto" latinLnBrk="0" hangingPunct="1">
+              <a:lnSpc>
+                <a:spcPct val="100000"/>
+              </a:lnSpc>
+              <a:spcBef>
+                <a:spcPts val="0"/>
+              </a:spcBef>
+              <a:spcAft>
+                <a:spcPts val="0"/>
+              </a:spcAft>
+              <a:buClrTx/>
+              <a:buSzTx/>
+              <a:buFontTx/>
+              <a:buNone/>
+              <a:tabLst/>
+              <a:defRPr/>
+            </a:pPr>
+            <a:r>
+              <a:rPr kumimoji="0" lang="en-US" sz="1800" b="0" i="0" u="none" strike="noStrike" kern="1200" cap="none" spc="0" normalizeH="0" baseline="0" noProof="0" dirty="0">
+                <a:ln>
+                  <a:noFill/>
+                </a:ln>
+                <a:solidFill>
+                  <a:prstClr val="white"/>
+                </a:solidFill>
+                <a:effectLst/>
+                <a:uLnTx/>
+                <a:uFillTx/>
+                <a:latin typeface="Eurostile" panose="020B0704020202050204" pitchFamily="34" charset="0"/>
+                <a:ea typeface="+mn-ea"/>
+                <a:cs typeface="+mn-cs"/>
+              </a:rPr>
+              <a:t>X_train = sc.fit_transform(X_train)</a:t>
+            </a:r>
+          </a:p>
+          <a:p>
+            <a:pPr marL="0" marR="0" lvl="0" indent="0" algn="l" defTabSz="457200" rtl="0" eaLnBrk="1" fontAlgn="auto" latinLnBrk="0" hangingPunct="1">
+              <a:lnSpc>
+                <a:spcPct val="100000"/>
+              </a:lnSpc>
+              <a:spcBef>
+                <a:spcPts val="0"/>
+              </a:spcBef>
+              <a:spcAft>
+                <a:spcPts val="0"/>
+              </a:spcAft>
+              <a:buClrTx/>
+              <a:buSzTx/>
+              <a:buFontTx/>
+              <a:buNone/>
+              <a:tabLst/>
+              <a:defRPr/>
+            </a:pPr>
+            <a:r>
+              <a:rPr kumimoji="0" lang="en-US" sz="1800" b="0" i="0" u="none" strike="noStrike" kern="1200" cap="none" spc="0" normalizeH="0" baseline="0" noProof="0" dirty="0">
+                <a:ln>
+                  <a:noFill/>
+                </a:ln>
+                <a:solidFill>
+                  <a:prstClr val="white"/>
+                </a:solidFill>
+                <a:effectLst/>
+                <a:uLnTx/>
+                <a:uFillTx/>
+                <a:latin typeface="Eurostile" panose="020B0704020202050204" pitchFamily="34" charset="0"/>
+                <a:ea typeface="+mn-ea"/>
+                <a:cs typeface="+mn-cs"/>
+              </a:rPr>
+              <a:t>X_test = sc.transform(X_test)</a:t>
+            </a:r>
           </a:p>
         </p:txBody>
       </p:sp>
       <p:sp>
         <p:nvSpPr>
-          <p:cNvPr id="3" name="Subtitle 2">
+          <p:cNvPr id="3" name="TextBox 2">
             <a:extLst>
               <a:ext uri="{FF2B5EF4-FFF2-40B4-BE49-F238E27FC236}">
-                <a16:creationId xmlns:a16="http://schemas.microsoft.com/office/drawing/2014/main" id="{9828A2C6-0765-445B-8030-69399EDB59D7}"/>
+                <a16:creationId xmlns:a16="http://schemas.microsoft.com/office/drawing/2014/main" id="{44A0F769-D970-486E-B8E6-A0D7C69D686A}"/>
               </a:ext>
             </a:extLst>
           </p:cNvPr>
-          <p:cNvSpPr>
-            <a:spLocks noGrp="1"/>
-          </p:cNvSpPr>
-          <p:nvPr>
-            <p:ph type="subTitle" idx="1"/>
-          </p:nvPr>
+          <p:cNvSpPr txBox="1"/>
+          <p:nvPr/>
         </p:nvSpPr>
         <p:spPr>
           <a:xfrm>
-            <a:off x="181907" y="2774158"/>
-            <a:ext cx="11785192" cy="3683792"/>
-          </a:xfrm>
-        </p:spPr>
-        <p:txBody>
-          <a:bodyPr numCol="3">
-            <a:normAutofit fontScale="92500" lnSpcReduction="10000"/>
-          </a:bodyPr>
-          <a:lstStyle/>
-          <a:p>
-            <a:pPr marL="342900" indent="-342900" algn="l">
-              <a:buFont typeface="Arial" panose="020B0604020202020204" pitchFamily="34" charset="0"/>
-              <a:buChar char="•"/>
-            </a:pPr>
-            <a:r>
-              <a:rPr lang="en-US" dirty="0"/>
-              <a:t>Adele	</a:t>
-            </a:r>
-          </a:p>
-          <a:p>
-            <a:pPr marL="342900" indent="-342900" algn="l">
-              <a:buFont typeface="Arial" panose="020B0604020202020204" pitchFamily="34" charset="0"/>
-              <a:buChar char="•"/>
-            </a:pPr>
-            <a:r>
-              <a:rPr lang="en-US" dirty="0"/>
-              <a:t>Ariana Grande	</a:t>
-            </a:r>
-          </a:p>
-          <a:p>
-            <a:pPr marL="342900" indent="-342900" algn="l">
-              <a:buFont typeface="Arial" panose="020B0604020202020204" pitchFamily="34" charset="0"/>
-              <a:buChar char="•"/>
-            </a:pPr>
-            <a:r>
-              <a:rPr lang="en-US" dirty="0" err="1"/>
-              <a:t>Beyonce</a:t>
-            </a:r>
-            <a:r>
-              <a:rPr lang="en-US" dirty="0"/>
-              <a:t>	</a:t>
-            </a:r>
-          </a:p>
-          <a:p>
-            <a:pPr marL="342900" indent="-342900" algn="l">
-              <a:buFont typeface="Arial" panose="020B0604020202020204" pitchFamily="34" charset="0"/>
-              <a:buChar char="•"/>
-            </a:pPr>
-            <a:r>
-              <a:rPr lang="en-US" dirty="0"/>
-              <a:t>Bruno Mars	</a:t>
-            </a:r>
-          </a:p>
-          <a:p>
-            <a:pPr marL="342900" indent="-342900" algn="l">
-              <a:buFont typeface="Arial" panose="020B0604020202020204" pitchFamily="34" charset="0"/>
-              <a:buChar char="•"/>
-            </a:pPr>
-            <a:r>
-              <a:rPr lang="en-US" dirty="0"/>
-              <a:t>Calvin Harris	</a:t>
-            </a:r>
-          </a:p>
-          <a:p>
-            <a:pPr marL="342900" indent="-342900" algn="l">
-              <a:buFont typeface="Arial" panose="020B0604020202020204" pitchFamily="34" charset="0"/>
-              <a:buChar char="•"/>
-            </a:pPr>
-            <a:r>
-              <a:rPr lang="en-US" dirty="0" err="1"/>
-              <a:t>Cardi</a:t>
-            </a:r>
-            <a:r>
-              <a:rPr lang="en-US" dirty="0"/>
-              <a:t> B	</a:t>
-            </a:r>
-          </a:p>
-          <a:p>
-            <a:pPr marL="342900" indent="-342900" algn="l">
-              <a:buFont typeface="Arial" panose="020B0604020202020204" pitchFamily="34" charset="0"/>
-              <a:buChar char="•"/>
-            </a:pPr>
-            <a:r>
-              <a:rPr lang="en-US" dirty="0"/>
-              <a:t>Coldplay	</a:t>
-            </a:r>
-          </a:p>
-          <a:p>
-            <a:pPr marL="342900" indent="-342900" algn="l">
-              <a:buFont typeface="Arial" panose="020B0604020202020204" pitchFamily="34" charset="0"/>
-              <a:buChar char="•"/>
-            </a:pPr>
-            <a:r>
-              <a:rPr lang="en-US" dirty="0"/>
-              <a:t>DJ Khaled	</a:t>
-            </a:r>
-          </a:p>
-          <a:p>
-            <a:pPr marL="342900" indent="-342900" algn="l">
-              <a:buFont typeface="Arial" panose="020B0604020202020204" pitchFamily="34" charset="0"/>
-              <a:buChar char="•"/>
-            </a:pPr>
-            <a:r>
-              <a:rPr lang="en-US" dirty="0"/>
-              <a:t>Drake	</a:t>
-            </a:r>
-          </a:p>
-          <a:p>
-            <a:pPr marL="342900" indent="-342900" algn="l">
-              <a:buFont typeface="Arial" panose="020B0604020202020204" pitchFamily="34" charset="0"/>
-              <a:buChar char="•"/>
-            </a:pPr>
-            <a:r>
-              <a:rPr lang="en-US" dirty="0"/>
-              <a:t>Ed Sheeran	</a:t>
-            </a:r>
-          </a:p>
-          <a:p>
-            <a:pPr marL="342900" indent="-342900" algn="l">
-              <a:buFont typeface="Arial" panose="020B0604020202020204" pitchFamily="34" charset="0"/>
-              <a:buChar char="•"/>
-            </a:pPr>
-            <a:r>
-              <a:rPr lang="en-US" dirty="0"/>
-              <a:t>Eminem	</a:t>
-            </a:r>
-          </a:p>
-          <a:p>
-            <a:pPr marL="342900" indent="-342900" algn="l">
-              <a:buFont typeface="Arial" panose="020B0604020202020204" pitchFamily="34" charset="0"/>
-              <a:buChar char="•"/>
-            </a:pPr>
-            <a:r>
-              <a:rPr lang="en-US" dirty="0"/>
-              <a:t>Imagine Dragons	</a:t>
-            </a:r>
-          </a:p>
-          <a:p>
-            <a:pPr marL="342900" indent="-342900" algn="l">
-              <a:buFont typeface="Arial" panose="020B0604020202020204" pitchFamily="34" charset="0"/>
-              <a:buChar char="•"/>
-            </a:pPr>
-            <a:r>
-              <a:rPr lang="en-US" dirty="0"/>
-              <a:t>Justin Bieber	</a:t>
-            </a:r>
-          </a:p>
-          <a:p>
-            <a:pPr marL="342900" indent="-342900" algn="l">
-              <a:buFont typeface="Arial" panose="020B0604020202020204" pitchFamily="34" charset="0"/>
-              <a:buChar char="•"/>
-            </a:pPr>
-            <a:r>
-              <a:rPr lang="en-US" dirty="0"/>
-              <a:t>Justin Timberlake	</a:t>
-            </a:r>
-          </a:p>
-          <a:p>
-            <a:pPr marL="342900" indent="-342900" algn="l">
-              <a:buFont typeface="Arial" panose="020B0604020202020204" pitchFamily="34" charset="0"/>
-              <a:buChar char="•"/>
-            </a:pPr>
-            <a:r>
-              <a:rPr lang="en-US" dirty="0"/>
-              <a:t>Kanye West	</a:t>
-            </a:r>
-          </a:p>
-          <a:p>
-            <a:pPr marL="342900" indent="-342900" algn="l">
-              <a:buFont typeface="Arial" panose="020B0604020202020204" pitchFamily="34" charset="0"/>
-              <a:buChar char="•"/>
-            </a:pPr>
-            <a:r>
-              <a:rPr lang="en-US" dirty="0"/>
-              <a:t>Kendrick Lamar	</a:t>
-            </a:r>
-          </a:p>
-          <a:p>
-            <a:pPr marL="342900" indent="-342900" algn="l">
-              <a:buFont typeface="Arial" panose="020B0604020202020204" pitchFamily="34" charset="0"/>
-              <a:buChar char="•"/>
-            </a:pPr>
-            <a:r>
-              <a:rPr lang="en-US" dirty="0"/>
-              <a:t>Lady Gaga	</a:t>
-            </a:r>
-          </a:p>
-          <a:p>
-            <a:pPr marL="342900" indent="-342900" algn="l">
-              <a:buFont typeface="Arial" panose="020B0604020202020204" pitchFamily="34" charset="0"/>
-              <a:buChar char="•"/>
-            </a:pPr>
-            <a:r>
-              <a:rPr lang="en-US" dirty="0"/>
-              <a:t>Lil Wayne	</a:t>
-            </a:r>
-          </a:p>
-          <a:p>
-            <a:pPr marL="342900" indent="-342900" algn="l">
-              <a:buFont typeface="Arial" panose="020B0604020202020204" pitchFamily="34" charset="0"/>
-              <a:buChar char="•"/>
-            </a:pPr>
-            <a:r>
-              <a:rPr lang="en-US" dirty="0"/>
-              <a:t>Maroon 5	</a:t>
-            </a:r>
-          </a:p>
-          <a:p>
-            <a:pPr marL="342900" indent="-342900" algn="l">
-              <a:buFont typeface="Arial" panose="020B0604020202020204" pitchFamily="34" charset="0"/>
-              <a:buChar char="•"/>
-            </a:pPr>
-            <a:r>
-              <a:rPr lang="en-US" dirty="0"/>
-              <a:t>Nicki Minaj	</a:t>
-            </a:r>
-          </a:p>
-          <a:p>
-            <a:pPr marL="342900" indent="-342900" algn="l">
-              <a:buFont typeface="Arial" panose="020B0604020202020204" pitchFamily="34" charset="0"/>
-              <a:buChar char="•"/>
-            </a:pPr>
-            <a:r>
-              <a:rPr lang="en-US" dirty="0"/>
-              <a:t>Rihanna	</a:t>
-            </a:r>
-          </a:p>
-          <a:p>
-            <a:pPr marL="342900" indent="-342900" algn="l">
-              <a:buFont typeface="Arial" panose="020B0604020202020204" pitchFamily="34" charset="0"/>
-              <a:buChar char="•"/>
-            </a:pPr>
-            <a:r>
-              <a:rPr lang="en-US" dirty="0"/>
-              <a:t>Taylor Swift	</a:t>
-            </a:r>
-          </a:p>
-          <a:p>
-            <a:pPr marL="342900" indent="-342900" algn="l">
-              <a:buFont typeface="Arial" panose="020B0604020202020204" pitchFamily="34" charset="0"/>
-              <a:buChar char="•"/>
-            </a:pPr>
-            <a:r>
-              <a:rPr lang="en-US" dirty="0"/>
-              <a:t>The Chainsmokers	</a:t>
-            </a:r>
-          </a:p>
-          <a:p>
-            <a:pPr marL="342900" indent="-342900" algn="l">
-              <a:buFont typeface="Arial" panose="020B0604020202020204" pitchFamily="34" charset="0"/>
-              <a:buChar char="•"/>
-            </a:pPr>
-            <a:r>
-              <a:rPr lang="en-US" dirty="0"/>
-              <a:t>The </a:t>
-            </a:r>
-            <a:r>
-              <a:rPr lang="en-US" dirty="0" err="1"/>
-              <a:t>Weeknd</a:t>
-            </a:r>
-            <a:r>
-              <a:rPr lang="en-US" dirty="0"/>
-              <a:t>	</a:t>
-            </a:r>
-          </a:p>
-          <a:p>
-            <a:pPr marL="342900" indent="-342900" algn="l">
-              <a:buFont typeface="Arial" panose="020B0604020202020204" pitchFamily="34" charset="0"/>
-              <a:buChar char="•"/>
-            </a:pPr>
-            <a:r>
-              <a:rPr lang="en-US" dirty="0"/>
-              <a:t>Twenty-One Pilots	</a:t>
-            </a:r>
-          </a:p>
-          <a:p>
-            <a:pPr algn="l"/>
-            <a:endParaRPr lang="en-US" dirty="0"/>
-          </a:p>
-          <a:p>
-            <a:pPr marL="342900" indent="-342900" algn="l">
-              <a:buFont typeface="Arial" panose="020B0604020202020204" pitchFamily="34" charset="0"/>
-              <a:buChar char="•"/>
-            </a:pPr>
-            <a:endParaRPr lang="en-US" dirty="0"/>
-          </a:p>
-        </p:txBody>
-      </p:sp>
-      <p:pic>
-        <p:nvPicPr>
-          <p:cNvPr id="5" name="Picture 4">
-            <a:extLst>
-              <a:ext uri="{FF2B5EF4-FFF2-40B4-BE49-F238E27FC236}">
-                <a16:creationId xmlns:a16="http://schemas.microsoft.com/office/drawing/2014/main" id="{3AA4D6A2-7ABF-440E-9F1F-24D35E34D210}"/>
-              </a:ext>
-            </a:extLst>
-          </p:cNvPr>
-          <p:cNvPicPr>
-            <a:picLocks noChangeAspect="1"/>
-          </p:cNvPicPr>
-          <p:nvPr/>
-        </p:nvPicPr>
-        <p:blipFill>
-          <a:blip r:embed="rId2">
-            <a:extLst>
-              <a:ext uri="{28A0092B-C50C-407E-A947-70E740481C1C}">
-                <a14:useLocalDpi xmlns:a14="http://schemas.microsoft.com/office/drawing/2010/main" val="0"/>
-              </a:ext>
-            </a:extLst>
-          </a:blip>
-          <a:stretch>
-            <a:fillRect/>
-          </a:stretch>
-        </p:blipFill>
-        <p:spPr>
-          <a:xfrm>
-            <a:off x="181906" y="101037"/>
-            <a:ext cx="3517900" cy="2042651"/>
+            <a:off x="422030" y="0"/>
+            <a:ext cx="7877907" cy="584775"/>
           </a:xfrm>
           <a:prstGeom prst="rect">
             <a:avLst/>
           </a:prstGeom>
-          <a:ln>
-            <a:noFill/>
-          </a:ln>
-          <a:effectLst>
-            <a:reflection blurRad="12700" stA="30000" endPos="30000" dist="5000" dir="5400000" sy="-100000" algn="bl" rotWithShape="0"/>
-          </a:effectLst>
-          <a:scene3d>
-            <a:camera prst="perspectiveContrastingLeftFacing">
-              <a:rot lat="300000" lon="19800000" rev="0"/>
-            </a:camera>
-            <a:lightRig rig="threePt" dir="t">
-              <a:rot lat="0" lon="0" rev="2700000"/>
-            </a:lightRig>
-          </a:scene3d>
-          <a:sp3d>
-            <a:bevelT w="63500" h="50800"/>
-          </a:sp3d>
+          <a:noFill/>
         </p:spPr>
-      </p:pic>
+        <p:txBody>
+          <a:bodyPr wrap="square" rtlCol="0">
+            <a:spAutoFit/>
+          </a:bodyPr>
+          <a:lstStyle/>
+          <a:p>
+            <a:pPr marL="0" marR="0" lvl="0" indent="0" algn="l" defTabSz="457200" rtl="0" eaLnBrk="1" fontAlgn="auto" latinLnBrk="0" hangingPunct="1">
+              <a:lnSpc>
+                <a:spcPct val="100000"/>
+              </a:lnSpc>
+              <a:spcBef>
+                <a:spcPts val="0"/>
+              </a:spcBef>
+              <a:spcAft>
+                <a:spcPts val="0"/>
+              </a:spcAft>
+              <a:buClrTx/>
+              <a:buSzTx/>
+              <a:buFontTx/>
+              <a:buNone/>
+              <a:tabLst/>
+              <a:defRPr/>
+            </a:pPr>
+            <a:r>
+              <a:rPr kumimoji="0" lang="en-US" sz="3200" b="0" i="0" u="none" strike="noStrike" kern="1200" cap="none" spc="0" normalizeH="0" baseline="0" noProof="0" dirty="0">
+                <a:ln>
+                  <a:noFill/>
+                </a:ln>
+                <a:solidFill>
+                  <a:prstClr val="white"/>
+                </a:solidFill>
+                <a:effectLst/>
+                <a:uLnTx/>
+                <a:uFillTx/>
+                <a:latin typeface="Eurostile" panose="020B0704020202050204" pitchFamily="34" charset="0"/>
+                <a:ea typeface="+mn-ea"/>
+                <a:cs typeface="+mn-cs"/>
+              </a:rPr>
+              <a:t>Code Template: </a:t>
+            </a:r>
+          </a:p>
+        </p:txBody>
+      </p:sp>
     </p:spTree>
     <p:extLst>
       <p:ext uri="{BB962C8B-B14F-4D97-AF65-F5344CB8AC3E}">
-        <p14:creationId xmlns:p14="http://schemas.microsoft.com/office/powerpoint/2010/main" val="3884803032"/>
+        <p14:creationId xmlns:p14="http://schemas.microsoft.com/office/powerpoint/2010/main" val="1219229977"/>
       </p:ext>
     </p:extLst>
   </p:cSld>
   <p:clrMapOvr>
     <a:masterClrMapping/>
   </p:clrMapOvr>
-  <mc:AlternateContent xmlns:mc="http://schemas.openxmlformats.org/markup-compatibility/2006" xmlns:p14="http://schemas.microsoft.com/office/powerpoint/2010/main">
-    <mc:Choice Requires="p14">
-      <p:transition spd="slow" p14:dur="800">
-        <p:circle/>
-      </p:transition>
-    </mc:Choice>
-    <mc:Fallback xmlns="">
-      <p:transition spd="slow">
-        <p:circle/>
-      </p:transition>
-    </mc:Fallback>
-  </mc:AlternateContent>
 </p:sld>
 </file>
 
@@ -8460,10 +10567,103 @@
       </p:grpSpPr>
       <p:sp>
         <p:nvSpPr>
+          <p:cNvPr id="12" name="Rectangle 11">
+            <a:extLst>
+              <a:ext uri="{FF2B5EF4-FFF2-40B4-BE49-F238E27FC236}">
+                <a16:creationId xmlns:a16="http://schemas.microsoft.com/office/drawing/2014/main" id="{867D4867-5BA7-4462-B2F6-A23F4A622AA7}"/>
+              </a:ext>
+              <a:ext uri="{C183D7F6-B498-43B3-948B-1728B52AA6E4}">
+                <adec:decorative xmlns:adec="http://schemas.microsoft.com/office/drawing/2017/decorative" val="1"/>
+              </a:ext>
+            </a:extLst>
+          </p:cNvPr>
+          <p:cNvSpPr>
+            <a:spLocks noGrp="1" noRot="1" noChangeAspect="1" noMove="1" noResize="1" noEditPoints="1" noAdjustHandles="1" noChangeArrowheads="1" noChangeShapeType="1" noTextEdit="1"/>
+          </p:cNvSpPr>
+          <p:nvPr>
+            <p:extLst>
+              <p:ext uri="{386F3935-93C4-4BCD-93E2-E3B085C9AB24}">
+                <p16:designElem xmlns:p16="http://schemas.microsoft.com/office/powerpoint/2015/main" val="1"/>
+              </p:ext>
+            </p:extLst>
+          </p:nvPr>
+        </p:nvSpPr>
+        <p:spPr>
+          <a:xfrm>
+            <a:off x="0" y="0"/>
+            <a:ext cx="4654296" cy="6858000"/>
+          </a:xfrm>
+          <a:prstGeom prst="rect">
+            <a:avLst/>
+          </a:prstGeom>
+          <a:solidFill>
+            <a:schemeClr val="tx1">
+              <a:lumMod val="75000"/>
+              <a:lumOff val="25000"/>
+            </a:schemeClr>
+          </a:solidFill>
+          <a:ln>
+            <a:noFill/>
+          </a:ln>
+        </p:spPr>
+        <p:style>
+          <a:lnRef idx="0">
+            <a:scrgbClr r="0" g="0" b="0"/>
+          </a:lnRef>
+          <a:fillRef idx="0">
+            <a:scrgbClr r="0" g="0" b="0"/>
+          </a:fillRef>
+          <a:effectRef idx="0">
+            <a:scrgbClr r="0" g="0" b="0"/>
+          </a:effectRef>
+          <a:fontRef idx="minor">
+            <a:schemeClr val="lt1"/>
+          </a:fontRef>
+        </p:style>
+        <p:txBody>
+          <a:bodyPr rtlCol="0" anchor="ctr"/>
+          <a:lstStyle/>
+          <a:p>
+            <a:pPr marL="0" marR="0" lvl="0" indent="0" algn="ctr" defTabSz="457200" rtl="0" eaLnBrk="1" fontAlgn="auto" latinLnBrk="0" hangingPunct="1">
+              <a:lnSpc>
+                <a:spcPct val="100000"/>
+              </a:lnSpc>
+              <a:spcBef>
+                <a:spcPts val="0"/>
+              </a:spcBef>
+              <a:spcAft>
+                <a:spcPts val="0"/>
+              </a:spcAft>
+              <a:buClrTx/>
+              <a:buSzTx/>
+              <a:buFontTx/>
+              <a:buNone/>
+              <a:tabLst/>
+              <a:defRPr/>
+            </a:pPr>
+            <a:endParaRPr kumimoji="0" lang="en-US" sz="1800" b="0" i="0" u="none" strike="noStrike" kern="1200" cap="none" spc="0" normalizeH="0" baseline="0" noProof="0">
+              <a:ln>
+                <a:noFill/>
+              </a:ln>
+              <a:solidFill>
+                <a:prstClr val="white"/>
+              </a:solidFill>
+              <a:effectLst/>
+              <a:uLnTx/>
+              <a:uFillTx/>
+              <a:latin typeface="Calibri" panose="020F0502020204030204"/>
+              <a:ea typeface="+mn-ea"/>
+              <a:cs typeface="+mn-cs"/>
+            </a:endParaRPr>
+          </a:p>
+        </p:txBody>
+      </p:sp>
+      <p:sp>
+        <p:nvSpPr>
           <p:cNvPr id="2" name="Title 1">
             <a:extLst>
               <a:ext uri="{FF2B5EF4-FFF2-40B4-BE49-F238E27FC236}">
-                <a16:creationId xmlns:a16="http://schemas.microsoft.com/office/drawing/2014/main" id="{91F5C009-850A-4891-8FAD-D2F9036DE2E9}"/>
+                <a16:creationId xmlns:a16="http://schemas.microsoft.com/office/drawing/2014/main" id="{1747139D-934A-4E84-AA8E-9F1E4E78F02A}"/>
               </a:ext>
             </a:extLst>
           </p:cNvPr>
@@ -8471,40 +10671,45 @@
             <a:spLocks noGrp="1"/>
           </p:cNvSpPr>
           <p:nvPr>
-            <p:ph type="ctrTitle"/>
+            <p:ph type="title"/>
           </p:nvPr>
         </p:nvSpPr>
         <p:spPr>
           <a:xfrm>
-            <a:off x="4162425" y="364539"/>
-            <a:ext cx="7058025" cy="1655761"/>
+            <a:off x="643467" y="643467"/>
+            <a:ext cx="3363974" cy="1597315"/>
           </a:xfrm>
+          <a:noFill/>
+          <a:ln w="19050">
+            <a:solidFill>
+              <a:schemeClr val="bg1"/>
+            </a:solidFill>
+          </a:ln>
         </p:spPr>
         <p:txBody>
-          <a:bodyPr>
-            <a:normAutofit fontScale="90000"/>
+          <a:bodyPr wrap="square">
+            <a:normAutofit/>
           </a:bodyPr>
           <a:lstStyle/>
           <a:p>
-            <a:r>
-              <a:rPr lang="en-US" sz="6700" dirty="0">
-                <a:latin typeface="Eurostile" panose="020B0704020202050204" pitchFamily="34" charset="0"/>
+            <a:pPr algn="ctr"/>
+            <a:r>
+              <a:rPr lang="en-US" sz="2800">
+                <a:solidFill>
+                  <a:schemeClr val="bg1"/>
+                </a:solidFill>
               </a:rPr>
-              <a:t>2044 PREDICTIONS</a:t>
-            </a:r>
-            <a:br>
-              <a:rPr lang="en-US" dirty="0"/>
-            </a:br>
-            <a:endParaRPr lang="en-US" dirty="0"/>
+              <a:t>Support Vector Machines	</a:t>
+            </a:r>
           </a:p>
         </p:txBody>
       </p:sp>
       <p:sp>
         <p:nvSpPr>
-          <p:cNvPr id="3" name="Subtitle 2">
+          <p:cNvPr id="9" name="Content Placeholder 8">
             <a:extLst>
               <a:ext uri="{FF2B5EF4-FFF2-40B4-BE49-F238E27FC236}">
-                <a16:creationId xmlns:a16="http://schemas.microsoft.com/office/drawing/2014/main" id="{9828A2C6-0765-445B-8030-69399EDB59D7}"/>
+                <a16:creationId xmlns:a16="http://schemas.microsoft.com/office/drawing/2014/main" id="{0E8C4C7B-1AFD-47CE-98E1-CEEBA7F9F938}"/>
               </a:ext>
             </a:extLst>
           </p:cNvPr>
@@ -8512,93 +10717,68 @@
             <a:spLocks noGrp="1"/>
           </p:cNvSpPr>
           <p:nvPr>
-            <p:ph type="subTitle" idx="1"/>
+            <p:ph idx="1"/>
           </p:nvPr>
         </p:nvSpPr>
         <p:spPr>
           <a:xfrm>
-            <a:off x="1526959" y="2774158"/>
-            <a:ext cx="9161756" cy="3683792"/>
+            <a:off x="643468" y="2638044"/>
+            <a:ext cx="3363974" cy="3415622"/>
           </a:xfrm>
         </p:spPr>
         <p:txBody>
-          <a:bodyPr numCol="1">
+          <a:bodyPr>
             <a:normAutofit/>
           </a:bodyPr>
           <a:lstStyle/>
           <a:p>
-            <a:pPr marL="342900" indent="-342900" algn="l">
-              <a:buFont typeface="Arial" panose="020B0604020202020204" pitchFamily="34" charset="0"/>
-              <a:buChar char="•"/>
-            </a:pPr>
-            <a:r>
-              <a:rPr lang="en-US" sz="3600" dirty="0"/>
-              <a:t>Adele	</a:t>
-            </a:r>
-          </a:p>
-          <a:p>
-            <a:pPr marL="342900" indent="-342900" algn="l">
-              <a:buFont typeface="Arial" panose="020B0604020202020204" pitchFamily="34" charset="0"/>
-              <a:buChar char="•"/>
-            </a:pPr>
-            <a:r>
-              <a:rPr lang="en-US" sz="3600" dirty="0"/>
-              <a:t>Ariana Grande	</a:t>
-            </a:r>
-          </a:p>
-          <a:p>
-            <a:pPr marL="342900" indent="-342900" algn="l">
-              <a:buFont typeface="Arial" panose="020B0604020202020204" pitchFamily="34" charset="0"/>
-              <a:buChar char="•"/>
-            </a:pPr>
-            <a:r>
-              <a:rPr lang="en-US" sz="3600" dirty="0" err="1"/>
-              <a:t>Beyonce</a:t>
-            </a:r>
-            <a:r>
-              <a:rPr lang="en-US" sz="3600" dirty="0"/>
-              <a:t>	</a:t>
-            </a:r>
-          </a:p>
-          <a:p>
-            <a:pPr marL="342900" indent="-342900" algn="l">
-              <a:buFont typeface="Arial" panose="020B0604020202020204" pitchFamily="34" charset="0"/>
-              <a:buChar char="•"/>
-            </a:pPr>
-            <a:r>
-              <a:rPr lang="en-US" sz="3600" dirty="0"/>
-              <a:t>Bruno Mars	</a:t>
-            </a:r>
-          </a:p>
-          <a:p>
-            <a:pPr marL="342900" indent="-342900" algn="l">
-              <a:buFont typeface="Arial" panose="020B0604020202020204" pitchFamily="34" charset="0"/>
-              <a:buChar char="•"/>
-            </a:pPr>
-            <a:r>
-              <a:rPr lang="en-US" sz="3600" dirty="0"/>
-              <a:t>Calvin Harris</a:t>
-            </a:r>
-            <a:r>
-              <a:rPr lang="en-US" dirty="0"/>
-              <a:t>	</a:t>
-            </a:r>
-          </a:p>
-          <a:p>
-            <a:pPr marL="342900" indent="-342900" algn="l">
-              <a:buFont typeface="Arial" panose="020B0604020202020204" pitchFamily="34" charset="0"/>
-              <a:buChar char="•"/>
-            </a:pPr>
-            <a:endParaRPr lang="en-US" dirty="0"/>
+            <a:r>
+              <a:rPr lang="en-US" sz="2000" dirty="0">
+                <a:solidFill>
+                  <a:schemeClr val="bg1"/>
+                </a:solidFill>
+              </a:rPr>
+              <a:t>66% precision</a:t>
+            </a:r>
+          </a:p>
+          <a:p>
+            <a:r>
+              <a:rPr lang="en-US" sz="2000" dirty="0">
+                <a:solidFill>
+                  <a:schemeClr val="bg1"/>
+                </a:solidFill>
+              </a:rPr>
+              <a:t>72 correct predictions</a:t>
+            </a:r>
+          </a:p>
+          <a:p>
+            <a:r>
+              <a:rPr lang="en-US" sz="2000" dirty="0">
+                <a:solidFill>
+                  <a:schemeClr val="bg1"/>
+                </a:solidFill>
+              </a:rPr>
+              <a:t>36 incorrect predictions</a:t>
+            </a:r>
+          </a:p>
+          <a:p>
+            <a:r>
+              <a:rPr lang="en-US" sz="2000" dirty="0">
+                <a:solidFill>
+                  <a:schemeClr val="bg1"/>
+                </a:solidFill>
+              </a:rPr>
+              <a:t>Conclusion: We need a better model!</a:t>
+            </a:r>
           </a:p>
         </p:txBody>
       </p:sp>
       <p:pic>
         <p:nvPicPr>
-          <p:cNvPr id="5" name="Picture 4">
+          <p:cNvPr id="7" name="Content Placeholder 3">
             <a:extLst>
               <a:ext uri="{FF2B5EF4-FFF2-40B4-BE49-F238E27FC236}">
-                <a16:creationId xmlns:a16="http://schemas.microsoft.com/office/drawing/2014/main" id="{3AA4D6A2-7ABF-440E-9F1F-24D35E34D210}"/>
+                <a16:creationId xmlns:a16="http://schemas.microsoft.com/office/drawing/2014/main" id="{84ECB635-DCD4-4013-9174-59CCAF8C72B7}"/>
               </a:ext>
             </a:extLst>
           </p:cNvPr>
@@ -8608,66 +10788,31 @@
           <p:nvPr/>
         </p:nvPicPr>
         <p:blipFill>
-          <a:blip r:embed="rId2">
-            <a:extLst>
-              <a:ext uri="{28A0092B-C50C-407E-A947-70E740481C1C}">
-                <a14:useLocalDpi xmlns:a14="http://schemas.microsoft.com/office/drawing/2010/main" val="0"/>
-              </a:ext>
-            </a:extLst>
-          </a:blip>
+          <a:blip r:embed="rId2"/>
           <a:stretch>
             <a:fillRect/>
           </a:stretch>
         </p:blipFill>
         <p:spPr>
           <a:xfrm>
-            <a:off x="181906" y="101037"/>
-            <a:ext cx="3517900" cy="2042651"/>
+            <a:off x="5297763" y="1698363"/>
+            <a:ext cx="6250769" cy="3300406"/>
           </a:xfrm>
           <a:prstGeom prst="rect">
             <a:avLst/>
           </a:prstGeom>
-          <a:ln>
-            <a:noFill/>
-          </a:ln>
-          <a:effectLst>
-            <a:reflection blurRad="12700" stA="30000" endPos="30000" dist="5000" dir="5400000" sy="-100000" algn="bl" rotWithShape="0"/>
-          </a:effectLst>
-          <a:scene3d>
-            <a:camera prst="perspectiveContrastingLeftFacing">
-              <a:rot lat="300000" lon="19800000" rev="0"/>
-            </a:camera>
-            <a:lightRig rig="threePt" dir="t">
-              <a:rot lat="0" lon="0" rev="2700000"/>
-            </a:lightRig>
-          </a:scene3d>
-          <a:sp3d>
-            <a:bevelT w="63500" h="50800"/>
-          </a:sp3d>
         </p:spPr>
       </p:pic>
     </p:spTree>
     <p:extLst>
       <p:ext uri="{BB962C8B-B14F-4D97-AF65-F5344CB8AC3E}">
-        <p14:creationId xmlns:p14="http://schemas.microsoft.com/office/powerpoint/2010/main" val="732401564"/>
+        <p14:creationId xmlns:p14="http://schemas.microsoft.com/office/powerpoint/2010/main" val="3174073063"/>
       </p:ext>
     </p:extLst>
   </p:cSld>
   <p:clrMapOvr>
-    <a:masterClrMapping/>
+    <a:overrideClrMapping bg1="lt1" tx1="dk1" bg2="lt2" tx2="dk2" accent1="accent1" accent2="accent2" accent3="accent3" accent4="accent4" accent5="accent5" accent6="accent6" hlink="hlink" folHlink="folHlink"/>
   </p:clrMapOvr>
-  <mc:AlternateContent xmlns:mc="http://schemas.openxmlformats.org/markup-compatibility/2006" xmlns:p14="http://schemas.microsoft.com/office/powerpoint/2010/main">
-    <mc:Choice Requires="p14">
-      <p:transition spd="slow" p14:dur="800">
-        <p:circle/>
-      </p:transition>
-    </mc:Choice>
-    <mc:Fallback xmlns="">
-      <p:transition spd="slow">
-        <p:circle/>
-      </p:transition>
-    </mc:Fallback>
-  </mc:AlternateContent>
 </p:sld>
 </file>
 
